--- a/常见sketch算法.pptx
+++ b/常见sketch算法.pptx
@@ -7,10 +7,10 @@
     <p:sldMasterId id="2147483677" r:id="rId3"/>
   </p:sldMasterIdLst>
   <p:notesMasterIdLst>
-    <p:notesMasterId r:id="rId13"/>
+    <p:notesMasterId r:id="rId14"/>
   </p:notesMasterIdLst>
   <p:handoutMasterIdLst>
-    <p:handoutMasterId r:id="rId14"/>
+    <p:handoutMasterId r:id="rId15"/>
   </p:handoutMasterIdLst>
   <p:sldIdLst>
     <p:sldId id="256" r:id="rId4"/>
@@ -22,6 +22,7 @@
     <p:sldId id="263" r:id="rId10"/>
     <p:sldId id="265" r:id="rId11"/>
     <p:sldId id="264" r:id="rId12"/>
+    <p:sldId id="266" r:id="rId13"/>
   </p:sldIdLst>
   <p:sldSz cx="9144000" cy="6858000" type="screen4x3"/>
   <p:notesSz cx="6858000" cy="9144000"/>
@@ -209,7 +210,7 @@
           </a:lstStyle>
           <a:p>
             <a:fld id="{19916743-7912-8146-882A-8588933F35F2}" type="datetimeFigureOut">
-              <a:t>3/1/19</a:t>
+              <a:t>2019/3/2</a:t>
             </a:fld>
             <a:endParaRPr kumimoji="1" lang="zh-CN" altLang="en-US"/>
           </a:p>
@@ -372,7 +373,7 @@
           </a:lstStyle>
           <a:p>
             <a:fld id="{B8E88009-6766-1C47-BDD7-F497769F194E}" type="datetimeFigureOut">
-              <a:t>3/1/19</a:t>
+              <a:t>2019/3/2</a:t>
             </a:fld>
             <a:endParaRPr kumimoji="1" lang="zh-CN" altLang="en-US"/>
           </a:p>
@@ -636,6 +637,90 @@
     </a:lvl9pPr>
   </p:notesStyle>
 </p:notesMaster>
+</file>
+
+<file path=ppt/notesSlides/notesSlide1.xml><?xml version="1.0" encoding="utf-8"?>
+<p:notes xmlns:a="http://schemas.openxmlformats.org/drawingml/2006/main" xmlns:r="http://schemas.openxmlformats.org/officeDocument/2006/relationships" xmlns:p="http://schemas.openxmlformats.org/presentationml/2006/main">
+  <p:cSld>
+    <p:spTree>
+      <p:nvGrpSpPr>
+        <p:cNvPr id="1" name=""/>
+        <p:cNvGrpSpPr/>
+        <p:nvPr/>
+      </p:nvGrpSpPr>
+      <p:grpSpPr>
+        <a:xfrm>
+          <a:off x="0" y="0"/>
+          <a:ext cx="0" cy="0"/>
+          <a:chOff x="0" y="0"/>
+          <a:chExt cx="0" cy="0"/>
+        </a:xfrm>
+      </p:grpSpPr>
+      <p:sp>
+        <p:nvSpPr>
+          <p:cNvPr id="2" name="幻灯片图像占位符 1"/>
+          <p:cNvSpPr>
+            <a:spLocks noGrp="1" noRot="1" noChangeAspect="1"/>
+          </p:cNvSpPr>
+          <p:nvPr>
+            <p:ph type="sldImg"/>
+          </p:nvPr>
+        </p:nvSpPr>
+        <p:spPr/>
+      </p:sp>
+      <p:sp>
+        <p:nvSpPr>
+          <p:cNvPr id="3" name="备注占位符 2"/>
+          <p:cNvSpPr>
+            <a:spLocks noGrp="1"/>
+          </p:cNvSpPr>
+          <p:nvPr>
+            <p:ph type="body" idx="1"/>
+          </p:nvPr>
+        </p:nvSpPr>
+        <p:spPr/>
+        <p:txBody>
+          <a:bodyPr/>
+          <a:lstStyle/>
+          <a:p>
+            <a:endParaRPr kumimoji="1" lang="zh-CN" altLang="en-US"/>
+          </a:p>
+        </p:txBody>
+      </p:sp>
+      <p:sp>
+        <p:nvSpPr>
+          <p:cNvPr id="4" name="幻灯片编号占位符 3"/>
+          <p:cNvSpPr>
+            <a:spLocks noGrp="1"/>
+          </p:cNvSpPr>
+          <p:nvPr>
+            <p:ph type="sldNum" sz="quarter" idx="10"/>
+          </p:nvPr>
+        </p:nvSpPr>
+        <p:spPr/>
+        <p:txBody>
+          <a:bodyPr/>
+          <a:lstStyle/>
+          <a:p>
+            <a:fld id="{0584BD34-D176-C348-8AB0-78FD87C6D9AC}" type="slidenum">
+              <a:rPr lang="uk-UA"/>
+              <a:t>10</a:t>
+            </a:fld>
+            <a:endParaRPr kumimoji="1" lang="uk-UA" altLang="zh-CN"/>
+          </a:p>
+        </p:txBody>
+      </p:sp>
+    </p:spTree>
+    <p:extLst>
+      <p:ext uri="{BB962C8B-B14F-4D97-AF65-F5344CB8AC3E}">
+        <p14:creationId xmlns:p14="http://schemas.microsoft.com/office/powerpoint/2010/main" val="1397716978"/>
+      </p:ext>
+    </p:extLst>
+  </p:cSld>
+  <p:clrMapOvr>
+    <a:masterClrMapping/>
+  </p:clrMapOvr>
+</p:notes>
 </file>
 
 <file path=ppt/slideLayouts/slideLayout1.xml><?xml version="1.0" encoding="utf-8"?>
@@ -1357,7 +1442,7 @@
           </a:lstStyle>
           <a:p>
             <a:fld id="{47FC5E05-805F-874C-AAD4-345962CC2E75}" type="datetimeFigureOut">
-              <a:t>3/1/19</a:t>
+              <a:t>2019/3/2</a:t>
             </a:fld>
             <a:endParaRPr kumimoji="1" lang="zh-CN" altLang="en-US"/>
           </a:p>
@@ -1883,7 +1968,7 @@
           </a:lstStyle>
           <a:p>
             <a:fld id="{D030A662-2711-4648-B529-91799B66188F}" type="datetimeFigureOut">
-              <a:t>3/1/19</a:t>
+              <a:t>2019/3/2</a:t>
             </a:fld>
             <a:endParaRPr kumimoji="1" lang="zh-CN" altLang="en-US"/>
           </a:p>
@@ -2409,7 +2494,7 @@
           </a:lstStyle>
           <a:p>
             <a:fld id="{C1AE3D7B-A854-A645-BEE3-3BB7EDC54EED}" type="datetimeFigureOut">
-              <a:t>3/1/19</a:t>
+              <a:t>2019/3/2</a:t>
             </a:fld>
             <a:endParaRPr kumimoji="1" lang="zh-CN" altLang="en-US"/>
           </a:p>
@@ -2883,6 +2968,4853 @@
 </p:sld>
 </file>
 
+<file path=ppt/slides/slide10.xml><?xml version="1.0" encoding="utf-8"?>
+<p:sld xmlns:a="http://schemas.openxmlformats.org/drawingml/2006/main" xmlns:r="http://schemas.openxmlformats.org/officeDocument/2006/relationships" xmlns:p="http://schemas.openxmlformats.org/presentationml/2006/main">
+  <p:cSld>
+    <p:spTree>
+      <p:nvGrpSpPr>
+        <p:cNvPr id="1" name=""/>
+        <p:cNvGrpSpPr/>
+        <p:nvPr/>
+      </p:nvGrpSpPr>
+      <p:grpSpPr>
+        <a:xfrm>
+          <a:off x="0" y="0"/>
+          <a:ext cx="0" cy="0"/>
+          <a:chOff x="0" y="0"/>
+          <a:chExt cx="0" cy="0"/>
+        </a:xfrm>
+      </p:grpSpPr>
+      <p:sp>
+        <p:nvSpPr>
+          <p:cNvPr id="2" name="标题 1"/>
+          <p:cNvSpPr>
+            <a:spLocks noGrp="1"/>
+          </p:cNvSpPr>
+          <p:nvPr>
+            <p:ph type="title"/>
+          </p:nvPr>
+        </p:nvSpPr>
+        <p:spPr/>
+        <p:txBody>
+          <a:bodyPr/>
+          <a:lstStyle/>
+          <a:p>
+            <a:r>
+              <a:rPr kumimoji="1" lang="en-US" altLang="zh-CN"/>
+              <a:t>Coded Bloom Filter</a:t>
+            </a:r>
+            <a:endParaRPr kumimoji="1" lang="zh-CN" altLang="en-US"/>
+          </a:p>
+        </p:txBody>
+      </p:sp>
+      <p:sp>
+        <p:nvSpPr>
+          <p:cNvPr id="4" name="内容占位符 2"/>
+          <p:cNvSpPr>
+            <a:spLocks noGrp="1"/>
+          </p:cNvSpPr>
+          <p:nvPr>
+            <p:ph idx="1"/>
+          </p:nvPr>
+        </p:nvSpPr>
+        <p:spPr>
+          <a:xfrm>
+            <a:off x="358775" y="1142659"/>
+            <a:ext cx="8011502" cy="1614610"/>
+          </a:xfrm>
+        </p:spPr>
+        <p:txBody>
+          <a:bodyPr>
+            <a:normAutofit/>
+          </a:bodyPr>
+          <a:lstStyle/>
+          <a:p>
+            <a:pPr>
+              <a:spcBef>
+                <a:spcPts val="0"/>
+              </a:spcBef>
+              <a:defRPr/>
+            </a:pPr>
+            <a:r>
+              <a:rPr kumimoji="1" lang="zh-CN" altLang="en-US" sz="2000"/>
+              <a:t>作用：多集合元素存在性查询</a:t>
+            </a:r>
+            <a:endParaRPr kumimoji="1" lang="en-US" altLang="zh-CN" sz="2000"/>
+          </a:p>
+          <a:p>
+            <a:pPr>
+              <a:spcBef>
+                <a:spcPts val="0"/>
+              </a:spcBef>
+              <a:defRPr/>
+            </a:pPr>
+            <a:r>
+              <a:rPr kumimoji="1" lang="en-US" altLang="zh-CN" sz="2000"/>
+              <a:t>Motivation</a:t>
+            </a:r>
+            <a:r>
+              <a:rPr kumimoji="1" lang="zh-CN" altLang="en-US" sz="2000"/>
+              <a:t>：</a:t>
+            </a:r>
+            <a:r>
+              <a:rPr kumimoji="1" lang="en-US" altLang="zh-CN" sz="2000"/>
+              <a:t>Summary</a:t>
+            </a:r>
+            <a:r>
+              <a:rPr kumimoji="1" lang="zh-CN" altLang="en-US" sz="2000"/>
+              <a:t> </a:t>
+            </a:r>
+            <a:r>
+              <a:rPr kumimoji="1" lang="en-US" altLang="zh-CN" sz="2000"/>
+              <a:t>Cache</a:t>
+            </a:r>
+            <a:r>
+              <a:rPr kumimoji="1" lang="zh-CN" altLang="en-US" sz="2000"/>
+              <a:t>很费空间（</a:t>
+            </a:r>
+            <a:r>
+              <a:rPr kumimoji="1" lang="en-US" altLang="zh-CN" sz="2000"/>
+              <a:t>s</a:t>
+            </a:r>
+            <a:r>
+              <a:rPr kumimoji="1" lang="zh-CN" altLang="en-US" sz="2000"/>
+              <a:t>个</a:t>
+            </a:r>
+            <a:r>
+              <a:rPr kumimoji="1" lang="en-US" altLang="zh-CN" sz="2000"/>
+              <a:t>bloom</a:t>
+            </a:r>
+            <a:r>
+              <a:rPr kumimoji="1" lang="zh-CN" altLang="en-US" sz="2000"/>
+              <a:t> </a:t>
+            </a:r>
+            <a:r>
+              <a:rPr kumimoji="1" lang="en-US" altLang="zh-CN" sz="2000"/>
+              <a:t>filter</a:t>
+            </a:r>
+            <a:r>
+              <a:rPr kumimoji="1" lang="zh-CN" altLang="en-US" sz="2000"/>
+              <a:t>）</a:t>
+            </a:r>
+            <a:endParaRPr kumimoji="1" lang="en-US" altLang="zh-CN" sz="2000"/>
+          </a:p>
+          <a:p>
+            <a:pPr>
+              <a:spcBef>
+                <a:spcPts val="0"/>
+              </a:spcBef>
+              <a:defRPr/>
+            </a:pPr>
+            <a:r>
+              <a:rPr kumimoji="1" lang="zh-CN" altLang="en-US" sz="2000"/>
+              <a:t>改进：集合用序号表示，每个</a:t>
+            </a:r>
+            <a:r>
+              <a:rPr kumimoji="1" lang="en-US" altLang="zh-CN" sz="2000"/>
+              <a:t>bloom</a:t>
+            </a:r>
+            <a:r>
+              <a:rPr kumimoji="1" lang="zh-CN" altLang="en-US" sz="2000"/>
+              <a:t> </a:t>
+            </a:r>
+            <a:r>
+              <a:rPr kumimoji="1" lang="en-US" altLang="zh-CN" sz="2000"/>
+              <a:t>filter</a:t>
+            </a:r>
+            <a:r>
+              <a:rPr kumimoji="1" lang="zh-CN" altLang="en-US" sz="2000"/>
+              <a:t>表示集合</a:t>
+            </a:r>
+            <a:r>
+              <a:rPr kumimoji="1" lang="en-US" altLang="zh-CN" sz="2000"/>
+              <a:t>ID</a:t>
+            </a:r>
+            <a:r>
+              <a:rPr kumimoji="1" lang="zh-CN" altLang="en-US" sz="2000"/>
+              <a:t>的一个比特</a:t>
+            </a:r>
+            <a:endParaRPr kumimoji="1" lang="en-US" altLang="zh-CN" sz="2000"/>
+          </a:p>
+          <a:p>
+            <a:pPr>
+              <a:spcBef>
+                <a:spcPts val="0"/>
+              </a:spcBef>
+              <a:defRPr/>
+            </a:pPr>
+            <a:endParaRPr kumimoji="1" lang="en-US" altLang="zh-CN" sz="2000"/>
+          </a:p>
+          <a:p>
+            <a:pPr>
+              <a:spcBef>
+                <a:spcPts val="0"/>
+              </a:spcBef>
+              <a:defRPr/>
+            </a:pPr>
+            <a:endParaRPr kumimoji="1" lang="en-US" altLang="zh-CN" sz="2000"/>
+          </a:p>
+          <a:p>
+            <a:pPr>
+              <a:spcBef>
+                <a:spcPts val="0"/>
+              </a:spcBef>
+              <a:defRPr/>
+            </a:pPr>
+            <a:endParaRPr kumimoji="1" lang="en-US" altLang="zh-CN" sz="2000"/>
+          </a:p>
+          <a:p>
+            <a:pPr>
+              <a:spcBef>
+                <a:spcPts val="0"/>
+              </a:spcBef>
+              <a:defRPr/>
+            </a:pPr>
+            <a:endParaRPr kumimoji="1" lang="en-US" altLang="zh-CN" sz="2000"/>
+          </a:p>
+          <a:p>
+            <a:pPr>
+              <a:spcBef>
+                <a:spcPts val="0"/>
+              </a:spcBef>
+              <a:defRPr/>
+            </a:pPr>
+            <a:endParaRPr kumimoji="1" lang="en-US" altLang="zh-CN" sz="2000"/>
+          </a:p>
+          <a:p>
+            <a:pPr>
+              <a:spcBef>
+                <a:spcPts val="0"/>
+              </a:spcBef>
+              <a:defRPr/>
+            </a:pPr>
+            <a:endParaRPr kumimoji="1" lang="en-US" altLang="zh-CN" sz="2000"/>
+          </a:p>
+          <a:p>
+            <a:pPr>
+              <a:spcBef>
+                <a:spcPts val="0"/>
+              </a:spcBef>
+              <a:defRPr/>
+            </a:pPr>
+            <a:endParaRPr kumimoji="1" lang="en-US" altLang="zh-CN" sz="2000"/>
+          </a:p>
+          <a:p>
+            <a:pPr>
+              <a:spcBef>
+                <a:spcPts val="0"/>
+              </a:spcBef>
+              <a:defRPr/>
+            </a:pPr>
+            <a:endParaRPr kumimoji="1" lang="en-US" altLang="zh-CN" sz="2000"/>
+          </a:p>
+          <a:p>
+            <a:pPr>
+              <a:spcBef>
+                <a:spcPts val="0"/>
+              </a:spcBef>
+              <a:defRPr/>
+            </a:pPr>
+            <a:endParaRPr kumimoji="1" lang="en-US" altLang="zh-CN" sz="2000"/>
+          </a:p>
+          <a:p>
+            <a:pPr>
+              <a:spcBef>
+                <a:spcPts val="0"/>
+              </a:spcBef>
+              <a:defRPr/>
+            </a:pPr>
+            <a:endParaRPr kumimoji="1" lang="en-US" altLang="zh-CN" sz="2000"/>
+          </a:p>
+          <a:p>
+            <a:pPr>
+              <a:spcBef>
+                <a:spcPts val="0"/>
+              </a:spcBef>
+              <a:defRPr/>
+            </a:pPr>
+            <a:endParaRPr kumimoji="1" lang="en-US" altLang="zh-CN" sz="2000"/>
+          </a:p>
+          <a:p>
+            <a:pPr>
+              <a:spcBef>
+                <a:spcPts val="0"/>
+              </a:spcBef>
+              <a:defRPr/>
+            </a:pPr>
+            <a:endParaRPr kumimoji="1" lang="en-US" altLang="zh-CN" sz="2000"/>
+          </a:p>
+        </p:txBody>
+      </p:sp>
+      <p:graphicFrame>
+        <p:nvGraphicFramePr>
+          <p:cNvPr id="5" name="表格 4"/>
+          <p:cNvGraphicFramePr>
+            <a:graphicFrameLocks noGrp="1"/>
+          </p:cNvGraphicFramePr>
+          <p:nvPr>
+            <p:extLst>
+              <p:ext uri="{D42A27DB-BD31-4B8C-83A1-F6EECF244321}">
+                <p14:modId xmlns:p14="http://schemas.microsoft.com/office/powerpoint/2010/main" val="2100522075"/>
+              </p:ext>
+            </p:extLst>
+          </p:nvPr>
+        </p:nvGraphicFramePr>
+        <p:xfrm>
+          <a:off x="2316736" y="3053987"/>
+          <a:ext cx="360000" cy="2937600"/>
+        </p:xfrm>
+        <a:graphic>
+          <a:graphicData uri="http://schemas.openxmlformats.org/drawingml/2006/table">
+            <a:tbl>
+              <a:tblPr firstRow="1" bandRow="1">
+                <a:tableStyleId>{5C22544A-7EE6-4342-B048-85BDC9FD1C3A}</a:tableStyleId>
+              </a:tblPr>
+              <a:tblGrid>
+                <a:gridCol w="360000"/>
+              </a:tblGrid>
+              <a:tr h="367200">
+                <a:tc>
+                  <a:txBody>
+                    <a:bodyPr/>
+                    <a:lstStyle/>
+                    <a:p>
+                      <a:pPr algn="ctr"/>
+                      <a:endParaRPr lang="zh-CN" altLang="en-US" b="1">
+                        <a:solidFill>
+                          <a:schemeClr val="tx1"/>
+                        </a:solidFill>
+                      </a:endParaRPr>
+                    </a:p>
+                  </a:txBody>
+                  <a:tcPr>
+                    <a:lnL w="12700" cap="flat" cmpd="sng" algn="ctr">
+                      <a:solidFill>
+                        <a:schemeClr val="tx1"/>
+                      </a:solidFill>
+                      <a:prstDash val="solid"/>
+                      <a:round/>
+                      <a:headEnd type="none" w="med" len="med"/>
+                      <a:tailEnd type="none" w="med" len="med"/>
+                    </a:lnL>
+                    <a:lnR w="12700" cap="flat" cmpd="sng" algn="ctr">
+                      <a:solidFill>
+                        <a:schemeClr val="tx1"/>
+                      </a:solidFill>
+                      <a:prstDash val="solid"/>
+                      <a:round/>
+                      <a:headEnd type="none" w="med" len="med"/>
+                      <a:tailEnd type="none" w="med" len="med"/>
+                    </a:lnR>
+                    <a:lnT w="12700" cap="flat" cmpd="sng" algn="ctr">
+                      <a:solidFill>
+                        <a:schemeClr val="tx1"/>
+                      </a:solidFill>
+                      <a:prstDash val="solid"/>
+                      <a:round/>
+                      <a:headEnd type="none" w="med" len="med"/>
+                      <a:tailEnd type="none" w="med" len="med"/>
+                    </a:lnT>
+                    <a:lnB w="12700" cap="flat" cmpd="sng" algn="ctr">
+                      <a:solidFill>
+                        <a:schemeClr val="tx1"/>
+                      </a:solidFill>
+                      <a:prstDash val="solid"/>
+                      <a:round/>
+                      <a:headEnd type="none" w="med" len="med"/>
+                      <a:tailEnd type="none" w="med" len="med"/>
+                    </a:lnB>
+                    <a:solidFill>
+                      <a:schemeClr val="bg1">
+                        <a:lumMod val="95000"/>
+                      </a:schemeClr>
+                    </a:solidFill>
+                  </a:tcPr>
+                </a:tc>
+              </a:tr>
+              <a:tr h="367200">
+                <a:tc>
+                  <a:txBody>
+                    <a:bodyPr/>
+                    <a:lstStyle/>
+                    <a:p>
+                      <a:pPr algn="ctr"/>
+                      <a:endParaRPr lang="zh-CN" altLang="en-US" b="1">
+                        <a:solidFill>
+                          <a:schemeClr val="tx1"/>
+                        </a:solidFill>
+                      </a:endParaRPr>
+                    </a:p>
+                  </a:txBody>
+                  <a:tcPr>
+                    <a:lnL w="12700" cap="flat" cmpd="sng" algn="ctr">
+                      <a:solidFill>
+                        <a:schemeClr val="tx1"/>
+                      </a:solidFill>
+                      <a:prstDash val="solid"/>
+                      <a:round/>
+                      <a:headEnd type="none" w="med" len="med"/>
+                      <a:tailEnd type="none" w="med" len="med"/>
+                    </a:lnL>
+                    <a:lnR w="12700" cap="flat" cmpd="sng" algn="ctr">
+                      <a:solidFill>
+                        <a:schemeClr val="tx1"/>
+                      </a:solidFill>
+                      <a:prstDash val="solid"/>
+                      <a:round/>
+                      <a:headEnd type="none" w="med" len="med"/>
+                      <a:tailEnd type="none" w="med" len="med"/>
+                    </a:lnR>
+                    <a:lnT w="12700" cap="flat" cmpd="sng" algn="ctr">
+                      <a:solidFill>
+                        <a:schemeClr val="tx1"/>
+                      </a:solidFill>
+                      <a:prstDash val="solid"/>
+                      <a:round/>
+                      <a:headEnd type="none" w="med" len="med"/>
+                      <a:tailEnd type="none" w="med" len="med"/>
+                    </a:lnT>
+                    <a:lnB w="12700" cap="flat" cmpd="sng" algn="ctr">
+                      <a:solidFill>
+                        <a:schemeClr val="tx1"/>
+                      </a:solidFill>
+                      <a:prstDash val="solid"/>
+                      <a:round/>
+                      <a:headEnd type="none" w="med" len="med"/>
+                      <a:tailEnd type="none" w="med" len="med"/>
+                    </a:lnB>
+                    <a:solidFill>
+                      <a:schemeClr val="bg1">
+                        <a:lumMod val="95000"/>
+                      </a:schemeClr>
+                    </a:solidFill>
+                  </a:tcPr>
+                </a:tc>
+              </a:tr>
+              <a:tr h="367200">
+                <a:tc>
+                  <a:txBody>
+                    <a:bodyPr/>
+                    <a:lstStyle/>
+                    <a:p>
+                      <a:pPr algn="ctr"/>
+                      <a:endParaRPr lang="zh-CN" altLang="en-US" b="1">
+                        <a:solidFill>
+                          <a:schemeClr val="tx1"/>
+                        </a:solidFill>
+                      </a:endParaRPr>
+                    </a:p>
+                  </a:txBody>
+                  <a:tcPr>
+                    <a:lnL w="12700" cap="flat" cmpd="sng" algn="ctr">
+                      <a:solidFill>
+                        <a:schemeClr val="tx1"/>
+                      </a:solidFill>
+                      <a:prstDash val="solid"/>
+                      <a:round/>
+                      <a:headEnd type="none" w="med" len="med"/>
+                      <a:tailEnd type="none" w="med" len="med"/>
+                    </a:lnL>
+                    <a:lnR w="12700" cap="flat" cmpd="sng" algn="ctr">
+                      <a:solidFill>
+                        <a:schemeClr val="tx1"/>
+                      </a:solidFill>
+                      <a:prstDash val="solid"/>
+                      <a:round/>
+                      <a:headEnd type="none" w="med" len="med"/>
+                      <a:tailEnd type="none" w="med" len="med"/>
+                    </a:lnR>
+                    <a:lnT w="12700" cap="flat" cmpd="sng" algn="ctr">
+                      <a:solidFill>
+                        <a:schemeClr val="tx1"/>
+                      </a:solidFill>
+                      <a:prstDash val="solid"/>
+                      <a:round/>
+                      <a:headEnd type="none" w="med" len="med"/>
+                      <a:tailEnd type="none" w="med" len="med"/>
+                    </a:lnT>
+                    <a:lnB w="12700" cap="flat" cmpd="sng" algn="ctr">
+                      <a:solidFill>
+                        <a:schemeClr val="tx1"/>
+                      </a:solidFill>
+                      <a:prstDash val="solid"/>
+                      <a:round/>
+                      <a:headEnd type="none" w="med" len="med"/>
+                      <a:tailEnd type="none" w="med" len="med"/>
+                    </a:lnB>
+                    <a:solidFill>
+                      <a:schemeClr val="bg1">
+                        <a:lumMod val="95000"/>
+                      </a:schemeClr>
+                    </a:solidFill>
+                  </a:tcPr>
+                </a:tc>
+              </a:tr>
+              <a:tr h="367200">
+                <a:tc>
+                  <a:txBody>
+                    <a:bodyPr/>
+                    <a:lstStyle/>
+                    <a:p>
+                      <a:pPr algn="ctr"/>
+                      <a:endParaRPr lang="zh-CN" altLang="en-US" b="1">
+                        <a:solidFill>
+                          <a:schemeClr val="tx1"/>
+                        </a:solidFill>
+                      </a:endParaRPr>
+                    </a:p>
+                  </a:txBody>
+                  <a:tcPr>
+                    <a:lnL w="12700" cap="flat" cmpd="sng" algn="ctr">
+                      <a:solidFill>
+                        <a:schemeClr val="tx1"/>
+                      </a:solidFill>
+                      <a:prstDash val="solid"/>
+                      <a:round/>
+                      <a:headEnd type="none" w="med" len="med"/>
+                      <a:tailEnd type="none" w="med" len="med"/>
+                    </a:lnL>
+                    <a:lnR w="12700" cap="flat" cmpd="sng" algn="ctr">
+                      <a:solidFill>
+                        <a:schemeClr val="tx1"/>
+                      </a:solidFill>
+                      <a:prstDash val="solid"/>
+                      <a:round/>
+                      <a:headEnd type="none" w="med" len="med"/>
+                      <a:tailEnd type="none" w="med" len="med"/>
+                    </a:lnR>
+                    <a:lnT w="12700" cap="flat" cmpd="sng" algn="ctr">
+                      <a:solidFill>
+                        <a:schemeClr val="tx1"/>
+                      </a:solidFill>
+                      <a:prstDash val="solid"/>
+                      <a:round/>
+                      <a:headEnd type="none" w="med" len="med"/>
+                      <a:tailEnd type="none" w="med" len="med"/>
+                    </a:lnT>
+                    <a:lnB w="12700" cap="flat" cmpd="sng" algn="ctr">
+                      <a:solidFill>
+                        <a:schemeClr val="tx1"/>
+                      </a:solidFill>
+                      <a:prstDash val="solid"/>
+                      <a:round/>
+                      <a:headEnd type="none" w="med" len="med"/>
+                      <a:tailEnd type="none" w="med" len="med"/>
+                    </a:lnB>
+                    <a:solidFill>
+                      <a:schemeClr val="bg1">
+                        <a:lumMod val="95000"/>
+                      </a:schemeClr>
+                    </a:solidFill>
+                  </a:tcPr>
+                </a:tc>
+              </a:tr>
+              <a:tr h="367200">
+                <a:tc>
+                  <a:txBody>
+                    <a:bodyPr/>
+                    <a:lstStyle/>
+                    <a:p>
+                      <a:pPr algn="ctr"/>
+                      <a:endParaRPr lang="zh-CN" altLang="en-US" b="1">
+                        <a:solidFill>
+                          <a:schemeClr val="tx1"/>
+                        </a:solidFill>
+                      </a:endParaRPr>
+                    </a:p>
+                  </a:txBody>
+                  <a:tcPr>
+                    <a:lnL w="12700" cap="flat" cmpd="sng" algn="ctr">
+                      <a:solidFill>
+                        <a:schemeClr val="tx1"/>
+                      </a:solidFill>
+                      <a:prstDash val="solid"/>
+                      <a:round/>
+                      <a:headEnd type="none" w="med" len="med"/>
+                      <a:tailEnd type="none" w="med" len="med"/>
+                    </a:lnL>
+                    <a:lnR w="12700" cap="flat" cmpd="sng" algn="ctr">
+                      <a:solidFill>
+                        <a:schemeClr val="tx1"/>
+                      </a:solidFill>
+                      <a:prstDash val="solid"/>
+                      <a:round/>
+                      <a:headEnd type="none" w="med" len="med"/>
+                      <a:tailEnd type="none" w="med" len="med"/>
+                    </a:lnR>
+                    <a:lnT w="12700" cap="flat" cmpd="sng" algn="ctr">
+                      <a:solidFill>
+                        <a:schemeClr val="tx1"/>
+                      </a:solidFill>
+                      <a:prstDash val="solid"/>
+                      <a:round/>
+                      <a:headEnd type="none" w="med" len="med"/>
+                      <a:tailEnd type="none" w="med" len="med"/>
+                    </a:lnT>
+                    <a:lnB w="12700" cap="flat" cmpd="sng" algn="ctr">
+                      <a:solidFill>
+                        <a:schemeClr val="tx1"/>
+                      </a:solidFill>
+                      <a:prstDash val="solid"/>
+                      <a:round/>
+                      <a:headEnd type="none" w="med" len="med"/>
+                      <a:tailEnd type="none" w="med" len="med"/>
+                    </a:lnB>
+                    <a:solidFill>
+                      <a:schemeClr val="bg1">
+                        <a:lumMod val="95000"/>
+                      </a:schemeClr>
+                    </a:solidFill>
+                  </a:tcPr>
+                </a:tc>
+              </a:tr>
+              <a:tr h="367200">
+                <a:tc>
+                  <a:txBody>
+                    <a:bodyPr/>
+                    <a:lstStyle/>
+                    <a:p>
+                      <a:pPr algn="ctr"/>
+                      <a:endParaRPr lang="zh-CN" altLang="en-US" b="1">
+                        <a:solidFill>
+                          <a:schemeClr val="tx1"/>
+                        </a:solidFill>
+                      </a:endParaRPr>
+                    </a:p>
+                  </a:txBody>
+                  <a:tcPr>
+                    <a:lnL w="12700" cap="flat" cmpd="sng" algn="ctr">
+                      <a:solidFill>
+                        <a:schemeClr val="tx1"/>
+                      </a:solidFill>
+                      <a:prstDash val="solid"/>
+                      <a:round/>
+                      <a:headEnd type="none" w="med" len="med"/>
+                      <a:tailEnd type="none" w="med" len="med"/>
+                    </a:lnL>
+                    <a:lnR w="12700" cap="flat" cmpd="sng" algn="ctr">
+                      <a:solidFill>
+                        <a:schemeClr val="tx1"/>
+                      </a:solidFill>
+                      <a:prstDash val="solid"/>
+                      <a:round/>
+                      <a:headEnd type="none" w="med" len="med"/>
+                      <a:tailEnd type="none" w="med" len="med"/>
+                    </a:lnR>
+                    <a:lnT w="12700" cap="flat" cmpd="sng" algn="ctr">
+                      <a:solidFill>
+                        <a:schemeClr val="tx1"/>
+                      </a:solidFill>
+                      <a:prstDash val="solid"/>
+                      <a:round/>
+                      <a:headEnd type="none" w="med" len="med"/>
+                      <a:tailEnd type="none" w="med" len="med"/>
+                    </a:lnT>
+                    <a:lnB w="12700" cap="flat" cmpd="sng" algn="ctr">
+                      <a:solidFill>
+                        <a:schemeClr val="tx1"/>
+                      </a:solidFill>
+                      <a:prstDash val="solid"/>
+                      <a:round/>
+                      <a:headEnd type="none" w="med" len="med"/>
+                      <a:tailEnd type="none" w="med" len="med"/>
+                    </a:lnB>
+                    <a:solidFill>
+                      <a:schemeClr val="bg1">
+                        <a:lumMod val="95000"/>
+                      </a:schemeClr>
+                    </a:solidFill>
+                  </a:tcPr>
+                </a:tc>
+              </a:tr>
+              <a:tr h="367200">
+                <a:tc>
+                  <a:txBody>
+                    <a:bodyPr/>
+                    <a:lstStyle/>
+                    <a:p>
+                      <a:pPr algn="ctr"/>
+                      <a:endParaRPr lang="zh-CN" altLang="en-US" b="1">
+                        <a:solidFill>
+                          <a:schemeClr val="tx1"/>
+                        </a:solidFill>
+                      </a:endParaRPr>
+                    </a:p>
+                  </a:txBody>
+                  <a:tcPr>
+                    <a:lnL w="12700" cap="flat" cmpd="sng" algn="ctr">
+                      <a:solidFill>
+                        <a:schemeClr val="tx1"/>
+                      </a:solidFill>
+                      <a:prstDash val="solid"/>
+                      <a:round/>
+                      <a:headEnd type="none" w="med" len="med"/>
+                      <a:tailEnd type="none" w="med" len="med"/>
+                    </a:lnL>
+                    <a:lnR w="12700" cap="flat" cmpd="sng" algn="ctr">
+                      <a:solidFill>
+                        <a:schemeClr val="tx1"/>
+                      </a:solidFill>
+                      <a:prstDash val="solid"/>
+                      <a:round/>
+                      <a:headEnd type="none" w="med" len="med"/>
+                      <a:tailEnd type="none" w="med" len="med"/>
+                    </a:lnR>
+                    <a:lnT w="12700" cap="flat" cmpd="sng" algn="ctr">
+                      <a:solidFill>
+                        <a:schemeClr val="tx1"/>
+                      </a:solidFill>
+                      <a:prstDash val="solid"/>
+                      <a:round/>
+                      <a:headEnd type="none" w="med" len="med"/>
+                      <a:tailEnd type="none" w="med" len="med"/>
+                    </a:lnT>
+                    <a:lnB w="12700" cap="flat" cmpd="sng" algn="ctr">
+                      <a:solidFill>
+                        <a:schemeClr val="tx1"/>
+                      </a:solidFill>
+                      <a:prstDash val="solid"/>
+                      <a:round/>
+                      <a:headEnd type="none" w="med" len="med"/>
+                      <a:tailEnd type="none" w="med" len="med"/>
+                    </a:lnB>
+                    <a:solidFill>
+                      <a:schemeClr val="bg1">
+                        <a:lumMod val="95000"/>
+                      </a:schemeClr>
+                    </a:solidFill>
+                  </a:tcPr>
+                </a:tc>
+              </a:tr>
+              <a:tr h="367200">
+                <a:tc>
+                  <a:txBody>
+                    <a:bodyPr/>
+                    <a:lstStyle/>
+                    <a:p>
+                      <a:pPr algn="ctr"/>
+                      <a:endParaRPr lang="zh-CN" altLang="en-US" b="1">
+                        <a:solidFill>
+                          <a:schemeClr val="tx1"/>
+                        </a:solidFill>
+                      </a:endParaRPr>
+                    </a:p>
+                  </a:txBody>
+                  <a:tcPr>
+                    <a:lnL w="12700" cap="flat" cmpd="sng" algn="ctr">
+                      <a:solidFill>
+                        <a:schemeClr val="tx1"/>
+                      </a:solidFill>
+                      <a:prstDash val="solid"/>
+                      <a:round/>
+                      <a:headEnd type="none" w="med" len="med"/>
+                      <a:tailEnd type="none" w="med" len="med"/>
+                    </a:lnL>
+                    <a:lnR w="12700" cap="flat" cmpd="sng" algn="ctr">
+                      <a:solidFill>
+                        <a:schemeClr val="tx1"/>
+                      </a:solidFill>
+                      <a:prstDash val="solid"/>
+                      <a:round/>
+                      <a:headEnd type="none" w="med" len="med"/>
+                      <a:tailEnd type="none" w="med" len="med"/>
+                    </a:lnR>
+                    <a:lnT w="12700" cap="flat" cmpd="sng" algn="ctr">
+                      <a:solidFill>
+                        <a:schemeClr val="tx1"/>
+                      </a:solidFill>
+                      <a:prstDash val="solid"/>
+                      <a:round/>
+                      <a:headEnd type="none" w="med" len="med"/>
+                      <a:tailEnd type="none" w="med" len="med"/>
+                    </a:lnT>
+                    <a:lnB w="12700" cap="flat" cmpd="sng" algn="ctr">
+                      <a:solidFill>
+                        <a:schemeClr val="tx1"/>
+                      </a:solidFill>
+                      <a:prstDash val="solid"/>
+                      <a:round/>
+                      <a:headEnd type="none" w="med" len="med"/>
+                      <a:tailEnd type="none" w="med" len="med"/>
+                    </a:lnB>
+                    <a:solidFill>
+                      <a:schemeClr val="bg1">
+                        <a:lumMod val="95000"/>
+                      </a:schemeClr>
+                    </a:solidFill>
+                  </a:tcPr>
+                </a:tc>
+              </a:tr>
+            </a:tbl>
+          </a:graphicData>
+        </a:graphic>
+      </p:graphicFrame>
+      <p:graphicFrame>
+        <p:nvGraphicFramePr>
+          <p:cNvPr id="6" name="表格 5"/>
+          <p:cNvGraphicFramePr>
+            <a:graphicFrameLocks noGrp="1"/>
+          </p:cNvGraphicFramePr>
+          <p:nvPr>
+            <p:extLst>
+              <p:ext uri="{D42A27DB-BD31-4B8C-83A1-F6EECF244321}">
+                <p14:modId xmlns:p14="http://schemas.microsoft.com/office/powerpoint/2010/main" val="990841492"/>
+              </p:ext>
+            </p:extLst>
+          </p:nvPr>
+        </p:nvGraphicFramePr>
+        <p:xfrm>
+          <a:off x="3137351" y="3053987"/>
+          <a:ext cx="360000" cy="2937600"/>
+        </p:xfrm>
+        <a:graphic>
+          <a:graphicData uri="http://schemas.openxmlformats.org/drawingml/2006/table">
+            <a:tbl>
+              <a:tblPr firstRow="1" bandRow="1">
+                <a:tableStyleId>{5C22544A-7EE6-4342-B048-85BDC9FD1C3A}</a:tableStyleId>
+              </a:tblPr>
+              <a:tblGrid>
+                <a:gridCol w="360000"/>
+              </a:tblGrid>
+              <a:tr h="367200">
+                <a:tc>
+                  <a:txBody>
+                    <a:bodyPr/>
+                    <a:lstStyle/>
+                    <a:p>
+                      <a:endParaRPr lang="zh-CN" altLang="en-US"/>
+                    </a:p>
+                  </a:txBody>
+                  <a:tcPr>
+                    <a:lnL w="12700" cap="flat" cmpd="sng" algn="ctr">
+                      <a:solidFill>
+                        <a:schemeClr val="tx1"/>
+                      </a:solidFill>
+                      <a:prstDash val="solid"/>
+                      <a:round/>
+                      <a:headEnd type="none" w="med" len="med"/>
+                      <a:tailEnd type="none" w="med" len="med"/>
+                    </a:lnL>
+                    <a:lnR w="12700" cap="flat" cmpd="sng" algn="ctr">
+                      <a:solidFill>
+                        <a:schemeClr val="tx1"/>
+                      </a:solidFill>
+                      <a:prstDash val="solid"/>
+                      <a:round/>
+                      <a:headEnd type="none" w="med" len="med"/>
+                      <a:tailEnd type="none" w="med" len="med"/>
+                    </a:lnR>
+                    <a:lnT w="12700" cap="flat" cmpd="sng" algn="ctr">
+                      <a:solidFill>
+                        <a:schemeClr val="tx1"/>
+                      </a:solidFill>
+                      <a:prstDash val="solid"/>
+                      <a:round/>
+                      <a:headEnd type="none" w="med" len="med"/>
+                      <a:tailEnd type="none" w="med" len="med"/>
+                    </a:lnT>
+                    <a:lnB w="12700" cap="flat" cmpd="sng" algn="ctr">
+                      <a:solidFill>
+                        <a:schemeClr val="tx1"/>
+                      </a:solidFill>
+                      <a:prstDash val="solid"/>
+                      <a:round/>
+                      <a:headEnd type="none" w="med" len="med"/>
+                      <a:tailEnd type="none" w="med" len="med"/>
+                    </a:lnB>
+                    <a:solidFill>
+                      <a:schemeClr val="bg1">
+                        <a:lumMod val="65000"/>
+                      </a:schemeClr>
+                    </a:solidFill>
+                  </a:tcPr>
+                </a:tc>
+              </a:tr>
+              <a:tr h="367200">
+                <a:tc>
+                  <a:txBody>
+                    <a:bodyPr/>
+                    <a:lstStyle/>
+                    <a:p>
+                      <a:endParaRPr lang="zh-CN" altLang="en-US"/>
+                    </a:p>
+                  </a:txBody>
+                  <a:tcPr>
+                    <a:lnL w="12700" cap="flat" cmpd="sng" algn="ctr">
+                      <a:solidFill>
+                        <a:schemeClr val="tx1"/>
+                      </a:solidFill>
+                      <a:prstDash val="solid"/>
+                      <a:round/>
+                      <a:headEnd type="none" w="med" len="med"/>
+                      <a:tailEnd type="none" w="med" len="med"/>
+                    </a:lnL>
+                    <a:lnR w="12700" cap="flat" cmpd="sng" algn="ctr">
+                      <a:solidFill>
+                        <a:schemeClr val="tx1"/>
+                      </a:solidFill>
+                      <a:prstDash val="solid"/>
+                      <a:round/>
+                      <a:headEnd type="none" w="med" len="med"/>
+                      <a:tailEnd type="none" w="med" len="med"/>
+                    </a:lnR>
+                    <a:lnT w="12700" cap="flat" cmpd="sng" algn="ctr">
+                      <a:solidFill>
+                        <a:schemeClr val="tx1"/>
+                      </a:solidFill>
+                      <a:prstDash val="solid"/>
+                      <a:round/>
+                      <a:headEnd type="none" w="med" len="med"/>
+                      <a:tailEnd type="none" w="med" len="med"/>
+                    </a:lnT>
+                    <a:lnB w="12700" cap="flat" cmpd="sng" algn="ctr">
+                      <a:solidFill>
+                        <a:schemeClr val="tx1"/>
+                      </a:solidFill>
+                      <a:prstDash val="solid"/>
+                      <a:round/>
+                      <a:headEnd type="none" w="med" len="med"/>
+                      <a:tailEnd type="none" w="med" len="med"/>
+                    </a:lnB>
+                    <a:solidFill>
+                      <a:schemeClr val="bg1">
+                        <a:lumMod val="65000"/>
+                      </a:schemeClr>
+                    </a:solidFill>
+                  </a:tcPr>
+                </a:tc>
+              </a:tr>
+              <a:tr h="367200">
+                <a:tc>
+                  <a:txBody>
+                    <a:bodyPr/>
+                    <a:lstStyle/>
+                    <a:p>
+                      <a:endParaRPr lang="zh-CN" altLang="en-US"/>
+                    </a:p>
+                  </a:txBody>
+                  <a:tcPr>
+                    <a:lnL w="12700" cap="flat" cmpd="sng" algn="ctr">
+                      <a:solidFill>
+                        <a:schemeClr val="tx1"/>
+                      </a:solidFill>
+                      <a:prstDash val="solid"/>
+                      <a:round/>
+                      <a:headEnd type="none" w="med" len="med"/>
+                      <a:tailEnd type="none" w="med" len="med"/>
+                    </a:lnL>
+                    <a:lnR w="12700" cap="flat" cmpd="sng" algn="ctr">
+                      <a:solidFill>
+                        <a:schemeClr val="tx1"/>
+                      </a:solidFill>
+                      <a:prstDash val="solid"/>
+                      <a:round/>
+                      <a:headEnd type="none" w="med" len="med"/>
+                      <a:tailEnd type="none" w="med" len="med"/>
+                    </a:lnR>
+                    <a:lnT w="12700" cap="flat" cmpd="sng" algn="ctr">
+                      <a:solidFill>
+                        <a:schemeClr val="tx1"/>
+                      </a:solidFill>
+                      <a:prstDash val="solid"/>
+                      <a:round/>
+                      <a:headEnd type="none" w="med" len="med"/>
+                      <a:tailEnd type="none" w="med" len="med"/>
+                    </a:lnT>
+                    <a:lnB w="12700" cap="flat" cmpd="sng" algn="ctr">
+                      <a:solidFill>
+                        <a:schemeClr val="tx1"/>
+                      </a:solidFill>
+                      <a:prstDash val="solid"/>
+                      <a:round/>
+                      <a:headEnd type="none" w="med" len="med"/>
+                      <a:tailEnd type="none" w="med" len="med"/>
+                    </a:lnB>
+                    <a:solidFill>
+                      <a:schemeClr val="bg1">
+                        <a:lumMod val="65000"/>
+                      </a:schemeClr>
+                    </a:solidFill>
+                  </a:tcPr>
+                </a:tc>
+              </a:tr>
+              <a:tr h="367200">
+                <a:tc>
+                  <a:txBody>
+                    <a:bodyPr/>
+                    <a:lstStyle/>
+                    <a:p>
+                      <a:endParaRPr lang="zh-CN" altLang="en-US"/>
+                    </a:p>
+                  </a:txBody>
+                  <a:tcPr>
+                    <a:lnL w="12700" cap="flat" cmpd="sng" algn="ctr">
+                      <a:solidFill>
+                        <a:schemeClr val="tx1"/>
+                      </a:solidFill>
+                      <a:prstDash val="solid"/>
+                      <a:round/>
+                      <a:headEnd type="none" w="med" len="med"/>
+                      <a:tailEnd type="none" w="med" len="med"/>
+                    </a:lnL>
+                    <a:lnR w="12700" cap="flat" cmpd="sng" algn="ctr">
+                      <a:solidFill>
+                        <a:schemeClr val="tx1"/>
+                      </a:solidFill>
+                      <a:prstDash val="solid"/>
+                      <a:round/>
+                      <a:headEnd type="none" w="med" len="med"/>
+                      <a:tailEnd type="none" w="med" len="med"/>
+                    </a:lnR>
+                    <a:lnT w="12700" cap="flat" cmpd="sng" algn="ctr">
+                      <a:solidFill>
+                        <a:schemeClr val="tx1"/>
+                      </a:solidFill>
+                      <a:prstDash val="solid"/>
+                      <a:round/>
+                      <a:headEnd type="none" w="med" len="med"/>
+                      <a:tailEnd type="none" w="med" len="med"/>
+                    </a:lnT>
+                    <a:lnB w="12700" cap="flat" cmpd="sng" algn="ctr">
+                      <a:solidFill>
+                        <a:schemeClr val="tx1"/>
+                      </a:solidFill>
+                      <a:prstDash val="solid"/>
+                      <a:round/>
+                      <a:headEnd type="none" w="med" len="med"/>
+                      <a:tailEnd type="none" w="med" len="med"/>
+                    </a:lnB>
+                    <a:solidFill>
+                      <a:schemeClr val="bg1">
+                        <a:lumMod val="65000"/>
+                      </a:schemeClr>
+                    </a:solidFill>
+                  </a:tcPr>
+                </a:tc>
+              </a:tr>
+              <a:tr h="367200">
+                <a:tc>
+                  <a:txBody>
+                    <a:bodyPr/>
+                    <a:lstStyle/>
+                    <a:p>
+                      <a:endParaRPr lang="zh-CN" altLang="en-US"/>
+                    </a:p>
+                  </a:txBody>
+                  <a:tcPr>
+                    <a:lnL w="12700" cap="flat" cmpd="sng" algn="ctr">
+                      <a:solidFill>
+                        <a:schemeClr val="tx1"/>
+                      </a:solidFill>
+                      <a:prstDash val="solid"/>
+                      <a:round/>
+                      <a:headEnd type="none" w="med" len="med"/>
+                      <a:tailEnd type="none" w="med" len="med"/>
+                    </a:lnL>
+                    <a:lnR w="12700" cap="flat" cmpd="sng" algn="ctr">
+                      <a:solidFill>
+                        <a:schemeClr val="tx1"/>
+                      </a:solidFill>
+                      <a:prstDash val="solid"/>
+                      <a:round/>
+                      <a:headEnd type="none" w="med" len="med"/>
+                      <a:tailEnd type="none" w="med" len="med"/>
+                    </a:lnR>
+                    <a:lnT w="12700" cap="flat" cmpd="sng" algn="ctr">
+                      <a:solidFill>
+                        <a:schemeClr val="tx1"/>
+                      </a:solidFill>
+                      <a:prstDash val="solid"/>
+                      <a:round/>
+                      <a:headEnd type="none" w="med" len="med"/>
+                      <a:tailEnd type="none" w="med" len="med"/>
+                    </a:lnT>
+                    <a:lnB w="12700" cap="flat" cmpd="sng" algn="ctr">
+                      <a:solidFill>
+                        <a:schemeClr val="tx1"/>
+                      </a:solidFill>
+                      <a:prstDash val="solid"/>
+                      <a:round/>
+                      <a:headEnd type="none" w="med" len="med"/>
+                      <a:tailEnd type="none" w="med" len="med"/>
+                    </a:lnB>
+                    <a:solidFill>
+                      <a:schemeClr val="bg1">
+                        <a:lumMod val="65000"/>
+                      </a:schemeClr>
+                    </a:solidFill>
+                  </a:tcPr>
+                </a:tc>
+              </a:tr>
+              <a:tr h="367200">
+                <a:tc>
+                  <a:txBody>
+                    <a:bodyPr/>
+                    <a:lstStyle/>
+                    <a:p>
+                      <a:endParaRPr lang="zh-CN" altLang="en-US"/>
+                    </a:p>
+                  </a:txBody>
+                  <a:tcPr>
+                    <a:lnL w="12700" cap="flat" cmpd="sng" algn="ctr">
+                      <a:solidFill>
+                        <a:schemeClr val="tx1"/>
+                      </a:solidFill>
+                      <a:prstDash val="solid"/>
+                      <a:round/>
+                      <a:headEnd type="none" w="med" len="med"/>
+                      <a:tailEnd type="none" w="med" len="med"/>
+                    </a:lnL>
+                    <a:lnR w="12700" cap="flat" cmpd="sng" algn="ctr">
+                      <a:solidFill>
+                        <a:schemeClr val="tx1"/>
+                      </a:solidFill>
+                      <a:prstDash val="solid"/>
+                      <a:round/>
+                      <a:headEnd type="none" w="med" len="med"/>
+                      <a:tailEnd type="none" w="med" len="med"/>
+                    </a:lnR>
+                    <a:lnT w="12700" cap="flat" cmpd="sng" algn="ctr">
+                      <a:solidFill>
+                        <a:schemeClr val="tx1"/>
+                      </a:solidFill>
+                      <a:prstDash val="solid"/>
+                      <a:round/>
+                      <a:headEnd type="none" w="med" len="med"/>
+                      <a:tailEnd type="none" w="med" len="med"/>
+                    </a:lnT>
+                    <a:lnB w="12700" cap="flat" cmpd="sng" algn="ctr">
+                      <a:solidFill>
+                        <a:schemeClr val="tx1"/>
+                      </a:solidFill>
+                      <a:prstDash val="solid"/>
+                      <a:round/>
+                      <a:headEnd type="none" w="med" len="med"/>
+                      <a:tailEnd type="none" w="med" len="med"/>
+                    </a:lnB>
+                    <a:solidFill>
+                      <a:schemeClr val="bg1">
+                        <a:lumMod val="65000"/>
+                      </a:schemeClr>
+                    </a:solidFill>
+                  </a:tcPr>
+                </a:tc>
+              </a:tr>
+              <a:tr h="367200">
+                <a:tc>
+                  <a:txBody>
+                    <a:bodyPr/>
+                    <a:lstStyle/>
+                    <a:p>
+                      <a:endParaRPr lang="zh-CN" altLang="en-US"/>
+                    </a:p>
+                  </a:txBody>
+                  <a:tcPr>
+                    <a:lnL w="12700" cap="flat" cmpd="sng" algn="ctr">
+                      <a:solidFill>
+                        <a:schemeClr val="tx1"/>
+                      </a:solidFill>
+                      <a:prstDash val="solid"/>
+                      <a:round/>
+                      <a:headEnd type="none" w="med" len="med"/>
+                      <a:tailEnd type="none" w="med" len="med"/>
+                    </a:lnL>
+                    <a:lnR w="12700" cap="flat" cmpd="sng" algn="ctr">
+                      <a:solidFill>
+                        <a:schemeClr val="tx1"/>
+                      </a:solidFill>
+                      <a:prstDash val="solid"/>
+                      <a:round/>
+                      <a:headEnd type="none" w="med" len="med"/>
+                      <a:tailEnd type="none" w="med" len="med"/>
+                    </a:lnR>
+                    <a:lnT w="12700" cap="flat" cmpd="sng" algn="ctr">
+                      <a:solidFill>
+                        <a:schemeClr val="tx1"/>
+                      </a:solidFill>
+                      <a:prstDash val="solid"/>
+                      <a:round/>
+                      <a:headEnd type="none" w="med" len="med"/>
+                      <a:tailEnd type="none" w="med" len="med"/>
+                    </a:lnT>
+                    <a:lnB w="12700" cap="flat" cmpd="sng" algn="ctr">
+                      <a:solidFill>
+                        <a:schemeClr val="tx1"/>
+                      </a:solidFill>
+                      <a:prstDash val="solid"/>
+                      <a:round/>
+                      <a:headEnd type="none" w="med" len="med"/>
+                      <a:tailEnd type="none" w="med" len="med"/>
+                    </a:lnB>
+                    <a:solidFill>
+                      <a:schemeClr val="bg1">
+                        <a:lumMod val="65000"/>
+                      </a:schemeClr>
+                    </a:solidFill>
+                  </a:tcPr>
+                </a:tc>
+              </a:tr>
+              <a:tr h="367200">
+                <a:tc>
+                  <a:txBody>
+                    <a:bodyPr/>
+                    <a:lstStyle/>
+                    <a:p>
+                      <a:endParaRPr lang="zh-CN" altLang="en-US"/>
+                    </a:p>
+                  </a:txBody>
+                  <a:tcPr>
+                    <a:lnL w="12700" cap="flat" cmpd="sng" algn="ctr">
+                      <a:solidFill>
+                        <a:schemeClr val="tx1"/>
+                      </a:solidFill>
+                      <a:prstDash val="solid"/>
+                      <a:round/>
+                      <a:headEnd type="none" w="med" len="med"/>
+                      <a:tailEnd type="none" w="med" len="med"/>
+                    </a:lnL>
+                    <a:lnR w="12700" cap="flat" cmpd="sng" algn="ctr">
+                      <a:solidFill>
+                        <a:schemeClr val="tx1"/>
+                      </a:solidFill>
+                      <a:prstDash val="solid"/>
+                      <a:round/>
+                      <a:headEnd type="none" w="med" len="med"/>
+                      <a:tailEnd type="none" w="med" len="med"/>
+                    </a:lnR>
+                    <a:lnT w="12700" cap="flat" cmpd="sng" algn="ctr">
+                      <a:solidFill>
+                        <a:schemeClr val="tx1"/>
+                      </a:solidFill>
+                      <a:prstDash val="solid"/>
+                      <a:round/>
+                      <a:headEnd type="none" w="med" len="med"/>
+                      <a:tailEnd type="none" w="med" len="med"/>
+                    </a:lnT>
+                    <a:lnB w="12700" cap="flat" cmpd="sng" algn="ctr">
+                      <a:solidFill>
+                        <a:schemeClr val="tx1"/>
+                      </a:solidFill>
+                      <a:prstDash val="solid"/>
+                      <a:round/>
+                      <a:headEnd type="none" w="med" len="med"/>
+                      <a:tailEnd type="none" w="med" len="med"/>
+                    </a:lnB>
+                    <a:solidFill>
+                      <a:schemeClr val="bg1">
+                        <a:lumMod val="65000"/>
+                      </a:schemeClr>
+                    </a:solidFill>
+                  </a:tcPr>
+                </a:tc>
+              </a:tr>
+            </a:tbl>
+          </a:graphicData>
+        </a:graphic>
+      </p:graphicFrame>
+      <p:graphicFrame>
+        <p:nvGraphicFramePr>
+          <p:cNvPr id="7" name="表格 6"/>
+          <p:cNvGraphicFramePr>
+            <a:graphicFrameLocks noGrp="1"/>
+          </p:cNvGraphicFramePr>
+          <p:nvPr>
+            <p:extLst>
+              <p:ext uri="{D42A27DB-BD31-4B8C-83A1-F6EECF244321}">
+                <p14:modId xmlns:p14="http://schemas.microsoft.com/office/powerpoint/2010/main" val="1484757206"/>
+              </p:ext>
+            </p:extLst>
+          </p:nvPr>
+        </p:nvGraphicFramePr>
+        <p:xfrm>
+          <a:off x="4778581" y="3053987"/>
+          <a:ext cx="360000" cy="2937600"/>
+        </p:xfrm>
+        <a:graphic>
+          <a:graphicData uri="http://schemas.openxmlformats.org/drawingml/2006/table">
+            <a:tbl>
+              <a:tblPr firstRow="1" bandRow="1">
+                <a:tableStyleId>{5C22544A-7EE6-4342-B048-85BDC9FD1C3A}</a:tableStyleId>
+              </a:tblPr>
+              <a:tblGrid>
+                <a:gridCol w="360000"/>
+              </a:tblGrid>
+              <a:tr h="367200">
+                <a:tc>
+                  <a:txBody>
+                    <a:bodyPr/>
+                    <a:lstStyle/>
+                    <a:p>
+                      <a:pPr algn="ctr"/>
+                      <a:endParaRPr lang="zh-CN" altLang="en-US" b="1"/>
+                    </a:p>
+                  </a:txBody>
+                  <a:tcPr>
+                    <a:lnL w="12700" cap="flat" cmpd="sng" algn="ctr">
+                      <a:solidFill>
+                        <a:schemeClr val="tx1"/>
+                      </a:solidFill>
+                      <a:prstDash val="solid"/>
+                      <a:round/>
+                      <a:headEnd type="none" w="med" len="med"/>
+                      <a:tailEnd type="none" w="med" len="med"/>
+                    </a:lnL>
+                    <a:lnR w="12700" cap="flat" cmpd="sng" algn="ctr">
+                      <a:solidFill>
+                        <a:schemeClr val="tx1"/>
+                      </a:solidFill>
+                      <a:prstDash val="solid"/>
+                      <a:round/>
+                      <a:headEnd type="none" w="med" len="med"/>
+                      <a:tailEnd type="none" w="med" len="med"/>
+                    </a:lnR>
+                    <a:lnT w="12700" cap="flat" cmpd="sng" algn="ctr">
+                      <a:solidFill>
+                        <a:schemeClr val="tx1"/>
+                      </a:solidFill>
+                      <a:prstDash val="solid"/>
+                      <a:round/>
+                      <a:headEnd type="none" w="med" len="med"/>
+                      <a:tailEnd type="none" w="med" len="med"/>
+                    </a:lnT>
+                    <a:lnB w="12700" cap="flat" cmpd="sng" algn="ctr">
+                      <a:solidFill>
+                        <a:schemeClr val="tx1"/>
+                      </a:solidFill>
+                      <a:prstDash val="solid"/>
+                      <a:round/>
+                      <a:headEnd type="none" w="med" len="med"/>
+                      <a:tailEnd type="none" w="med" len="med"/>
+                    </a:lnB>
+                    <a:solidFill>
+                      <a:schemeClr val="bg1">
+                        <a:lumMod val="95000"/>
+                      </a:schemeClr>
+                    </a:solidFill>
+                  </a:tcPr>
+                </a:tc>
+              </a:tr>
+              <a:tr h="367200">
+                <a:tc>
+                  <a:txBody>
+                    <a:bodyPr/>
+                    <a:lstStyle/>
+                    <a:p>
+                      <a:pPr algn="ctr"/>
+                      <a:endParaRPr lang="zh-CN" altLang="en-US" b="1"/>
+                    </a:p>
+                  </a:txBody>
+                  <a:tcPr>
+                    <a:lnL w="12700" cap="flat" cmpd="sng" algn="ctr">
+                      <a:solidFill>
+                        <a:schemeClr val="tx1"/>
+                      </a:solidFill>
+                      <a:prstDash val="solid"/>
+                      <a:round/>
+                      <a:headEnd type="none" w="med" len="med"/>
+                      <a:tailEnd type="none" w="med" len="med"/>
+                    </a:lnL>
+                    <a:lnR w="12700" cap="flat" cmpd="sng" algn="ctr">
+                      <a:solidFill>
+                        <a:schemeClr val="tx1"/>
+                      </a:solidFill>
+                      <a:prstDash val="solid"/>
+                      <a:round/>
+                      <a:headEnd type="none" w="med" len="med"/>
+                      <a:tailEnd type="none" w="med" len="med"/>
+                    </a:lnR>
+                    <a:lnT w="12700" cap="flat" cmpd="sng" algn="ctr">
+                      <a:solidFill>
+                        <a:schemeClr val="tx1"/>
+                      </a:solidFill>
+                      <a:prstDash val="solid"/>
+                      <a:round/>
+                      <a:headEnd type="none" w="med" len="med"/>
+                      <a:tailEnd type="none" w="med" len="med"/>
+                    </a:lnT>
+                    <a:lnB w="12700" cap="flat" cmpd="sng" algn="ctr">
+                      <a:solidFill>
+                        <a:schemeClr val="tx1"/>
+                      </a:solidFill>
+                      <a:prstDash val="solid"/>
+                      <a:round/>
+                      <a:headEnd type="none" w="med" len="med"/>
+                      <a:tailEnd type="none" w="med" len="med"/>
+                    </a:lnB>
+                    <a:solidFill>
+                      <a:schemeClr val="bg1">
+                        <a:lumMod val="95000"/>
+                      </a:schemeClr>
+                    </a:solidFill>
+                  </a:tcPr>
+                </a:tc>
+              </a:tr>
+              <a:tr h="367200">
+                <a:tc>
+                  <a:txBody>
+                    <a:bodyPr/>
+                    <a:lstStyle/>
+                    <a:p>
+                      <a:pPr algn="ctr"/>
+                      <a:endParaRPr lang="zh-CN" altLang="en-US" b="1"/>
+                    </a:p>
+                  </a:txBody>
+                  <a:tcPr>
+                    <a:lnL w="12700" cap="flat" cmpd="sng" algn="ctr">
+                      <a:solidFill>
+                        <a:schemeClr val="tx1"/>
+                      </a:solidFill>
+                      <a:prstDash val="solid"/>
+                      <a:round/>
+                      <a:headEnd type="none" w="med" len="med"/>
+                      <a:tailEnd type="none" w="med" len="med"/>
+                    </a:lnL>
+                    <a:lnR w="12700" cap="flat" cmpd="sng" algn="ctr">
+                      <a:solidFill>
+                        <a:schemeClr val="tx1"/>
+                      </a:solidFill>
+                      <a:prstDash val="solid"/>
+                      <a:round/>
+                      <a:headEnd type="none" w="med" len="med"/>
+                      <a:tailEnd type="none" w="med" len="med"/>
+                    </a:lnR>
+                    <a:lnT w="12700" cap="flat" cmpd="sng" algn="ctr">
+                      <a:solidFill>
+                        <a:schemeClr val="tx1"/>
+                      </a:solidFill>
+                      <a:prstDash val="solid"/>
+                      <a:round/>
+                      <a:headEnd type="none" w="med" len="med"/>
+                      <a:tailEnd type="none" w="med" len="med"/>
+                    </a:lnT>
+                    <a:lnB w="12700" cap="flat" cmpd="sng" algn="ctr">
+                      <a:solidFill>
+                        <a:schemeClr val="tx1"/>
+                      </a:solidFill>
+                      <a:prstDash val="solid"/>
+                      <a:round/>
+                      <a:headEnd type="none" w="med" len="med"/>
+                      <a:tailEnd type="none" w="med" len="med"/>
+                    </a:lnB>
+                    <a:solidFill>
+                      <a:schemeClr val="bg1">
+                        <a:lumMod val="95000"/>
+                      </a:schemeClr>
+                    </a:solidFill>
+                  </a:tcPr>
+                </a:tc>
+              </a:tr>
+              <a:tr h="367200">
+                <a:tc>
+                  <a:txBody>
+                    <a:bodyPr/>
+                    <a:lstStyle/>
+                    <a:p>
+                      <a:pPr algn="ctr"/>
+                      <a:endParaRPr lang="zh-CN" altLang="en-US" b="1"/>
+                    </a:p>
+                  </a:txBody>
+                  <a:tcPr>
+                    <a:lnL w="12700" cap="flat" cmpd="sng" algn="ctr">
+                      <a:solidFill>
+                        <a:schemeClr val="tx1"/>
+                      </a:solidFill>
+                      <a:prstDash val="solid"/>
+                      <a:round/>
+                      <a:headEnd type="none" w="med" len="med"/>
+                      <a:tailEnd type="none" w="med" len="med"/>
+                    </a:lnL>
+                    <a:lnR w="12700" cap="flat" cmpd="sng" algn="ctr">
+                      <a:solidFill>
+                        <a:schemeClr val="tx1"/>
+                      </a:solidFill>
+                      <a:prstDash val="solid"/>
+                      <a:round/>
+                      <a:headEnd type="none" w="med" len="med"/>
+                      <a:tailEnd type="none" w="med" len="med"/>
+                    </a:lnR>
+                    <a:lnT w="12700" cap="flat" cmpd="sng" algn="ctr">
+                      <a:solidFill>
+                        <a:schemeClr val="tx1"/>
+                      </a:solidFill>
+                      <a:prstDash val="solid"/>
+                      <a:round/>
+                      <a:headEnd type="none" w="med" len="med"/>
+                      <a:tailEnd type="none" w="med" len="med"/>
+                    </a:lnT>
+                    <a:lnB w="12700" cap="flat" cmpd="sng" algn="ctr">
+                      <a:solidFill>
+                        <a:schemeClr val="tx1"/>
+                      </a:solidFill>
+                      <a:prstDash val="solid"/>
+                      <a:round/>
+                      <a:headEnd type="none" w="med" len="med"/>
+                      <a:tailEnd type="none" w="med" len="med"/>
+                    </a:lnB>
+                    <a:solidFill>
+                      <a:schemeClr val="bg1">
+                        <a:lumMod val="95000"/>
+                      </a:schemeClr>
+                    </a:solidFill>
+                  </a:tcPr>
+                </a:tc>
+              </a:tr>
+              <a:tr h="367200">
+                <a:tc>
+                  <a:txBody>
+                    <a:bodyPr/>
+                    <a:lstStyle/>
+                    <a:p>
+                      <a:pPr algn="ctr"/>
+                      <a:endParaRPr lang="zh-CN" altLang="en-US" b="1"/>
+                    </a:p>
+                  </a:txBody>
+                  <a:tcPr>
+                    <a:lnL w="12700" cap="flat" cmpd="sng" algn="ctr">
+                      <a:solidFill>
+                        <a:schemeClr val="tx1"/>
+                      </a:solidFill>
+                      <a:prstDash val="solid"/>
+                      <a:round/>
+                      <a:headEnd type="none" w="med" len="med"/>
+                      <a:tailEnd type="none" w="med" len="med"/>
+                    </a:lnL>
+                    <a:lnR w="12700" cap="flat" cmpd="sng" algn="ctr">
+                      <a:solidFill>
+                        <a:schemeClr val="tx1"/>
+                      </a:solidFill>
+                      <a:prstDash val="solid"/>
+                      <a:round/>
+                      <a:headEnd type="none" w="med" len="med"/>
+                      <a:tailEnd type="none" w="med" len="med"/>
+                    </a:lnR>
+                    <a:lnT w="12700" cap="flat" cmpd="sng" algn="ctr">
+                      <a:solidFill>
+                        <a:schemeClr val="tx1"/>
+                      </a:solidFill>
+                      <a:prstDash val="solid"/>
+                      <a:round/>
+                      <a:headEnd type="none" w="med" len="med"/>
+                      <a:tailEnd type="none" w="med" len="med"/>
+                    </a:lnT>
+                    <a:lnB w="12700" cap="flat" cmpd="sng" algn="ctr">
+                      <a:solidFill>
+                        <a:schemeClr val="tx1"/>
+                      </a:solidFill>
+                      <a:prstDash val="solid"/>
+                      <a:round/>
+                      <a:headEnd type="none" w="med" len="med"/>
+                      <a:tailEnd type="none" w="med" len="med"/>
+                    </a:lnB>
+                    <a:solidFill>
+                      <a:schemeClr val="bg1">
+                        <a:lumMod val="95000"/>
+                      </a:schemeClr>
+                    </a:solidFill>
+                  </a:tcPr>
+                </a:tc>
+              </a:tr>
+              <a:tr h="367200">
+                <a:tc>
+                  <a:txBody>
+                    <a:bodyPr/>
+                    <a:lstStyle/>
+                    <a:p>
+                      <a:pPr algn="ctr"/>
+                      <a:endParaRPr lang="zh-CN" altLang="en-US" b="1"/>
+                    </a:p>
+                  </a:txBody>
+                  <a:tcPr>
+                    <a:lnL w="12700" cap="flat" cmpd="sng" algn="ctr">
+                      <a:solidFill>
+                        <a:schemeClr val="tx1"/>
+                      </a:solidFill>
+                      <a:prstDash val="solid"/>
+                      <a:round/>
+                      <a:headEnd type="none" w="med" len="med"/>
+                      <a:tailEnd type="none" w="med" len="med"/>
+                    </a:lnL>
+                    <a:lnR w="12700" cap="flat" cmpd="sng" algn="ctr">
+                      <a:solidFill>
+                        <a:schemeClr val="tx1"/>
+                      </a:solidFill>
+                      <a:prstDash val="solid"/>
+                      <a:round/>
+                      <a:headEnd type="none" w="med" len="med"/>
+                      <a:tailEnd type="none" w="med" len="med"/>
+                    </a:lnR>
+                    <a:lnT w="12700" cap="flat" cmpd="sng" algn="ctr">
+                      <a:solidFill>
+                        <a:schemeClr val="tx1"/>
+                      </a:solidFill>
+                      <a:prstDash val="solid"/>
+                      <a:round/>
+                      <a:headEnd type="none" w="med" len="med"/>
+                      <a:tailEnd type="none" w="med" len="med"/>
+                    </a:lnT>
+                    <a:lnB w="12700" cap="flat" cmpd="sng" algn="ctr">
+                      <a:solidFill>
+                        <a:schemeClr val="tx1"/>
+                      </a:solidFill>
+                      <a:prstDash val="solid"/>
+                      <a:round/>
+                      <a:headEnd type="none" w="med" len="med"/>
+                      <a:tailEnd type="none" w="med" len="med"/>
+                    </a:lnB>
+                    <a:solidFill>
+                      <a:schemeClr val="bg1">
+                        <a:lumMod val="95000"/>
+                      </a:schemeClr>
+                    </a:solidFill>
+                  </a:tcPr>
+                </a:tc>
+              </a:tr>
+              <a:tr h="367200">
+                <a:tc>
+                  <a:txBody>
+                    <a:bodyPr/>
+                    <a:lstStyle/>
+                    <a:p>
+                      <a:pPr algn="ctr"/>
+                      <a:endParaRPr lang="zh-CN" altLang="en-US" b="1"/>
+                    </a:p>
+                  </a:txBody>
+                  <a:tcPr>
+                    <a:lnL w="12700" cap="flat" cmpd="sng" algn="ctr">
+                      <a:solidFill>
+                        <a:schemeClr val="tx1"/>
+                      </a:solidFill>
+                      <a:prstDash val="solid"/>
+                      <a:round/>
+                      <a:headEnd type="none" w="med" len="med"/>
+                      <a:tailEnd type="none" w="med" len="med"/>
+                    </a:lnL>
+                    <a:lnR w="12700" cap="flat" cmpd="sng" algn="ctr">
+                      <a:solidFill>
+                        <a:schemeClr val="tx1"/>
+                      </a:solidFill>
+                      <a:prstDash val="solid"/>
+                      <a:round/>
+                      <a:headEnd type="none" w="med" len="med"/>
+                      <a:tailEnd type="none" w="med" len="med"/>
+                    </a:lnR>
+                    <a:lnT w="12700" cap="flat" cmpd="sng" algn="ctr">
+                      <a:solidFill>
+                        <a:schemeClr val="tx1"/>
+                      </a:solidFill>
+                      <a:prstDash val="solid"/>
+                      <a:round/>
+                      <a:headEnd type="none" w="med" len="med"/>
+                      <a:tailEnd type="none" w="med" len="med"/>
+                    </a:lnT>
+                    <a:lnB w="12700" cap="flat" cmpd="sng" algn="ctr">
+                      <a:solidFill>
+                        <a:schemeClr val="tx1"/>
+                      </a:solidFill>
+                      <a:prstDash val="solid"/>
+                      <a:round/>
+                      <a:headEnd type="none" w="med" len="med"/>
+                      <a:tailEnd type="none" w="med" len="med"/>
+                    </a:lnB>
+                    <a:solidFill>
+                      <a:schemeClr val="bg1">
+                        <a:lumMod val="95000"/>
+                      </a:schemeClr>
+                    </a:solidFill>
+                  </a:tcPr>
+                </a:tc>
+              </a:tr>
+              <a:tr h="367200">
+                <a:tc>
+                  <a:txBody>
+                    <a:bodyPr/>
+                    <a:lstStyle/>
+                    <a:p>
+                      <a:pPr algn="ctr"/>
+                      <a:endParaRPr lang="zh-CN" altLang="en-US" b="1"/>
+                    </a:p>
+                  </a:txBody>
+                  <a:tcPr>
+                    <a:lnL w="12700" cap="flat" cmpd="sng" algn="ctr">
+                      <a:solidFill>
+                        <a:schemeClr val="tx1"/>
+                      </a:solidFill>
+                      <a:prstDash val="solid"/>
+                      <a:round/>
+                      <a:headEnd type="none" w="med" len="med"/>
+                      <a:tailEnd type="none" w="med" len="med"/>
+                    </a:lnL>
+                    <a:lnR w="12700" cap="flat" cmpd="sng" algn="ctr">
+                      <a:solidFill>
+                        <a:schemeClr val="tx1"/>
+                      </a:solidFill>
+                      <a:prstDash val="solid"/>
+                      <a:round/>
+                      <a:headEnd type="none" w="med" len="med"/>
+                      <a:tailEnd type="none" w="med" len="med"/>
+                    </a:lnR>
+                    <a:lnT w="12700" cap="flat" cmpd="sng" algn="ctr">
+                      <a:solidFill>
+                        <a:schemeClr val="tx1"/>
+                      </a:solidFill>
+                      <a:prstDash val="solid"/>
+                      <a:round/>
+                      <a:headEnd type="none" w="med" len="med"/>
+                      <a:tailEnd type="none" w="med" len="med"/>
+                    </a:lnT>
+                    <a:lnB w="12700" cap="flat" cmpd="sng" algn="ctr">
+                      <a:solidFill>
+                        <a:schemeClr val="tx1"/>
+                      </a:solidFill>
+                      <a:prstDash val="solid"/>
+                      <a:round/>
+                      <a:headEnd type="none" w="med" len="med"/>
+                      <a:tailEnd type="none" w="med" len="med"/>
+                    </a:lnB>
+                    <a:solidFill>
+                      <a:schemeClr val="bg1">
+                        <a:lumMod val="95000"/>
+                      </a:schemeClr>
+                    </a:solidFill>
+                  </a:tcPr>
+                </a:tc>
+              </a:tr>
+            </a:tbl>
+          </a:graphicData>
+        </a:graphic>
+      </p:graphicFrame>
+      <p:graphicFrame>
+        <p:nvGraphicFramePr>
+          <p:cNvPr id="8" name="表格 7"/>
+          <p:cNvGraphicFramePr>
+            <a:graphicFrameLocks noGrp="1"/>
+          </p:cNvGraphicFramePr>
+          <p:nvPr>
+            <p:extLst>
+              <p:ext uri="{D42A27DB-BD31-4B8C-83A1-F6EECF244321}">
+                <p14:modId xmlns:p14="http://schemas.microsoft.com/office/powerpoint/2010/main" val="554383102"/>
+              </p:ext>
+            </p:extLst>
+          </p:nvPr>
+        </p:nvGraphicFramePr>
+        <p:xfrm>
+          <a:off x="3957966" y="3053987"/>
+          <a:ext cx="360000" cy="2937600"/>
+        </p:xfrm>
+        <a:graphic>
+          <a:graphicData uri="http://schemas.openxmlformats.org/drawingml/2006/table">
+            <a:tbl>
+              <a:tblPr firstRow="1" bandRow="1">
+                <a:tableStyleId>{5C22544A-7EE6-4342-B048-85BDC9FD1C3A}</a:tableStyleId>
+              </a:tblPr>
+              <a:tblGrid>
+                <a:gridCol w="360000"/>
+              </a:tblGrid>
+              <a:tr h="367200">
+                <a:tc>
+                  <a:txBody>
+                    <a:bodyPr/>
+                    <a:lstStyle/>
+                    <a:p>
+                      <a:pPr algn="ctr"/>
+                      <a:endParaRPr lang="zh-CN" altLang="en-US" b="1"/>
+                    </a:p>
+                  </a:txBody>
+                  <a:tcPr>
+                    <a:lnL w="12700" cap="flat" cmpd="sng" algn="ctr">
+                      <a:solidFill>
+                        <a:schemeClr val="tx1"/>
+                      </a:solidFill>
+                      <a:prstDash val="solid"/>
+                      <a:round/>
+                      <a:headEnd type="none" w="med" len="med"/>
+                      <a:tailEnd type="none" w="med" len="med"/>
+                    </a:lnL>
+                    <a:lnR w="12700" cap="flat" cmpd="sng" algn="ctr">
+                      <a:solidFill>
+                        <a:schemeClr val="tx1"/>
+                      </a:solidFill>
+                      <a:prstDash val="solid"/>
+                      <a:round/>
+                      <a:headEnd type="none" w="med" len="med"/>
+                      <a:tailEnd type="none" w="med" len="med"/>
+                    </a:lnR>
+                    <a:lnT w="12700" cap="flat" cmpd="sng" algn="ctr">
+                      <a:solidFill>
+                        <a:schemeClr val="tx1"/>
+                      </a:solidFill>
+                      <a:prstDash val="solid"/>
+                      <a:round/>
+                      <a:headEnd type="none" w="med" len="med"/>
+                      <a:tailEnd type="none" w="med" len="med"/>
+                    </a:lnT>
+                    <a:lnB w="12700" cap="flat" cmpd="sng" algn="ctr">
+                      <a:solidFill>
+                        <a:schemeClr val="tx1"/>
+                      </a:solidFill>
+                      <a:prstDash val="solid"/>
+                      <a:round/>
+                      <a:headEnd type="none" w="med" len="med"/>
+                      <a:tailEnd type="none" w="med" len="med"/>
+                    </a:lnB>
+                    <a:solidFill>
+                      <a:schemeClr val="bg1">
+                        <a:lumMod val="65000"/>
+                      </a:schemeClr>
+                    </a:solidFill>
+                  </a:tcPr>
+                </a:tc>
+              </a:tr>
+              <a:tr h="367200">
+                <a:tc>
+                  <a:txBody>
+                    <a:bodyPr/>
+                    <a:lstStyle/>
+                    <a:p>
+                      <a:pPr algn="ctr"/>
+                      <a:endParaRPr lang="zh-CN" altLang="en-US" b="1"/>
+                    </a:p>
+                  </a:txBody>
+                  <a:tcPr>
+                    <a:lnL w="12700" cap="flat" cmpd="sng" algn="ctr">
+                      <a:solidFill>
+                        <a:schemeClr val="tx1"/>
+                      </a:solidFill>
+                      <a:prstDash val="solid"/>
+                      <a:round/>
+                      <a:headEnd type="none" w="med" len="med"/>
+                      <a:tailEnd type="none" w="med" len="med"/>
+                    </a:lnL>
+                    <a:lnR w="12700" cap="flat" cmpd="sng" algn="ctr">
+                      <a:solidFill>
+                        <a:schemeClr val="tx1"/>
+                      </a:solidFill>
+                      <a:prstDash val="solid"/>
+                      <a:round/>
+                      <a:headEnd type="none" w="med" len="med"/>
+                      <a:tailEnd type="none" w="med" len="med"/>
+                    </a:lnR>
+                    <a:lnT w="12700" cap="flat" cmpd="sng" algn="ctr">
+                      <a:solidFill>
+                        <a:schemeClr val="tx1"/>
+                      </a:solidFill>
+                      <a:prstDash val="solid"/>
+                      <a:round/>
+                      <a:headEnd type="none" w="med" len="med"/>
+                      <a:tailEnd type="none" w="med" len="med"/>
+                    </a:lnT>
+                    <a:lnB w="12700" cap="flat" cmpd="sng" algn="ctr">
+                      <a:solidFill>
+                        <a:schemeClr val="tx1"/>
+                      </a:solidFill>
+                      <a:prstDash val="solid"/>
+                      <a:round/>
+                      <a:headEnd type="none" w="med" len="med"/>
+                      <a:tailEnd type="none" w="med" len="med"/>
+                    </a:lnB>
+                    <a:solidFill>
+                      <a:schemeClr val="bg1">
+                        <a:lumMod val="65000"/>
+                      </a:schemeClr>
+                    </a:solidFill>
+                  </a:tcPr>
+                </a:tc>
+              </a:tr>
+              <a:tr h="367200">
+                <a:tc>
+                  <a:txBody>
+                    <a:bodyPr/>
+                    <a:lstStyle/>
+                    <a:p>
+                      <a:pPr algn="ctr"/>
+                      <a:endParaRPr lang="zh-CN" altLang="en-US" b="1"/>
+                    </a:p>
+                  </a:txBody>
+                  <a:tcPr>
+                    <a:lnL w="12700" cap="flat" cmpd="sng" algn="ctr">
+                      <a:solidFill>
+                        <a:schemeClr val="tx1"/>
+                      </a:solidFill>
+                      <a:prstDash val="solid"/>
+                      <a:round/>
+                      <a:headEnd type="none" w="med" len="med"/>
+                      <a:tailEnd type="none" w="med" len="med"/>
+                    </a:lnL>
+                    <a:lnR w="12700" cap="flat" cmpd="sng" algn="ctr">
+                      <a:solidFill>
+                        <a:schemeClr val="tx1"/>
+                      </a:solidFill>
+                      <a:prstDash val="solid"/>
+                      <a:round/>
+                      <a:headEnd type="none" w="med" len="med"/>
+                      <a:tailEnd type="none" w="med" len="med"/>
+                    </a:lnR>
+                    <a:lnT w="12700" cap="flat" cmpd="sng" algn="ctr">
+                      <a:solidFill>
+                        <a:schemeClr val="tx1"/>
+                      </a:solidFill>
+                      <a:prstDash val="solid"/>
+                      <a:round/>
+                      <a:headEnd type="none" w="med" len="med"/>
+                      <a:tailEnd type="none" w="med" len="med"/>
+                    </a:lnT>
+                    <a:lnB w="12700" cap="flat" cmpd="sng" algn="ctr">
+                      <a:solidFill>
+                        <a:schemeClr val="tx1"/>
+                      </a:solidFill>
+                      <a:prstDash val="solid"/>
+                      <a:round/>
+                      <a:headEnd type="none" w="med" len="med"/>
+                      <a:tailEnd type="none" w="med" len="med"/>
+                    </a:lnB>
+                    <a:solidFill>
+                      <a:schemeClr val="bg1">
+                        <a:lumMod val="65000"/>
+                      </a:schemeClr>
+                    </a:solidFill>
+                  </a:tcPr>
+                </a:tc>
+              </a:tr>
+              <a:tr h="367200">
+                <a:tc>
+                  <a:txBody>
+                    <a:bodyPr/>
+                    <a:lstStyle/>
+                    <a:p>
+                      <a:pPr algn="ctr"/>
+                      <a:endParaRPr lang="zh-CN" altLang="en-US" b="1"/>
+                    </a:p>
+                  </a:txBody>
+                  <a:tcPr>
+                    <a:lnL w="12700" cap="flat" cmpd="sng" algn="ctr">
+                      <a:solidFill>
+                        <a:schemeClr val="tx1"/>
+                      </a:solidFill>
+                      <a:prstDash val="solid"/>
+                      <a:round/>
+                      <a:headEnd type="none" w="med" len="med"/>
+                      <a:tailEnd type="none" w="med" len="med"/>
+                    </a:lnL>
+                    <a:lnR w="12700" cap="flat" cmpd="sng" algn="ctr">
+                      <a:solidFill>
+                        <a:schemeClr val="tx1"/>
+                      </a:solidFill>
+                      <a:prstDash val="solid"/>
+                      <a:round/>
+                      <a:headEnd type="none" w="med" len="med"/>
+                      <a:tailEnd type="none" w="med" len="med"/>
+                    </a:lnR>
+                    <a:lnT w="12700" cap="flat" cmpd="sng" algn="ctr">
+                      <a:solidFill>
+                        <a:schemeClr val="tx1"/>
+                      </a:solidFill>
+                      <a:prstDash val="solid"/>
+                      <a:round/>
+                      <a:headEnd type="none" w="med" len="med"/>
+                      <a:tailEnd type="none" w="med" len="med"/>
+                    </a:lnT>
+                    <a:lnB w="12700" cap="flat" cmpd="sng" algn="ctr">
+                      <a:solidFill>
+                        <a:schemeClr val="tx1"/>
+                      </a:solidFill>
+                      <a:prstDash val="solid"/>
+                      <a:round/>
+                      <a:headEnd type="none" w="med" len="med"/>
+                      <a:tailEnd type="none" w="med" len="med"/>
+                    </a:lnB>
+                    <a:solidFill>
+                      <a:schemeClr val="bg1">
+                        <a:lumMod val="65000"/>
+                      </a:schemeClr>
+                    </a:solidFill>
+                  </a:tcPr>
+                </a:tc>
+              </a:tr>
+              <a:tr h="367200">
+                <a:tc>
+                  <a:txBody>
+                    <a:bodyPr/>
+                    <a:lstStyle/>
+                    <a:p>
+                      <a:pPr algn="ctr"/>
+                      <a:endParaRPr lang="zh-CN" altLang="en-US" b="1"/>
+                    </a:p>
+                  </a:txBody>
+                  <a:tcPr>
+                    <a:lnL w="12700" cap="flat" cmpd="sng" algn="ctr">
+                      <a:solidFill>
+                        <a:schemeClr val="tx1"/>
+                      </a:solidFill>
+                      <a:prstDash val="solid"/>
+                      <a:round/>
+                      <a:headEnd type="none" w="med" len="med"/>
+                      <a:tailEnd type="none" w="med" len="med"/>
+                    </a:lnL>
+                    <a:lnR w="12700" cap="flat" cmpd="sng" algn="ctr">
+                      <a:solidFill>
+                        <a:schemeClr val="tx1"/>
+                      </a:solidFill>
+                      <a:prstDash val="solid"/>
+                      <a:round/>
+                      <a:headEnd type="none" w="med" len="med"/>
+                      <a:tailEnd type="none" w="med" len="med"/>
+                    </a:lnR>
+                    <a:lnT w="12700" cap="flat" cmpd="sng" algn="ctr">
+                      <a:solidFill>
+                        <a:schemeClr val="tx1"/>
+                      </a:solidFill>
+                      <a:prstDash val="solid"/>
+                      <a:round/>
+                      <a:headEnd type="none" w="med" len="med"/>
+                      <a:tailEnd type="none" w="med" len="med"/>
+                    </a:lnT>
+                    <a:lnB w="12700" cap="flat" cmpd="sng" algn="ctr">
+                      <a:solidFill>
+                        <a:schemeClr val="tx1"/>
+                      </a:solidFill>
+                      <a:prstDash val="solid"/>
+                      <a:round/>
+                      <a:headEnd type="none" w="med" len="med"/>
+                      <a:tailEnd type="none" w="med" len="med"/>
+                    </a:lnB>
+                    <a:solidFill>
+                      <a:schemeClr val="bg1">
+                        <a:lumMod val="65000"/>
+                      </a:schemeClr>
+                    </a:solidFill>
+                  </a:tcPr>
+                </a:tc>
+              </a:tr>
+              <a:tr h="367200">
+                <a:tc>
+                  <a:txBody>
+                    <a:bodyPr/>
+                    <a:lstStyle/>
+                    <a:p>
+                      <a:pPr algn="ctr"/>
+                      <a:endParaRPr lang="zh-CN" altLang="en-US" b="1"/>
+                    </a:p>
+                  </a:txBody>
+                  <a:tcPr>
+                    <a:lnL w="12700" cap="flat" cmpd="sng" algn="ctr">
+                      <a:solidFill>
+                        <a:schemeClr val="tx1"/>
+                      </a:solidFill>
+                      <a:prstDash val="solid"/>
+                      <a:round/>
+                      <a:headEnd type="none" w="med" len="med"/>
+                      <a:tailEnd type="none" w="med" len="med"/>
+                    </a:lnL>
+                    <a:lnR w="12700" cap="flat" cmpd="sng" algn="ctr">
+                      <a:solidFill>
+                        <a:schemeClr val="tx1"/>
+                      </a:solidFill>
+                      <a:prstDash val="solid"/>
+                      <a:round/>
+                      <a:headEnd type="none" w="med" len="med"/>
+                      <a:tailEnd type="none" w="med" len="med"/>
+                    </a:lnR>
+                    <a:lnT w="12700" cap="flat" cmpd="sng" algn="ctr">
+                      <a:solidFill>
+                        <a:schemeClr val="tx1"/>
+                      </a:solidFill>
+                      <a:prstDash val="solid"/>
+                      <a:round/>
+                      <a:headEnd type="none" w="med" len="med"/>
+                      <a:tailEnd type="none" w="med" len="med"/>
+                    </a:lnT>
+                    <a:lnB w="12700" cap="flat" cmpd="sng" algn="ctr">
+                      <a:solidFill>
+                        <a:schemeClr val="tx1"/>
+                      </a:solidFill>
+                      <a:prstDash val="solid"/>
+                      <a:round/>
+                      <a:headEnd type="none" w="med" len="med"/>
+                      <a:tailEnd type="none" w="med" len="med"/>
+                    </a:lnB>
+                    <a:solidFill>
+                      <a:schemeClr val="bg1">
+                        <a:lumMod val="65000"/>
+                      </a:schemeClr>
+                    </a:solidFill>
+                  </a:tcPr>
+                </a:tc>
+              </a:tr>
+              <a:tr h="367200">
+                <a:tc>
+                  <a:txBody>
+                    <a:bodyPr/>
+                    <a:lstStyle/>
+                    <a:p>
+                      <a:pPr algn="ctr"/>
+                      <a:endParaRPr lang="zh-CN" altLang="en-US" b="1"/>
+                    </a:p>
+                  </a:txBody>
+                  <a:tcPr>
+                    <a:lnL w="12700" cap="flat" cmpd="sng" algn="ctr">
+                      <a:solidFill>
+                        <a:schemeClr val="tx1"/>
+                      </a:solidFill>
+                      <a:prstDash val="solid"/>
+                      <a:round/>
+                      <a:headEnd type="none" w="med" len="med"/>
+                      <a:tailEnd type="none" w="med" len="med"/>
+                    </a:lnL>
+                    <a:lnR w="12700" cap="flat" cmpd="sng" algn="ctr">
+                      <a:solidFill>
+                        <a:schemeClr val="tx1"/>
+                      </a:solidFill>
+                      <a:prstDash val="solid"/>
+                      <a:round/>
+                      <a:headEnd type="none" w="med" len="med"/>
+                      <a:tailEnd type="none" w="med" len="med"/>
+                    </a:lnR>
+                    <a:lnT w="12700" cap="flat" cmpd="sng" algn="ctr">
+                      <a:solidFill>
+                        <a:schemeClr val="tx1"/>
+                      </a:solidFill>
+                      <a:prstDash val="solid"/>
+                      <a:round/>
+                      <a:headEnd type="none" w="med" len="med"/>
+                      <a:tailEnd type="none" w="med" len="med"/>
+                    </a:lnT>
+                    <a:lnB w="12700" cap="flat" cmpd="sng" algn="ctr">
+                      <a:solidFill>
+                        <a:schemeClr val="tx1"/>
+                      </a:solidFill>
+                      <a:prstDash val="solid"/>
+                      <a:round/>
+                      <a:headEnd type="none" w="med" len="med"/>
+                      <a:tailEnd type="none" w="med" len="med"/>
+                    </a:lnB>
+                    <a:solidFill>
+                      <a:schemeClr val="bg1">
+                        <a:lumMod val="65000"/>
+                      </a:schemeClr>
+                    </a:solidFill>
+                  </a:tcPr>
+                </a:tc>
+              </a:tr>
+              <a:tr h="367200">
+                <a:tc>
+                  <a:txBody>
+                    <a:bodyPr/>
+                    <a:lstStyle/>
+                    <a:p>
+                      <a:pPr algn="ctr"/>
+                      <a:endParaRPr lang="zh-CN" altLang="en-US" b="1"/>
+                    </a:p>
+                  </a:txBody>
+                  <a:tcPr>
+                    <a:lnL w="12700" cap="flat" cmpd="sng" algn="ctr">
+                      <a:solidFill>
+                        <a:schemeClr val="tx1"/>
+                      </a:solidFill>
+                      <a:prstDash val="solid"/>
+                      <a:round/>
+                      <a:headEnd type="none" w="med" len="med"/>
+                      <a:tailEnd type="none" w="med" len="med"/>
+                    </a:lnL>
+                    <a:lnR w="12700" cap="flat" cmpd="sng" algn="ctr">
+                      <a:solidFill>
+                        <a:schemeClr val="tx1"/>
+                      </a:solidFill>
+                      <a:prstDash val="solid"/>
+                      <a:round/>
+                      <a:headEnd type="none" w="med" len="med"/>
+                      <a:tailEnd type="none" w="med" len="med"/>
+                    </a:lnR>
+                    <a:lnT w="12700" cap="flat" cmpd="sng" algn="ctr">
+                      <a:solidFill>
+                        <a:schemeClr val="tx1"/>
+                      </a:solidFill>
+                      <a:prstDash val="solid"/>
+                      <a:round/>
+                      <a:headEnd type="none" w="med" len="med"/>
+                      <a:tailEnd type="none" w="med" len="med"/>
+                    </a:lnT>
+                    <a:lnB w="12700" cap="flat" cmpd="sng" algn="ctr">
+                      <a:solidFill>
+                        <a:schemeClr val="tx1"/>
+                      </a:solidFill>
+                      <a:prstDash val="solid"/>
+                      <a:round/>
+                      <a:headEnd type="none" w="med" len="med"/>
+                      <a:tailEnd type="none" w="med" len="med"/>
+                    </a:lnB>
+                    <a:solidFill>
+                      <a:schemeClr val="bg1">
+                        <a:lumMod val="65000"/>
+                      </a:schemeClr>
+                    </a:solidFill>
+                  </a:tcPr>
+                </a:tc>
+              </a:tr>
+            </a:tbl>
+          </a:graphicData>
+        </a:graphic>
+      </p:graphicFrame>
+      <p:graphicFrame>
+        <p:nvGraphicFramePr>
+          <p:cNvPr id="9" name="表格 8"/>
+          <p:cNvGraphicFramePr>
+            <a:graphicFrameLocks noGrp="1"/>
+          </p:cNvGraphicFramePr>
+          <p:nvPr>
+            <p:extLst>
+              <p:ext uri="{D42A27DB-BD31-4B8C-83A1-F6EECF244321}">
+                <p14:modId xmlns:p14="http://schemas.microsoft.com/office/powerpoint/2010/main" val="1732734628"/>
+              </p:ext>
+            </p:extLst>
+          </p:nvPr>
+        </p:nvGraphicFramePr>
+        <p:xfrm>
+          <a:off x="5599196" y="3053987"/>
+          <a:ext cx="360000" cy="2937600"/>
+        </p:xfrm>
+        <a:graphic>
+          <a:graphicData uri="http://schemas.openxmlformats.org/drawingml/2006/table">
+            <a:tbl>
+              <a:tblPr firstRow="1" bandRow="1">
+                <a:tableStyleId>{5C22544A-7EE6-4342-B048-85BDC9FD1C3A}</a:tableStyleId>
+              </a:tblPr>
+              <a:tblGrid>
+                <a:gridCol w="360000"/>
+              </a:tblGrid>
+              <a:tr h="367200">
+                <a:tc>
+                  <a:txBody>
+                    <a:bodyPr/>
+                    <a:lstStyle/>
+                    <a:p>
+                      <a:pPr algn="ctr"/>
+                      <a:endParaRPr lang="zh-CN" altLang="en-US" b="1">
+                        <a:solidFill>
+                          <a:schemeClr val="tx1"/>
+                        </a:solidFill>
+                      </a:endParaRPr>
+                    </a:p>
+                  </a:txBody>
+                  <a:tcPr>
+                    <a:lnL w="12700" cap="flat" cmpd="sng" algn="ctr">
+                      <a:solidFill>
+                        <a:schemeClr val="tx1"/>
+                      </a:solidFill>
+                      <a:prstDash val="solid"/>
+                      <a:round/>
+                      <a:headEnd type="none" w="med" len="med"/>
+                      <a:tailEnd type="none" w="med" len="med"/>
+                    </a:lnL>
+                    <a:lnR w="12700" cap="flat" cmpd="sng" algn="ctr">
+                      <a:solidFill>
+                        <a:schemeClr val="tx1"/>
+                      </a:solidFill>
+                      <a:prstDash val="solid"/>
+                      <a:round/>
+                      <a:headEnd type="none" w="med" len="med"/>
+                      <a:tailEnd type="none" w="med" len="med"/>
+                    </a:lnR>
+                    <a:lnT w="12700" cap="flat" cmpd="sng" algn="ctr">
+                      <a:solidFill>
+                        <a:schemeClr val="tx1"/>
+                      </a:solidFill>
+                      <a:prstDash val="solid"/>
+                      <a:round/>
+                      <a:headEnd type="none" w="med" len="med"/>
+                      <a:tailEnd type="none" w="med" len="med"/>
+                    </a:lnT>
+                    <a:lnB w="12700" cap="flat" cmpd="sng" algn="ctr">
+                      <a:solidFill>
+                        <a:schemeClr val="tx1"/>
+                      </a:solidFill>
+                      <a:prstDash val="solid"/>
+                      <a:round/>
+                      <a:headEnd type="none" w="med" len="med"/>
+                      <a:tailEnd type="none" w="med" len="med"/>
+                    </a:lnB>
+                    <a:solidFill>
+                      <a:schemeClr val="bg1">
+                        <a:lumMod val="65000"/>
+                      </a:schemeClr>
+                    </a:solidFill>
+                  </a:tcPr>
+                </a:tc>
+              </a:tr>
+              <a:tr h="367200">
+                <a:tc>
+                  <a:txBody>
+                    <a:bodyPr/>
+                    <a:lstStyle/>
+                    <a:p>
+                      <a:pPr algn="ctr"/>
+                      <a:endParaRPr lang="zh-CN" altLang="en-US" b="1">
+                        <a:solidFill>
+                          <a:schemeClr val="tx1"/>
+                        </a:solidFill>
+                      </a:endParaRPr>
+                    </a:p>
+                  </a:txBody>
+                  <a:tcPr>
+                    <a:lnL w="12700" cap="flat" cmpd="sng" algn="ctr">
+                      <a:solidFill>
+                        <a:schemeClr val="tx1"/>
+                      </a:solidFill>
+                      <a:prstDash val="solid"/>
+                      <a:round/>
+                      <a:headEnd type="none" w="med" len="med"/>
+                      <a:tailEnd type="none" w="med" len="med"/>
+                    </a:lnL>
+                    <a:lnR w="12700" cap="flat" cmpd="sng" algn="ctr">
+                      <a:solidFill>
+                        <a:schemeClr val="tx1"/>
+                      </a:solidFill>
+                      <a:prstDash val="solid"/>
+                      <a:round/>
+                      <a:headEnd type="none" w="med" len="med"/>
+                      <a:tailEnd type="none" w="med" len="med"/>
+                    </a:lnR>
+                    <a:lnT w="12700" cap="flat" cmpd="sng" algn="ctr">
+                      <a:solidFill>
+                        <a:schemeClr val="tx1"/>
+                      </a:solidFill>
+                      <a:prstDash val="solid"/>
+                      <a:round/>
+                      <a:headEnd type="none" w="med" len="med"/>
+                      <a:tailEnd type="none" w="med" len="med"/>
+                    </a:lnT>
+                    <a:lnB w="12700" cap="flat" cmpd="sng" algn="ctr">
+                      <a:solidFill>
+                        <a:schemeClr val="tx1"/>
+                      </a:solidFill>
+                      <a:prstDash val="solid"/>
+                      <a:round/>
+                      <a:headEnd type="none" w="med" len="med"/>
+                      <a:tailEnd type="none" w="med" len="med"/>
+                    </a:lnB>
+                    <a:solidFill>
+                      <a:schemeClr val="bg1">
+                        <a:lumMod val="65000"/>
+                      </a:schemeClr>
+                    </a:solidFill>
+                  </a:tcPr>
+                </a:tc>
+              </a:tr>
+              <a:tr h="367200">
+                <a:tc>
+                  <a:txBody>
+                    <a:bodyPr/>
+                    <a:lstStyle/>
+                    <a:p>
+                      <a:pPr algn="ctr"/>
+                      <a:endParaRPr lang="zh-CN" altLang="en-US" b="1">
+                        <a:solidFill>
+                          <a:schemeClr val="tx1"/>
+                        </a:solidFill>
+                      </a:endParaRPr>
+                    </a:p>
+                  </a:txBody>
+                  <a:tcPr>
+                    <a:lnL w="12700" cap="flat" cmpd="sng" algn="ctr">
+                      <a:solidFill>
+                        <a:schemeClr val="tx1"/>
+                      </a:solidFill>
+                      <a:prstDash val="solid"/>
+                      <a:round/>
+                      <a:headEnd type="none" w="med" len="med"/>
+                      <a:tailEnd type="none" w="med" len="med"/>
+                    </a:lnL>
+                    <a:lnR w="12700" cap="flat" cmpd="sng" algn="ctr">
+                      <a:solidFill>
+                        <a:schemeClr val="tx1"/>
+                      </a:solidFill>
+                      <a:prstDash val="solid"/>
+                      <a:round/>
+                      <a:headEnd type="none" w="med" len="med"/>
+                      <a:tailEnd type="none" w="med" len="med"/>
+                    </a:lnR>
+                    <a:lnT w="12700" cap="flat" cmpd="sng" algn="ctr">
+                      <a:solidFill>
+                        <a:schemeClr val="tx1"/>
+                      </a:solidFill>
+                      <a:prstDash val="solid"/>
+                      <a:round/>
+                      <a:headEnd type="none" w="med" len="med"/>
+                      <a:tailEnd type="none" w="med" len="med"/>
+                    </a:lnT>
+                    <a:lnB w="12700" cap="flat" cmpd="sng" algn="ctr">
+                      <a:solidFill>
+                        <a:schemeClr val="tx1"/>
+                      </a:solidFill>
+                      <a:prstDash val="solid"/>
+                      <a:round/>
+                      <a:headEnd type="none" w="med" len="med"/>
+                      <a:tailEnd type="none" w="med" len="med"/>
+                    </a:lnB>
+                    <a:solidFill>
+                      <a:schemeClr val="bg1">
+                        <a:lumMod val="65000"/>
+                      </a:schemeClr>
+                    </a:solidFill>
+                  </a:tcPr>
+                </a:tc>
+              </a:tr>
+              <a:tr h="367200">
+                <a:tc>
+                  <a:txBody>
+                    <a:bodyPr/>
+                    <a:lstStyle/>
+                    <a:p>
+                      <a:pPr algn="ctr"/>
+                      <a:endParaRPr lang="zh-CN" altLang="en-US" b="1">
+                        <a:solidFill>
+                          <a:schemeClr val="tx1"/>
+                        </a:solidFill>
+                      </a:endParaRPr>
+                    </a:p>
+                  </a:txBody>
+                  <a:tcPr>
+                    <a:lnL w="12700" cap="flat" cmpd="sng" algn="ctr">
+                      <a:solidFill>
+                        <a:schemeClr val="tx1"/>
+                      </a:solidFill>
+                      <a:prstDash val="solid"/>
+                      <a:round/>
+                      <a:headEnd type="none" w="med" len="med"/>
+                      <a:tailEnd type="none" w="med" len="med"/>
+                    </a:lnL>
+                    <a:lnR w="12700" cap="flat" cmpd="sng" algn="ctr">
+                      <a:solidFill>
+                        <a:schemeClr val="tx1"/>
+                      </a:solidFill>
+                      <a:prstDash val="solid"/>
+                      <a:round/>
+                      <a:headEnd type="none" w="med" len="med"/>
+                      <a:tailEnd type="none" w="med" len="med"/>
+                    </a:lnR>
+                    <a:lnT w="12700" cap="flat" cmpd="sng" algn="ctr">
+                      <a:solidFill>
+                        <a:schemeClr val="tx1"/>
+                      </a:solidFill>
+                      <a:prstDash val="solid"/>
+                      <a:round/>
+                      <a:headEnd type="none" w="med" len="med"/>
+                      <a:tailEnd type="none" w="med" len="med"/>
+                    </a:lnT>
+                    <a:lnB w="12700" cap="flat" cmpd="sng" algn="ctr">
+                      <a:solidFill>
+                        <a:schemeClr val="tx1"/>
+                      </a:solidFill>
+                      <a:prstDash val="solid"/>
+                      <a:round/>
+                      <a:headEnd type="none" w="med" len="med"/>
+                      <a:tailEnd type="none" w="med" len="med"/>
+                    </a:lnB>
+                    <a:solidFill>
+                      <a:schemeClr val="bg1">
+                        <a:lumMod val="65000"/>
+                      </a:schemeClr>
+                    </a:solidFill>
+                  </a:tcPr>
+                </a:tc>
+              </a:tr>
+              <a:tr h="367200">
+                <a:tc>
+                  <a:txBody>
+                    <a:bodyPr/>
+                    <a:lstStyle/>
+                    <a:p>
+                      <a:pPr algn="ctr"/>
+                      <a:endParaRPr lang="zh-CN" altLang="en-US" b="1">
+                        <a:solidFill>
+                          <a:schemeClr val="tx1"/>
+                        </a:solidFill>
+                      </a:endParaRPr>
+                    </a:p>
+                  </a:txBody>
+                  <a:tcPr>
+                    <a:lnL w="12700" cap="flat" cmpd="sng" algn="ctr">
+                      <a:solidFill>
+                        <a:schemeClr val="tx1"/>
+                      </a:solidFill>
+                      <a:prstDash val="solid"/>
+                      <a:round/>
+                      <a:headEnd type="none" w="med" len="med"/>
+                      <a:tailEnd type="none" w="med" len="med"/>
+                    </a:lnL>
+                    <a:lnR w="12700" cap="flat" cmpd="sng" algn="ctr">
+                      <a:solidFill>
+                        <a:schemeClr val="tx1"/>
+                      </a:solidFill>
+                      <a:prstDash val="solid"/>
+                      <a:round/>
+                      <a:headEnd type="none" w="med" len="med"/>
+                      <a:tailEnd type="none" w="med" len="med"/>
+                    </a:lnR>
+                    <a:lnT w="12700" cap="flat" cmpd="sng" algn="ctr">
+                      <a:solidFill>
+                        <a:schemeClr val="tx1"/>
+                      </a:solidFill>
+                      <a:prstDash val="solid"/>
+                      <a:round/>
+                      <a:headEnd type="none" w="med" len="med"/>
+                      <a:tailEnd type="none" w="med" len="med"/>
+                    </a:lnT>
+                    <a:lnB w="12700" cap="flat" cmpd="sng" algn="ctr">
+                      <a:solidFill>
+                        <a:schemeClr val="tx1"/>
+                      </a:solidFill>
+                      <a:prstDash val="solid"/>
+                      <a:round/>
+                      <a:headEnd type="none" w="med" len="med"/>
+                      <a:tailEnd type="none" w="med" len="med"/>
+                    </a:lnB>
+                    <a:solidFill>
+                      <a:schemeClr val="bg1">
+                        <a:lumMod val="65000"/>
+                      </a:schemeClr>
+                    </a:solidFill>
+                  </a:tcPr>
+                </a:tc>
+              </a:tr>
+              <a:tr h="367200">
+                <a:tc>
+                  <a:txBody>
+                    <a:bodyPr/>
+                    <a:lstStyle/>
+                    <a:p>
+                      <a:pPr algn="ctr"/>
+                      <a:endParaRPr lang="zh-CN" altLang="en-US" b="1">
+                        <a:solidFill>
+                          <a:schemeClr val="tx1"/>
+                        </a:solidFill>
+                      </a:endParaRPr>
+                    </a:p>
+                  </a:txBody>
+                  <a:tcPr>
+                    <a:lnL w="12700" cap="flat" cmpd="sng" algn="ctr">
+                      <a:solidFill>
+                        <a:schemeClr val="tx1"/>
+                      </a:solidFill>
+                      <a:prstDash val="solid"/>
+                      <a:round/>
+                      <a:headEnd type="none" w="med" len="med"/>
+                      <a:tailEnd type="none" w="med" len="med"/>
+                    </a:lnL>
+                    <a:lnR w="12700" cap="flat" cmpd="sng" algn="ctr">
+                      <a:solidFill>
+                        <a:schemeClr val="tx1"/>
+                      </a:solidFill>
+                      <a:prstDash val="solid"/>
+                      <a:round/>
+                      <a:headEnd type="none" w="med" len="med"/>
+                      <a:tailEnd type="none" w="med" len="med"/>
+                    </a:lnR>
+                    <a:lnT w="12700" cap="flat" cmpd="sng" algn="ctr">
+                      <a:solidFill>
+                        <a:schemeClr val="tx1"/>
+                      </a:solidFill>
+                      <a:prstDash val="solid"/>
+                      <a:round/>
+                      <a:headEnd type="none" w="med" len="med"/>
+                      <a:tailEnd type="none" w="med" len="med"/>
+                    </a:lnT>
+                    <a:lnB w="12700" cap="flat" cmpd="sng" algn="ctr">
+                      <a:solidFill>
+                        <a:schemeClr val="tx1"/>
+                      </a:solidFill>
+                      <a:prstDash val="solid"/>
+                      <a:round/>
+                      <a:headEnd type="none" w="med" len="med"/>
+                      <a:tailEnd type="none" w="med" len="med"/>
+                    </a:lnB>
+                    <a:solidFill>
+                      <a:schemeClr val="bg1">
+                        <a:lumMod val="65000"/>
+                      </a:schemeClr>
+                    </a:solidFill>
+                  </a:tcPr>
+                </a:tc>
+              </a:tr>
+              <a:tr h="367200">
+                <a:tc>
+                  <a:txBody>
+                    <a:bodyPr/>
+                    <a:lstStyle/>
+                    <a:p>
+                      <a:pPr algn="ctr"/>
+                      <a:endParaRPr lang="zh-CN" altLang="en-US" b="1">
+                        <a:solidFill>
+                          <a:schemeClr val="tx1"/>
+                        </a:solidFill>
+                      </a:endParaRPr>
+                    </a:p>
+                  </a:txBody>
+                  <a:tcPr>
+                    <a:lnL w="12700" cap="flat" cmpd="sng" algn="ctr">
+                      <a:solidFill>
+                        <a:schemeClr val="tx1"/>
+                      </a:solidFill>
+                      <a:prstDash val="solid"/>
+                      <a:round/>
+                      <a:headEnd type="none" w="med" len="med"/>
+                      <a:tailEnd type="none" w="med" len="med"/>
+                    </a:lnL>
+                    <a:lnR w="12700" cap="flat" cmpd="sng" algn="ctr">
+                      <a:solidFill>
+                        <a:schemeClr val="tx1"/>
+                      </a:solidFill>
+                      <a:prstDash val="solid"/>
+                      <a:round/>
+                      <a:headEnd type="none" w="med" len="med"/>
+                      <a:tailEnd type="none" w="med" len="med"/>
+                    </a:lnR>
+                    <a:lnT w="12700" cap="flat" cmpd="sng" algn="ctr">
+                      <a:solidFill>
+                        <a:schemeClr val="tx1"/>
+                      </a:solidFill>
+                      <a:prstDash val="solid"/>
+                      <a:round/>
+                      <a:headEnd type="none" w="med" len="med"/>
+                      <a:tailEnd type="none" w="med" len="med"/>
+                    </a:lnT>
+                    <a:lnB w="12700" cap="flat" cmpd="sng" algn="ctr">
+                      <a:solidFill>
+                        <a:schemeClr val="tx1"/>
+                      </a:solidFill>
+                      <a:prstDash val="solid"/>
+                      <a:round/>
+                      <a:headEnd type="none" w="med" len="med"/>
+                      <a:tailEnd type="none" w="med" len="med"/>
+                    </a:lnB>
+                    <a:solidFill>
+                      <a:schemeClr val="bg1">
+                        <a:lumMod val="65000"/>
+                      </a:schemeClr>
+                    </a:solidFill>
+                  </a:tcPr>
+                </a:tc>
+              </a:tr>
+              <a:tr h="367200">
+                <a:tc>
+                  <a:txBody>
+                    <a:bodyPr/>
+                    <a:lstStyle/>
+                    <a:p>
+                      <a:pPr algn="ctr"/>
+                      <a:endParaRPr lang="zh-CN" altLang="en-US" b="1">
+                        <a:solidFill>
+                          <a:schemeClr val="tx1"/>
+                        </a:solidFill>
+                      </a:endParaRPr>
+                    </a:p>
+                  </a:txBody>
+                  <a:tcPr>
+                    <a:lnL w="12700" cap="flat" cmpd="sng" algn="ctr">
+                      <a:solidFill>
+                        <a:schemeClr val="tx1"/>
+                      </a:solidFill>
+                      <a:prstDash val="solid"/>
+                      <a:round/>
+                      <a:headEnd type="none" w="med" len="med"/>
+                      <a:tailEnd type="none" w="med" len="med"/>
+                    </a:lnL>
+                    <a:lnR w="12700" cap="flat" cmpd="sng" algn="ctr">
+                      <a:solidFill>
+                        <a:schemeClr val="tx1"/>
+                      </a:solidFill>
+                      <a:prstDash val="solid"/>
+                      <a:round/>
+                      <a:headEnd type="none" w="med" len="med"/>
+                      <a:tailEnd type="none" w="med" len="med"/>
+                    </a:lnR>
+                    <a:lnT w="12700" cap="flat" cmpd="sng" algn="ctr">
+                      <a:solidFill>
+                        <a:schemeClr val="tx1"/>
+                      </a:solidFill>
+                      <a:prstDash val="solid"/>
+                      <a:round/>
+                      <a:headEnd type="none" w="med" len="med"/>
+                      <a:tailEnd type="none" w="med" len="med"/>
+                    </a:lnT>
+                    <a:lnB w="12700" cap="flat" cmpd="sng" algn="ctr">
+                      <a:solidFill>
+                        <a:schemeClr val="tx1"/>
+                      </a:solidFill>
+                      <a:prstDash val="solid"/>
+                      <a:round/>
+                      <a:headEnd type="none" w="med" len="med"/>
+                      <a:tailEnd type="none" w="med" len="med"/>
+                    </a:lnB>
+                    <a:solidFill>
+                      <a:schemeClr val="bg1">
+                        <a:lumMod val="65000"/>
+                      </a:schemeClr>
+                    </a:solidFill>
+                  </a:tcPr>
+                </a:tc>
+              </a:tr>
+            </a:tbl>
+          </a:graphicData>
+        </a:graphic>
+      </p:graphicFrame>
+      <p:graphicFrame>
+        <p:nvGraphicFramePr>
+          <p:cNvPr id="10" name="表格 9"/>
+          <p:cNvGraphicFramePr>
+            <a:graphicFrameLocks noGrp="1"/>
+          </p:cNvGraphicFramePr>
+          <p:nvPr>
+            <p:extLst>
+              <p:ext uri="{D42A27DB-BD31-4B8C-83A1-F6EECF244321}">
+                <p14:modId xmlns:p14="http://schemas.microsoft.com/office/powerpoint/2010/main" val="45155829"/>
+              </p:ext>
+            </p:extLst>
+          </p:nvPr>
+        </p:nvGraphicFramePr>
+        <p:xfrm>
+          <a:off x="6419811" y="3053987"/>
+          <a:ext cx="360000" cy="2937600"/>
+        </p:xfrm>
+        <a:graphic>
+          <a:graphicData uri="http://schemas.openxmlformats.org/drawingml/2006/table">
+            <a:tbl>
+              <a:tblPr firstRow="1" bandRow="1">
+                <a:tableStyleId>{5C22544A-7EE6-4342-B048-85BDC9FD1C3A}</a:tableStyleId>
+              </a:tblPr>
+              <a:tblGrid>
+                <a:gridCol w="360000"/>
+              </a:tblGrid>
+              <a:tr h="367200">
+                <a:tc>
+                  <a:txBody>
+                    <a:bodyPr/>
+                    <a:lstStyle/>
+                    <a:p>
+                      <a:endParaRPr lang="zh-CN" altLang="en-US"/>
+                    </a:p>
+                  </a:txBody>
+                  <a:tcPr>
+                    <a:lnL w="12700" cap="flat" cmpd="sng" algn="ctr">
+                      <a:solidFill>
+                        <a:schemeClr val="tx1"/>
+                      </a:solidFill>
+                      <a:prstDash val="solid"/>
+                      <a:round/>
+                      <a:headEnd type="none" w="med" len="med"/>
+                      <a:tailEnd type="none" w="med" len="med"/>
+                    </a:lnL>
+                    <a:lnR w="12700" cap="flat" cmpd="sng" algn="ctr">
+                      <a:solidFill>
+                        <a:schemeClr val="tx1"/>
+                      </a:solidFill>
+                      <a:prstDash val="solid"/>
+                      <a:round/>
+                      <a:headEnd type="none" w="med" len="med"/>
+                      <a:tailEnd type="none" w="med" len="med"/>
+                    </a:lnR>
+                    <a:lnT w="12700" cap="flat" cmpd="sng" algn="ctr">
+                      <a:solidFill>
+                        <a:schemeClr val="tx1"/>
+                      </a:solidFill>
+                      <a:prstDash val="solid"/>
+                      <a:round/>
+                      <a:headEnd type="none" w="med" len="med"/>
+                      <a:tailEnd type="none" w="med" len="med"/>
+                    </a:lnT>
+                    <a:lnB w="12700" cap="flat" cmpd="sng" algn="ctr">
+                      <a:solidFill>
+                        <a:schemeClr val="tx1"/>
+                      </a:solidFill>
+                      <a:prstDash val="solid"/>
+                      <a:round/>
+                      <a:headEnd type="none" w="med" len="med"/>
+                      <a:tailEnd type="none" w="med" len="med"/>
+                    </a:lnB>
+                    <a:solidFill>
+                      <a:schemeClr val="bg1">
+                        <a:lumMod val="95000"/>
+                      </a:schemeClr>
+                    </a:solidFill>
+                  </a:tcPr>
+                </a:tc>
+              </a:tr>
+              <a:tr h="367200">
+                <a:tc>
+                  <a:txBody>
+                    <a:bodyPr/>
+                    <a:lstStyle/>
+                    <a:p>
+                      <a:endParaRPr lang="zh-CN" altLang="en-US"/>
+                    </a:p>
+                  </a:txBody>
+                  <a:tcPr>
+                    <a:lnL w="12700" cap="flat" cmpd="sng" algn="ctr">
+                      <a:solidFill>
+                        <a:schemeClr val="tx1"/>
+                      </a:solidFill>
+                      <a:prstDash val="solid"/>
+                      <a:round/>
+                      <a:headEnd type="none" w="med" len="med"/>
+                      <a:tailEnd type="none" w="med" len="med"/>
+                    </a:lnL>
+                    <a:lnR w="12700" cap="flat" cmpd="sng" algn="ctr">
+                      <a:solidFill>
+                        <a:schemeClr val="tx1"/>
+                      </a:solidFill>
+                      <a:prstDash val="solid"/>
+                      <a:round/>
+                      <a:headEnd type="none" w="med" len="med"/>
+                      <a:tailEnd type="none" w="med" len="med"/>
+                    </a:lnR>
+                    <a:lnT w="12700" cap="flat" cmpd="sng" algn="ctr">
+                      <a:solidFill>
+                        <a:schemeClr val="tx1"/>
+                      </a:solidFill>
+                      <a:prstDash val="solid"/>
+                      <a:round/>
+                      <a:headEnd type="none" w="med" len="med"/>
+                      <a:tailEnd type="none" w="med" len="med"/>
+                    </a:lnT>
+                    <a:lnB w="12700" cap="flat" cmpd="sng" algn="ctr">
+                      <a:solidFill>
+                        <a:schemeClr val="tx1"/>
+                      </a:solidFill>
+                      <a:prstDash val="solid"/>
+                      <a:round/>
+                      <a:headEnd type="none" w="med" len="med"/>
+                      <a:tailEnd type="none" w="med" len="med"/>
+                    </a:lnB>
+                    <a:solidFill>
+                      <a:schemeClr val="bg1">
+                        <a:lumMod val="95000"/>
+                      </a:schemeClr>
+                    </a:solidFill>
+                  </a:tcPr>
+                </a:tc>
+              </a:tr>
+              <a:tr h="367200">
+                <a:tc>
+                  <a:txBody>
+                    <a:bodyPr/>
+                    <a:lstStyle/>
+                    <a:p>
+                      <a:endParaRPr lang="zh-CN" altLang="en-US"/>
+                    </a:p>
+                  </a:txBody>
+                  <a:tcPr>
+                    <a:lnL w="12700" cap="flat" cmpd="sng" algn="ctr">
+                      <a:solidFill>
+                        <a:schemeClr val="tx1"/>
+                      </a:solidFill>
+                      <a:prstDash val="solid"/>
+                      <a:round/>
+                      <a:headEnd type="none" w="med" len="med"/>
+                      <a:tailEnd type="none" w="med" len="med"/>
+                    </a:lnL>
+                    <a:lnR w="12700" cap="flat" cmpd="sng" algn="ctr">
+                      <a:solidFill>
+                        <a:schemeClr val="tx1"/>
+                      </a:solidFill>
+                      <a:prstDash val="solid"/>
+                      <a:round/>
+                      <a:headEnd type="none" w="med" len="med"/>
+                      <a:tailEnd type="none" w="med" len="med"/>
+                    </a:lnR>
+                    <a:lnT w="12700" cap="flat" cmpd="sng" algn="ctr">
+                      <a:solidFill>
+                        <a:schemeClr val="tx1"/>
+                      </a:solidFill>
+                      <a:prstDash val="solid"/>
+                      <a:round/>
+                      <a:headEnd type="none" w="med" len="med"/>
+                      <a:tailEnd type="none" w="med" len="med"/>
+                    </a:lnT>
+                    <a:lnB w="12700" cap="flat" cmpd="sng" algn="ctr">
+                      <a:solidFill>
+                        <a:schemeClr val="tx1"/>
+                      </a:solidFill>
+                      <a:prstDash val="solid"/>
+                      <a:round/>
+                      <a:headEnd type="none" w="med" len="med"/>
+                      <a:tailEnd type="none" w="med" len="med"/>
+                    </a:lnB>
+                    <a:solidFill>
+                      <a:schemeClr val="bg1">
+                        <a:lumMod val="95000"/>
+                      </a:schemeClr>
+                    </a:solidFill>
+                  </a:tcPr>
+                </a:tc>
+              </a:tr>
+              <a:tr h="367200">
+                <a:tc>
+                  <a:txBody>
+                    <a:bodyPr/>
+                    <a:lstStyle/>
+                    <a:p>
+                      <a:endParaRPr lang="zh-CN" altLang="en-US"/>
+                    </a:p>
+                  </a:txBody>
+                  <a:tcPr>
+                    <a:lnL w="12700" cap="flat" cmpd="sng" algn="ctr">
+                      <a:solidFill>
+                        <a:schemeClr val="tx1"/>
+                      </a:solidFill>
+                      <a:prstDash val="solid"/>
+                      <a:round/>
+                      <a:headEnd type="none" w="med" len="med"/>
+                      <a:tailEnd type="none" w="med" len="med"/>
+                    </a:lnL>
+                    <a:lnR w="12700" cap="flat" cmpd="sng" algn="ctr">
+                      <a:solidFill>
+                        <a:schemeClr val="tx1"/>
+                      </a:solidFill>
+                      <a:prstDash val="solid"/>
+                      <a:round/>
+                      <a:headEnd type="none" w="med" len="med"/>
+                      <a:tailEnd type="none" w="med" len="med"/>
+                    </a:lnR>
+                    <a:lnT w="12700" cap="flat" cmpd="sng" algn="ctr">
+                      <a:solidFill>
+                        <a:schemeClr val="tx1"/>
+                      </a:solidFill>
+                      <a:prstDash val="solid"/>
+                      <a:round/>
+                      <a:headEnd type="none" w="med" len="med"/>
+                      <a:tailEnd type="none" w="med" len="med"/>
+                    </a:lnT>
+                    <a:lnB w="12700" cap="flat" cmpd="sng" algn="ctr">
+                      <a:solidFill>
+                        <a:schemeClr val="tx1"/>
+                      </a:solidFill>
+                      <a:prstDash val="solid"/>
+                      <a:round/>
+                      <a:headEnd type="none" w="med" len="med"/>
+                      <a:tailEnd type="none" w="med" len="med"/>
+                    </a:lnB>
+                    <a:solidFill>
+                      <a:schemeClr val="bg1">
+                        <a:lumMod val="95000"/>
+                      </a:schemeClr>
+                    </a:solidFill>
+                  </a:tcPr>
+                </a:tc>
+              </a:tr>
+              <a:tr h="367200">
+                <a:tc>
+                  <a:txBody>
+                    <a:bodyPr/>
+                    <a:lstStyle/>
+                    <a:p>
+                      <a:endParaRPr lang="zh-CN" altLang="en-US"/>
+                    </a:p>
+                  </a:txBody>
+                  <a:tcPr>
+                    <a:lnL w="12700" cap="flat" cmpd="sng" algn="ctr">
+                      <a:solidFill>
+                        <a:schemeClr val="tx1"/>
+                      </a:solidFill>
+                      <a:prstDash val="solid"/>
+                      <a:round/>
+                      <a:headEnd type="none" w="med" len="med"/>
+                      <a:tailEnd type="none" w="med" len="med"/>
+                    </a:lnL>
+                    <a:lnR w="12700" cap="flat" cmpd="sng" algn="ctr">
+                      <a:solidFill>
+                        <a:schemeClr val="tx1"/>
+                      </a:solidFill>
+                      <a:prstDash val="solid"/>
+                      <a:round/>
+                      <a:headEnd type="none" w="med" len="med"/>
+                      <a:tailEnd type="none" w="med" len="med"/>
+                    </a:lnR>
+                    <a:lnT w="12700" cap="flat" cmpd="sng" algn="ctr">
+                      <a:solidFill>
+                        <a:schemeClr val="tx1"/>
+                      </a:solidFill>
+                      <a:prstDash val="solid"/>
+                      <a:round/>
+                      <a:headEnd type="none" w="med" len="med"/>
+                      <a:tailEnd type="none" w="med" len="med"/>
+                    </a:lnT>
+                    <a:lnB w="12700" cap="flat" cmpd="sng" algn="ctr">
+                      <a:solidFill>
+                        <a:schemeClr val="tx1"/>
+                      </a:solidFill>
+                      <a:prstDash val="solid"/>
+                      <a:round/>
+                      <a:headEnd type="none" w="med" len="med"/>
+                      <a:tailEnd type="none" w="med" len="med"/>
+                    </a:lnB>
+                    <a:solidFill>
+                      <a:schemeClr val="bg1">
+                        <a:lumMod val="95000"/>
+                      </a:schemeClr>
+                    </a:solidFill>
+                  </a:tcPr>
+                </a:tc>
+              </a:tr>
+              <a:tr h="367200">
+                <a:tc>
+                  <a:txBody>
+                    <a:bodyPr/>
+                    <a:lstStyle/>
+                    <a:p>
+                      <a:endParaRPr lang="zh-CN" altLang="en-US"/>
+                    </a:p>
+                  </a:txBody>
+                  <a:tcPr>
+                    <a:lnL w="12700" cap="flat" cmpd="sng" algn="ctr">
+                      <a:solidFill>
+                        <a:schemeClr val="tx1"/>
+                      </a:solidFill>
+                      <a:prstDash val="solid"/>
+                      <a:round/>
+                      <a:headEnd type="none" w="med" len="med"/>
+                      <a:tailEnd type="none" w="med" len="med"/>
+                    </a:lnL>
+                    <a:lnR w="12700" cap="flat" cmpd="sng" algn="ctr">
+                      <a:solidFill>
+                        <a:schemeClr val="tx1"/>
+                      </a:solidFill>
+                      <a:prstDash val="solid"/>
+                      <a:round/>
+                      <a:headEnd type="none" w="med" len="med"/>
+                      <a:tailEnd type="none" w="med" len="med"/>
+                    </a:lnR>
+                    <a:lnT w="12700" cap="flat" cmpd="sng" algn="ctr">
+                      <a:solidFill>
+                        <a:schemeClr val="tx1"/>
+                      </a:solidFill>
+                      <a:prstDash val="solid"/>
+                      <a:round/>
+                      <a:headEnd type="none" w="med" len="med"/>
+                      <a:tailEnd type="none" w="med" len="med"/>
+                    </a:lnT>
+                    <a:lnB w="12700" cap="flat" cmpd="sng" algn="ctr">
+                      <a:solidFill>
+                        <a:schemeClr val="tx1"/>
+                      </a:solidFill>
+                      <a:prstDash val="solid"/>
+                      <a:round/>
+                      <a:headEnd type="none" w="med" len="med"/>
+                      <a:tailEnd type="none" w="med" len="med"/>
+                    </a:lnB>
+                    <a:solidFill>
+                      <a:schemeClr val="bg1">
+                        <a:lumMod val="95000"/>
+                      </a:schemeClr>
+                    </a:solidFill>
+                  </a:tcPr>
+                </a:tc>
+              </a:tr>
+              <a:tr h="367200">
+                <a:tc>
+                  <a:txBody>
+                    <a:bodyPr/>
+                    <a:lstStyle/>
+                    <a:p>
+                      <a:endParaRPr lang="zh-CN" altLang="en-US"/>
+                    </a:p>
+                  </a:txBody>
+                  <a:tcPr>
+                    <a:lnL w="12700" cap="flat" cmpd="sng" algn="ctr">
+                      <a:solidFill>
+                        <a:schemeClr val="tx1"/>
+                      </a:solidFill>
+                      <a:prstDash val="solid"/>
+                      <a:round/>
+                      <a:headEnd type="none" w="med" len="med"/>
+                      <a:tailEnd type="none" w="med" len="med"/>
+                    </a:lnL>
+                    <a:lnR w="12700" cap="flat" cmpd="sng" algn="ctr">
+                      <a:solidFill>
+                        <a:schemeClr val="tx1"/>
+                      </a:solidFill>
+                      <a:prstDash val="solid"/>
+                      <a:round/>
+                      <a:headEnd type="none" w="med" len="med"/>
+                      <a:tailEnd type="none" w="med" len="med"/>
+                    </a:lnR>
+                    <a:lnT w="12700" cap="flat" cmpd="sng" algn="ctr">
+                      <a:solidFill>
+                        <a:schemeClr val="tx1"/>
+                      </a:solidFill>
+                      <a:prstDash val="solid"/>
+                      <a:round/>
+                      <a:headEnd type="none" w="med" len="med"/>
+                      <a:tailEnd type="none" w="med" len="med"/>
+                    </a:lnT>
+                    <a:lnB w="12700" cap="flat" cmpd="sng" algn="ctr">
+                      <a:solidFill>
+                        <a:schemeClr val="tx1"/>
+                      </a:solidFill>
+                      <a:prstDash val="solid"/>
+                      <a:round/>
+                      <a:headEnd type="none" w="med" len="med"/>
+                      <a:tailEnd type="none" w="med" len="med"/>
+                    </a:lnB>
+                    <a:solidFill>
+                      <a:schemeClr val="bg1">
+                        <a:lumMod val="95000"/>
+                      </a:schemeClr>
+                    </a:solidFill>
+                  </a:tcPr>
+                </a:tc>
+              </a:tr>
+              <a:tr h="367200">
+                <a:tc>
+                  <a:txBody>
+                    <a:bodyPr/>
+                    <a:lstStyle/>
+                    <a:p>
+                      <a:endParaRPr lang="zh-CN" altLang="en-US"/>
+                    </a:p>
+                  </a:txBody>
+                  <a:tcPr>
+                    <a:lnL w="12700" cap="flat" cmpd="sng" algn="ctr">
+                      <a:solidFill>
+                        <a:schemeClr val="tx1"/>
+                      </a:solidFill>
+                      <a:prstDash val="solid"/>
+                      <a:round/>
+                      <a:headEnd type="none" w="med" len="med"/>
+                      <a:tailEnd type="none" w="med" len="med"/>
+                    </a:lnL>
+                    <a:lnR w="12700" cap="flat" cmpd="sng" algn="ctr">
+                      <a:solidFill>
+                        <a:schemeClr val="tx1"/>
+                      </a:solidFill>
+                      <a:prstDash val="solid"/>
+                      <a:round/>
+                      <a:headEnd type="none" w="med" len="med"/>
+                      <a:tailEnd type="none" w="med" len="med"/>
+                    </a:lnR>
+                    <a:lnT w="12700" cap="flat" cmpd="sng" algn="ctr">
+                      <a:solidFill>
+                        <a:schemeClr val="tx1"/>
+                      </a:solidFill>
+                      <a:prstDash val="solid"/>
+                      <a:round/>
+                      <a:headEnd type="none" w="med" len="med"/>
+                      <a:tailEnd type="none" w="med" len="med"/>
+                    </a:lnT>
+                    <a:lnB w="12700" cap="flat" cmpd="sng" algn="ctr">
+                      <a:solidFill>
+                        <a:schemeClr val="tx1"/>
+                      </a:solidFill>
+                      <a:prstDash val="solid"/>
+                      <a:round/>
+                      <a:headEnd type="none" w="med" len="med"/>
+                      <a:tailEnd type="none" w="med" len="med"/>
+                    </a:lnB>
+                    <a:solidFill>
+                      <a:schemeClr val="bg1">
+                        <a:lumMod val="95000"/>
+                      </a:schemeClr>
+                    </a:solidFill>
+                  </a:tcPr>
+                </a:tc>
+              </a:tr>
+            </a:tbl>
+          </a:graphicData>
+        </a:graphic>
+      </p:graphicFrame>
+      <p:graphicFrame>
+        <p:nvGraphicFramePr>
+          <p:cNvPr id="11" name="表格 10"/>
+          <p:cNvGraphicFramePr>
+            <a:graphicFrameLocks noGrp="1"/>
+          </p:cNvGraphicFramePr>
+          <p:nvPr>
+            <p:extLst>
+              <p:ext uri="{D42A27DB-BD31-4B8C-83A1-F6EECF244321}">
+                <p14:modId xmlns:p14="http://schemas.microsoft.com/office/powerpoint/2010/main" val="872290612"/>
+              </p:ext>
+            </p:extLst>
+          </p:nvPr>
+        </p:nvGraphicFramePr>
+        <p:xfrm>
+          <a:off x="8061041" y="3053987"/>
+          <a:ext cx="360000" cy="2937600"/>
+        </p:xfrm>
+        <a:graphic>
+          <a:graphicData uri="http://schemas.openxmlformats.org/drawingml/2006/table">
+            <a:tbl>
+              <a:tblPr firstRow="1" bandRow="1">
+                <a:tableStyleId>{5C22544A-7EE6-4342-B048-85BDC9FD1C3A}</a:tableStyleId>
+              </a:tblPr>
+              <a:tblGrid>
+                <a:gridCol w="360000"/>
+              </a:tblGrid>
+              <a:tr h="367200">
+                <a:tc>
+                  <a:txBody>
+                    <a:bodyPr/>
+                    <a:lstStyle/>
+                    <a:p>
+                      <a:pPr algn="ctr"/>
+                      <a:endParaRPr lang="zh-CN" altLang="en-US" b="1"/>
+                    </a:p>
+                  </a:txBody>
+                  <a:tcPr>
+                    <a:lnL w="12700" cap="flat" cmpd="sng" algn="ctr">
+                      <a:solidFill>
+                        <a:schemeClr val="tx1"/>
+                      </a:solidFill>
+                      <a:prstDash val="solid"/>
+                      <a:round/>
+                      <a:headEnd type="none" w="med" len="med"/>
+                      <a:tailEnd type="none" w="med" len="med"/>
+                    </a:lnL>
+                    <a:lnR w="12700" cap="flat" cmpd="sng" algn="ctr">
+                      <a:solidFill>
+                        <a:schemeClr val="tx1"/>
+                      </a:solidFill>
+                      <a:prstDash val="solid"/>
+                      <a:round/>
+                      <a:headEnd type="none" w="med" len="med"/>
+                      <a:tailEnd type="none" w="med" len="med"/>
+                    </a:lnR>
+                    <a:lnT w="12700" cap="flat" cmpd="sng" algn="ctr">
+                      <a:solidFill>
+                        <a:schemeClr val="tx1"/>
+                      </a:solidFill>
+                      <a:prstDash val="solid"/>
+                      <a:round/>
+                      <a:headEnd type="none" w="med" len="med"/>
+                      <a:tailEnd type="none" w="med" len="med"/>
+                    </a:lnT>
+                    <a:lnB w="12700" cap="flat" cmpd="sng" algn="ctr">
+                      <a:solidFill>
+                        <a:schemeClr val="tx1"/>
+                      </a:solidFill>
+                      <a:prstDash val="solid"/>
+                      <a:round/>
+                      <a:headEnd type="none" w="med" len="med"/>
+                      <a:tailEnd type="none" w="med" len="med"/>
+                    </a:lnB>
+                    <a:solidFill>
+                      <a:schemeClr val="bg1">
+                        <a:lumMod val="65000"/>
+                      </a:schemeClr>
+                    </a:solidFill>
+                  </a:tcPr>
+                </a:tc>
+              </a:tr>
+              <a:tr h="367200">
+                <a:tc>
+                  <a:txBody>
+                    <a:bodyPr/>
+                    <a:lstStyle/>
+                    <a:p>
+                      <a:pPr algn="ctr"/>
+                      <a:endParaRPr lang="zh-CN" altLang="en-US" b="1"/>
+                    </a:p>
+                  </a:txBody>
+                  <a:tcPr>
+                    <a:lnL w="12700" cap="flat" cmpd="sng" algn="ctr">
+                      <a:solidFill>
+                        <a:schemeClr val="tx1"/>
+                      </a:solidFill>
+                      <a:prstDash val="solid"/>
+                      <a:round/>
+                      <a:headEnd type="none" w="med" len="med"/>
+                      <a:tailEnd type="none" w="med" len="med"/>
+                    </a:lnL>
+                    <a:lnR w="12700" cap="flat" cmpd="sng" algn="ctr">
+                      <a:solidFill>
+                        <a:schemeClr val="tx1"/>
+                      </a:solidFill>
+                      <a:prstDash val="solid"/>
+                      <a:round/>
+                      <a:headEnd type="none" w="med" len="med"/>
+                      <a:tailEnd type="none" w="med" len="med"/>
+                    </a:lnR>
+                    <a:lnT w="12700" cap="flat" cmpd="sng" algn="ctr">
+                      <a:solidFill>
+                        <a:schemeClr val="tx1"/>
+                      </a:solidFill>
+                      <a:prstDash val="solid"/>
+                      <a:round/>
+                      <a:headEnd type="none" w="med" len="med"/>
+                      <a:tailEnd type="none" w="med" len="med"/>
+                    </a:lnT>
+                    <a:lnB w="12700" cap="flat" cmpd="sng" algn="ctr">
+                      <a:solidFill>
+                        <a:schemeClr val="tx1"/>
+                      </a:solidFill>
+                      <a:prstDash val="solid"/>
+                      <a:round/>
+                      <a:headEnd type="none" w="med" len="med"/>
+                      <a:tailEnd type="none" w="med" len="med"/>
+                    </a:lnB>
+                    <a:solidFill>
+                      <a:schemeClr val="bg1">
+                        <a:lumMod val="65000"/>
+                      </a:schemeClr>
+                    </a:solidFill>
+                  </a:tcPr>
+                </a:tc>
+              </a:tr>
+              <a:tr h="367200">
+                <a:tc>
+                  <a:txBody>
+                    <a:bodyPr/>
+                    <a:lstStyle/>
+                    <a:p>
+                      <a:pPr algn="ctr"/>
+                      <a:endParaRPr lang="zh-CN" altLang="en-US" b="1"/>
+                    </a:p>
+                  </a:txBody>
+                  <a:tcPr>
+                    <a:lnL w="12700" cap="flat" cmpd="sng" algn="ctr">
+                      <a:solidFill>
+                        <a:schemeClr val="tx1"/>
+                      </a:solidFill>
+                      <a:prstDash val="solid"/>
+                      <a:round/>
+                      <a:headEnd type="none" w="med" len="med"/>
+                      <a:tailEnd type="none" w="med" len="med"/>
+                    </a:lnL>
+                    <a:lnR w="12700" cap="flat" cmpd="sng" algn="ctr">
+                      <a:solidFill>
+                        <a:schemeClr val="tx1"/>
+                      </a:solidFill>
+                      <a:prstDash val="solid"/>
+                      <a:round/>
+                      <a:headEnd type="none" w="med" len="med"/>
+                      <a:tailEnd type="none" w="med" len="med"/>
+                    </a:lnR>
+                    <a:lnT w="12700" cap="flat" cmpd="sng" algn="ctr">
+                      <a:solidFill>
+                        <a:schemeClr val="tx1"/>
+                      </a:solidFill>
+                      <a:prstDash val="solid"/>
+                      <a:round/>
+                      <a:headEnd type="none" w="med" len="med"/>
+                      <a:tailEnd type="none" w="med" len="med"/>
+                    </a:lnT>
+                    <a:lnB w="12700" cap="flat" cmpd="sng" algn="ctr">
+                      <a:solidFill>
+                        <a:schemeClr val="tx1"/>
+                      </a:solidFill>
+                      <a:prstDash val="solid"/>
+                      <a:round/>
+                      <a:headEnd type="none" w="med" len="med"/>
+                      <a:tailEnd type="none" w="med" len="med"/>
+                    </a:lnB>
+                    <a:solidFill>
+                      <a:schemeClr val="bg1">
+                        <a:lumMod val="65000"/>
+                      </a:schemeClr>
+                    </a:solidFill>
+                  </a:tcPr>
+                </a:tc>
+              </a:tr>
+              <a:tr h="367200">
+                <a:tc>
+                  <a:txBody>
+                    <a:bodyPr/>
+                    <a:lstStyle/>
+                    <a:p>
+                      <a:pPr algn="ctr"/>
+                      <a:endParaRPr lang="zh-CN" altLang="en-US" b="1"/>
+                    </a:p>
+                  </a:txBody>
+                  <a:tcPr>
+                    <a:lnL w="12700" cap="flat" cmpd="sng" algn="ctr">
+                      <a:solidFill>
+                        <a:schemeClr val="tx1"/>
+                      </a:solidFill>
+                      <a:prstDash val="solid"/>
+                      <a:round/>
+                      <a:headEnd type="none" w="med" len="med"/>
+                      <a:tailEnd type="none" w="med" len="med"/>
+                    </a:lnL>
+                    <a:lnR w="12700" cap="flat" cmpd="sng" algn="ctr">
+                      <a:solidFill>
+                        <a:schemeClr val="tx1"/>
+                      </a:solidFill>
+                      <a:prstDash val="solid"/>
+                      <a:round/>
+                      <a:headEnd type="none" w="med" len="med"/>
+                      <a:tailEnd type="none" w="med" len="med"/>
+                    </a:lnR>
+                    <a:lnT w="12700" cap="flat" cmpd="sng" algn="ctr">
+                      <a:solidFill>
+                        <a:schemeClr val="tx1"/>
+                      </a:solidFill>
+                      <a:prstDash val="solid"/>
+                      <a:round/>
+                      <a:headEnd type="none" w="med" len="med"/>
+                      <a:tailEnd type="none" w="med" len="med"/>
+                    </a:lnT>
+                    <a:lnB w="12700" cap="flat" cmpd="sng" algn="ctr">
+                      <a:solidFill>
+                        <a:schemeClr val="tx1"/>
+                      </a:solidFill>
+                      <a:prstDash val="solid"/>
+                      <a:round/>
+                      <a:headEnd type="none" w="med" len="med"/>
+                      <a:tailEnd type="none" w="med" len="med"/>
+                    </a:lnB>
+                    <a:solidFill>
+                      <a:schemeClr val="bg1">
+                        <a:lumMod val="65000"/>
+                      </a:schemeClr>
+                    </a:solidFill>
+                  </a:tcPr>
+                </a:tc>
+              </a:tr>
+              <a:tr h="367200">
+                <a:tc>
+                  <a:txBody>
+                    <a:bodyPr/>
+                    <a:lstStyle/>
+                    <a:p>
+                      <a:pPr algn="ctr"/>
+                      <a:endParaRPr lang="zh-CN" altLang="en-US" b="1"/>
+                    </a:p>
+                  </a:txBody>
+                  <a:tcPr>
+                    <a:lnL w="12700" cap="flat" cmpd="sng" algn="ctr">
+                      <a:solidFill>
+                        <a:schemeClr val="tx1"/>
+                      </a:solidFill>
+                      <a:prstDash val="solid"/>
+                      <a:round/>
+                      <a:headEnd type="none" w="med" len="med"/>
+                      <a:tailEnd type="none" w="med" len="med"/>
+                    </a:lnL>
+                    <a:lnR w="12700" cap="flat" cmpd="sng" algn="ctr">
+                      <a:solidFill>
+                        <a:schemeClr val="tx1"/>
+                      </a:solidFill>
+                      <a:prstDash val="solid"/>
+                      <a:round/>
+                      <a:headEnd type="none" w="med" len="med"/>
+                      <a:tailEnd type="none" w="med" len="med"/>
+                    </a:lnR>
+                    <a:lnT w="12700" cap="flat" cmpd="sng" algn="ctr">
+                      <a:solidFill>
+                        <a:schemeClr val="tx1"/>
+                      </a:solidFill>
+                      <a:prstDash val="solid"/>
+                      <a:round/>
+                      <a:headEnd type="none" w="med" len="med"/>
+                      <a:tailEnd type="none" w="med" len="med"/>
+                    </a:lnT>
+                    <a:lnB w="12700" cap="flat" cmpd="sng" algn="ctr">
+                      <a:solidFill>
+                        <a:schemeClr val="tx1"/>
+                      </a:solidFill>
+                      <a:prstDash val="solid"/>
+                      <a:round/>
+                      <a:headEnd type="none" w="med" len="med"/>
+                      <a:tailEnd type="none" w="med" len="med"/>
+                    </a:lnB>
+                    <a:solidFill>
+                      <a:schemeClr val="bg1">
+                        <a:lumMod val="65000"/>
+                      </a:schemeClr>
+                    </a:solidFill>
+                  </a:tcPr>
+                </a:tc>
+              </a:tr>
+              <a:tr h="367200">
+                <a:tc>
+                  <a:txBody>
+                    <a:bodyPr/>
+                    <a:lstStyle/>
+                    <a:p>
+                      <a:pPr algn="ctr"/>
+                      <a:endParaRPr lang="zh-CN" altLang="en-US" b="1"/>
+                    </a:p>
+                  </a:txBody>
+                  <a:tcPr>
+                    <a:lnL w="12700" cap="flat" cmpd="sng" algn="ctr">
+                      <a:solidFill>
+                        <a:schemeClr val="tx1"/>
+                      </a:solidFill>
+                      <a:prstDash val="solid"/>
+                      <a:round/>
+                      <a:headEnd type="none" w="med" len="med"/>
+                      <a:tailEnd type="none" w="med" len="med"/>
+                    </a:lnL>
+                    <a:lnR w="12700" cap="flat" cmpd="sng" algn="ctr">
+                      <a:solidFill>
+                        <a:schemeClr val="tx1"/>
+                      </a:solidFill>
+                      <a:prstDash val="solid"/>
+                      <a:round/>
+                      <a:headEnd type="none" w="med" len="med"/>
+                      <a:tailEnd type="none" w="med" len="med"/>
+                    </a:lnR>
+                    <a:lnT w="12700" cap="flat" cmpd="sng" algn="ctr">
+                      <a:solidFill>
+                        <a:schemeClr val="tx1"/>
+                      </a:solidFill>
+                      <a:prstDash val="solid"/>
+                      <a:round/>
+                      <a:headEnd type="none" w="med" len="med"/>
+                      <a:tailEnd type="none" w="med" len="med"/>
+                    </a:lnT>
+                    <a:lnB w="12700" cap="flat" cmpd="sng" algn="ctr">
+                      <a:solidFill>
+                        <a:schemeClr val="tx1"/>
+                      </a:solidFill>
+                      <a:prstDash val="solid"/>
+                      <a:round/>
+                      <a:headEnd type="none" w="med" len="med"/>
+                      <a:tailEnd type="none" w="med" len="med"/>
+                    </a:lnB>
+                    <a:solidFill>
+                      <a:schemeClr val="bg1">
+                        <a:lumMod val="65000"/>
+                      </a:schemeClr>
+                    </a:solidFill>
+                  </a:tcPr>
+                </a:tc>
+              </a:tr>
+              <a:tr h="367200">
+                <a:tc>
+                  <a:txBody>
+                    <a:bodyPr/>
+                    <a:lstStyle/>
+                    <a:p>
+                      <a:pPr algn="ctr"/>
+                      <a:endParaRPr lang="zh-CN" altLang="en-US" b="1"/>
+                    </a:p>
+                  </a:txBody>
+                  <a:tcPr>
+                    <a:lnL w="12700" cap="flat" cmpd="sng" algn="ctr">
+                      <a:solidFill>
+                        <a:schemeClr val="tx1"/>
+                      </a:solidFill>
+                      <a:prstDash val="solid"/>
+                      <a:round/>
+                      <a:headEnd type="none" w="med" len="med"/>
+                      <a:tailEnd type="none" w="med" len="med"/>
+                    </a:lnL>
+                    <a:lnR w="12700" cap="flat" cmpd="sng" algn="ctr">
+                      <a:solidFill>
+                        <a:schemeClr val="tx1"/>
+                      </a:solidFill>
+                      <a:prstDash val="solid"/>
+                      <a:round/>
+                      <a:headEnd type="none" w="med" len="med"/>
+                      <a:tailEnd type="none" w="med" len="med"/>
+                    </a:lnR>
+                    <a:lnT w="12700" cap="flat" cmpd="sng" algn="ctr">
+                      <a:solidFill>
+                        <a:schemeClr val="tx1"/>
+                      </a:solidFill>
+                      <a:prstDash val="solid"/>
+                      <a:round/>
+                      <a:headEnd type="none" w="med" len="med"/>
+                      <a:tailEnd type="none" w="med" len="med"/>
+                    </a:lnT>
+                    <a:lnB w="12700" cap="flat" cmpd="sng" algn="ctr">
+                      <a:solidFill>
+                        <a:schemeClr val="tx1"/>
+                      </a:solidFill>
+                      <a:prstDash val="solid"/>
+                      <a:round/>
+                      <a:headEnd type="none" w="med" len="med"/>
+                      <a:tailEnd type="none" w="med" len="med"/>
+                    </a:lnB>
+                    <a:solidFill>
+                      <a:schemeClr val="bg1">
+                        <a:lumMod val="65000"/>
+                      </a:schemeClr>
+                    </a:solidFill>
+                  </a:tcPr>
+                </a:tc>
+              </a:tr>
+              <a:tr h="367200">
+                <a:tc>
+                  <a:txBody>
+                    <a:bodyPr/>
+                    <a:lstStyle/>
+                    <a:p>
+                      <a:pPr algn="ctr"/>
+                      <a:endParaRPr lang="zh-CN" altLang="en-US" b="1"/>
+                    </a:p>
+                  </a:txBody>
+                  <a:tcPr>
+                    <a:lnL w="12700" cap="flat" cmpd="sng" algn="ctr">
+                      <a:solidFill>
+                        <a:schemeClr val="tx1"/>
+                      </a:solidFill>
+                      <a:prstDash val="solid"/>
+                      <a:round/>
+                      <a:headEnd type="none" w="med" len="med"/>
+                      <a:tailEnd type="none" w="med" len="med"/>
+                    </a:lnL>
+                    <a:lnR w="12700" cap="flat" cmpd="sng" algn="ctr">
+                      <a:solidFill>
+                        <a:schemeClr val="tx1"/>
+                      </a:solidFill>
+                      <a:prstDash val="solid"/>
+                      <a:round/>
+                      <a:headEnd type="none" w="med" len="med"/>
+                      <a:tailEnd type="none" w="med" len="med"/>
+                    </a:lnR>
+                    <a:lnT w="12700" cap="flat" cmpd="sng" algn="ctr">
+                      <a:solidFill>
+                        <a:schemeClr val="tx1"/>
+                      </a:solidFill>
+                      <a:prstDash val="solid"/>
+                      <a:round/>
+                      <a:headEnd type="none" w="med" len="med"/>
+                      <a:tailEnd type="none" w="med" len="med"/>
+                    </a:lnT>
+                    <a:lnB w="12700" cap="flat" cmpd="sng" algn="ctr">
+                      <a:solidFill>
+                        <a:schemeClr val="tx1"/>
+                      </a:solidFill>
+                      <a:prstDash val="solid"/>
+                      <a:round/>
+                      <a:headEnd type="none" w="med" len="med"/>
+                      <a:tailEnd type="none" w="med" len="med"/>
+                    </a:lnB>
+                    <a:solidFill>
+                      <a:schemeClr val="bg1">
+                        <a:lumMod val="65000"/>
+                      </a:schemeClr>
+                    </a:solidFill>
+                  </a:tcPr>
+                </a:tc>
+              </a:tr>
+            </a:tbl>
+          </a:graphicData>
+        </a:graphic>
+      </p:graphicFrame>
+      <p:graphicFrame>
+        <p:nvGraphicFramePr>
+          <p:cNvPr id="12" name="表格 11"/>
+          <p:cNvGraphicFramePr>
+            <a:graphicFrameLocks noGrp="1"/>
+          </p:cNvGraphicFramePr>
+          <p:nvPr>
+            <p:extLst>
+              <p:ext uri="{D42A27DB-BD31-4B8C-83A1-F6EECF244321}">
+                <p14:modId xmlns:p14="http://schemas.microsoft.com/office/powerpoint/2010/main" val="1864941462"/>
+              </p:ext>
+            </p:extLst>
+          </p:nvPr>
+        </p:nvGraphicFramePr>
+        <p:xfrm>
+          <a:off x="7240426" y="3053987"/>
+          <a:ext cx="360000" cy="2937600"/>
+        </p:xfrm>
+        <a:graphic>
+          <a:graphicData uri="http://schemas.openxmlformats.org/drawingml/2006/table">
+            <a:tbl>
+              <a:tblPr firstRow="1" bandRow="1">
+                <a:tableStyleId>{5C22544A-7EE6-4342-B048-85BDC9FD1C3A}</a:tableStyleId>
+              </a:tblPr>
+              <a:tblGrid>
+                <a:gridCol w="360000"/>
+              </a:tblGrid>
+              <a:tr h="367200">
+                <a:tc>
+                  <a:txBody>
+                    <a:bodyPr/>
+                    <a:lstStyle/>
+                    <a:p>
+                      <a:pPr algn="ctr"/>
+                      <a:endParaRPr lang="zh-CN" altLang="en-US" b="1"/>
+                    </a:p>
+                  </a:txBody>
+                  <a:tcPr>
+                    <a:lnL w="12700" cap="flat" cmpd="sng" algn="ctr">
+                      <a:solidFill>
+                        <a:schemeClr val="tx1"/>
+                      </a:solidFill>
+                      <a:prstDash val="solid"/>
+                      <a:round/>
+                      <a:headEnd type="none" w="med" len="med"/>
+                      <a:tailEnd type="none" w="med" len="med"/>
+                    </a:lnL>
+                    <a:lnR w="12700" cap="flat" cmpd="sng" algn="ctr">
+                      <a:solidFill>
+                        <a:schemeClr val="tx1"/>
+                      </a:solidFill>
+                      <a:prstDash val="solid"/>
+                      <a:round/>
+                      <a:headEnd type="none" w="med" len="med"/>
+                      <a:tailEnd type="none" w="med" len="med"/>
+                    </a:lnR>
+                    <a:lnT w="12700" cap="flat" cmpd="sng" algn="ctr">
+                      <a:solidFill>
+                        <a:schemeClr val="tx1"/>
+                      </a:solidFill>
+                      <a:prstDash val="solid"/>
+                      <a:round/>
+                      <a:headEnd type="none" w="med" len="med"/>
+                      <a:tailEnd type="none" w="med" len="med"/>
+                    </a:lnT>
+                    <a:lnB w="12700" cap="flat" cmpd="sng" algn="ctr">
+                      <a:solidFill>
+                        <a:schemeClr val="tx1"/>
+                      </a:solidFill>
+                      <a:prstDash val="solid"/>
+                      <a:round/>
+                      <a:headEnd type="none" w="med" len="med"/>
+                      <a:tailEnd type="none" w="med" len="med"/>
+                    </a:lnB>
+                    <a:solidFill>
+                      <a:schemeClr val="bg1">
+                        <a:lumMod val="95000"/>
+                      </a:schemeClr>
+                    </a:solidFill>
+                  </a:tcPr>
+                </a:tc>
+              </a:tr>
+              <a:tr h="367200">
+                <a:tc>
+                  <a:txBody>
+                    <a:bodyPr/>
+                    <a:lstStyle/>
+                    <a:p>
+                      <a:pPr algn="ctr"/>
+                      <a:endParaRPr lang="zh-CN" altLang="en-US" b="1"/>
+                    </a:p>
+                  </a:txBody>
+                  <a:tcPr>
+                    <a:lnL w="12700" cap="flat" cmpd="sng" algn="ctr">
+                      <a:solidFill>
+                        <a:schemeClr val="tx1"/>
+                      </a:solidFill>
+                      <a:prstDash val="solid"/>
+                      <a:round/>
+                      <a:headEnd type="none" w="med" len="med"/>
+                      <a:tailEnd type="none" w="med" len="med"/>
+                    </a:lnL>
+                    <a:lnR w="12700" cap="flat" cmpd="sng" algn="ctr">
+                      <a:solidFill>
+                        <a:schemeClr val="tx1"/>
+                      </a:solidFill>
+                      <a:prstDash val="solid"/>
+                      <a:round/>
+                      <a:headEnd type="none" w="med" len="med"/>
+                      <a:tailEnd type="none" w="med" len="med"/>
+                    </a:lnR>
+                    <a:lnT w="12700" cap="flat" cmpd="sng" algn="ctr">
+                      <a:solidFill>
+                        <a:schemeClr val="tx1"/>
+                      </a:solidFill>
+                      <a:prstDash val="solid"/>
+                      <a:round/>
+                      <a:headEnd type="none" w="med" len="med"/>
+                      <a:tailEnd type="none" w="med" len="med"/>
+                    </a:lnT>
+                    <a:lnB w="12700" cap="flat" cmpd="sng" algn="ctr">
+                      <a:solidFill>
+                        <a:schemeClr val="tx1"/>
+                      </a:solidFill>
+                      <a:prstDash val="solid"/>
+                      <a:round/>
+                      <a:headEnd type="none" w="med" len="med"/>
+                      <a:tailEnd type="none" w="med" len="med"/>
+                    </a:lnB>
+                    <a:solidFill>
+                      <a:schemeClr val="bg1">
+                        <a:lumMod val="95000"/>
+                      </a:schemeClr>
+                    </a:solidFill>
+                  </a:tcPr>
+                </a:tc>
+              </a:tr>
+              <a:tr h="367200">
+                <a:tc>
+                  <a:txBody>
+                    <a:bodyPr/>
+                    <a:lstStyle/>
+                    <a:p>
+                      <a:pPr algn="ctr"/>
+                      <a:endParaRPr lang="zh-CN" altLang="en-US" b="1"/>
+                    </a:p>
+                  </a:txBody>
+                  <a:tcPr>
+                    <a:lnL w="12700" cap="flat" cmpd="sng" algn="ctr">
+                      <a:solidFill>
+                        <a:schemeClr val="tx1"/>
+                      </a:solidFill>
+                      <a:prstDash val="solid"/>
+                      <a:round/>
+                      <a:headEnd type="none" w="med" len="med"/>
+                      <a:tailEnd type="none" w="med" len="med"/>
+                    </a:lnL>
+                    <a:lnR w="12700" cap="flat" cmpd="sng" algn="ctr">
+                      <a:solidFill>
+                        <a:schemeClr val="tx1"/>
+                      </a:solidFill>
+                      <a:prstDash val="solid"/>
+                      <a:round/>
+                      <a:headEnd type="none" w="med" len="med"/>
+                      <a:tailEnd type="none" w="med" len="med"/>
+                    </a:lnR>
+                    <a:lnT w="12700" cap="flat" cmpd="sng" algn="ctr">
+                      <a:solidFill>
+                        <a:schemeClr val="tx1"/>
+                      </a:solidFill>
+                      <a:prstDash val="solid"/>
+                      <a:round/>
+                      <a:headEnd type="none" w="med" len="med"/>
+                      <a:tailEnd type="none" w="med" len="med"/>
+                    </a:lnT>
+                    <a:lnB w="12700" cap="flat" cmpd="sng" algn="ctr">
+                      <a:solidFill>
+                        <a:schemeClr val="tx1"/>
+                      </a:solidFill>
+                      <a:prstDash val="solid"/>
+                      <a:round/>
+                      <a:headEnd type="none" w="med" len="med"/>
+                      <a:tailEnd type="none" w="med" len="med"/>
+                    </a:lnB>
+                    <a:solidFill>
+                      <a:schemeClr val="bg1">
+                        <a:lumMod val="95000"/>
+                      </a:schemeClr>
+                    </a:solidFill>
+                  </a:tcPr>
+                </a:tc>
+              </a:tr>
+              <a:tr h="367200">
+                <a:tc>
+                  <a:txBody>
+                    <a:bodyPr/>
+                    <a:lstStyle/>
+                    <a:p>
+                      <a:pPr algn="ctr"/>
+                      <a:endParaRPr lang="zh-CN" altLang="en-US" b="1"/>
+                    </a:p>
+                  </a:txBody>
+                  <a:tcPr>
+                    <a:lnL w="12700" cap="flat" cmpd="sng" algn="ctr">
+                      <a:solidFill>
+                        <a:schemeClr val="tx1"/>
+                      </a:solidFill>
+                      <a:prstDash val="solid"/>
+                      <a:round/>
+                      <a:headEnd type="none" w="med" len="med"/>
+                      <a:tailEnd type="none" w="med" len="med"/>
+                    </a:lnL>
+                    <a:lnR w="12700" cap="flat" cmpd="sng" algn="ctr">
+                      <a:solidFill>
+                        <a:schemeClr val="tx1"/>
+                      </a:solidFill>
+                      <a:prstDash val="solid"/>
+                      <a:round/>
+                      <a:headEnd type="none" w="med" len="med"/>
+                      <a:tailEnd type="none" w="med" len="med"/>
+                    </a:lnR>
+                    <a:lnT w="12700" cap="flat" cmpd="sng" algn="ctr">
+                      <a:solidFill>
+                        <a:schemeClr val="tx1"/>
+                      </a:solidFill>
+                      <a:prstDash val="solid"/>
+                      <a:round/>
+                      <a:headEnd type="none" w="med" len="med"/>
+                      <a:tailEnd type="none" w="med" len="med"/>
+                    </a:lnT>
+                    <a:lnB w="12700" cap="flat" cmpd="sng" algn="ctr">
+                      <a:solidFill>
+                        <a:schemeClr val="tx1"/>
+                      </a:solidFill>
+                      <a:prstDash val="solid"/>
+                      <a:round/>
+                      <a:headEnd type="none" w="med" len="med"/>
+                      <a:tailEnd type="none" w="med" len="med"/>
+                    </a:lnB>
+                    <a:solidFill>
+                      <a:schemeClr val="bg1">
+                        <a:lumMod val="95000"/>
+                      </a:schemeClr>
+                    </a:solidFill>
+                  </a:tcPr>
+                </a:tc>
+              </a:tr>
+              <a:tr h="367200">
+                <a:tc>
+                  <a:txBody>
+                    <a:bodyPr/>
+                    <a:lstStyle/>
+                    <a:p>
+                      <a:pPr algn="ctr"/>
+                      <a:endParaRPr lang="zh-CN" altLang="en-US" b="1"/>
+                    </a:p>
+                  </a:txBody>
+                  <a:tcPr>
+                    <a:lnL w="12700" cap="flat" cmpd="sng" algn="ctr">
+                      <a:solidFill>
+                        <a:schemeClr val="tx1"/>
+                      </a:solidFill>
+                      <a:prstDash val="solid"/>
+                      <a:round/>
+                      <a:headEnd type="none" w="med" len="med"/>
+                      <a:tailEnd type="none" w="med" len="med"/>
+                    </a:lnL>
+                    <a:lnR w="12700" cap="flat" cmpd="sng" algn="ctr">
+                      <a:solidFill>
+                        <a:schemeClr val="tx1"/>
+                      </a:solidFill>
+                      <a:prstDash val="solid"/>
+                      <a:round/>
+                      <a:headEnd type="none" w="med" len="med"/>
+                      <a:tailEnd type="none" w="med" len="med"/>
+                    </a:lnR>
+                    <a:lnT w="12700" cap="flat" cmpd="sng" algn="ctr">
+                      <a:solidFill>
+                        <a:schemeClr val="tx1"/>
+                      </a:solidFill>
+                      <a:prstDash val="solid"/>
+                      <a:round/>
+                      <a:headEnd type="none" w="med" len="med"/>
+                      <a:tailEnd type="none" w="med" len="med"/>
+                    </a:lnT>
+                    <a:lnB w="12700" cap="flat" cmpd="sng" algn="ctr">
+                      <a:solidFill>
+                        <a:schemeClr val="tx1"/>
+                      </a:solidFill>
+                      <a:prstDash val="solid"/>
+                      <a:round/>
+                      <a:headEnd type="none" w="med" len="med"/>
+                      <a:tailEnd type="none" w="med" len="med"/>
+                    </a:lnB>
+                    <a:solidFill>
+                      <a:schemeClr val="bg1">
+                        <a:lumMod val="95000"/>
+                      </a:schemeClr>
+                    </a:solidFill>
+                  </a:tcPr>
+                </a:tc>
+              </a:tr>
+              <a:tr h="367200">
+                <a:tc>
+                  <a:txBody>
+                    <a:bodyPr/>
+                    <a:lstStyle/>
+                    <a:p>
+                      <a:pPr algn="ctr"/>
+                      <a:endParaRPr lang="zh-CN" altLang="en-US" b="1"/>
+                    </a:p>
+                  </a:txBody>
+                  <a:tcPr>
+                    <a:lnL w="12700" cap="flat" cmpd="sng" algn="ctr">
+                      <a:solidFill>
+                        <a:schemeClr val="tx1"/>
+                      </a:solidFill>
+                      <a:prstDash val="solid"/>
+                      <a:round/>
+                      <a:headEnd type="none" w="med" len="med"/>
+                      <a:tailEnd type="none" w="med" len="med"/>
+                    </a:lnL>
+                    <a:lnR w="12700" cap="flat" cmpd="sng" algn="ctr">
+                      <a:solidFill>
+                        <a:schemeClr val="tx1"/>
+                      </a:solidFill>
+                      <a:prstDash val="solid"/>
+                      <a:round/>
+                      <a:headEnd type="none" w="med" len="med"/>
+                      <a:tailEnd type="none" w="med" len="med"/>
+                    </a:lnR>
+                    <a:lnT w="12700" cap="flat" cmpd="sng" algn="ctr">
+                      <a:solidFill>
+                        <a:schemeClr val="tx1"/>
+                      </a:solidFill>
+                      <a:prstDash val="solid"/>
+                      <a:round/>
+                      <a:headEnd type="none" w="med" len="med"/>
+                      <a:tailEnd type="none" w="med" len="med"/>
+                    </a:lnT>
+                    <a:lnB w="12700" cap="flat" cmpd="sng" algn="ctr">
+                      <a:solidFill>
+                        <a:schemeClr val="tx1"/>
+                      </a:solidFill>
+                      <a:prstDash val="solid"/>
+                      <a:round/>
+                      <a:headEnd type="none" w="med" len="med"/>
+                      <a:tailEnd type="none" w="med" len="med"/>
+                    </a:lnB>
+                    <a:solidFill>
+                      <a:schemeClr val="bg1">
+                        <a:lumMod val="95000"/>
+                      </a:schemeClr>
+                    </a:solidFill>
+                  </a:tcPr>
+                </a:tc>
+              </a:tr>
+              <a:tr h="367200">
+                <a:tc>
+                  <a:txBody>
+                    <a:bodyPr/>
+                    <a:lstStyle/>
+                    <a:p>
+                      <a:pPr algn="ctr"/>
+                      <a:endParaRPr lang="zh-CN" altLang="en-US" b="1"/>
+                    </a:p>
+                  </a:txBody>
+                  <a:tcPr>
+                    <a:lnL w="12700" cap="flat" cmpd="sng" algn="ctr">
+                      <a:solidFill>
+                        <a:schemeClr val="tx1"/>
+                      </a:solidFill>
+                      <a:prstDash val="solid"/>
+                      <a:round/>
+                      <a:headEnd type="none" w="med" len="med"/>
+                      <a:tailEnd type="none" w="med" len="med"/>
+                    </a:lnL>
+                    <a:lnR w="12700" cap="flat" cmpd="sng" algn="ctr">
+                      <a:solidFill>
+                        <a:schemeClr val="tx1"/>
+                      </a:solidFill>
+                      <a:prstDash val="solid"/>
+                      <a:round/>
+                      <a:headEnd type="none" w="med" len="med"/>
+                      <a:tailEnd type="none" w="med" len="med"/>
+                    </a:lnR>
+                    <a:lnT w="12700" cap="flat" cmpd="sng" algn="ctr">
+                      <a:solidFill>
+                        <a:schemeClr val="tx1"/>
+                      </a:solidFill>
+                      <a:prstDash val="solid"/>
+                      <a:round/>
+                      <a:headEnd type="none" w="med" len="med"/>
+                      <a:tailEnd type="none" w="med" len="med"/>
+                    </a:lnT>
+                    <a:lnB w="12700" cap="flat" cmpd="sng" algn="ctr">
+                      <a:solidFill>
+                        <a:schemeClr val="tx1"/>
+                      </a:solidFill>
+                      <a:prstDash val="solid"/>
+                      <a:round/>
+                      <a:headEnd type="none" w="med" len="med"/>
+                      <a:tailEnd type="none" w="med" len="med"/>
+                    </a:lnB>
+                    <a:solidFill>
+                      <a:schemeClr val="bg1">
+                        <a:lumMod val="95000"/>
+                      </a:schemeClr>
+                    </a:solidFill>
+                  </a:tcPr>
+                </a:tc>
+              </a:tr>
+              <a:tr h="367200">
+                <a:tc>
+                  <a:txBody>
+                    <a:bodyPr/>
+                    <a:lstStyle/>
+                    <a:p>
+                      <a:pPr algn="ctr"/>
+                      <a:endParaRPr lang="zh-CN" altLang="en-US" b="1"/>
+                    </a:p>
+                  </a:txBody>
+                  <a:tcPr>
+                    <a:lnL w="12700" cap="flat" cmpd="sng" algn="ctr">
+                      <a:solidFill>
+                        <a:schemeClr val="tx1"/>
+                      </a:solidFill>
+                      <a:prstDash val="solid"/>
+                      <a:round/>
+                      <a:headEnd type="none" w="med" len="med"/>
+                      <a:tailEnd type="none" w="med" len="med"/>
+                    </a:lnL>
+                    <a:lnR w="12700" cap="flat" cmpd="sng" algn="ctr">
+                      <a:solidFill>
+                        <a:schemeClr val="tx1"/>
+                      </a:solidFill>
+                      <a:prstDash val="solid"/>
+                      <a:round/>
+                      <a:headEnd type="none" w="med" len="med"/>
+                      <a:tailEnd type="none" w="med" len="med"/>
+                    </a:lnR>
+                    <a:lnT w="12700" cap="flat" cmpd="sng" algn="ctr">
+                      <a:solidFill>
+                        <a:schemeClr val="tx1"/>
+                      </a:solidFill>
+                      <a:prstDash val="solid"/>
+                      <a:round/>
+                      <a:headEnd type="none" w="med" len="med"/>
+                      <a:tailEnd type="none" w="med" len="med"/>
+                    </a:lnT>
+                    <a:lnB w="12700" cap="flat" cmpd="sng" algn="ctr">
+                      <a:solidFill>
+                        <a:schemeClr val="tx1"/>
+                      </a:solidFill>
+                      <a:prstDash val="solid"/>
+                      <a:round/>
+                      <a:headEnd type="none" w="med" len="med"/>
+                      <a:tailEnd type="none" w="med" len="med"/>
+                    </a:lnB>
+                    <a:solidFill>
+                      <a:schemeClr val="bg1">
+                        <a:lumMod val="95000"/>
+                      </a:schemeClr>
+                    </a:solidFill>
+                  </a:tcPr>
+                </a:tc>
+              </a:tr>
+            </a:tbl>
+          </a:graphicData>
+        </a:graphic>
+      </p:graphicFrame>
+      <p:sp>
+        <p:nvSpPr>
+          <p:cNvPr id="13" name="云形 12"/>
+          <p:cNvSpPr/>
+          <p:nvPr/>
+        </p:nvSpPr>
+        <p:spPr>
+          <a:xfrm>
+            <a:off x="471570" y="3931285"/>
+            <a:ext cx="1348154" cy="738554"/>
+          </a:xfrm>
+          <a:prstGeom prst="cloud">
+            <a:avLst/>
+          </a:prstGeom>
+          <a:ln>
+            <a:noFill/>
+          </a:ln>
+        </p:spPr>
+        <p:style>
+          <a:lnRef idx="2">
+            <a:schemeClr val="accent1">
+              <a:shade val="50000"/>
+            </a:schemeClr>
+          </a:lnRef>
+          <a:fillRef idx="1">
+            <a:schemeClr val="accent1"/>
+          </a:fillRef>
+          <a:effectRef idx="0">
+            <a:schemeClr val="accent1"/>
+          </a:effectRef>
+          <a:fontRef idx="minor">
+            <a:schemeClr val="lt1"/>
+          </a:fontRef>
+        </p:style>
+        <p:txBody>
+          <a:bodyPr rtlCol="0" anchor="ctr"/>
+          <a:lstStyle/>
+          <a:p>
+            <a:pPr algn="ctr"/>
+            <a:r>
+              <a:rPr kumimoji="1" lang="zh-CN" altLang="en-US" sz="1400"/>
+              <a:t>集合</a:t>
+            </a:r>
+            <a:r>
+              <a:rPr kumimoji="1" lang="en-US" altLang="zh-CN" sz="1400"/>
+              <a:t>105</a:t>
+            </a:r>
+          </a:p>
+          <a:p>
+            <a:pPr algn="ctr"/>
+            <a:r>
+              <a:rPr kumimoji="1" lang="en-US" altLang="zh-CN" sz="1050"/>
+              <a:t>(01101001)</a:t>
+            </a:r>
+            <a:r>
+              <a:rPr kumimoji="1" lang="en-US" altLang="zh-CN" sz="1050" baseline="-25000"/>
+              <a:t>2</a:t>
+            </a:r>
+            <a:r>
+              <a:rPr kumimoji="1" lang="zh-CN" altLang="en-US" sz="1050"/>
+              <a:t> </a:t>
+            </a:r>
+            <a:endParaRPr kumimoji="1" lang="zh-CN" altLang="en-US" sz="1050"/>
+          </a:p>
+        </p:txBody>
+      </p:sp>
+      <p:cxnSp>
+        <p:nvCxnSpPr>
+          <p:cNvPr id="14" name="直线箭头连接符 13"/>
+          <p:cNvCxnSpPr>
+            <a:stCxn id="13" idx="1"/>
+          </p:cNvCxnSpPr>
+          <p:nvPr/>
+        </p:nvCxnSpPr>
+        <p:spPr>
+          <a:xfrm>
+            <a:off x="1145647" y="4669053"/>
+            <a:ext cx="205105" cy="693867"/>
+          </a:xfrm>
+          <a:prstGeom prst="straightConnector1">
+            <a:avLst/>
+          </a:prstGeom>
+          <a:ln w="19050">
+            <a:solidFill>
+              <a:schemeClr val="tx1"/>
+            </a:solidFill>
+            <a:tailEnd type="triangle"/>
+          </a:ln>
+        </p:spPr>
+        <p:style>
+          <a:lnRef idx="1">
+            <a:schemeClr val="accent1"/>
+          </a:lnRef>
+          <a:fillRef idx="0">
+            <a:schemeClr val="accent1"/>
+          </a:fillRef>
+          <a:effectRef idx="0">
+            <a:schemeClr val="accent1"/>
+          </a:effectRef>
+          <a:fontRef idx="minor">
+            <a:schemeClr val="tx1"/>
+          </a:fontRef>
+        </p:style>
+      </p:cxnSp>
+      <p:grpSp>
+        <p:nvGrpSpPr>
+          <p:cNvPr id="18" name="组 17"/>
+          <p:cNvGrpSpPr/>
+          <p:nvPr/>
+        </p:nvGrpSpPr>
+        <p:grpSpPr>
+          <a:xfrm>
+            <a:off x="1206991" y="5278512"/>
+            <a:ext cx="360000" cy="461665"/>
+            <a:chOff x="4947138" y="1808258"/>
+            <a:chExt cx="360000" cy="461665"/>
+          </a:xfrm>
+        </p:grpSpPr>
+        <p:sp>
+          <p:nvSpPr>
+            <p:cNvPr id="19" name="椭圆 18"/>
+            <p:cNvSpPr/>
+            <p:nvPr/>
+          </p:nvSpPr>
+          <p:spPr>
+            <a:xfrm>
+              <a:off x="4947138" y="1887928"/>
+              <a:ext cx="360000" cy="360000"/>
+            </a:xfrm>
+            <a:prstGeom prst="ellipse">
+              <a:avLst/>
+            </a:prstGeom>
+            <a:solidFill>
+              <a:srgbClr val="00B050"/>
+            </a:solidFill>
+            <a:ln>
+              <a:noFill/>
+            </a:ln>
+          </p:spPr>
+          <p:style>
+            <a:lnRef idx="2">
+              <a:schemeClr val="accent1">
+                <a:shade val="50000"/>
+              </a:schemeClr>
+            </a:lnRef>
+            <a:fillRef idx="1">
+              <a:schemeClr val="accent1"/>
+            </a:fillRef>
+            <a:effectRef idx="0">
+              <a:schemeClr val="accent1"/>
+            </a:effectRef>
+            <a:fontRef idx="minor">
+              <a:schemeClr val="lt1"/>
+            </a:fontRef>
+          </p:style>
+          <p:txBody>
+            <a:bodyPr rtlCol="0" anchor="ctr"/>
+            <a:lstStyle/>
+            <a:p>
+              <a:pPr algn="ctr"/>
+              <a:endParaRPr kumimoji="1" lang="zh-CN" altLang="en-US"/>
+            </a:p>
+          </p:txBody>
+        </p:sp>
+        <p:sp>
+          <p:nvSpPr>
+            <p:cNvPr id="20" name="文本框 19"/>
+            <p:cNvSpPr txBox="1"/>
+            <p:nvPr/>
+          </p:nvSpPr>
+          <p:spPr>
+            <a:xfrm>
+              <a:off x="4952678" y="1808258"/>
+              <a:ext cx="343364" cy="461665"/>
+            </a:xfrm>
+            <a:prstGeom prst="rect">
+              <a:avLst/>
+            </a:prstGeom>
+            <a:noFill/>
+          </p:spPr>
+          <p:txBody>
+            <a:bodyPr wrap="none" rtlCol="0">
+              <a:spAutoFit/>
+            </a:bodyPr>
+            <a:lstStyle/>
+            <a:p>
+              <a:r>
+                <a:rPr kumimoji="1" lang="en-US" altLang="zh-CN" sz="2400">
+                  <a:solidFill>
+                    <a:schemeClr val="bg1"/>
+                  </a:solidFill>
+                </a:rPr>
+                <a:t>e</a:t>
+              </a:r>
+              <a:endParaRPr kumimoji="1" lang="zh-CN" altLang="en-US" sz="2400">
+                <a:solidFill>
+                  <a:schemeClr val="bg1"/>
+                </a:solidFill>
+              </a:endParaRPr>
+            </a:p>
+          </p:txBody>
+        </p:sp>
+      </p:grpSp>
+      <p:sp>
+        <p:nvSpPr>
+          <p:cNvPr id="22" name="任意形状 21"/>
+          <p:cNvSpPr/>
+          <p:nvPr/>
+        </p:nvSpPr>
+        <p:spPr>
+          <a:xfrm>
+            <a:off x="1507061" y="5650091"/>
+            <a:ext cx="1794933" cy="539328"/>
+          </a:xfrm>
+          <a:custGeom>
+            <a:avLst/>
+            <a:gdLst>
+              <a:gd name="connsiteX0" fmla="*/ 0 w 1794933"/>
+              <a:gd name="connsiteY0" fmla="*/ 0 h 539328"/>
+              <a:gd name="connsiteX1" fmla="*/ 897467 w 1794933"/>
+              <a:gd name="connsiteY1" fmla="*/ 530578 h 539328"/>
+              <a:gd name="connsiteX2" fmla="*/ 1794933 w 1794933"/>
+              <a:gd name="connsiteY2" fmla="*/ 344311 h 539328"/>
+            </a:gdLst>
+            <a:ahLst/>
+            <a:cxnLst>
+              <a:cxn ang="0">
+                <a:pos x="connsiteX0" y="connsiteY0"/>
+              </a:cxn>
+              <a:cxn ang="0">
+                <a:pos x="connsiteX1" y="connsiteY1"/>
+              </a:cxn>
+              <a:cxn ang="0">
+                <a:pos x="connsiteX2" y="connsiteY2"/>
+              </a:cxn>
+            </a:cxnLst>
+            <a:rect l="l" t="t" r="r" b="b"/>
+            <a:pathLst>
+              <a:path w="1794933" h="539328">
+                <a:moveTo>
+                  <a:pt x="0" y="0"/>
+                </a:moveTo>
+                <a:cubicBezTo>
+                  <a:pt x="299156" y="236596"/>
+                  <a:pt x="598312" y="473193"/>
+                  <a:pt x="897467" y="530578"/>
+                </a:cubicBezTo>
+                <a:cubicBezTo>
+                  <a:pt x="1196623" y="587963"/>
+                  <a:pt x="1794933" y="344311"/>
+                  <a:pt x="1794933" y="344311"/>
+                </a:cubicBezTo>
+              </a:path>
+            </a:pathLst>
+          </a:custGeom>
+          <a:noFill/>
+          <a:ln w="19050">
+            <a:solidFill>
+              <a:srgbClr val="FF0000"/>
+            </a:solidFill>
+            <a:headEnd type="none" w="med" len="med"/>
+            <a:tailEnd type="triangle" w="med" len="med"/>
+          </a:ln>
+        </p:spPr>
+        <p:style>
+          <a:lnRef idx="2">
+            <a:schemeClr val="accent1">
+              <a:shade val="50000"/>
+            </a:schemeClr>
+          </a:lnRef>
+          <a:fillRef idx="1">
+            <a:schemeClr val="accent1"/>
+          </a:fillRef>
+          <a:effectRef idx="0">
+            <a:schemeClr val="accent1"/>
+          </a:effectRef>
+          <a:fontRef idx="minor">
+            <a:schemeClr val="lt1"/>
+          </a:fontRef>
+        </p:style>
+        <p:txBody>
+          <a:bodyPr rtlCol="0" anchor="ctr"/>
+          <a:lstStyle/>
+          <a:p>
+            <a:pPr algn="ctr"/>
+            <a:endParaRPr kumimoji="1" lang="zh-CN" altLang="en-US"/>
+          </a:p>
+        </p:txBody>
+      </p:sp>
+      <p:sp>
+        <p:nvSpPr>
+          <p:cNvPr id="23" name="任意形状 22"/>
+          <p:cNvSpPr/>
+          <p:nvPr/>
+        </p:nvSpPr>
+        <p:spPr>
+          <a:xfrm>
+            <a:off x="1507061" y="5661380"/>
+            <a:ext cx="2619022" cy="766429"/>
+          </a:xfrm>
+          <a:custGeom>
+            <a:avLst/>
+            <a:gdLst>
+              <a:gd name="connsiteX0" fmla="*/ 0 w 2619022"/>
+              <a:gd name="connsiteY0" fmla="*/ 0 h 766429"/>
+              <a:gd name="connsiteX1" fmla="*/ 784578 w 2619022"/>
+              <a:gd name="connsiteY1" fmla="*/ 762000 h 766429"/>
+              <a:gd name="connsiteX2" fmla="*/ 2619022 w 2619022"/>
+              <a:gd name="connsiteY2" fmla="*/ 333022 h 766429"/>
+            </a:gdLst>
+            <a:ahLst/>
+            <a:cxnLst>
+              <a:cxn ang="0">
+                <a:pos x="connsiteX0" y="connsiteY0"/>
+              </a:cxn>
+              <a:cxn ang="0">
+                <a:pos x="connsiteX1" y="connsiteY1"/>
+              </a:cxn>
+              <a:cxn ang="0">
+                <a:pos x="connsiteX2" y="connsiteY2"/>
+              </a:cxn>
+            </a:cxnLst>
+            <a:rect l="l" t="t" r="r" b="b"/>
+            <a:pathLst>
+              <a:path w="2619022" h="766429">
+                <a:moveTo>
+                  <a:pt x="0" y="0"/>
+                </a:moveTo>
+                <a:cubicBezTo>
+                  <a:pt x="174037" y="353248"/>
+                  <a:pt x="348074" y="706496"/>
+                  <a:pt x="784578" y="762000"/>
+                </a:cubicBezTo>
+                <a:cubicBezTo>
+                  <a:pt x="1221082" y="817504"/>
+                  <a:pt x="2619022" y="333022"/>
+                  <a:pt x="2619022" y="333022"/>
+                </a:cubicBezTo>
+              </a:path>
+            </a:pathLst>
+          </a:custGeom>
+          <a:noFill/>
+          <a:ln w="19050">
+            <a:solidFill>
+              <a:srgbClr val="00B0F0"/>
+            </a:solidFill>
+            <a:headEnd type="none" w="med" len="med"/>
+            <a:tailEnd type="triangle" w="med" len="med"/>
+          </a:ln>
+        </p:spPr>
+        <p:style>
+          <a:lnRef idx="2">
+            <a:schemeClr val="accent1">
+              <a:shade val="50000"/>
+            </a:schemeClr>
+          </a:lnRef>
+          <a:fillRef idx="1">
+            <a:schemeClr val="accent1"/>
+          </a:fillRef>
+          <a:effectRef idx="0">
+            <a:schemeClr val="accent1"/>
+          </a:effectRef>
+          <a:fontRef idx="minor">
+            <a:schemeClr val="lt1"/>
+          </a:fontRef>
+        </p:style>
+        <p:txBody>
+          <a:bodyPr rtlCol="0" anchor="ctr"/>
+          <a:lstStyle/>
+          <a:p>
+            <a:pPr algn="ctr"/>
+            <a:endParaRPr kumimoji="1" lang="zh-CN" altLang="en-US"/>
+          </a:p>
+        </p:txBody>
+      </p:sp>
+      <p:sp>
+        <p:nvSpPr>
+          <p:cNvPr id="25" name="任意形状 24"/>
+          <p:cNvSpPr/>
+          <p:nvPr/>
+        </p:nvSpPr>
+        <p:spPr>
+          <a:xfrm>
+            <a:off x="1428039" y="5712180"/>
+            <a:ext cx="4346222" cy="888609"/>
+          </a:xfrm>
+          <a:custGeom>
+            <a:avLst/>
+            <a:gdLst>
+              <a:gd name="connsiteX0" fmla="*/ 0 w 4346222"/>
+              <a:gd name="connsiteY0" fmla="*/ 0 h 888609"/>
+              <a:gd name="connsiteX1" fmla="*/ 2968978 w 4346222"/>
+              <a:gd name="connsiteY1" fmla="*/ 886178 h 888609"/>
+              <a:gd name="connsiteX2" fmla="*/ 4346222 w 4346222"/>
+              <a:gd name="connsiteY2" fmla="*/ 282222 h 888609"/>
+            </a:gdLst>
+            <a:ahLst/>
+            <a:cxnLst>
+              <a:cxn ang="0">
+                <a:pos x="connsiteX0" y="connsiteY0"/>
+              </a:cxn>
+              <a:cxn ang="0">
+                <a:pos x="connsiteX1" y="connsiteY1"/>
+              </a:cxn>
+              <a:cxn ang="0">
+                <a:pos x="connsiteX2" y="connsiteY2"/>
+              </a:cxn>
+            </a:cxnLst>
+            <a:rect l="l" t="t" r="r" b="b"/>
+            <a:pathLst>
+              <a:path w="4346222" h="888609">
+                <a:moveTo>
+                  <a:pt x="0" y="0"/>
+                </a:moveTo>
+                <a:cubicBezTo>
+                  <a:pt x="1122304" y="419570"/>
+                  <a:pt x="2244608" y="839141"/>
+                  <a:pt x="2968978" y="886178"/>
+                </a:cubicBezTo>
+                <a:cubicBezTo>
+                  <a:pt x="3693348" y="933215"/>
+                  <a:pt x="4346222" y="282222"/>
+                  <a:pt x="4346222" y="282222"/>
+                </a:cubicBezTo>
+              </a:path>
+            </a:pathLst>
+          </a:custGeom>
+          <a:noFill/>
+          <a:ln w="19050">
+            <a:solidFill>
+              <a:srgbClr val="7030A0"/>
+            </a:solidFill>
+            <a:headEnd type="none" w="med" len="med"/>
+            <a:tailEnd type="triangle" w="med" len="med"/>
+          </a:ln>
+        </p:spPr>
+        <p:style>
+          <a:lnRef idx="2">
+            <a:schemeClr val="accent1">
+              <a:shade val="50000"/>
+            </a:schemeClr>
+          </a:lnRef>
+          <a:fillRef idx="1">
+            <a:schemeClr val="accent1"/>
+          </a:fillRef>
+          <a:effectRef idx="0">
+            <a:schemeClr val="accent1"/>
+          </a:effectRef>
+          <a:fontRef idx="minor">
+            <a:schemeClr val="lt1"/>
+          </a:fontRef>
+        </p:style>
+        <p:txBody>
+          <a:bodyPr rtlCol="0" anchor="ctr"/>
+          <a:lstStyle/>
+          <a:p>
+            <a:pPr algn="ctr"/>
+            <a:endParaRPr kumimoji="1" lang="zh-CN" altLang="en-US"/>
+          </a:p>
+        </p:txBody>
+      </p:sp>
+      <p:sp>
+        <p:nvSpPr>
+          <p:cNvPr id="26" name="任意形状 25"/>
+          <p:cNvSpPr/>
+          <p:nvPr/>
+        </p:nvSpPr>
+        <p:spPr>
+          <a:xfrm>
+            <a:off x="1354661" y="5712180"/>
+            <a:ext cx="6891867" cy="1068637"/>
+          </a:xfrm>
+          <a:custGeom>
+            <a:avLst/>
+            <a:gdLst>
+              <a:gd name="connsiteX0" fmla="*/ 0 w 6891867"/>
+              <a:gd name="connsiteY0" fmla="*/ 0 h 1068637"/>
+              <a:gd name="connsiteX1" fmla="*/ 4425244 w 6891867"/>
+              <a:gd name="connsiteY1" fmla="*/ 1066800 h 1068637"/>
+              <a:gd name="connsiteX2" fmla="*/ 6891867 w 6891867"/>
+              <a:gd name="connsiteY2" fmla="*/ 276578 h 1068637"/>
+            </a:gdLst>
+            <a:ahLst/>
+            <a:cxnLst>
+              <a:cxn ang="0">
+                <a:pos x="connsiteX0" y="connsiteY0"/>
+              </a:cxn>
+              <a:cxn ang="0">
+                <a:pos x="connsiteX1" y="connsiteY1"/>
+              </a:cxn>
+              <a:cxn ang="0">
+                <a:pos x="connsiteX2" y="connsiteY2"/>
+              </a:cxn>
+            </a:cxnLst>
+            <a:rect l="l" t="t" r="r" b="b"/>
+            <a:pathLst>
+              <a:path w="6891867" h="1068637">
+                <a:moveTo>
+                  <a:pt x="0" y="0"/>
+                </a:moveTo>
+                <a:cubicBezTo>
+                  <a:pt x="1638300" y="510352"/>
+                  <a:pt x="3276600" y="1020704"/>
+                  <a:pt x="4425244" y="1066800"/>
+                </a:cubicBezTo>
+                <a:cubicBezTo>
+                  <a:pt x="5573888" y="1112896"/>
+                  <a:pt x="6891867" y="276578"/>
+                  <a:pt x="6891867" y="276578"/>
+                </a:cubicBezTo>
+              </a:path>
+            </a:pathLst>
+          </a:custGeom>
+          <a:noFill/>
+          <a:ln w="19050">
+            <a:solidFill>
+              <a:srgbClr val="00B050"/>
+            </a:solidFill>
+            <a:headEnd type="none" w="med" len="med"/>
+            <a:tailEnd type="triangle" w="med" len="med"/>
+          </a:ln>
+        </p:spPr>
+        <p:style>
+          <a:lnRef idx="2">
+            <a:schemeClr val="accent1">
+              <a:shade val="50000"/>
+            </a:schemeClr>
+          </a:lnRef>
+          <a:fillRef idx="1">
+            <a:schemeClr val="accent1"/>
+          </a:fillRef>
+          <a:effectRef idx="0">
+            <a:schemeClr val="accent1"/>
+          </a:effectRef>
+          <a:fontRef idx="minor">
+            <a:schemeClr val="lt1"/>
+          </a:fontRef>
+        </p:style>
+        <p:txBody>
+          <a:bodyPr rtlCol="0" anchor="ctr"/>
+          <a:lstStyle/>
+          <a:p>
+            <a:pPr algn="ctr"/>
+            <a:endParaRPr kumimoji="1" lang="zh-CN" altLang="en-US"/>
+          </a:p>
+        </p:txBody>
+      </p:sp>
+      <p:sp>
+        <p:nvSpPr>
+          <p:cNvPr id="27" name="文本框 26"/>
+          <p:cNvSpPr txBox="1"/>
+          <p:nvPr/>
+        </p:nvSpPr>
+        <p:spPr>
+          <a:xfrm>
+            <a:off x="4932364" y="2508729"/>
+            <a:ext cx="841897" cy="338554"/>
+          </a:xfrm>
+          <a:prstGeom prst="rect">
+            <a:avLst/>
+          </a:prstGeom>
+          <a:noFill/>
+        </p:spPr>
+        <p:txBody>
+          <a:bodyPr wrap="none" rtlCol="0">
+            <a:spAutoFit/>
+          </a:bodyPr>
+          <a:lstStyle/>
+          <a:p>
+            <a:r>
+              <a:rPr kumimoji="1" lang="en-US" altLang="zh-CN" sz="1600" b="1">
+                <a:solidFill>
+                  <a:srgbClr val="C00000"/>
+                </a:solidFill>
+              </a:rPr>
+              <a:t>update</a:t>
+            </a:r>
+            <a:endParaRPr kumimoji="1" lang="zh-CN" altLang="en-US" sz="1600" b="1">
+              <a:solidFill>
+                <a:srgbClr val="C00000"/>
+              </a:solidFill>
+            </a:endParaRPr>
+          </a:p>
+        </p:txBody>
+      </p:sp>
+      <p:cxnSp>
+        <p:nvCxnSpPr>
+          <p:cNvPr id="29" name="直线箭头连接符 28"/>
+          <p:cNvCxnSpPr>
+            <a:stCxn id="27" idx="2"/>
+            <a:endCxn id="6" idx="0"/>
+          </p:cNvCxnSpPr>
+          <p:nvPr/>
+        </p:nvCxnSpPr>
+        <p:spPr>
+          <a:xfrm flipH="1">
+            <a:off x="3317351" y="2847283"/>
+            <a:ext cx="2035962" cy="206704"/>
+          </a:xfrm>
+          <a:prstGeom prst="straightConnector1">
+            <a:avLst/>
+          </a:prstGeom>
+          <a:ln w="9525">
+            <a:solidFill>
+              <a:srgbClr val="C00000"/>
+            </a:solidFill>
+            <a:tailEnd type="triangle"/>
+          </a:ln>
+        </p:spPr>
+        <p:style>
+          <a:lnRef idx="1">
+            <a:schemeClr val="accent1"/>
+          </a:lnRef>
+          <a:fillRef idx="0">
+            <a:schemeClr val="accent1"/>
+          </a:fillRef>
+          <a:effectRef idx="0">
+            <a:schemeClr val="accent1"/>
+          </a:effectRef>
+          <a:fontRef idx="minor">
+            <a:schemeClr val="tx1"/>
+          </a:fontRef>
+        </p:style>
+      </p:cxnSp>
+      <p:cxnSp>
+        <p:nvCxnSpPr>
+          <p:cNvPr id="31" name="直线箭头连接符 30"/>
+          <p:cNvCxnSpPr>
+            <a:stCxn id="27" idx="2"/>
+            <a:endCxn id="8" idx="0"/>
+          </p:cNvCxnSpPr>
+          <p:nvPr/>
+        </p:nvCxnSpPr>
+        <p:spPr>
+          <a:xfrm flipH="1">
+            <a:off x="4137966" y="2847283"/>
+            <a:ext cx="1215347" cy="206704"/>
+          </a:xfrm>
+          <a:prstGeom prst="straightConnector1">
+            <a:avLst/>
+          </a:prstGeom>
+          <a:ln w="9525">
+            <a:solidFill>
+              <a:srgbClr val="C00000"/>
+            </a:solidFill>
+            <a:tailEnd type="triangle"/>
+          </a:ln>
+        </p:spPr>
+        <p:style>
+          <a:lnRef idx="1">
+            <a:schemeClr val="accent1"/>
+          </a:lnRef>
+          <a:fillRef idx="0">
+            <a:schemeClr val="accent1"/>
+          </a:fillRef>
+          <a:effectRef idx="0">
+            <a:schemeClr val="accent1"/>
+          </a:effectRef>
+          <a:fontRef idx="minor">
+            <a:schemeClr val="tx1"/>
+          </a:fontRef>
+        </p:style>
+      </p:cxnSp>
+      <p:cxnSp>
+        <p:nvCxnSpPr>
+          <p:cNvPr id="34" name="直线箭头连接符 33"/>
+          <p:cNvCxnSpPr>
+            <a:endCxn id="9" idx="0"/>
+          </p:cNvCxnSpPr>
+          <p:nvPr/>
+        </p:nvCxnSpPr>
+        <p:spPr>
+          <a:xfrm>
+            <a:off x="5353312" y="2847283"/>
+            <a:ext cx="425884" cy="206704"/>
+          </a:xfrm>
+          <a:prstGeom prst="straightConnector1">
+            <a:avLst/>
+          </a:prstGeom>
+          <a:ln w="9525">
+            <a:solidFill>
+              <a:srgbClr val="C00000"/>
+            </a:solidFill>
+            <a:tailEnd type="triangle"/>
+          </a:ln>
+        </p:spPr>
+        <p:style>
+          <a:lnRef idx="1">
+            <a:schemeClr val="accent1"/>
+          </a:lnRef>
+          <a:fillRef idx="0">
+            <a:schemeClr val="accent1"/>
+          </a:fillRef>
+          <a:effectRef idx="0">
+            <a:schemeClr val="accent1"/>
+          </a:effectRef>
+          <a:fontRef idx="minor">
+            <a:schemeClr val="tx1"/>
+          </a:fontRef>
+        </p:style>
+      </p:cxnSp>
+      <p:cxnSp>
+        <p:nvCxnSpPr>
+          <p:cNvPr id="37" name="直线箭头连接符 36"/>
+          <p:cNvCxnSpPr>
+            <a:stCxn id="27" idx="2"/>
+            <a:endCxn id="11" idx="0"/>
+          </p:cNvCxnSpPr>
+          <p:nvPr/>
+        </p:nvCxnSpPr>
+        <p:spPr>
+          <a:xfrm>
+            <a:off x="5353313" y="2847283"/>
+            <a:ext cx="2887728" cy="206704"/>
+          </a:xfrm>
+          <a:prstGeom prst="straightConnector1">
+            <a:avLst/>
+          </a:prstGeom>
+          <a:ln w="9525">
+            <a:solidFill>
+              <a:srgbClr val="C00000"/>
+            </a:solidFill>
+            <a:tailEnd type="triangle"/>
+          </a:ln>
+        </p:spPr>
+        <p:style>
+          <a:lnRef idx="1">
+            <a:schemeClr val="accent1"/>
+          </a:lnRef>
+          <a:fillRef idx="0">
+            <a:schemeClr val="accent1"/>
+          </a:fillRef>
+          <a:effectRef idx="0">
+            <a:schemeClr val="accent1"/>
+          </a:effectRef>
+          <a:fontRef idx="minor">
+            <a:schemeClr val="tx1"/>
+          </a:fontRef>
+        </p:style>
+      </p:cxnSp>
+    </p:spTree>
+    <p:extLst>
+      <p:ext uri="{BB962C8B-B14F-4D97-AF65-F5344CB8AC3E}">
+        <p14:creationId xmlns:p14="http://schemas.microsoft.com/office/powerpoint/2010/main" val="1926428968"/>
+      </p:ext>
+    </p:extLst>
+  </p:cSld>
+  <p:clrMapOvr>
+    <a:masterClrMapping/>
+  </p:clrMapOvr>
+</p:sld>
+</file>
+
 <file path=ppt/slides/slide2.xml><?xml version="1.0" encoding="utf-8"?>
 <p:sld xmlns:a="http://schemas.openxmlformats.org/drawingml/2006/main" xmlns:r="http://schemas.openxmlformats.org/officeDocument/2006/relationships" xmlns:p="http://schemas.openxmlformats.org/presentationml/2006/main">
   <p:cSld>
@@ -2983,13 +7915,6 @@
               </a:rPr>
               <a:t>Bloom Filters</a:t>
             </a:r>
-            <a:endParaRPr kumimoji="1" lang="en-US" altLang="zh-CN">
-              <a:solidFill>
-                <a:schemeClr val="bg1">
-                  <a:lumMod val="65000"/>
-                </a:schemeClr>
-              </a:solidFill>
-            </a:endParaRPr>
           </a:p>
           <a:p>
             <a:pPr>
@@ -4454,13 +9379,6 @@
               </a:rPr>
               <a:t>Bloom Filters</a:t>
             </a:r>
-            <a:endParaRPr kumimoji="1" lang="en-US" altLang="zh-CN">
-              <a:solidFill>
-                <a:schemeClr val="bg1">
-                  <a:lumMod val="65000"/>
-                </a:schemeClr>
-              </a:solidFill>
-            </a:endParaRPr>
           </a:p>
           <a:p>
             <a:pPr>
@@ -5188,7 +10106,6 @@
               <a:rPr kumimoji="1" lang="en-US" altLang="zh-CN"/>
               <a:t>Bloom Filters</a:t>
             </a:r>
-            <a:endParaRPr kumimoji="1" lang="en-US" altLang="zh-CN"/>
           </a:p>
           <a:p>
             <a:pPr>
@@ -5281,8 +10198,8 @@
           </a:p>
         </p:txBody>
       </p:sp>
-      <mc:AlternateContent xmlns:mc="http://schemas.openxmlformats.org/markup-compatibility/2006">
-        <mc:Choice xmlns:a14="http://schemas.microsoft.com/office/drawing/2010/main" Requires="a14">
+      <mc:AlternateContent xmlns:mc="http://schemas.openxmlformats.org/markup-compatibility/2006" xmlns:a14="http://schemas.microsoft.com/office/drawing/2010/main">
+        <mc:Choice Requires="a14">
           <p:sp>
             <p:nvSpPr>
               <p:cNvPr id="6" name="内容占位符 2"/>
@@ -5401,11 +10318,7 @@
                 </a:r>
                 <a:r>
                   <a:rPr kumimoji="1" lang="zh-CN" altLang="en-US" sz="1600"/>
-                  <a:t>个</a:t>
-                </a:r>
-                <a:r>
-                  <a:rPr kumimoji="1" lang="zh-CN" altLang="en-US" sz="1600"/>
-                  <a:t>比特，使用</a:t>
+                  <a:t>个比特，使用</a:t>
                 </a:r>
                 <a:r>
                   <a:rPr kumimoji="1" lang="en-US" altLang="zh-CN" sz="1600"/>
@@ -5649,7 +10562,7 @@
             </p:txBody>
           </p:sp>
         </mc:Choice>
-        <mc:Fallback>
+        <mc:Fallback xmlns="">
           <p:sp>
             <p:nvSpPr>
               <p:cNvPr id="6" name="内容占位符 2"/>
@@ -7058,15 +11971,7 @@
             </a:pPr>
             <a:r>
               <a:rPr kumimoji="1" lang="zh-CN" altLang="en-US" sz="2000"/>
-              <a:t>作用：</a:t>
-            </a:r>
-            <a:r>
-              <a:rPr kumimoji="1" lang="zh-CN" altLang="en-US" sz="2000"/>
-              <a:t>多重</a:t>
-            </a:r>
-            <a:r>
-              <a:rPr kumimoji="1" lang="zh-CN" altLang="en-US" sz="2000"/>
-              <a:t>集合元素存在性查询（元素在集合中出现多少次）</a:t>
+              <a:t>作用：多重集合元素存在性查询（元素在集合中出现多少次）</a:t>
             </a:r>
             <a:endParaRPr kumimoji="1" lang="en-US" altLang="zh-CN" sz="2000"/>
           </a:p>
@@ -7133,11 +12038,7 @@
             </a:pPr>
             <a:r>
               <a:rPr kumimoji="1" lang="zh-CN" altLang="en-US" sz="2000"/>
-              <a:t>简单的</a:t>
-            </a:r>
-            <a:r>
-              <a:rPr kumimoji="1" lang="zh-CN" altLang="en-US" sz="2000"/>
-              <a:t>把比特换成</a:t>
+              <a:t>简单的把比特换成</a:t>
             </a:r>
             <a:r>
               <a:rPr kumimoji="1" lang="en-US" altLang="zh-CN" sz="2000"/>
@@ -8602,19 +13503,7 @@
             </a:pPr>
             <a:r>
               <a:rPr kumimoji="1" lang="zh-CN" altLang="en-US" sz="2000"/>
-              <a:t>作用：</a:t>
-            </a:r>
-            <a:r>
-              <a:rPr kumimoji="1" lang="zh-CN" altLang="en-US" sz="2000"/>
-              <a:t>多</a:t>
-            </a:r>
-            <a:r>
-              <a:rPr kumimoji="1" lang="zh-CN" altLang="en-US" sz="2000"/>
-              <a:t>集合元素存在性查询</a:t>
-            </a:r>
-            <a:r>
-              <a:rPr kumimoji="1" lang="zh-CN" altLang="en-US" sz="2000"/>
-              <a:t>（元素属于哪个集合）</a:t>
+              <a:t>作用：多集合元素存在性查询（元素属于哪个集合）</a:t>
             </a:r>
             <a:endParaRPr kumimoji="1" lang="en-US" altLang="zh-CN" sz="2000"/>
           </a:p>

--- a/常见sketch算法.pptx
+++ b/常见sketch算法.pptx
@@ -7,10 +7,10 @@
     <p:sldMasterId id="2147483677" r:id="rId3"/>
   </p:sldMasterIdLst>
   <p:notesMasterIdLst>
-    <p:notesMasterId r:id="rId14"/>
+    <p:notesMasterId r:id="rId15"/>
   </p:notesMasterIdLst>
   <p:handoutMasterIdLst>
-    <p:handoutMasterId r:id="rId15"/>
+    <p:handoutMasterId r:id="rId16"/>
   </p:handoutMasterIdLst>
   <p:sldIdLst>
     <p:sldId id="256" r:id="rId4"/>
@@ -23,6 +23,7 @@
     <p:sldId id="265" r:id="rId11"/>
     <p:sldId id="264" r:id="rId12"/>
     <p:sldId id="266" r:id="rId13"/>
+    <p:sldId id="267" r:id="rId14"/>
   </p:sldIdLst>
   <p:sldSz cx="9144000" cy="6858000" type="screen4x3"/>
   <p:notesSz cx="6858000" cy="9144000"/>
@@ -714,6 +715,90 @@
     <p:extLst>
       <p:ext uri="{BB962C8B-B14F-4D97-AF65-F5344CB8AC3E}">
         <p14:creationId xmlns:p14="http://schemas.microsoft.com/office/powerpoint/2010/main" val="1397716978"/>
+      </p:ext>
+    </p:extLst>
+  </p:cSld>
+  <p:clrMapOvr>
+    <a:masterClrMapping/>
+  </p:clrMapOvr>
+</p:notes>
+</file>
+
+<file path=ppt/notesSlides/notesSlide2.xml><?xml version="1.0" encoding="utf-8"?>
+<p:notes xmlns:a="http://schemas.openxmlformats.org/drawingml/2006/main" xmlns:r="http://schemas.openxmlformats.org/officeDocument/2006/relationships" xmlns:p="http://schemas.openxmlformats.org/presentationml/2006/main">
+  <p:cSld>
+    <p:spTree>
+      <p:nvGrpSpPr>
+        <p:cNvPr id="1" name=""/>
+        <p:cNvGrpSpPr/>
+        <p:nvPr/>
+      </p:nvGrpSpPr>
+      <p:grpSpPr>
+        <a:xfrm>
+          <a:off x="0" y="0"/>
+          <a:ext cx="0" cy="0"/>
+          <a:chOff x="0" y="0"/>
+          <a:chExt cx="0" cy="0"/>
+        </a:xfrm>
+      </p:grpSpPr>
+      <p:sp>
+        <p:nvSpPr>
+          <p:cNvPr id="2" name="幻灯片图像占位符 1"/>
+          <p:cNvSpPr>
+            <a:spLocks noGrp="1" noRot="1" noChangeAspect="1"/>
+          </p:cNvSpPr>
+          <p:nvPr>
+            <p:ph type="sldImg"/>
+          </p:nvPr>
+        </p:nvSpPr>
+        <p:spPr/>
+      </p:sp>
+      <p:sp>
+        <p:nvSpPr>
+          <p:cNvPr id="3" name="备注占位符 2"/>
+          <p:cNvSpPr>
+            <a:spLocks noGrp="1"/>
+          </p:cNvSpPr>
+          <p:nvPr>
+            <p:ph type="body" idx="1"/>
+          </p:nvPr>
+        </p:nvSpPr>
+        <p:spPr/>
+        <p:txBody>
+          <a:bodyPr/>
+          <a:lstStyle/>
+          <a:p>
+            <a:endParaRPr kumimoji="1" lang="zh-CN" altLang="en-US"/>
+          </a:p>
+        </p:txBody>
+      </p:sp>
+      <p:sp>
+        <p:nvSpPr>
+          <p:cNvPr id="4" name="幻灯片编号占位符 3"/>
+          <p:cNvSpPr>
+            <a:spLocks noGrp="1"/>
+          </p:cNvSpPr>
+          <p:nvPr>
+            <p:ph type="sldNum" sz="quarter" idx="10"/>
+          </p:nvPr>
+        </p:nvSpPr>
+        <p:spPr/>
+        <p:txBody>
+          <a:bodyPr/>
+          <a:lstStyle/>
+          <a:p>
+            <a:fld id="{0584BD34-D176-C348-8AB0-78FD87C6D9AC}" type="slidenum">
+              <a:rPr lang="uk-UA"/>
+              <a:t>11</a:t>
+            </a:fld>
+            <a:endParaRPr kumimoji="1" lang="uk-UA" altLang="zh-CN"/>
+          </a:p>
+        </p:txBody>
+      </p:sp>
+    </p:spTree>
+    <p:extLst>
+      <p:ext uri="{BB962C8B-B14F-4D97-AF65-F5344CB8AC3E}">
+        <p14:creationId xmlns:p14="http://schemas.microsoft.com/office/powerpoint/2010/main" val="297226021"/>
       </p:ext>
     </p:extLst>
   </p:cSld>
@@ -7815,6 +7900,2757 @@
 </p:sld>
 </file>
 
+<file path=ppt/slides/slide11.xml><?xml version="1.0" encoding="utf-8"?>
+<p:sld xmlns:a="http://schemas.openxmlformats.org/drawingml/2006/main" xmlns:r="http://schemas.openxmlformats.org/officeDocument/2006/relationships" xmlns:p="http://schemas.openxmlformats.org/presentationml/2006/main">
+  <p:cSld>
+    <p:spTree>
+      <p:nvGrpSpPr>
+        <p:cNvPr id="1" name=""/>
+        <p:cNvGrpSpPr/>
+        <p:nvPr/>
+      </p:nvGrpSpPr>
+      <p:grpSpPr>
+        <a:xfrm>
+          <a:off x="0" y="0"/>
+          <a:ext cx="0" cy="0"/>
+          <a:chOff x="0" y="0"/>
+          <a:chExt cx="0" cy="0"/>
+        </a:xfrm>
+      </p:grpSpPr>
+      <p:sp>
+        <p:nvSpPr>
+          <p:cNvPr id="2" name="标题 1"/>
+          <p:cNvSpPr>
+            <a:spLocks noGrp="1"/>
+          </p:cNvSpPr>
+          <p:nvPr>
+            <p:ph type="title"/>
+          </p:nvPr>
+        </p:nvSpPr>
+        <p:spPr/>
+        <p:txBody>
+          <a:bodyPr/>
+          <a:lstStyle/>
+          <a:p>
+            <a:r>
+              <a:rPr kumimoji="1" lang="en-US" altLang="zh-CN"/>
+              <a:t>Combinatorial Bloom Filter</a:t>
+            </a:r>
+            <a:endParaRPr kumimoji="1" lang="zh-CN" altLang="en-US"/>
+          </a:p>
+        </p:txBody>
+      </p:sp>
+      <p:sp>
+        <p:nvSpPr>
+          <p:cNvPr id="4" name="内容占位符 2"/>
+          <p:cNvSpPr>
+            <a:spLocks noGrp="1"/>
+          </p:cNvSpPr>
+          <p:nvPr>
+            <p:ph idx="1"/>
+          </p:nvPr>
+        </p:nvSpPr>
+        <p:spPr>
+          <a:xfrm>
+            <a:off x="358774" y="1142659"/>
+            <a:ext cx="9188637" cy="6360800"/>
+          </a:xfrm>
+        </p:spPr>
+        <p:txBody>
+          <a:bodyPr>
+            <a:normAutofit/>
+          </a:bodyPr>
+          <a:lstStyle/>
+          <a:p>
+            <a:pPr>
+              <a:spcBef>
+                <a:spcPts val="0"/>
+              </a:spcBef>
+              <a:defRPr/>
+            </a:pPr>
+            <a:r>
+              <a:rPr kumimoji="1" lang="zh-CN" altLang="en-US" sz="2000"/>
+              <a:t>作用：多集合元素存在性查询</a:t>
+            </a:r>
+            <a:endParaRPr kumimoji="1" lang="en-US" altLang="zh-CN" sz="2000"/>
+          </a:p>
+          <a:p>
+            <a:pPr>
+              <a:spcBef>
+                <a:spcPts val="0"/>
+              </a:spcBef>
+              <a:defRPr/>
+            </a:pPr>
+            <a:r>
+              <a:rPr kumimoji="1" lang="en-US" altLang="zh-CN" sz="2000"/>
+              <a:t>Motivation</a:t>
+            </a:r>
+            <a:r>
+              <a:rPr kumimoji="1" lang="zh-CN" altLang="en-US" sz="2000"/>
+              <a:t>：希望只想使用一个</a:t>
+            </a:r>
+            <a:r>
+              <a:rPr kumimoji="1" lang="en-US" altLang="zh-CN" sz="2000"/>
+              <a:t>bloom</a:t>
+            </a:r>
+            <a:r>
+              <a:rPr kumimoji="1" lang="zh-CN" altLang="en-US" sz="2000"/>
+              <a:t> </a:t>
+            </a:r>
+            <a:r>
+              <a:rPr kumimoji="1" lang="en-US" altLang="zh-CN" sz="2000"/>
+              <a:t>filter</a:t>
+            </a:r>
+          </a:p>
+          <a:p>
+            <a:pPr>
+              <a:spcBef>
+                <a:spcPts val="0"/>
+              </a:spcBef>
+              <a:defRPr/>
+            </a:pPr>
+            <a:r>
+              <a:rPr kumimoji="1" lang="zh-CN" altLang="en-US" sz="2000"/>
+              <a:t>改进：</a:t>
+            </a:r>
+            <a:r>
+              <a:rPr kumimoji="1" lang="zh-CN" altLang="en-US" sz="2000"/>
+              <a:t>用不同的</a:t>
+            </a:r>
+            <a:r>
+              <a:rPr kumimoji="1" lang="en-US" altLang="zh-CN" sz="2000"/>
+              <a:t>hash</a:t>
+            </a:r>
+            <a:r>
+              <a:rPr kumimoji="1" lang="zh-CN" altLang="en-US" sz="2000"/>
+              <a:t>函数组，来表示不同的集合</a:t>
+            </a:r>
+            <a:endParaRPr kumimoji="1" lang="en-US" altLang="zh-CN" sz="2000"/>
+          </a:p>
+          <a:p>
+            <a:pPr>
+              <a:spcBef>
+                <a:spcPts val="0"/>
+              </a:spcBef>
+              <a:defRPr/>
+            </a:pPr>
+            <a:endParaRPr kumimoji="1" lang="en-US" altLang="zh-CN" sz="2000"/>
+          </a:p>
+          <a:p>
+            <a:pPr>
+              <a:spcBef>
+                <a:spcPts val="0"/>
+              </a:spcBef>
+              <a:defRPr/>
+            </a:pPr>
+            <a:endParaRPr kumimoji="1" lang="en-US" altLang="zh-CN" sz="2000"/>
+          </a:p>
+          <a:p>
+            <a:pPr>
+              <a:spcBef>
+                <a:spcPts val="0"/>
+              </a:spcBef>
+              <a:defRPr/>
+            </a:pPr>
+            <a:endParaRPr kumimoji="1" lang="en-US" altLang="zh-CN" sz="2000"/>
+          </a:p>
+          <a:p>
+            <a:pPr>
+              <a:spcBef>
+                <a:spcPts val="0"/>
+              </a:spcBef>
+              <a:defRPr/>
+            </a:pPr>
+            <a:endParaRPr kumimoji="1" lang="en-US" altLang="zh-CN" sz="2000"/>
+          </a:p>
+          <a:p>
+            <a:pPr>
+              <a:spcBef>
+                <a:spcPts val="0"/>
+              </a:spcBef>
+              <a:defRPr/>
+            </a:pPr>
+            <a:endParaRPr kumimoji="1" lang="en-US" altLang="zh-CN" sz="2000"/>
+          </a:p>
+          <a:p>
+            <a:pPr>
+              <a:spcBef>
+                <a:spcPts val="0"/>
+              </a:spcBef>
+              <a:defRPr/>
+            </a:pPr>
+            <a:endParaRPr kumimoji="1" lang="en-US" altLang="zh-CN" sz="2000"/>
+          </a:p>
+          <a:p>
+            <a:pPr>
+              <a:spcBef>
+                <a:spcPts val="0"/>
+              </a:spcBef>
+              <a:defRPr/>
+            </a:pPr>
+            <a:endParaRPr kumimoji="1" lang="en-US" altLang="zh-CN" sz="2000"/>
+          </a:p>
+          <a:p>
+            <a:pPr>
+              <a:spcBef>
+                <a:spcPts val="0"/>
+              </a:spcBef>
+              <a:defRPr/>
+            </a:pPr>
+            <a:endParaRPr kumimoji="1" lang="en-US" altLang="zh-CN" sz="2000"/>
+          </a:p>
+          <a:p>
+            <a:pPr>
+              <a:spcBef>
+                <a:spcPts val="0"/>
+              </a:spcBef>
+              <a:defRPr/>
+            </a:pPr>
+            <a:r>
+              <a:rPr kumimoji="1" lang="zh-CN" altLang="en-US" sz="1600"/>
+              <a:t>也可以</a:t>
+            </a:r>
+            <a:r>
+              <a:rPr kumimoji="1" lang="zh-CN" altLang="en-US" sz="1600"/>
+              <a:t>利用</a:t>
+            </a:r>
+            <a:r>
+              <a:rPr kumimoji="1" lang="en-US" altLang="zh-CN" sz="1600"/>
+              <a:t>Coded</a:t>
+            </a:r>
+            <a:r>
+              <a:rPr kumimoji="1" lang="zh-CN" altLang="en-US" sz="1600"/>
+              <a:t> </a:t>
+            </a:r>
+            <a:r>
+              <a:rPr kumimoji="1" lang="en-US" altLang="zh-CN" sz="1600"/>
+              <a:t>Bloom</a:t>
+            </a:r>
+            <a:r>
+              <a:rPr kumimoji="1" lang="zh-CN" altLang="en-US" sz="1600"/>
+              <a:t> </a:t>
+            </a:r>
+            <a:r>
+              <a:rPr kumimoji="1" lang="en-US" altLang="zh-CN" sz="1600"/>
+              <a:t>Filter</a:t>
+            </a:r>
+            <a:r>
+              <a:rPr kumimoji="1" lang="zh-CN" altLang="en-US" sz="1600"/>
+              <a:t>的思想：不同</a:t>
+            </a:r>
+            <a:r>
+              <a:rPr kumimoji="1" lang="en-US" altLang="zh-CN" sz="1600"/>
+              <a:t>hash</a:t>
+            </a:r>
+            <a:r>
+              <a:rPr kumimoji="1" lang="zh-CN" altLang="en-US" sz="1600"/>
+              <a:t>函数组表示</a:t>
+            </a:r>
+            <a:r>
+              <a:rPr kumimoji="1" lang="zh-CN" altLang="en-US" sz="1600"/>
+              <a:t>集合</a:t>
+            </a:r>
+            <a:r>
+              <a:rPr kumimoji="1" lang="en-US" altLang="zh-CN" sz="1600"/>
+              <a:t>ID</a:t>
+            </a:r>
+            <a:r>
+              <a:rPr kumimoji="1" lang="zh-CN" altLang="en-US" sz="1600"/>
+              <a:t>的不同比特</a:t>
+            </a:r>
+            <a:endParaRPr kumimoji="1" lang="en-US" altLang="zh-CN" sz="1600"/>
+          </a:p>
+          <a:p>
+            <a:pPr>
+              <a:spcBef>
+                <a:spcPts val="0"/>
+              </a:spcBef>
+              <a:defRPr/>
+            </a:pPr>
+            <a:endParaRPr kumimoji="1" lang="en-US" altLang="zh-CN" sz="2000"/>
+          </a:p>
+        </p:txBody>
+      </p:sp>
+      <p:graphicFrame>
+        <p:nvGraphicFramePr>
+          <p:cNvPr id="3" name="表格 2"/>
+          <p:cNvGraphicFramePr>
+            <a:graphicFrameLocks noGrp="1"/>
+          </p:cNvGraphicFramePr>
+          <p:nvPr>
+            <p:extLst>
+              <p:ext uri="{D42A27DB-BD31-4B8C-83A1-F6EECF244321}">
+                <p14:modId xmlns:p14="http://schemas.microsoft.com/office/powerpoint/2010/main" val="1812973250"/>
+              </p:ext>
+            </p:extLst>
+          </p:nvPr>
+        </p:nvGraphicFramePr>
+        <p:xfrm>
+          <a:off x="972000" y="5532537"/>
+          <a:ext cx="7200000" cy="365760"/>
+        </p:xfrm>
+        <a:graphic>
+          <a:graphicData uri="http://schemas.openxmlformats.org/drawingml/2006/table">
+            <a:tbl>
+              <a:tblPr firstRow="1" bandRow="1">
+                <a:tableStyleId>{5C22544A-7EE6-4342-B048-85BDC9FD1C3A}</a:tableStyleId>
+              </a:tblPr>
+              <a:tblGrid>
+                <a:gridCol w="360000"/>
+                <a:gridCol w="360000"/>
+                <a:gridCol w="360000"/>
+                <a:gridCol w="360000"/>
+                <a:gridCol w="360000"/>
+                <a:gridCol w="360000"/>
+                <a:gridCol w="360000"/>
+                <a:gridCol w="360000"/>
+                <a:gridCol w="360000"/>
+                <a:gridCol w="360000"/>
+                <a:gridCol w="360000"/>
+                <a:gridCol w="360000"/>
+                <a:gridCol w="360000"/>
+                <a:gridCol w="360000"/>
+                <a:gridCol w="360000"/>
+                <a:gridCol w="360000"/>
+                <a:gridCol w="360000"/>
+                <a:gridCol w="360000"/>
+                <a:gridCol w="360000"/>
+                <a:gridCol w="360000"/>
+              </a:tblGrid>
+              <a:tr h="360000">
+                <a:tc>
+                  <a:txBody>
+                    <a:bodyPr/>
+                    <a:lstStyle/>
+                    <a:p>
+                      <a:endParaRPr lang="zh-CN" altLang="en-US"/>
+                    </a:p>
+                  </a:txBody>
+                  <a:tcPr>
+                    <a:lnL w="12700" cap="flat" cmpd="sng" algn="ctr">
+                      <a:solidFill>
+                        <a:schemeClr val="tx1"/>
+                      </a:solidFill>
+                      <a:prstDash val="solid"/>
+                      <a:round/>
+                      <a:headEnd type="none" w="med" len="med"/>
+                      <a:tailEnd type="none" w="med" len="med"/>
+                    </a:lnL>
+                    <a:lnR w="12700" cap="flat" cmpd="sng" algn="ctr">
+                      <a:solidFill>
+                        <a:schemeClr val="tx1"/>
+                      </a:solidFill>
+                      <a:prstDash val="solid"/>
+                      <a:round/>
+                      <a:headEnd type="none" w="med" len="med"/>
+                      <a:tailEnd type="none" w="med" len="med"/>
+                    </a:lnR>
+                    <a:lnT w="12700" cap="flat" cmpd="sng" algn="ctr">
+                      <a:solidFill>
+                        <a:schemeClr val="tx1"/>
+                      </a:solidFill>
+                      <a:prstDash val="solid"/>
+                      <a:round/>
+                      <a:headEnd type="none" w="med" len="med"/>
+                      <a:tailEnd type="none" w="med" len="med"/>
+                    </a:lnT>
+                    <a:lnB w="12700" cap="flat" cmpd="sng" algn="ctr">
+                      <a:solidFill>
+                        <a:schemeClr val="tx1"/>
+                      </a:solidFill>
+                      <a:prstDash val="solid"/>
+                      <a:round/>
+                      <a:headEnd type="none" w="med" len="med"/>
+                      <a:tailEnd type="none" w="med" len="med"/>
+                    </a:lnB>
+                    <a:lnTlToBr w="12700" cmpd="sng">
+                      <a:noFill/>
+                      <a:prstDash val="solid"/>
+                    </a:lnTlToBr>
+                    <a:lnBlToTr w="12700" cmpd="sng">
+                      <a:noFill/>
+                      <a:prstDash val="solid"/>
+                    </a:lnBlToTr>
+                    <a:solidFill>
+                      <a:schemeClr val="bg1">
+                        <a:lumMod val="95000"/>
+                      </a:schemeClr>
+                    </a:solidFill>
+                  </a:tcPr>
+                </a:tc>
+                <a:tc>
+                  <a:txBody>
+                    <a:bodyPr/>
+                    <a:lstStyle/>
+                    <a:p>
+                      <a:endParaRPr lang="zh-CN" altLang="en-US"/>
+                    </a:p>
+                  </a:txBody>
+                  <a:tcPr>
+                    <a:lnL w="12700" cap="flat" cmpd="sng" algn="ctr">
+                      <a:solidFill>
+                        <a:schemeClr val="tx1"/>
+                      </a:solidFill>
+                      <a:prstDash val="solid"/>
+                      <a:round/>
+                      <a:headEnd type="none" w="med" len="med"/>
+                      <a:tailEnd type="none" w="med" len="med"/>
+                    </a:lnL>
+                    <a:lnR w="12700" cap="flat" cmpd="sng" algn="ctr">
+                      <a:solidFill>
+                        <a:schemeClr val="tx1"/>
+                      </a:solidFill>
+                      <a:prstDash val="solid"/>
+                      <a:round/>
+                      <a:headEnd type="none" w="med" len="med"/>
+                      <a:tailEnd type="none" w="med" len="med"/>
+                    </a:lnR>
+                    <a:lnT w="12700" cap="flat" cmpd="sng" algn="ctr">
+                      <a:solidFill>
+                        <a:schemeClr val="tx1"/>
+                      </a:solidFill>
+                      <a:prstDash val="solid"/>
+                      <a:round/>
+                      <a:headEnd type="none" w="med" len="med"/>
+                      <a:tailEnd type="none" w="med" len="med"/>
+                    </a:lnT>
+                    <a:lnB w="12700" cap="flat" cmpd="sng" algn="ctr">
+                      <a:solidFill>
+                        <a:schemeClr val="tx1"/>
+                      </a:solidFill>
+                      <a:prstDash val="solid"/>
+                      <a:round/>
+                      <a:headEnd type="none" w="med" len="med"/>
+                      <a:tailEnd type="none" w="med" len="med"/>
+                    </a:lnB>
+                    <a:lnTlToBr w="12700" cmpd="sng">
+                      <a:noFill/>
+                      <a:prstDash val="solid"/>
+                    </a:lnTlToBr>
+                    <a:lnBlToTr w="12700" cmpd="sng">
+                      <a:noFill/>
+                      <a:prstDash val="solid"/>
+                    </a:lnBlToTr>
+                    <a:solidFill>
+                      <a:schemeClr val="accent2">
+                        <a:lumMod val="60000"/>
+                        <a:lumOff val="40000"/>
+                      </a:schemeClr>
+                    </a:solidFill>
+                  </a:tcPr>
+                </a:tc>
+                <a:tc>
+                  <a:txBody>
+                    <a:bodyPr/>
+                    <a:lstStyle/>
+                    <a:p>
+                      <a:endParaRPr lang="zh-CN" altLang="en-US"/>
+                    </a:p>
+                  </a:txBody>
+                  <a:tcPr>
+                    <a:lnL w="12700" cap="flat" cmpd="sng" algn="ctr">
+                      <a:solidFill>
+                        <a:schemeClr val="tx1"/>
+                      </a:solidFill>
+                      <a:prstDash val="solid"/>
+                      <a:round/>
+                      <a:headEnd type="none" w="med" len="med"/>
+                      <a:tailEnd type="none" w="med" len="med"/>
+                    </a:lnL>
+                    <a:lnR w="12700" cap="flat" cmpd="sng" algn="ctr">
+                      <a:solidFill>
+                        <a:schemeClr val="tx1"/>
+                      </a:solidFill>
+                      <a:prstDash val="solid"/>
+                      <a:round/>
+                      <a:headEnd type="none" w="med" len="med"/>
+                      <a:tailEnd type="none" w="med" len="med"/>
+                    </a:lnR>
+                    <a:lnT w="12700" cap="flat" cmpd="sng" algn="ctr">
+                      <a:solidFill>
+                        <a:schemeClr val="tx1"/>
+                      </a:solidFill>
+                      <a:prstDash val="solid"/>
+                      <a:round/>
+                      <a:headEnd type="none" w="med" len="med"/>
+                      <a:tailEnd type="none" w="med" len="med"/>
+                    </a:lnT>
+                    <a:lnB w="12700" cap="flat" cmpd="sng" algn="ctr">
+                      <a:solidFill>
+                        <a:schemeClr val="tx1"/>
+                      </a:solidFill>
+                      <a:prstDash val="solid"/>
+                      <a:round/>
+                      <a:headEnd type="none" w="med" len="med"/>
+                      <a:tailEnd type="none" w="med" len="med"/>
+                    </a:lnB>
+                    <a:lnTlToBr w="12700" cmpd="sng">
+                      <a:noFill/>
+                      <a:prstDash val="solid"/>
+                    </a:lnTlToBr>
+                    <a:lnBlToTr w="12700" cmpd="sng">
+                      <a:noFill/>
+                      <a:prstDash val="solid"/>
+                    </a:lnBlToTr>
+                    <a:solidFill>
+                      <a:schemeClr val="bg1">
+                        <a:lumMod val="95000"/>
+                      </a:schemeClr>
+                    </a:solidFill>
+                  </a:tcPr>
+                </a:tc>
+                <a:tc>
+                  <a:txBody>
+                    <a:bodyPr/>
+                    <a:lstStyle/>
+                    <a:p>
+                      <a:endParaRPr lang="zh-CN" altLang="en-US"/>
+                    </a:p>
+                  </a:txBody>
+                  <a:tcPr>
+                    <a:lnL w="12700" cap="flat" cmpd="sng" algn="ctr">
+                      <a:solidFill>
+                        <a:schemeClr val="tx1"/>
+                      </a:solidFill>
+                      <a:prstDash val="solid"/>
+                      <a:round/>
+                      <a:headEnd type="none" w="med" len="med"/>
+                      <a:tailEnd type="none" w="med" len="med"/>
+                    </a:lnL>
+                    <a:lnR w="12700" cap="flat" cmpd="sng" algn="ctr">
+                      <a:solidFill>
+                        <a:schemeClr val="tx1"/>
+                      </a:solidFill>
+                      <a:prstDash val="solid"/>
+                      <a:round/>
+                      <a:headEnd type="none" w="med" len="med"/>
+                      <a:tailEnd type="none" w="med" len="med"/>
+                    </a:lnR>
+                    <a:lnT w="12700" cap="flat" cmpd="sng" algn="ctr">
+                      <a:solidFill>
+                        <a:schemeClr val="tx1"/>
+                      </a:solidFill>
+                      <a:prstDash val="solid"/>
+                      <a:round/>
+                      <a:headEnd type="none" w="med" len="med"/>
+                      <a:tailEnd type="none" w="med" len="med"/>
+                    </a:lnT>
+                    <a:lnB w="12700" cap="flat" cmpd="sng" algn="ctr">
+                      <a:solidFill>
+                        <a:schemeClr val="tx1"/>
+                      </a:solidFill>
+                      <a:prstDash val="solid"/>
+                      <a:round/>
+                      <a:headEnd type="none" w="med" len="med"/>
+                      <a:tailEnd type="none" w="med" len="med"/>
+                    </a:lnB>
+                    <a:lnTlToBr w="12700" cmpd="sng">
+                      <a:noFill/>
+                      <a:prstDash val="solid"/>
+                    </a:lnTlToBr>
+                    <a:lnBlToTr w="12700" cmpd="sng">
+                      <a:noFill/>
+                      <a:prstDash val="solid"/>
+                    </a:lnBlToTr>
+                    <a:solidFill>
+                      <a:schemeClr val="bg1">
+                        <a:lumMod val="95000"/>
+                      </a:schemeClr>
+                    </a:solidFill>
+                  </a:tcPr>
+                </a:tc>
+                <a:tc>
+                  <a:txBody>
+                    <a:bodyPr/>
+                    <a:lstStyle/>
+                    <a:p>
+                      <a:endParaRPr lang="zh-CN" altLang="en-US"/>
+                    </a:p>
+                  </a:txBody>
+                  <a:tcPr>
+                    <a:lnL w="12700" cap="flat" cmpd="sng" algn="ctr">
+                      <a:solidFill>
+                        <a:schemeClr val="tx1"/>
+                      </a:solidFill>
+                      <a:prstDash val="solid"/>
+                      <a:round/>
+                      <a:headEnd type="none" w="med" len="med"/>
+                      <a:tailEnd type="none" w="med" len="med"/>
+                    </a:lnL>
+                    <a:lnR w="12700" cap="flat" cmpd="sng" algn="ctr">
+                      <a:solidFill>
+                        <a:schemeClr val="tx1"/>
+                      </a:solidFill>
+                      <a:prstDash val="solid"/>
+                      <a:round/>
+                      <a:headEnd type="none" w="med" len="med"/>
+                      <a:tailEnd type="none" w="med" len="med"/>
+                    </a:lnR>
+                    <a:lnT w="12700" cap="flat" cmpd="sng" algn="ctr">
+                      <a:solidFill>
+                        <a:schemeClr val="tx1"/>
+                      </a:solidFill>
+                      <a:prstDash val="solid"/>
+                      <a:round/>
+                      <a:headEnd type="none" w="med" len="med"/>
+                      <a:tailEnd type="none" w="med" len="med"/>
+                    </a:lnT>
+                    <a:lnB w="12700" cap="flat" cmpd="sng" algn="ctr">
+                      <a:solidFill>
+                        <a:schemeClr val="tx1"/>
+                      </a:solidFill>
+                      <a:prstDash val="solid"/>
+                      <a:round/>
+                      <a:headEnd type="none" w="med" len="med"/>
+                      <a:tailEnd type="none" w="med" len="med"/>
+                    </a:lnB>
+                    <a:lnTlToBr w="12700" cmpd="sng">
+                      <a:noFill/>
+                      <a:prstDash val="solid"/>
+                    </a:lnTlToBr>
+                    <a:lnBlToTr w="12700" cmpd="sng">
+                      <a:noFill/>
+                      <a:prstDash val="solid"/>
+                    </a:lnBlToTr>
+                    <a:solidFill>
+                      <a:schemeClr val="bg1">
+                        <a:lumMod val="95000"/>
+                      </a:schemeClr>
+                    </a:solidFill>
+                  </a:tcPr>
+                </a:tc>
+                <a:tc>
+                  <a:txBody>
+                    <a:bodyPr/>
+                    <a:lstStyle/>
+                    <a:p>
+                      <a:endParaRPr lang="zh-CN" altLang="en-US"/>
+                    </a:p>
+                  </a:txBody>
+                  <a:tcPr>
+                    <a:lnL w="12700" cap="flat" cmpd="sng" algn="ctr">
+                      <a:solidFill>
+                        <a:schemeClr val="tx1"/>
+                      </a:solidFill>
+                      <a:prstDash val="solid"/>
+                      <a:round/>
+                      <a:headEnd type="none" w="med" len="med"/>
+                      <a:tailEnd type="none" w="med" len="med"/>
+                    </a:lnL>
+                    <a:lnR w="12700" cap="flat" cmpd="sng" algn="ctr">
+                      <a:solidFill>
+                        <a:schemeClr val="tx1"/>
+                      </a:solidFill>
+                      <a:prstDash val="solid"/>
+                      <a:round/>
+                      <a:headEnd type="none" w="med" len="med"/>
+                      <a:tailEnd type="none" w="med" len="med"/>
+                    </a:lnR>
+                    <a:lnT w="12700" cap="flat" cmpd="sng" algn="ctr">
+                      <a:solidFill>
+                        <a:schemeClr val="tx1"/>
+                      </a:solidFill>
+                      <a:prstDash val="solid"/>
+                      <a:round/>
+                      <a:headEnd type="none" w="med" len="med"/>
+                      <a:tailEnd type="none" w="med" len="med"/>
+                    </a:lnT>
+                    <a:lnB w="12700" cap="flat" cmpd="sng" algn="ctr">
+                      <a:solidFill>
+                        <a:schemeClr val="tx1"/>
+                      </a:solidFill>
+                      <a:prstDash val="solid"/>
+                      <a:round/>
+                      <a:headEnd type="none" w="med" len="med"/>
+                      <a:tailEnd type="none" w="med" len="med"/>
+                    </a:lnB>
+                    <a:lnTlToBr w="12700" cmpd="sng">
+                      <a:noFill/>
+                      <a:prstDash val="solid"/>
+                    </a:lnTlToBr>
+                    <a:lnBlToTr w="12700" cmpd="sng">
+                      <a:noFill/>
+                      <a:prstDash val="solid"/>
+                    </a:lnBlToTr>
+                    <a:solidFill>
+                      <a:srgbClr val="00B0F0"/>
+                    </a:solidFill>
+                  </a:tcPr>
+                </a:tc>
+                <a:tc>
+                  <a:txBody>
+                    <a:bodyPr/>
+                    <a:lstStyle/>
+                    <a:p>
+                      <a:endParaRPr lang="zh-CN" altLang="en-US"/>
+                    </a:p>
+                  </a:txBody>
+                  <a:tcPr>
+                    <a:lnL w="12700" cap="flat" cmpd="sng" algn="ctr">
+                      <a:solidFill>
+                        <a:schemeClr val="tx1"/>
+                      </a:solidFill>
+                      <a:prstDash val="solid"/>
+                      <a:round/>
+                      <a:headEnd type="none" w="med" len="med"/>
+                      <a:tailEnd type="none" w="med" len="med"/>
+                    </a:lnL>
+                    <a:lnR w="12700" cap="flat" cmpd="sng" algn="ctr">
+                      <a:solidFill>
+                        <a:schemeClr val="tx1"/>
+                      </a:solidFill>
+                      <a:prstDash val="solid"/>
+                      <a:round/>
+                      <a:headEnd type="none" w="med" len="med"/>
+                      <a:tailEnd type="none" w="med" len="med"/>
+                    </a:lnR>
+                    <a:lnT w="12700" cap="flat" cmpd="sng" algn="ctr">
+                      <a:solidFill>
+                        <a:schemeClr val="tx1"/>
+                      </a:solidFill>
+                      <a:prstDash val="solid"/>
+                      <a:round/>
+                      <a:headEnd type="none" w="med" len="med"/>
+                      <a:tailEnd type="none" w="med" len="med"/>
+                    </a:lnT>
+                    <a:lnB w="12700" cap="flat" cmpd="sng" algn="ctr">
+                      <a:solidFill>
+                        <a:schemeClr val="tx1"/>
+                      </a:solidFill>
+                      <a:prstDash val="solid"/>
+                      <a:round/>
+                      <a:headEnd type="none" w="med" len="med"/>
+                      <a:tailEnd type="none" w="med" len="med"/>
+                    </a:lnB>
+                    <a:lnTlToBr w="12700" cmpd="sng">
+                      <a:noFill/>
+                      <a:prstDash val="solid"/>
+                    </a:lnTlToBr>
+                    <a:lnBlToTr w="12700" cmpd="sng">
+                      <a:noFill/>
+                      <a:prstDash val="solid"/>
+                    </a:lnBlToTr>
+                    <a:solidFill>
+                      <a:schemeClr val="bg1">
+                        <a:lumMod val="95000"/>
+                      </a:schemeClr>
+                    </a:solidFill>
+                  </a:tcPr>
+                </a:tc>
+                <a:tc>
+                  <a:txBody>
+                    <a:bodyPr/>
+                    <a:lstStyle/>
+                    <a:p>
+                      <a:endParaRPr lang="zh-CN" altLang="en-US"/>
+                    </a:p>
+                  </a:txBody>
+                  <a:tcPr>
+                    <a:lnL w="12700" cap="flat" cmpd="sng" algn="ctr">
+                      <a:solidFill>
+                        <a:schemeClr val="tx1"/>
+                      </a:solidFill>
+                      <a:prstDash val="solid"/>
+                      <a:round/>
+                      <a:headEnd type="none" w="med" len="med"/>
+                      <a:tailEnd type="none" w="med" len="med"/>
+                    </a:lnL>
+                    <a:lnR w="12700" cap="flat" cmpd="sng" algn="ctr">
+                      <a:solidFill>
+                        <a:schemeClr val="tx1"/>
+                      </a:solidFill>
+                      <a:prstDash val="solid"/>
+                      <a:round/>
+                      <a:headEnd type="none" w="med" len="med"/>
+                      <a:tailEnd type="none" w="med" len="med"/>
+                    </a:lnR>
+                    <a:lnT w="12700" cap="flat" cmpd="sng" algn="ctr">
+                      <a:solidFill>
+                        <a:schemeClr val="tx1"/>
+                      </a:solidFill>
+                      <a:prstDash val="solid"/>
+                      <a:round/>
+                      <a:headEnd type="none" w="med" len="med"/>
+                      <a:tailEnd type="none" w="med" len="med"/>
+                    </a:lnT>
+                    <a:lnB w="12700" cap="flat" cmpd="sng" algn="ctr">
+                      <a:solidFill>
+                        <a:schemeClr val="tx1"/>
+                      </a:solidFill>
+                      <a:prstDash val="solid"/>
+                      <a:round/>
+                      <a:headEnd type="none" w="med" len="med"/>
+                      <a:tailEnd type="none" w="med" len="med"/>
+                    </a:lnB>
+                    <a:lnTlToBr w="12700" cmpd="sng">
+                      <a:noFill/>
+                      <a:prstDash val="solid"/>
+                    </a:lnTlToBr>
+                    <a:lnBlToTr w="12700" cmpd="sng">
+                      <a:noFill/>
+                      <a:prstDash val="solid"/>
+                    </a:lnBlToTr>
+                    <a:solidFill>
+                      <a:schemeClr val="bg1">
+                        <a:lumMod val="95000"/>
+                      </a:schemeClr>
+                    </a:solidFill>
+                  </a:tcPr>
+                </a:tc>
+                <a:tc>
+                  <a:txBody>
+                    <a:bodyPr/>
+                    <a:lstStyle/>
+                    <a:p>
+                      <a:endParaRPr lang="zh-CN" altLang="en-US"/>
+                    </a:p>
+                  </a:txBody>
+                  <a:tcPr>
+                    <a:lnL w="12700" cap="flat" cmpd="sng" algn="ctr">
+                      <a:solidFill>
+                        <a:schemeClr val="tx1"/>
+                      </a:solidFill>
+                      <a:prstDash val="solid"/>
+                      <a:round/>
+                      <a:headEnd type="none" w="med" len="med"/>
+                      <a:tailEnd type="none" w="med" len="med"/>
+                    </a:lnL>
+                    <a:lnR w="12700" cap="flat" cmpd="sng" algn="ctr">
+                      <a:solidFill>
+                        <a:schemeClr val="tx1"/>
+                      </a:solidFill>
+                      <a:prstDash val="solid"/>
+                      <a:round/>
+                      <a:headEnd type="none" w="med" len="med"/>
+                      <a:tailEnd type="none" w="med" len="med"/>
+                    </a:lnR>
+                    <a:lnT w="12700" cap="flat" cmpd="sng" algn="ctr">
+                      <a:solidFill>
+                        <a:schemeClr val="tx1"/>
+                      </a:solidFill>
+                      <a:prstDash val="solid"/>
+                      <a:round/>
+                      <a:headEnd type="none" w="med" len="med"/>
+                      <a:tailEnd type="none" w="med" len="med"/>
+                    </a:lnT>
+                    <a:lnB w="12700" cap="flat" cmpd="sng" algn="ctr">
+                      <a:solidFill>
+                        <a:schemeClr val="tx1"/>
+                      </a:solidFill>
+                      <a:prstDash val="solid"/>
+                      <a:round/>
+                      <a:headEnd type="none" w="med" len="med"/>
+                      <a:tailEnd type="none" w="med" len="med"/>
+                    </a:lnB>
+                    <a:lnTlToBr w="12700" cmpd="sng">
+                      <a:noFill/>
+                      <a:prstDash val="solid"/>
+                    </a:lnTlToBr>
+                    <a:lnBlToTr w="12700" cmpd="sng">
+                      <a:noFill/>
+                      <a:prstDash val="solid"/>
+                    </a:lnBlToTr>
+                    <a:solidFill>
+                      <a:schemeClr val="accent2">
+                        <a:lumMod val="60000"/>
+                        <a:lumOff val="40000"/>
+                      </a:schemeClr>
+                    </a:solidFill>
+                  </a:tcPr>
+                </a:tc>
+                <a:tc>
+                  <a:txBody>
+                    <a:bodyPr/>
+                    <a:lstStyle/>
+                    <a:p>
+                      <a:endParaRPr lang="zh-CN" altLang="en-US"/>
+                    </a:p>
+                  </a:txBody>
+                  <a:tcPr>
+                    <a:lnL w="12700" cap="flat" cmpd="sng" algn="ctr">
+                      <a:solidFill>
+                        <a:schemeClr val="tx1"/>
+                      </a:solidFill>
+                      <a:prstDash val="solid"/>
+                      <a:round/>
+                      <a:headEnd type="none" w="med" len="med"/>
+                      <a:tailEnd type="none" w="med" len="med"/>
+                    </a:lnL>
+                    <a:lnR w="12700" cap="flat" cmpd="sng" algn="ctr">
+                      <a:solidFill>
+                        <a:schemeClr val="tx1"/>
+                      </a:solidFill>
+                      <a:prstDash val="solid"/>
+                      <a:round/>
+                      <a:headEnd type="none" w="med" len="med"/>
+                      <a:tailEnd type="none" w="med" len="med"/>
+                    </a:lnR>
+                    <a:lnT w="12700" cap="flat" cmpd="sng" algn="ctr">
+                      <a:solidFill>
+                        <a:schemeClr val="tx1"/>
+                      </a:solidFill>
+                      <a:prstDash val="solid"/>
+                      <a:round/>
+                      <a:headEnd type="none" w="med" len="med"/>
+                      <a:tailEnd type="none" w="med" len="med"/>
+                    </a:lnT>
+                    <a:lnB w="12700" cap="flat" cmpd="sng" algn="ctr">
+                      <a:solidFill>
+                        <a:schemeClr val="tx1"/>
+                      </a:solidFill>
+                      <a:prstDash val="solid"/>
+                      <a:round/>
+                      <a:headEnd type="none" w="med" len="med"/>
+                      <a:tailEnd type="none" w="med" len="med"/>
+                    </a:lnB>
+                    <a:lnTlToBr w="12700" cmpd="sng">
+                      <a:noFill/>
+                      <a:prstDash val="solid"/>
+                    </a:lnTlToBr>
+                    <a:lnBlToTr w="12700" cmpd="sng">
+                      <a:noFill/>
+                      <a:prstDash val="solid"/>
+                    </a:lnBlToTr>
+                    <a:solidFill>
+                      <a:schemeClr val="bg1">
+                        <a:lumMod val="95000"/>
+                      </a:schemeClr>
+                    </a:solidFill>
+                  </a:tcPr>
+                </a:tc>
+                <a:tc>
+                  <a:txBody>
+                    <a:bodyPr/>
+                    <a:lstStyle/>
+                    <a:p>
+                      <a:endParaRPr lang="zh-CN" altLang="en-US"/>
+                    </a:p>
+                  </a:txBody>
+                  <a:tcPr>
+                    <a:lnL w="12700" cap="flat" cmpd="sng" algn="ctr">
+                      <a:solidFill>
+                        <a:schemeClr val="tx1"/>
+                      </a:solidFill>
+                      <a:prstDash val="solid"/>
+                      <a:round/>
+                      <a:headEnd type="none" w="med" len="med"/>
+                      <a:tailEnd type="none" w="med" len="med"/>
+                    </a:lnL>
+                    <a:lnR w="12700" cap="flat" cmpd="sng" algn="ctr">
+                      <a:solidFill>
+                        <a:schemeClr val="tx1"/>
+                      </a:solidFill>
+                      <a:prstDash val="solid"/>
+                      <a:round/>
+                      <a:headEnd type="none" w="med" len="med"/>
+                      <a:tailEnd type="none" w="med" len="med"/>
+                    </a:lnR>
+                    <a:lnT w="12700" cap="flat" cmpd="sng" algn="ctr">
+                      <a:solidFill>
+                        <a:schemeClr val="tx1"/>
+                      </a:solidFill>
+                      <a:prstDash val="solid"/>
+                      <a:round/>
+                      <a:headEnd type="none" w="med" len="med"/>
+                      <a:tailEnd type="none" w="med" len="med"/>
+                    </a:lnT>
+                    <a:lnB w="12700" cap="flat" cmpd="sng" algn="ctr">
+                      <a:solidFill>
+                        <a:schemeClr val="tx1"/>
+                      </a:solidFill>
+                      <a:prstDash val="solid"/>
+                      <a:round/>
+                      <a:headEnd type="none" w="med" len="med"/>
+                      <a:tailEnd type="none" w="med" len="med"/>
+                    </a:lnB>
+                    <a:lnTlToBr w="12700" cmpd="sng">
+                      <a:noFill/>
+                      <a:prstDash val="solid"/>
+                    </a:lnTlToBr>
+                    <a:lnBlToTr w="12700" cmpd="sng">
+                      <a:noFill/>
+                      <a:prstDash val="solid"/>
+                    </a:lnBlToTr>
+                    <a:solidFill>
+                      <a:schemeClr val="bg1">
+                        <a:lumMod val="95000"/>
+                      </a:schemeClr>
+                    </a:solidFill>
+                  </a:tcPr>
+                </a:tc>
+                <a:tc>
+                  <a:txBody>
+                    <a:bodyPr/>
+                    <a:lstStyle/>
+                    <a:p>
+                      <a:endParaRPr lang="zh-CN" altLang="en-US"/>
+                    </a:p>
+                  </a:txBody>
+                  <a:tcPr>
+                    <a:lnL w="12700" cap="flat" cmpd="sng" algn="ctr">
+                      <a:solidFill>
+                        <a:schemeClr val="tx1"/>
+                      </a:solidFill>
+                      <a:prstDash val="solid"/>
+                      <a:round/>
+                      <a:headEnd type="none" w="med" len="med"/>
+                      <a:tailEnd type="none" w="med" len="med"/>
+                    </a:lnL>
+                    <a:lnR w="12700" cap="flat" cmpd="sng" algn="ctr">
+                      <a:solidFill>
+                        <a:schemeClr val="tx1"/>
+                      </a:solidFill>
+                      <a:prstDash val="solid"/>
+                      <a:round/>
+                      <a:headEnd type="none" w="med" len="med"/>
+                      <a:tailEnd type="none" w="med" len="med"/>
+                    </a:lnR>
+                    <a:lnT w="12700" cap="flat" cmpd="sng" algn="ctr">
+                      <a:solidFill>
+                        <a:schemeClr val="tx1"/>
+                      </a:solidFill>
+                      <a:prstDash val="solid"/>
+                      <a:round/>
+                      <a:headEnd type="none" w="med" len="med"/>
+                      <a:tailEnd type="none" w="med" len="med"/>
+                    </a:lnT>
+                    <a:lnB w="12700" cap="flat" cmpd="sng" algn="ctr">
+                      <a:solidFill>
+                        <a:schemeClr val="tx1"/>
+                      </a:solidFill>
+                      <a:prstDash val="solid"/>
+                      <a:round/>
+                      <a:headEnd type="none" w="med" len="med"/>
+                      <a:tailEnd type="none" w="med" len="med"/>
+                    </a:lnB>
+                    <a:lnTlToBr w="12700" cmpd="sng">
+                      <a:noFill/>
+                      <a:prstDash val="solid"/>
+                    </a:lnTlToBr>
+                    <a:lnBlToTr w="12700" cmpd="sng">
+                      <a:noFill/>
+                      <a:prstDash val="solid"/>
+                    </a:lnBlToTr>
+                    <a:solidFill>
+                      <a:schemeClr val="bg1">
+                        <a:lumMod val="95000"/>
+                      </a:schemeClr>
+                    </a:solidFill>
+                  </a:tcPr>
+                </a:tc>
+                <a:tc>
+                  <a:txBody>
+                    <a:bodyPr/>
+                    <a:lstStyle/>
+                    <a:p>
+                      <a:endParaRPr lang="zh-CN" altLang="en-US"/>
+                    </a:p>
+                  </a:txBody>
+                  <a:tcPr>
+                    <a:lnL w="12700" cap="flat" cmpd="sng" algn="ctr">
+                      <a:solidFill>
+                        <a:schemeClr val="tx1"/>
+                      </a:solidFill>
+                      <a:prstDash val="solid"/>
+                      <a:round/>
+                      <a:headEnd type="none" w="med" len="med"/>
+                      <a:tailEnd type="none" w="med" len="med"/>
+                    </a:lnL>
+                    <a:lnR w="12700" cap="flat" cmpd="sng" algn="ctr">
+                      <a:solidFill>
+                        <a:schemeClr val="tx1"/>
+                      </a:solidFill>
+                      <a:prstDash val="solid"/>
+                      <a:round/>
+                      <a:headEnd type="none" w="med" len="med"/>
+                      <a:tailEnd type="none" w="med" len="med"/>
+                    </a:lnR>
+                    <a:lnT w="12700" cap="flat" cmpd="sng" algn="ctr">
+                      <a:solidFill>
+                        <a:schemeClr val="tx1"/>
+                      </a:solidFill>
+                      <a:prstDash val="solid"/>
+                      <a:round/>
+                      <a:headEnd type="none" w="med" len="med"/>
+                      <a:tailEnd type="none" w="med" len="med"/>
+                    </a:lnT>
+                    <a:lnB w="12700" cap="flat" cmpd="sng" algn="ctr">
+                      <a:solidFill>
+                        <a:schemeClr val="tx1"/>
+                      </a:solidFill>
+                      <a:prstDash val="solid"/>
+                      <a:round/>
+                      <a:headEnd type="none" w="med" len="med"/>
+                      <a:tailEnd type="none" w="med" len="med"/>
+                    </a:lnB>
+                    <a:lnTlToBr w="12700" cmpd="sng">
+                      <a:noFill/>
+                      <a:prstDash val="solid"/>
+                    </a:lnTlToBr>
+                    <a:lnBlToTr w="12700" cmpd="sng">
+                      <a:noFill/>
+                      <a:prstDash val="solid"/>
+                    </a:lnBlToTr>
+                    <a:solidFill>
+                      <a:schemeClr val="bg1">
+                        <a:lumMod val="95000"/>
+                      </a:schemeClr>
+                    </a:solidFill>
+                  </a:tcPr>
+                </a:tc>
+                <a:tc>
+                  <a:txBody>
+                    <a:bodyPr/>
+                    <a:lstStyle/>
+                    <a:p>
+                      <a:endParaRPr lang="zh-CN" altLang="en-US"/>
+                    </a:p>
+                  </a:txBody>
+                  <a:tcPr>
+                    <a:lnL w="12700" cap="flat" cmpd="sng" algn="ctr">
+                      <a:solidFill>
+                        <a:schemeClr val="tx1"/>
+                      </a:solidFill>
+                      <a:prstDash val="solid"/>
+                      <a:round/>
+                      <a:headEnd type="none" w="med" len="med"/>
+                      <a:tailEnd type="none" w="med" len="med"/>
+                    </a:lnL>
+                    <a:lnR w="12700" cap="flat" cmpd="sng" algn="ctr">
+                      <a:solidFill>
+                        <a:schemeClr val="tx1"/>
+                      </a:solidFill>
+                      <a:prstDash val="solid"/>
+                      <a:round/>
+                      <a:headEnd type="none" w="med" len="med"/>
+                      <a:tailEnd type="none" w="med" len="med"/>
+                    </a:lnR>
+                    <a:lnT w="12700" cap="flat" cmpd="sng" algn="ctr">
+                      <a:solidFill>
+                        <a:schemeClr val="tx1"/>
+                      </a:solidFill>
+                      <a:prstDash val="solid"/>
+                      <a:round/>
+                      <a:headEnd type="none" w="med" len="med"/>
+                      <a:tailEnd type="none" w="med" len="med"/>
+                    </a:lnT>
+                    <a:lnB w="12700" cap="flat" cmpd="sng" algn="ctr">
+                      <a:solidFill>
+                        <a:schemeClr val="tx1"/>
+                      </a:solidFill>
+                      <a:prstDash val="solid"/>
+                      <a:round/>
+                      <a:headEnd type="none" w="med" len="med"/>
+                      <a:tailEnd type="none" w="med" len="med"/>
+                    </a:lnB>
+                    <a:lnTlToBr w="12700" cmpd="sng">
+                      <a:noFill/>
+                      <a:prstDash val="solid"/>
+                    </a:lnTlToBr>
+                    <a:lnBlToTr w="12700" cmpd="sng">
+                      <a:noFill/>
+                      <a:prstDash val="solid"/>
+                    </a:lnBlToTr>
+                    <a:solidFill>
+                      <a:schemeClr val="bg1">
+                        <a:lumMod val="95000"/>
+                      </a:schemeClr>
+                    </a:solidFill>
+                  </a:tcPr>
+                </a:tc>
+                <a:tc>
+                  <a:txBody>
+                    <a:bodyPr/>
+                    <a:lstStyle/>
+                    <a:p>
+                      <a:endParaRPr lang="zh-CN" altLang="en-US"/>
+                    </a:p>
+                  </a:txBody>
+                  <a:tcPr>
+                    <a:lnL w="12700" cap="flat" cmpd="sng" algn="ctr">
+                      <a:solidFill>
+                        <a:schemeClr val="tx1"/>
+                      </a:solidFill>
+                      <a:prstDash val="solid"/>
+                      <a:round/>
+                      <a:headEnd type="none" w="med" len="med"/>
+                      <a:tailEnd type="none" w="med" len="med"/>
+                    </a:lnL>
+                    <a:lnR w="12700" cap="flat" cmpd="sng" algn="ctr">
+                      <a:solidFill>
+                        <a:schemeClr val="tx1"/>
+                      </a:solidFill>
+                      <a:prstDash val="solid"/>
+                      <a:round/>
+                      <a:headEnd type="none" w="med" len="med"/>
+                      <a:tailEnd type="none" w="med" len="med"/>
+                    </a:lnR>
+                    <a:lnT w="12700" cap="flat" cmpd="sng" algn="ctr">
+                      <a:solidFill>
+                        <a:schemeClr val="tx1"/>
+                      </a:solidFill>
+                      <a:prstDash val="solid"/>
+                      <a:round/>
+                      <a:headEnd type="none" w="med" len="med"/>
+                      <a:tailEnd type="none" w="med" len="med"/>
+                    </a:lnT>
+                    <a:lnB w="12700" cap="flat" cmpd="sng" algn="ctr">
+                      <a:solidFill>
+                        <a:schemeClr val="tx1"/>
+                      </a:solidFill>
+                      <a:prstDash val="solid"/>
+                      <a:round/>
+                      <a:headEnd type="none" w="med" len="med"/>
+                      <a:tailEnd type="none" w="med" len="med"/>
+                    </a:lnB>
+                    <a:lnTlToBr w="12700" cmpd="sng">
+                      <a:noFill/>
+                      <a:prstDash val="solid"/>
+                    </a:lnTlToBr>
+                    <a:lnBlToTr w="12700" cmpd="sng">
+                      <a:noFill/>
+                      <a:prstDash val="solid"/>
+                    </a:lnBlToTr>
+                    <a:solidFill>
+                      <a:schemeClr val="bg1">
+                        <a:lumMod val="95000"/>
+                      </a:schemeClr>
+                    </a:solidFill>
+                  </a:tcPr>
+                </a:tc>
+                <a:tc>
+                  <a:txBody>
+                    <a:bodyPr/>
+                    <a:lstStyle/>
+                    <a:p>
+                      <a:endParaRPr lang="zh-CN" altLang="en-US"/>
+                    </a:p>
+                  </a:txBody>
+                  <a:tcPr>
+                    <a:lnL w="12700" cap="flat" cmpd="sng" algn="ctr">
+                      <a:solidFill>
+                        <a:schemeClr val="tx1"/>
+                      </a:solidFill>
+                      <a:prstDash val="solid"/>
+                      <a:round/>
+                      <a:headEnd type="none" w="med" len="med"/>
+                      <a:tailEnd type="none" w="med" len="med"/>
+                    </a:lnL>
+                    <a:lnR w="12700" cap="flat" cmpd="sng" algn="ctr">
+                      <a:solidFill>
+                        <a:schemeClr val="tx1"/>
+                      </a:solidFill>
+                      <a:prstDash val="solid"/>
+                      <a:round/>
+                      <a:headEnd type="none" w="med" len="med"/>
+                      <a:tailEnd type="none" w="med" len="med"/>
+                    </a:lnR>
+                    <a:lnT w="12700" cap="flat" cmpd="sng" algn="ctr">
+                      <a:solidFill>
+                        <a:schemeClr val="tx1"/>
+                      </a:solidFill>
+                      <a:prstDash val="solid"/>
+                      <a:round/>
+                      <a:headEnd type="none" w="med" len="med"/>
+                      <a:tailEnd type="none" w="med" len="med"/>
+                    </a:lnT>
+                    <a:lnB w="12700" cap="flat" cmpd="sng" algn="ctr">
+                      <a:solidFill>
+                        <a:schemeClr val="tx1"/>
+                      </a:solidFill>
+                      <a:prstDash val="solid"/>
+                      <a:round/>
+                      <a:headEnd type="none" w="med" len="med"/>
+                      <a:tailEnd type="none" w="med" len="med"/>
+                    </a:lnB>
+                    <a:lnTlToBr w="12700" cmpd="sng">
+                      <a:noFill/>
+                      <a:prstDash val="solid"/>
+                    </a:lnTlToBr>
+                    <a:lnBlToTr w="12700" cmpd="sng">
+                      <a:noFill/>
+                      <a:prstDash val="solid"/>
+                    </a:lnBlToTr>
+                    <a:solidFill>
+                      <a:schemeClr val="accent2">
+                        <a:lumMod val="60000"/>
+                        <a:lumOff val="40000"/>
+                      </a:schemeClr>
+                    </a:solidFill>
+                  </a:tcPr>
+                </a:tc>
+                <a:tc>
+                  <a:txBody>
+                    <a:bodyPr/>
+                    <a:lstStyle/>
+                    <a:p>
+                      <a:endParaRPr lang="zh-CN" altLang="en-US"/>
+                    </a:p>
+                  </a:txBody>
+                  <a:tcPr>
+                    <a:lnL w="12700" cap="flat" cmpd="sng" algn="ctr">
+                      <a:solidFill>
+                        <a:schemeClr val="tx1"/>
+                      </a:solidFill>
+                      <a:prstDash val="solid"/>
+                      <a:round/>
+                      <a:headEnd type="none" w="med" len="med"/>
+                      <a:tailEnd type="none" w="med" len="med"/>
+                    </a:lnL>
+                    <a:lnR w="12700" cap="flat" cmpd="sng" algn="ctr">
+                      <a:solidFill>
+                        <a:schemeClr val="tx1"/>
+                      </a:solidFill>
+                      <a:prstDash val="solid"/>
+                      <a:round/>
+                      <a:headEnd type="none" w="med" len="med"/>
+                      <a:tailEnd type="none" w="med" len="med"/>
+                    </a:lnR>
+                    <a:lnT w="12700" cap="flat" cmpd="sng" algn="ctr">
+                      <a:solidFill>
+                        <a:schemeClr val="tx1"/>
+                      </a:solidFill>
+                      <a:prstDash val="solid"/>
+                      <a:round/>
+                      <a:headEnd type="none" w="med" len="med"/>
+                      <a:tailEnd type="none" w="med" len="med"/>
+                    </a:lnT>
+                    <a:lnB w="12700" cap="flat" cmpd="sng" algn="ctr">
+                      <a:solidFill>
+                        <a:schemeClr val="tx1"/>
+                      </a:solidFill>
+                      <a:prstDash val="solid"/>
+                      <a:round/>
+                      <a:headEnd type="none" w="med" len="med"/>
+                      <a:tailEnd type="none" w="med" len="med"/>
+                    </a:lnB>
+                    <a:lnTlToBr w="12700" cmpd="sng">
+                      <a:noFill/>
+                      <a:prstDash val="solid"/>
+                    </a:lnTlToBr>
+                    <a:lnBlToTr w="12700" cmpd="sng">
+                      <a:noFill/>
+                      <a:prstDash val="solid"/>
+                    </a:lnBlToTr>
+                    <a:solidFill>
+                      <a:schemeClr val="bg1">
+                        <a:lumMod val="95000"/>
+                      </a:schemeClr>
+                    </a:solidFill>
+                  </a:tcPr>
+                </a:tc>
+                <a:tc>
+                  <a:txBody>
+                    <a:bodyPr/>
+                    <a:lstStyle/>
+                    <a:p>
+                      <a:endParaRPr lang="zh-CN" altLang="en-US"/>
+                    </a:p>
+                  </a:txBody>
+                  <a:tcPr>
+                    <a:lnL w="12700" cap="flat" cmpd="sng" algn="ctr">
+                      <a:solidFill>
+                        <a:schemeClr val="tx1"/>
+                      </a:solidFill>
+                      <a:prstDash val="solid"/>
+                      <a:round/>
+                      <a:headEnd type="none" w="med" len="med"/>
+                      <a:tailEnd type="none" w="med" len="med"/>
+                    </a:lnL>
+                    <a:lnR w="12700" cap="flat" cmpd="sng" algn="ctr">
+                      <a:solidFill>
+                        <a:schemeClr val="tx1"/>
+                      </a:solidFill>
+                      <a:prstDash val="solid"/>
+                      <a:round/>
+                      <a:headEnd type="none" w="med" len="med"/>
+                      <a:tailEnd type="none" w="med" len="med"/>
+                    </a:lnR>
+                    <a:lnT w="12700" cap="flat" cmpd="sng" algn="ctr">
+                      <a:solidFill>
+                        <a:schemeClr val="tx1"/>
+                      </a:solidFill>
+                      <a:prstDash val="solid"/>
+                      <a:round/>
+                      <a:headEnd type="none" w="med" len="med"/>
+                      <a:tailEnd type="none" w="med" len="med"/>
+                    </a:lnT>
+                    <a:lnB w="12700" cap="flat" cmpd="sng" algn="ctr">
+                      <a:solidFill>
+                        <a:schemeClr val="tx1"/>
+                      </a:solidFill>
+                      <a:prstDash val="solid"/>
+                      <a:round/>
+                      <a:headEnd type="none" w="med" len="med"/>
+                      <a:tailEnd type="none" w="med" len="med"/>
+                    </a:lnB>
+                    <a:lnTlToBr w="12700" cmpd="sng">
+                      <a:noFill/>
+                      <a:prstDash val="solid"/>
+                    </a:lnTlToBr>
+                    <a:lnBlToTr w="12700" cmpd="sng">
+                      <a:noFill/>
+                      <a:prstDash val="solid"/>
+                    </a:lnBlToTr>
+                    <a:solidFill>
+                      <a:srgbClr val="00B0F0"/>
+                    </a:solidFill>
+                  </a:tcPr>
+                </a:tc>
+                <a:tc>
+                  <a:txBody>
+                    <a:bodyPr/>
+                    <a:lstStyle/>
+                    <a:p>
+                      <a:endParaRPr lang="zh-CN" altLang="en-US"/>
+                    </a:p>
+                  </a:txBody>
+                  <a:tcPr>
+                    <a:lnL w="12700" cap="flat" cmpd="sng" algn="ctr">
+                      <a:solidFill>
+                        <a:schemeClr val="tx1"/>
+                      </a:solidFill>
+                      <a:prstDash val="solid"/>
+                      <a:round/>
+                      <a:headEnd type="none" w="med" len="med"/>
+                      <a:tailEnd type="none" w="med" len="med"/>
+                    </a:lnL>
+                    <a:lnR w="12700" cap="flat" cmpd="sng" algn="ctr">
+                      <a:solidFill>
+                        <a:schemeClr val="tx1"/>
+                      </a:solidFill>
+                      <a:prstDash val="solid"/>
+                      <a:round/>
+                      <a:headEnd type="none" w="med" len="med"/>
+                      <a:tailEnd type="none" w="med" len="med"/>
+                    </a:lnR>
+                    <a:lnT w="12700" cap="flat" cmpd="sng" algn="ctr">
+                      <a:solidFill>
+                        <a:schemeClr val="tx1"/>
+                      </a:solidFill>
+                      <a:prstDash val="solid"/>
+                      <a:round/>
+                      <a:headEnd type="none" w="med" len="med"/>
+                      <a:tailEnd type="none" w="med" len="med"/>
+                    </a:lnT>
+                    <a:lnB w="12700" cap="flat" cmpd="sng" algn="ctr">
+                      <a:solidFill>
+                        <a:schemeClr val="tx1"/>
+                      </a:solidFill>
+                      <a:prstDash val="solid"/>
+                      <a:round/>
+                      <a:headEnd type="none" w="med" len="med"/>
+                      <a:tailEnd type="none" w="med" len="med"/>
+                    </a:lnB>
+                    <a:lnTlToBr w="12700" cmpd="sng">
+                      <a:noFill/>
+                      <a:prstDash val="solid"/>
+                    </a:lnTlToBr>
+                    <a:lnBlToTr w="12700" cmpd="sng">
+                      <a:noFill/>
+                      <a:prstDash val="solid"/>
+                    </a:lnBlToTr>
+                    <a:solidFill>
+                      <a:schemeClr val="bg1">
+                        <a:lumMod val="95000"/>
+                      </a:schemeClr>
+                    </a:solidFill>
+                  </a:tcPr>
+                </a:tc>
+                <a:tc>
+                  <a:txBody>
+                    <a:bodyPr/>
+                    <a:lstStyle/>
+                    <a:p>
+                      <a:endParaRPr lang="zh-CN" altLang="en-US"/>
+                    </a:p>
+                  </a:txBody>
+                  <a:tcPr>
+                    <a:lnL w="12700" cap="flat" cmpd="sng" algn="ctr">
+                      <a:solidFill>
+                        <a:schemeClr val="tx1"/>
+                      </a:solidFill>
+                      <a:prstDash val="solid"/>
+                      <a:round/>
+                      <a:headEnd type="none" w="med" len="med"/>
+                      <a:tailEnd type="none" w="med" len="med"/>
+                    </a:lnL>
+                    <a:lnR w="12700" cap="flat" cmpd="sng" algn="ctr">
+                      <a:solidFill>
+                        <a:schemeClr val="tx1"/>
+                      </a:solidFill>
+                      <a:prstDash val="solid"/>
+                      <a:round/>
+                      <a:headEnd type="none" w="med" len="med"/>
+                      <a:tailEnd type="none" w="med" len="med"/>
+                    </a:lnR>
+                    <a:lnT w="12700" cap="flat" cmpd="sng" algn="ctr">
+                      <a:solidFill>
+                        <a:schemeClr val="tx1"/>
+                      </a:solidFill>
+                      <a:prstDash val="solid"/>
+                      <a:round/>
+                      <a:headEnd type="none" w="med" len="med"/>
+                      <a:tailEnd type="none" w="med" len="med"/>
+                    </a:lnT>
+                    <a:lnB w="12700" cap="flat" cmpd="sng" algn="ctr">
+                      <a:solidFill>
+                        <a:schemeClr val="tx1"/>
+                      </a:solidFill>
+                      <a:prstDash val="solid"/>
+                      <a:round/>
+                      <a:headEnd type="none" w="med" len="med"/>
+                      <a:tailEnd type="none" w="med" len="med"/>
+                    </a:lnB>
+                    <a:lnTlToBr w="12700" cmpd="sng">
+                      <a:noFill/>
+                      <a:prstDash val="solid"/>
+                    </a:lnTlToBr>
+                    <a:lnBlToTr w="12700" cmpd="sng">
+                      <a:noFill/>
+                      <a:prstDash val="solid"/>
+                    </a:lnBlToTr>
+                    <a:solidFill>
+                      <a:schemeClr val="bg1">
+                        <a:lumMod val="95000"/>
+                      </a:schemeClr>
+                    </a:solidFill>
+                  </a:tcPr>
+                </a:tc>
+              </a:tr>
+            </a:tbl>
+          </a:graphicData>
+        </a:graphic>
+      </p:graphicFrame>
+      <p:sp>
+        <p:nvSpPr>
+          <p:cNvPr id="28" name="云形 27"/>
+          <p:cNvSpPr/>
+          <p:nvPr/>
+        </p:nvSpPr>
+        <p:spPr>
+          <a:xfrm>
+            <a:off x="1698458" y="2855493"/>
+            <a:ext cx="1348154" cy="738554"/>
+          </a:xfrm>
+          <a:prstGeom prst="cloud">
+            <a:avLst/>
+          </a:prstGeom>
+          <a:solidFill>
+            <a:schemeClr val="accent2"/>
+          </a:solidFill>
+          <a:ln>
+            <a:noFill/>
+          </a:ln>
+        </p:spPr>
+        <p:style>
+          <a:lnRef idx="2">
+            <a:schemeClr val="accent1">
+              <a:shade val="50000"/>
+            </a:schemeClr>
+          </a:lnRef>
+          <a:fillRef idx="1">
+            <a:schemeClr val="accent1"/>
+          </a:fillRef>
+          <a:effectRef idx="0">
+            <a:schemeClr val="accent1"/>
+          </a:effectRef>
+          <a:fontRef idx="minor">
+            <a:schemeClr val="lt1"/>
+          </a:fontRef>
+        </p:style>
+        <p:txBody>
+          <a:bodyPr rtlCol="0" anchor="ctr"/>
+          <a:lstStyle/>
+          <a:p>
+            <a:pPr algn="ctr"/>
+            <a:r>
+              <a:rPr kumimoji="1" lang="zh-CN" altLang="en-US"/>
+              <a:t>集合</a:t>
+            </a:r>
+            <a:r>
+              <a:rPr kumimoji="1" lang="en-US" altLang="zh-CN"/>
+              <a:t>S1</a:t>
+            </a:r>
+            <a:endParaRPr kumimoji="1" lang="zh-CN" altLang="en-US"/>
+          </a:p>
+        </p:txBody>
+      </p:sp>
+      <p:sp>
+        <p:nvSpPr>
+          <p:cNvPr id="30" name="云形 29"/>
+          <p:cNvSpPr/>
+          <p:nvPr/>
+        </p:nvSpPr>
+        <p:spPr>
+          <a:xfrm>
+            <a:off x="5800658" y="2855493"/>
+            <a:ext cx="1348154" cy="738554"/>
+          </a:xfrm>
+          <a:prstGeom prst="cloud">
+            <a:avLst/>
+          </a:prstGeom>
+          <a:ln>
+            <a:noFill/>
+          </a:ln>
+        </p:spPr>
+        <p:style>
+          <a:lnRef idx="2">
+            <a:schemeClr val="accent1">
+              <a:shade val="50000"/>
+            </a:schemeClr>
+          </a:lnRef>
+          <a:fillRef idx="1">
+            <a:schemeClr val="accent1"/>
+          </a:fillRef>
+          <a:effectRef idx="0">
+            <a:schemeClr val="accent1"/>
+          </a:effectRef>
+          <a:fontRef idx="minor">
+            <a:schemeClr val="lt1"/>
+          </a:fontRef>
+        </p:style>
+        <p:txBody>
+          <a:bodyPr rtlCol="0" anchor="ctr"/>
+          <a:lstStyle/>
+          <a:p>
+            <a:pPr algn="ctr"/>
+            <a:r>
+              <a:rPr kumimoji="1" lang="zh-CN" altLang="en-US"/>
+              <a:t>集合</a:t>
+            </a:r>
+            <a:r>
+              <a:rPr kumimoji="1" lang="en-US" altLang="zh-CN"/>
+              <a:t>S2</a:t>
+            </a:r>
+            <a:endParaRPr kumimoji="1" lang="zh-CN" altLang="en-US"/>
+          </a:p>
+        </p:txBody>
+      </p:sp>
+      <p:grpSp>
+        <p:nvGrpSpPr>
+          <p:cNvPr id="32" name="组 31"/>
+          <p:cNvGrpSpPr/>
+          <p:nvPr/>
+        </p:nvGrpSpPr>
+        <p:grpSpPr>
+          <a:xfrm>
+            <a:off x="2780887" y="3732767"/>
+            <a:ext cx="360000" cy="461665"/>
+            <a:chOff x="4947138" y="1808258"/>
+            <a:chExt cx="360000" cy="461665"/>
+          </a:xfrm>
+        </p:grpSpPr>
+        <p:sp>
+          <p:nvSpPr>
+            <p:cNvPr id="33" name="椭圆 32"/>
+            <p:cNvSpPr/>
+            <p:nvPr/>
+          </p:nvSpPr>
+          <p:spPr>
+            <a:xfrm>
+              <a:off x="4947138" y="1887928"/>
+              <a:ext cx="360000" cy="360000"/>
+            </a:xfrm>
+            <a:prstGeom prst="ellipse">
+              <a:avLst/>
+            </a:prstGeom>
+            <a:solidFill>
+              <a:srgbClr val="00B050"/>
+            </a:solidFill>
+            <a:ln>
+              <a:noFill/>
+            </a:ln>
+          </p:spPr>
+          <p:style>
+            <a:lnRef idx="2">
+              <a:schemeClr val="accent1">
+                <a:shade val="50000"/>
+              </a:schemeClr>
+            </a:lnRef>
+            <a:fillRef idx="1">
+              <a:schemeClr val="accent1"/>
+            </a:fillRef>
+            <a:effectRef idx="0">
+              <a:schemeClr val="accent1"/>
+            </a:effectRef>
+            <a:fontRef idx="minor">
+              <a:schemeClr val="lt1"/>
+            </a:fontRef>
+          </p:style>
+          <p:txBody>
+            <a:bodyPr rtlCol="0" anchor="ctr"/>
+            <a:lstStyle/>
+            <a:p>
+              <a:pPr algn="ctr"/>
+              <a:endParaRPr kumimoji="1" lang="zh-CN" altLang="en-US"/>
+            </a:p>
+          </p:txBody>
+        </p:sp>
+        <p:sp>
+          <p:nvSpPr>
+            <p:cNvPr id="35" name="文本框 34"/>
+            <p:cNvSpPr txBox="1"/>
+            <p:nvPr/>
+          </p:nvSpPr>
+          <p:spPr>
+            <a:xfrm>
+              <a:off x="4952678" y="1808258"/>
+              <a:ext cx="343364" cy="461665"/>
+            </a:xfrm>
+            <a:prstGeom prst="rect">
+              <a:avLst/>
+            </a:prstGeom>
+            <a:noFill/>
+          </p:spPr>
+          <p:txBody>
+            <a:bodyPr wrap="none" rtlCol="0">
+              <a:spAutoFit/>
+            </a:bodyPr>
+            <a:lstStyle/>
+            <a:p>
+              <a:r>
+                <a:rPr kumimoji="1" lang="en-US" altLang="zh-CN" sz="2400">
+                  <a:solidFill>
+                    <a:schemeClr val="bg1"/>
+                  </a:solidFill>
+                </a:rPr>
+                <a:t>e</a:t>
+              </a:r>
+              <a:endParaRPr kumimoji="1" lang="zh-CN" altLang="en-US" sz="2400">
+                <a:solidFill>
+                  <a:schemeClr val="bg1"/>
+                </a:solidFill>
+              </a:endParaRPr>
+            </a:p>
+          </p:txBody>
+        </p:sp>
+      </p:grpSp>
+      <p:grpSp>
+        <p:nvGrpSpPr>
+          <p:cNvPr id="36" name="组 35"/>
+          <p:cNvGrpSpPr/>
+          <p:nvPr/>
+        </p:nvGrpSpPr>
+        <p:grpSpPr>
+          <a:xfrm>
+            <a:off x="5620658" y="3732767"/>
+            <a:ext cx="360000" cy="461665"/>
+            <a:chOff x="4947138" y="1808258"/>
+            <a:chExt cx="360000" cy="461665"/>
+          </a:xfrm>
+        </p:grpSpPr>
+        <p:sp>
+          <p:nvSpPr>
+            <p:cNvPr id="38" name="椭圆 37"/>
+            <p:cNvSpPr/>
+            <p:nvPr/>
+          </p:nvSpPr>
+          <p:spPr>
+            <a:xfrm>
+              <a:off x="4947138" y="1887928"/>
+              <a:ext cx="360000" cy="360000"/>
+            </a:xfrm>
+            <a:prstGeom prst="ellipse">
+              <a:avLst/>
+            </a:prstGeom>
+            <a:solidFill>
+              <a:srgbClr val="00B050"/>
+            </a:solidFill>
+            <a:ln>
+              <a:noFill/>
+            </a:ln>
+          </p:spPr>
+          <p:style>
+            <a:lnRef idx="2">
+              <a:schemeClr val="accent1">
+                <a:shade val="50000"/>
+              </a:schemeClr>
+            </a:lnRef>
+            <a:fillRef idx="1">
+              <a:schemeClr val="accent1"/>
+            </a:fillRef>
+            <a:effectRef idx="0">
+              <a:schemeClr val="accent1"/>
+            </a:effectRef>
+            <a:fontRef idx="minor">
+              <a:schemeClr val="lt1"/>
+            </a:fontRef>
+          </p:style>
+          <p:txBody>
+            <a:bodyPr rtlCol="0" anchor="ctr"/>
+            <a:lstStyle/>
+            <a:p>
+              <a:pPr algn="ctr"/>
+              <a:endParaRPr kumimoji="1" lang="zh-CN" altLang="en-US"/>
+            </a:p>
+          </p:txBody>
+        </p:sp>
+        <p:sp>
+          <p:nvSpPr>
+            <p:cNvPr id="39" name="文本框 38"/>
+            <p:cNvSpPr txBox="1"/>
+            <p:nvPr/>
+          </p:nvSpPr>
+          <p:spPr>
+            <a:xfrm>
+              <a:off x="4952678" y="1808258"/>
+              <a:ext cx="343364" cy="461665"/>
+            </a:xfrm>
+            <a:prstGeom prst="rect">
+              <a:avLst/>
+            </a:prstGeom>
+            <a:noFill/>
+          </p:spPr>
+          <p:txBody>
+            <a:bodyPr wrap="none" rtlCol="0">
+              <a:spAutoFit/>
+            </a:bodyPr>
+            <a:lstStyle/>
+            <a:p>
+              <a:r>
+                <a:rPr kumimoji="1" lang="en-US" altLang="zh-CN" sz="2400">
+                  <a:solidFill>
+                    <a:schemeClr val="bg1"/>
+                  </a:solidFill>
+                </a:rPr>
+                <a:t>e</a:t>
+              </a:r>
+              <a:endParaRPr kumimoji="1" lang="zh-CN" altLang="en-US" sz="2400">
+                <a:solidFill>
+                  <a:schemeClr val="bg1"/>
+                </a:solidFill>
+              </a:endParaRPr>
+            </a:p>
+          </p:txBody>
+        </p:sp>
+      </p:grpSp>
+      <p:cxnSp>
+        <p:nvCxnSpPr>
+          <p:cNvPr id="16" name="直线箭头连接符 15"/>
+          <p:cNvCxnSpPr/>
+          <p:nvPr/>
+        </p:nvCxnSpPr>
+        <p:spPr>
+          <a:xfrm>
+            <a:off x="2719010" y="3499491"/>
+            <a:ext cx="222100" cy="327832"/>
+          </a:xfrm>
+          <a:prstGeom prst="straightConnector1">
+            <a:avLst/>
+          </a:prstGeom>
+          <a:ln w="19050">
+            <a:solidFill>
+              <a:schemeClr val="tx1"/>
+            </a:solidFill>
+            <a:tailEnd type="triangle"/>
+          </a:ln>
+        </p:spPr>
+        <p:style>
+          <a:lnRef idx="1">
+            <a:schemeClr val="accent1"/>
+          </a:lnRef>
+          <a:fillRef idx="0">
+            <a:schemeClr val="accent1"/>
+          </a:fillRef>
+          <a:effectRef idx="0">
+            <a:schemeClr val="accent1"/>
+          </a:effectRef>
+          <a:fontRef idx="minor">
+            <a:schemeClr val="tx1"/>
+          </a:fontRef>
+        </p:style>
+      </p:cxnSp>
+      <p:cxnSp>
+        <p:nvCxnSpPr>
+          <p:cNvPr id="40" name="直线箭头连接符 39"/>
+          <p:cNvCxnSpPr/>
+          <p:nvPr/>
+        </p:nvCxnSpPr>
+        <p:spPr>
+          <a:xfrm flipH="1">
+            <a:off x="5889003" y="3514989"/>
+            <a:ext cx="165938" cy="327832"/>
+          </a:xfrm>
+          <a:prstGeom prst="straightConnector1">
+            <a:avLst/>
+          </a:prstGeom>
+          <a:ln w="19050">
+            <a:solidFill>
+              <a:schemeClr val="tx1"/>
+            </a:solidFill>
+            <a:tailEnd type="triangle"/>
+          </a:ln>
+        </p:spPr>
+        <p:style>
+          <a:lnRef idx="1">
+            <a:schemeClr val="accent1"/>
+          </a:lnRef>
+          <a:fillRef idx="0">
+            <a:schemeClr val="accent1"/>
+          </a:fillRef>
+          <a:effectRef idx="0">
+            <a:schemeClr val="accent1"/>
+          </a:effectRef>
+          <a:fontRef idx="minor">
+            <a:schemeClr val="tx1"/>
+          </a:fontRef>
+        </p:style>
+      </p:cxnSp>
+      <p:sp>
+        <p:nvSpPr>
+          <p:cNvPr id="41" name="圆角矩形 40"/>
+          <p:cNvSpPr/>
+          <p:nvPr/>
+        </p:nvSpPr>
+        <p:spPr>
+          <a:xfrm>
+            <a:off x="2013768" y="4499930"/>
+            <a:ext cx="360000" cy="360000"/>
+          </a:xfrm>
+          <a:prstGeom prst="roundRect">
+            <a:avLst/>
+          </a:prstGeom>
+          <a:solidFill>
+            <a:schemeClr val="accent2">
+              <a:lumMod val="60000"/>
+              <a:lumOff val="40000"/>
+            </a:schemeClr>
+          </a:solidFill>
+          <a:ln>
+            <a:noFill/>
+          </a:ln>
+        </p:spPr>
+        <p:style>
+          <a:lnRef idx="2">
+            <a:schemeClr val="accent1">
+              <a:shade val="50000"/>
+            </a:schemeClr>
+          </a:lnRef>
+          <a:fillRef idx="1">
+            <a:schemeClr val="accent1"/>
+          </a:fillRef>
+          <a:effectRef idx="0">
+            <a:schemeClr val="accent1"/>
+          </a:effectRef>
+          <a:fontRef idx="minor">
+            <a:schemeClr val="lt1"/>
+          </a:fontRef>
+        </p:style>
+        <p:txBody>
+          <a:bodyPr rtlCol="0" anchor="ctr"/>
+          <a:lstStyle/>
+          <a:p>
+            <a:pPr algn="ctr"/>
+            <a:r>
+              <a:rPr kumimoji="1" lang="en-US" altLang="zh-CN" sz="1200"/>
+              <a:t>h</a:t>
+            </a:r>
+            <a:r>
+              <a:rPr kumimoji="1" lang="en-US" altLang="zh-CN" sz="1200" baseline="-25000"/>
+              <a:t>1</a:t>
+            </a:r>
+            <a:endParaRPr kumimoji="1" lang="zh-CN" altLang="en-US" sz="1200" baseline="-25000"/>
+          </a:p>
+        </p:txBody>
+      </p:sp>
+      <p:sp>
+        <p:nvSpPr>
+          <p:cNvPr id="42" name="圆角矩形 41"/>
+          <p:cNvSpPr/>
+          <p:nvPr/>
+        </p:nvSpPr>
+        <p:spPr>
+          <a:xfrm>
+            <a:off x="2785370" y="4499930"/>
+            <a:ext cx="360000" cy="360000"/>
+          </a:xfrm>
+          <a:prstGeom prst="roundRect">
+            <a:avLst/>
+          </a:prstGeom>
+          <a:solidFill>
+            <a:schemeClr val="accent2">
+              <a:lumMod val="60000"/>
+              <a:lumOff val="40000"/>
+            </a:schemeClr>
+          </a:solidFill>
+          <a:ln>
+            <a:noFill/>
+          </a:ln>
+        </p:spPr>
+        <p:style>
+          <a:lnRef idx="2">
+            <a:schemeClr val="accent1">
+              <a:shade val="50000"/>
+            </a:schemeClr>
+          </a:lnRef>
+          <a:fillRef idx="1">
+            <a:schemeClr val="accent1"/>
+          </a:fillRef>
+          <a:effectRef idx="0">
+            <a:schemeClr val="accent1"/>
+          </a:effectRef>
+          <a:fontRef idx="minor">
+            <a:schemeClr val="lt1"/>
+          </a:fontRef>
+        </p:style>
+        <p:txBody>
+          <a:bodyPr rtlCol="0" anchor="ctr"/>
+          <a:lstStyle/>
+          <a:p>
+            <a:pPr algn="ctr"/>
+            <a:r>
+              <a:rPr kumimoji="1" lang="en-US" altLang="zh-CN" sz="1200"/>
+              <a:t>h</a:t>
+            </a:r>
+            <a:r>
+              <a:rPr kumimoji="1" lang="en-US" altLang="zh-CN" sz="1200" baseline="-25000"/>
+              <a:t>2</a:t>
+            </a:r>
+            <a:endParaRPr kumimoji="1" lang="zh-CN" altLang="en-US" sz="1200" baseline="-25000"/>
+          </a:p>
+        </p:txBody>
+      </p:sp>
+      <p:sp>
+        <p:nvSpPr>
+          <p:cNvPr id="43" name="圆角矩形 42"/>
+          <p:cNvSpPr/>
+          <p:nvPr/>
+        </p:nvSpPr>
+        <p:spPr>
+          <a:xfrm>
+            <a:off x="3556972" y="4499930"/>
+            <a:ext cx="360000" cy="360000"/>
+          </a:xfrm>
+          <a:prstGeom prst="roundRect">
+            <a:avLst/>
+          </a:prstGeom>
+          <a:solidFill>
+            <a:schemeClr val="accent2">
+              <a:lumMod val="60000"/>
+              <a:lumOff val="40000"/>
+            </a:schemeClr>
+          </a:solidFill>
+          <a:ln>
+            <a:noFill/>
+          </a:ln>
+        </p:spPr>
+        <p:style>
+          <a:lnRef idx="2">
+            <a:schemeClr val="accent1">
+              <a:shade val="50000"/>
+            </a:schemeClr>
+          </a:lnRef>
+          <a:fillRef idx="1">
+            <a:schemeClr val="accent1"/>
+          </a:fillRef>
+          <a:effectRef idx="0">
+            <a:schemeClr val="accent1"/>
+          </a:effectRef>
+          <a:fontRef idx="minor">
+            <a:schemeClr val="lt1"/>
+          </a:fontRef>
+        </p:style>
+        <p:txBody>
+          <a:bodyPr rtlCol="0" anchor="ctr"/>
+          <a:lstStyle/>
+          <a:p>
+            <a:pPr algn="ctr"/>
+            <a:r>
+              <a:rPr kumimoji="1" lang="en-US" altLang="zh-CN" sz="1200"/>
+              <a:t>h</a:t>
+            </a:r>
+            <a:r>
+              <a:rPr kumimoji="1" lang="en-US" altLang="zh-CN" sz="1200" baseline="-25000"/>
+              <a:t>3</a:t>
+            </a:r>
+            <a:endParaRPr kumimoji="1" lang="zh-CN" altLang="en-US" sz="1200" baseline="-25000"/>
+          </a:p>
+        </p:txBody>
+      </p:sp>
+      <p:sp>
+        <p:nvSpPr>
+          <p:cNvPr id="45" name="圆角矩形 44"/>
+          <p:cNvSpPr/>
+          <p:nvPr/>
+        </p:nvSpPr>
+        <p:spPr>
+          <a:xfrm>
+            <a:off x="5334617" y="4494190"/>
+            <a:ext cx="360000" cy="360000"/>
+          </a:xfrm>
+          <a:prstGeom prst="roundRect">
+            <a:avLst/>
+          </a:prstGeom>
+          <a:solidFill>
+            <a:schemeClr val="accent5"/>
+          </a:solidFill>
+          <a:ln>
+            <a:noFill/>
+          </a:ln>
+        </p:spPr>
+        <p:style>
+          <a:lnRef idx="2">
+            <a:schemeClr val="accent1">
+              <a:shade val="50000"/>
+            </a:schemeClr>
+          </a:lnRef>
+          <a:fillRef idx="1">
+            <a:schemeClr val="accent1"/>
+          </a:fillRef>
+          <a:effectRef idx="0">
+            <a:schemeClr val="accent1"/>
+          </a:effectRef>
+          <a:fontRef idx="minor">
+            <a:schemeClr val="lt1"/>
+          </a:fontRef>
+        </p:style>
+        <p:txBody>
+          <a:bodyPr rtlCol="0" anchor="ctr"/>
+          <a:lstStyle/>
+          <a:p>
+            <a:pPr algn="ctr"/>
+            <a:r>
+              <a:rPr kumimoji="1" lang="en-US" altLang="zh-CN" sz="1200"/>
+              <a:t>h</a:t>
+            </a:r>
+            <a:r>
+              <a:rPr kumimoji="1" lang="en-US" altLang="zh-CN" sz="1200" baseline="-25000"/>
+              <a:t>1</a:t>
+            </a:r>
+            <a:endParaRPr kumimoji="1" lang="zh-CN" altLang="en-US" sz="1200" baseline="-25000"/>
+          </a:p>
+        </p:txBody>
+      </p:sp>
+      <p:sp>
+        <p:nvSpPr>
+          <p:cNvPr id="46" name="圆角矩形 45"/>
+          <p:cNvSpPr/>
+          <p:nvPr/>
+        </p:nvSpPr>
+        <p:spPr>
+          <a:xfrm>
+            <a:off x="6106219" y="4494190"/>
+            <a:ext cx="360000" cy="360000"/>
+          </a:xfrm>
+          <a:prstGeom prst="roundRect">
+            <a:avLst/>
+          </a:prstGeom>
+          <a:solidFill>
+            <a:schemeClr val="accent5"/>
+          </a:solidFill>
+          <a:ln>
+            <a:noFill/>
+          </a:ln>
+        </p:spPr>
+        <p:style>
+          <a:lnRef idx="2">
+            <a:schemeClr val="accent1">
+              <a:shade val="50000"/>
+            </a:schemeClr>
+          </a:lnRef>
+          <a:fillRef idx="1">
+            <a:schemeClr val="accent1"/>
+          </a:fillRef>
+          <a:effectRef idx="0">
+            <a:schemeClr val="accent1"/>
+          </a:effectRef>
+          <a:fontRef idx="minor">
+            <a:schemeClr val="lt1"/>
+          </a:fontRef>
+        </p:style>
+        <p:txBody>
+          <a:bodyPr rtlCol="0" anchor="ctr"/>
+          <a:lstStyle/>
+          <a:p>
+            <a:pPr algn="ctr"/>
+            <a:r>
+              <a:rPr kumimoji="1" lang="en-US" altLang="zh-CN" sz="1200"/>
+              <a:t>h</a:t>
+            </a:r>
+            <a:r>
+              <a:rPr kumimoji="1" lang="en-US" altLang="zh-CN" sz="1200" baseline="-25000"/>
+              <a:t>2</a:t>
+            </a:r>
+            <a:endParaRPr kumimoji="1" lang="zh-CN" altLang="en-US" sz="1200" baseline="-25000"/>
+          </a:p>
+        </p:txBody>
+      </p:sp>
+      <p:sp>
+        <p:nvSpPr>
+          <p:cNvPr id="47" name="圆角矩形 46"/>
+          <p:cNvSpPr/>
+          <p:nvPr/>
+        </p:nvSpPr>
+        <p:spPr>
+          <a:xfrm>
+            <a:off x="6877821" y="4494190"/>
+            <a:ext cx="360000" cy="360000"/>
+          </a:xfrm>
+          <a:prstGeom prst="roundRect">
+            <a:avLst/>
+          </a:prstGeom>
+          <a:solidFill>
+            <a:schemeClr val="accent5"/>
+          </a:solidFill>
+          <a:ln>
+            <a:noFill/>
+          </a:ln>
+        </p:spPr>
+        <p:style>
+          <a:lnRef idx="2">
+            <a:schemeClr val="accent1">
+              <a:shade val="50000"/>
+            </a:schemeClr>
+          </a:lnRef>
+          <a:fillRef idx="1">
+            <a:schemeClr val="accent1"/>
+          </a:fillRef>
+          <a:effectRef idx="0">
+            <a:schemeClr val="accent1"/>
+          </a:effectRef>
+          <a:fontRef idx="minor">
+            <a:schemeClr val="lt1"/>
+          </a:fontRef>
+        </p:style>
+        <p:txBody>
+          <a:bodyPr rtlCol="0" anchor="ctr"/>
+          <a:lstStyle/>
+          <a:p>
+            <a:pPr algn="ctr"/>
+            <a:r>
+              <a:rPr kumimoji="1" lang="en-US" altLang="zh-CN" sz="1200"/>
+              <a:t>h</a:t>
+            </a:r>
+            <a:r>
+              <a:rPr kumimoji="1" lang="en-US" altLang="zh-CN" sz="1200" baseline="-25000"/>
+              <a:t>3</a:t>
+            </a:r>
+            <a:endParaRPr kumimoji="1" lang="zh-CN" altLang="en-US" sz="1200" baseline="-25000"/>
+          </a:p>
+        </p:txBody>
+      </p:sp>
+      <p:cxnSp>
+        <p:nvCxnSpPr>
+          <p:cNvPr id="51" name="直线箭头连接符 50"/>
+          <p:cNvCxnSpPr>
+            <a:stCxn id="35" idx="2"/>
+          </p:cNvCxnSpPr>
+          <p:nvPr/>
+        </p:nvCxnSpPr>
+        <p:spPr>
+          <a:xfrm flipH="1">
+            <a:off x="2193768" y="4194432"/>
+            <a:ext cx="764341" cy="299758"/>
+          </a:xfrm>
+          <a:prstGeom prst="straightConnector1">
+            <a:avLst/>
+          </a:prstGeom>
+          <a:ln w="19050">
+            <a:solidFill>
+              <a:schemeClr val="tx1"/>
+            </a:solidFill>
+            <a:tailEnd type="triangle"/>
+          </a:ln>
+        </p:spPr>
+        <p:style>
+          <a:lnRef idx="1">
+            <a:schemeClr val="accent1"/>
+          </a:lnRef>
+          <a:fillRef idx="0">
+            <a:schemeClr val="accent1"/>
+          </a:fillRef>
+          <a:effectRef idx="0">
+            <a:schemeClr val="accent1"/>
+          </a:effectRef>
+          <a:fontRef idx="minor">
+            <a:schemeClr val="tx1"/>
+          </a:fontRef>
+        </p:style>
+      </p:cxnSp>
+      <p:cxnSp>
+        <p:nvCxnSpPr>
+          <p:cNvPr id="52" name="直线箭头连接符 51"/>
+          <p:cNvCxnSpPr>
+            <a:stCxn id="35" idx="2"/>
+            <a:endCxn id="42" idx="0"/>
+          </p:cNvCxnSpPr>
+          <p:nvPr/>
+        </p:nvCxnSpPr>
+        <p:spPr>
+          <a:xfrm>
+            <a:off x="2958109" y="4194432"/>
+            <a:ext cx="7261" cy="305498"/>
+          </a:xfrm>
+          <a:prstGeom prst="straightConnector1">
+            <a:avLst/>
+          </a:prstGeom>
+          <a:ln w="19050">
+            <a:solidFill>
+              <a:schemeClr val="tx1"/>
+            </a:solidFill>
+            <a:tailEnd type="triangle"/>
+          </a:ln>
+        </p:spPr>
+        <p:style>
+          <a:lnRef idx="1">
+            <a:schemeClr val="accent1"/>
+          </a:lnRef>
+          <a:fillRef idx="0">
+            <a:schemeClr val="accent1"/>
+          </a:fillRef>
+          <a:effectRef idx="0">
+            <a:schemeClr val="accent1"/>
+          </a:effectRef>
+          <a:fontRef idx="minor">
+            <a:schemeClr val="tx1"/>
+          </a:fontRef>
+        </p:style>
+      </p:cxnSp>
+      <p:cxnSp>
+        <p:nvCxnSpPr>
+          <p:cNvPr id="55" name="直线箭头连接符 54"/>
+          <p:cNvCxnSpPr>
+            <a:endCxn id="43" idx="0"/>
+          </p:cNvCxnSpPr>
+          <p:nvPr/>
+        </p:nvCxnSpPr>
+        <p:spPr>
+          <a:xfrm>
+            <a:off x="2958109" y="4202558"/>
+            <a:ext cx="778863" cy="297372"/>
+          </a:xfrm>
+          <a:prstGeom prst="straightConnector1">
+            <a:avLst/>
+          </a:prstGeom>
+          <a:ln w="19050">
+            <a:solidFill>
+              <a:schemeClr val="tx1"/>
+            </a:solidFill>
+            <a:tailEnd type="triangle"/>
+          </a:ln>
+        </p:spPr>
+        <p:style>
+          <a:lnRef idx="1">
+            <a:schemeClr val="accent1"/>
+          </a:lnRef>
+          <a:fillRef idx="0">
+            <a:schemeClr val="accent1"/>
+          </a:fillRef>
+          <a:effectRef idx="0">
+            <a:schemeClr val="accent1"/>
+          </a:effectRef>
+          <a:fontRef idx="minor">
+            <a:schemeClr val="tx1"/>
+          </a:fontRef>
+        </p:style>
+      </p:cxnSp>
+      <p:cxnSp>
+        <p:nvCxnSpPr>
+          <p:cNvPr id="58" name="直线箭头连接符 57"/>
+          <p:cNvCxnSpPr>
+            <a:stCxn id="39" idx="2"/>
+            <a:endCxn id="46" idx="0"/>
+          </p:cNvCxnSpPr>
+          <p:nvPr/>
+        </p:nvCxnSpPr>
+        <p:spPr>
+          <a:xfrm>
+            <a:off x="5797880" y="4194432"/>
+            <a:ext cx="488339" cy="299758"/>
+          </a:xfrm>
+          <a:prstGeom prst="straightConnector1">
+            <a:avLst/>
+          </a:prstGeom>
+          <a:ln w="19050">
+            <a:solidFill>
+              <a:schemeClr val="tx1"/>
+            </a:solidFill>
+            <a:tailEnd type="triangle"/>
+          </a:ln>
+        </p:spPr>
+        <p:style>
+          <a:lnRef idx="1">
+            <a:schemeClr val="accent1"/>
+          </a:lnRef>
+          <a:fillRef idx="0">
+            <a:schemeClr val="accent1"/>
+          </a:fillRef>
+          <a:effectRef idx="0">
+            <a:schemeClr val="accent1"/>
+          </a:effectRef>
+          <a:fontRef idx="minor">
+            <a:schemeClr val="tx1"/>
+          </a:fontRef>
+        </p:style>
+      </p:cxnSp>
+      <p:cxnSp>
+        <p:nvCxnSpPr>
+          <p:cNvPr id="59" name="直线箭头连接符 58"/>
+          <p:cNvCxnSpPr>
+            <a:stCxn id="39" idx="2"/>
+            <a:endCxn id="45" idx="0"/>
+          </p:cNvCxnSpPr>
+          <p:nvPr/>
+        </p:nvCxnSpPr>
+        <p:spPr>
+          <a:xfrm flipH="1">
+            <a:off x="5514617" y="4194432"/>
+            <a:ext cx="283263" cy="299758"/>
+          </a:xfrm>
+          <a:prstGeom prst="straightConnector1">
+            <a:avLst/>
+          </a:prstGeom>
+          <a:ln w="19050">
+            <a:solidFill>
+              <a:schemeClr val="tx1"/>
+            </a:solidFill>
+            <a:tailEnd type="triangle"/>
+          </a:ln>
+        </p:spPr>
+        <p:style>
+          <a:lnRef idx="1">
+            <a:schemeClr val="accent1"/>
+          </a:lnRef>
+          <a:fillRef idx="0">
+            <a:schemeClr val="accent1"/>
+          </a:fillRef>
+          <a:effectRef idx="0">
+            <a:schemeClr val="accent1"/>
+          </a:effectRef>
+          <a:fontRef idx="minor">
+            <a:schemeClr val="tx1"/>
+          </a:fontRef>
+        </p:style>
+      </p:cxnSp>
+      <p:cxnSp>
+        <p:nvCxnSpPr>
+          <p:cNvPr id="60" name="直线箭头连接符 59"/>
+          <p:cNvCxnSpPr>
+            <a:stCxn id="39" idx="2"/>
+            <a:endCxn id="47" idx="0"/>
+          </p:cNvCxnSpPr>
+          <p:nvPr/>
+        </p:nvCxnSpPr>
+        <p:spPr>
+          <a:xfrm>
+            <a:off x="5797880" y="4194432"/>
+            <a:ext cx="1259941" cy="299758"/>
+          </a:xfrm>
+          <a:prstGeom prst="straightConnector1">
+            <a:avLst/>
+          </a:prstGeom>
+          <a:ln w="19050">
+            <a:solidFill>
+              <a:schemeClr val="tx1"/>
+            </a:solidFill>
+            <a:tailEnd type="triangle"/>
+          </a:ln>
+        </p:spPr>
+        <p:style>
+          <a:lnRef idx="1">
+            <a:schemeClr val="accent1"/>
+          </a:lnRef>
+          <a:fillRef idx="0">
+            <a:schemeClr val="accent1"/>
+          </a:fillRef>
+          <a:effectRef idx="0">
+            <a:schemeClr val="accent1"/>
+          </a:effectRef>
+          <a:fontRef idx="minor">
+            <a:schemeClr val="tx1"/>
+          </a:fontRef>
+        </p:style>
+      </p:cxnSp>
+      <p:cxnSp>
+        <p:nvCxnSpPr>
+          <p:cNvPr id="75" name="直线箭头连接符 74"/>
+          <p:cNvCxnSpPr>
+            <a:stCxn id="41" idx="2"/>
+          </p:cNvCxnSpPr>
+          <p:nvPr/>
+        </p:nvCxnSpPr>
+        <p:spPr>
+          <a:xfrm flipH="1">
+            <a:off x="1506354" y="4859930"/>
+            <a:ext cx="687414" cy="666867"/>
+          </a:xfrm>
+          <a:prstGeom prst="straightConnector1">
+            <a:avLst/>
+          </a:prstGeom>
+          <a:ln w="19050">
+            <a:solidFill>
+              <a:srgbClr val="FFC000"/>
+            </a:solidFill>
+            <a:tailEnd type="triangle"/>
+          </a:ln>
+        </p:spPr>
+        <p:style>
+          <a:lnRef idx="1">
+            <a:schemeClr val="accent1"/>
+          </a:lnRef>
+          <a:fillRef idx="0">
+            <a:schemeClr val="accent1"/>
+          </a:fillRef>
+          <a:effectRef idx="0">
+            <a:schemeClr val="accent1"/>
+          </a:effectRef>
+          <a:fontRef idx="minor">
+            <a:schemeClr val="tx1"/>
+          </a:fontRef>
+        </p:style>
+      </p:cxnSp>
+      <p:cxnSp>
+        <p:nvCxnSpPr>
+          <p:cNvPr id="78" name="直线箭头连接符 77"/>
+          <p:cNvCxnSpPr/>
+          <p:nvPr/>
+        </p:nvCxnSpPr>
+        <p:spPr>
+          <a:xfrm>
+            <a:off x="2958109" y="4860616"/>
+            <a:ext cx="1099453" cy="677661"/>
+          </a:xfrm>
+          <a:prstGeom prst="straightConnector1">
+            <a:avLst/>
+          </a:prstGeom>
+          <a:ln w="19050">
+            <a:solidFill>
+              <a:srgbClr val="FFC000"/>
+            </a:solidFill>
+            <a:tailEnd type="triangle"/>
+          </a:ln>
+        </p:spPr>
+        <p:style>
+          <a:lnRef idx="1">
+            <a:schemeClr val="accent1"/>
+          </a:lnRef>
+          <a:fillRef idx="0">
+            <a:schemeClr val="accent1"/>
+          </a:fillRef>
+          <a:effectRef idx="0">
+            <a:schemeClr val="accent1"/>
+          </a:effectRef>
+          <a:fontRef idx="minor">
+            <a:schemeClr val="tx1"/>
+          </a:fontRef>
+        </p:style>
+      </p:cxnSp>
+      <p:cxnSp>
+        <p:nvCxnSpPr>
+          <p:cNvPr id="81" name="直线箭头连接符 80"/>
+          <p:cNvCxnSpPr>
+            <a:stCxn id="43" idx="2"/>
+          </p:cNvCxnSpPr>
+          <p:nvPr/>
+        </p:nvCxnSpPr>
+        <p:spPr>
+          <a:xfrm>
+            <a:off x="3736972" y="4859930"/>
+            <a:ext cx="2808207" cy="666867"/>
+          </a:xfrm>
+          <a:prstGeom prst="straightConnector1">
+            <a:avLst/>
+          </a:prstGeom>
+          <a:ln w="19050">
+            <a:solidFill>
+              <a:srgbClr val="FFC000"/>
+            </a:solidFill>
+            <a:tailEnd type="triangle"/>
+          </a:ln>
+        </p:spPr>
+        <p:style>
+          <a:lnRef idx="1">
+            <a:schemeClr val="accent1"/>
+          </a:lnRef>
+          <a:fillRef idx="0">
+            <a:schemeClr val="accent1"/>
+          </a:fillRef>
+          <a:effectRef idx="0">
+            <a:schemeClr val="accent1"/>
+          </a:effectRef>
+          <a:fontRef idx="minor">
+            <a:schemeClr val="tx1"/>
+          </a:fontRef>
+        </p:style>
+      </p:cxnSp>
+      <p:cxnSp>
+        <p:nvCxnSpPr>
+          <p:cNvPr id="87" name="直线箭头连接符 86"/>
+          <p:cNvCxnSpPr>
+            <a:stCxn id="45" idx="2"/>
+          </p:cNvCxnSpPr>
+          <p:nvPr/>
+        </p:nvCxnSpPr>
+        <p:spPr>
+          <a:xfrm flipH="1">
+            <a:off x="2951949" y="4854190"/>
+            <a:ext cx="2562668" cy="678347"/>
+          </a:xfrm>
+          <a:prstGeom prst="straightConnector1">
+            <a:avLst/>
+          </a:prstGeom>
+          <a:ln w="19050">
+            <a:solidFill>
+              <a:srgbClr val="00B0F0"/>
+            </a:solidFill>
+            <a:tailEnd type="triangle"/>
+          </a:ln>
+        </p:spPr>
+        <p:style>
+          <a:lnRef idx="1">
+            <a:schemeClr val="accent1"/>
+          </a:lnRef>
+          <a:fillRef idx="0">
+            <a:schemeClr val="accent1"/>
+          </a:fillRef>
+          <a:effectRef idx="0">
+            <a:schemeClr val="accent1"/>
+          </a:effectRef>
+          <a:fontRef idx="minor">
+            <a:schemeClr val="tx1"/>
+          </a:fontRef>
+        </p:style>
+      </p:cxnSp>
+      <p:cxnSp>
+        <p:nvCxnSpPr>
+          <p:cNvPr id="90" name="直线箭头连接符 89"/>
+          <p:cNvCxnSpPr>
+            <a:stCxn id="46" idx="2"/>
+          </p:cNvCxnSpPr>
+          <p:nvPr/>
+        </p:nvCxnSpPr>
+        <p:spPr>
+          <a:xfrm flipH="1">
+            <a:off x="4057562" y="4854190"/>
+            <a:ext cx="2228657" cy="678347"/>
+          </a:xfrm>
+          <a:prstGeom prst="straightConnector1">
+            <a:avLst/>
+          </a:prstGeom>
+          <a:ln w="19050">
+            <a:solidFill>
+              <a:srgbClr val="00B0F0"/>
+            </a:solidFill>
+            <a:tailEnd type="triangle"/>
+          </a:ln>
+        </p:spPr>
+        <p:style>
+          <a:lnRef idx="1">
+            <a:schemeClr val="accent1"/>
+          </a:lnRef>
+          <a:fillRef idx="0">
+            <a:schemeClr val="accent1"/>
+          </a:fillRef>
+          <a:effectRef idx="0">
+            <a:schemeClr val="accent1"/>
+          </a:effectRef>
+          <a:fontRef idx="minor">
+            <a:schemeClr val="tx1"/>
+          </a:fontRef>
+        </p:style>
+      </p:cxnSp>
+      <p:cxnSp>
+        <p:nvCxnSpPr>
+          <p:cNvPr id="93" name="直线箭头连接符 92"/>
+          <p:cNvCxnSpPr>
+            <a:stCxn id="47" idx="2"/>
+          </p:cNvCxnSpPr>
+          <p:nvPr/>
+        </p:nvCxnSpPr>
+        <p:spPr>
+          <a:xfrm>
+            <a:off x="7057821" y="4854190"/>
+            <a:ext cx="234441" cy="671921"/>
+          </a:xfrm>
+          <a:prstGeom prst="straightConnector1">
+            <a:avLst/>
+          </a:prstGeom>
+          <a:ln w="19050">
+            <a:solidFill>
+              <a:srgbClr val="00B0F0"/>
+            </a:solidFill>
+            <a:tailEnd type="triangle"/>
+          </a:ln>
+        </p:spPr>
+        <p:style>
+          <a:lnRef idx="1">
+            <a:schemeClr val="accent1"/>
+          </a:lnRef>
+          <a:fillRef idx="0">
+            <a:schemeClr val="accent1"/>
+          </a:fillRef>
+          <a:effectRef idx="0">
+            <a:schemeClr val="accent1"/>
+          </a:effectRef>
+          <a:fontRef idx="minor">
+            <a:schemeClr val="tx1"/>
+          </a:fontRef>
+        </p:style>
+      </p:cxnSp>
+      <p:sp>
+        <p:nvSpPr>
+          <p:cNvPr id="96" name="矩形 95"/>
+          <p:cNvSpPr/>
+          <p:nvPr/>
+        </p:nvSpPr>
+        <p:spPr>
+          <a:xfrm>
+            <a:off x="3854450" y="5708650"/>
+            <a:ext cx="352425" cy="177461"/>
+          </a:xfrm>
+          <a:prstGeom prst="rect">
+            <a:avLst/>
+          </a:prstGeom>
+          <a:solidFill>
+            <a:srgbClr val="00B0F0"/>
+          </a:solidFill>
+        </p:spPr>
+        <p:style>
+          <a:lnRef idx="2">
+            <a:schemeClr val="accent1">
+              <a:shade val="50000"/>
+            </a:schemeClr>
+          </a:lnRef>
+          <a:fillRef idx="1">
+            <a:schemeClr val="accent1"/>
+          </a:fillRef>
+          <a:effectRef idx="0">
+            <a:schemeClr val="accent1"/>
+          </a:effectRef>
+          <a:fontRef idx="minor">
+            <a:schemeClr val="lt1"/>
+          </a:fontRef>
+        </p:style>
+        <p:txBody>
+          <a:bodyPr rtlCol="0" anchor="ctr"/>
+          <a:lstStyle/>
+          <a:p>
+            <a:pPr algn="ctr"/>
+            <a:endParaRPr kumimoji="1" lang="zh-CN" altLang="en-US"/>
+          </a:p>
+        </p:txBody>
+      </p:sp>
+    </p:spTree>
+    <p:extLst>
+      <p:ext uri="{BB962C8B-B14F-4D97-AF65-F5344CB8AC3E}">
+        <p14:creationId xmlns:p14="http://schemas.microsoft.com/office/powerpoint/2010/main" val="298623580"/>
+      </p:ext>
+    </p:extLst>
+  </p:cSld>
+  <p:clrMapOvr>
+    <a:masterClrMapping/>
+  </p:clrMapOvr>
+  <p:timing>
+    <p:tnLst>
+      <p:par>
+        <p:cTn id="1" dur="indefinite" restart="never" nodeType="tmRoot"/>
+      </p:par>
+    </p:tnLst>
+  </p:timing>
+</p:sld>
+</file>
+
 <file path=ppt/slides/slide2.xml><?xml version="1.0" encoding="utf-8"?>
 <p:sld xmlns:a="http://schemas.openxmlformats.org/drawingml/2006/main" xmlns:r="http://schemas.openxmlformats.org/officeDocument/2006/relationships" xmlns:p="http://schemas.openxmlformats.org/presentationml/2006/main">
   <p:cSld>

--- a/常见sketch算法.pptx
+++ b/常见sketch算法.pptx
@@ -7,10 +7,10 @@
     <p:sldMasterId id="2147483677" r:id="rId3"/>
   </p:sldMasterIdLst>
   <p:notesMasterIdLst>
-    <p:notesMasterId r:id="rId15"/>
+    <p:notesMasterId r:id="rId16"/>
   </p:notesMasterIdLst>
   <p:handoutMasterIdLst>
-    <p:handoutMasterId r:id="rId16"/>
+    <p:handoutMasterId r:id="rId17"/>
   </p:handoutMasterIdLst>
   <p:sldIdLst>
     <p:sldId id="256" r:id="rId4"/>
@@ -24,6 +24,7 @@
     <p:sldId id="264" r:id="rId12"/>
     <p:sldId id="266" r:id="rId13"/>
     <p:sldId id="267" r:id="rId14"/>
+    <p:sldId id="268" r:id="rId15"/>
   </p:sldIdLst>
   <p:sldSz cx="9144000" cy="6858000" type="screen4x3"/>
   <p:notesSz cx="6858000" cy="9144000"/>
@@ -211,7 +212,7 @@
           </a:lstStyle>
           <a:p>
             <a:fld id="{19916743-7912-8146-882A-8588933F35F2}" type="datetimeFigureOut">
-              <a:t>2019/3/2</a:t>
+              <a:t>2019/3/3</a:t>
             </a:fld>
             <a:endParaRPr kumimoji="1" lang="zh-CN" altLang="en-US"/>
           </a:p>
@@ -374,7 +375,7 @@
           </a:lstStyle>
           <a:p>
             <a:fld id="{B8E88009-6766-1C47-BDD7-F497769F194E}" type="datetimeFigureOut">
-              <a:t>2019/3/2</a:t>
+              <a:t>2019/3/3</a:t>
             </a:fld>
             <a:endParaRPr kumimoji="1" lang="zh-CN" altLang="en-US"/>
           </a:p>
@@ -799,6 +800,90 @@
     <p:extLst>
       <p:ext uri="{BB962C8B-B14F-4D97-AF65-F5344CB8AC3E}">
         <p14:creationId xmlns:p14="http://schemas.microsoft.com/office/powerpoint/2010/main" val="297226021"/>
+      </p:ext>
+    </p:extLst>
+  </p:cSld>
+  <p:clrMapOvr>
+    <a:masterClrMapping/>
+  </p:clrMapOvr>
+</p:notes>
+</file>
+
+<file path=ppt/notesSlides/notesSlide3.xml><?xml version="1.0" encoding="utf-8"?>
+<p:notes xmlns:a="http://schemas.openxmlformats.org/drawingml/2006/main" xmlns:r="http://schemas.openxmlformats.org/officeDocument/2006/relationships" xmlns:p="http://schemas.openxmlformats.org/presentationml/2006/main">
+  <p:cSld>
+    <p:spTree>
+      <p:nvGrpSpPr>
+        <p:cNvPr id="1" name=""/>
+        <p:cNvGrpSpPr/>
+        <p:nvPr/>
+      </p:nvGrpSpPr>
+      <p:grpSpPr>
+        <a:xfrm>
+          <a:off x="0" y="0"/>
+          <a:ext cx="0" cy="0"/>
+          <a:chOff x="0" y="0"/>
+          <a:chExt cx="0" cy="0"/>
+        </a:xfrm>
+      </p:grpSpPr>
+      <p:sp>
+        <p:nvSpPr>
+          <p:cNvPr id="2" name="幻灯片图像占位符 1"/>
+          <p:cNvSpPr>
+            <a:spLocks noGrp="1" noRot="1" noChangeAspect="1"/>
+          </p:cNvSpPr>
+          <p:nvPr>
+            <p:ph type="sldImg"/>
+          </p:nvPr>
+        </p:nvSpPr>
+        <p:spPr/>
+      </p:sp>
+      <p:sp>
+        <p:nvSpPr>
+          <p:cNvPr id="3" name="备注占位符 2"/>
+          <p:cNvSpPr>
+            <a:spLocks noGrp="1"/>
+          </p:cNvSpPr>
+          <p:nvPr>
+            <p:ph type="body" idx="1"/>
+          </p:nvPr>
+        </p:nvSpPr>
+        <p:spPr/>
+        <p:txBody>
+          <a:bodyPr/>
+          <a:lstStyle/>
+          <a:p>
+            <a:endParaRPr kumimoji="1" lang="zh-CN" altLang="en-US"/>
+          </a:p>
+        </p:txBody>
+      </p:sp>
+      <p:sp>
+        <p:nvSpPr>
+          <p:cNvPr id="4" name="幻灯片编号占位符 3"/>
+          <p:cNvSpPr>
+            <a:spLocks noGrp="1"/>
+          </p:cNvSpPr>
+          <p:nvPr>
+            <p:ph type="sldNum" sz="quarter" idx="10"/>
+          </p:nvPr>
+        </p:nvSpPr>
+        <p:spPr/>
+        <p:txBody>
+          <a:bodyPr/>
+          <a:lstStyle/>
+          <a:p>
+            <a:fld id="{0584BD34-D176-C348-8AB0-78FD87C6D9AC}" type="slidenum">
+              <a:rPr lang="uk-UA"/>
+              <a:t>12</a:t>
+            </a:fld>
+            <a:endParaRPr kumimoji="1" lang="uk-UA" altLang="zh-CN"/>
+          </a:p>
+        </p:txBody>
+      </p:sp>
+    </p:spTree>
+    <p:extLst>
+      <p:ext uri="{BB962C8B-B14F-4D97-AF65-F5344CB8AC3E}">
+        <p14:creationId xmlns:p14="http://schemas.microsoft.com/office/powerpoint/2010/main" val="1613198979"/>
       </p:ext>
     </p:extLst>
   </p:cSld>
@@ -1527,7 +1612,7 @@
           </a:lstStyle>
           <a:p>
             <a:fld id="{47FC5E05-805F-874C-AAD4-345962CC2E75}" type="datetimeFigureOut">
-              <a:t>2019/3/2</a:t>
+              <a:t>2019/3/3</a:t>
             </a:fld>
             <a:endParaRPr kumimoji="1" lang="zh-CN" altLang="en-US"/>
           </a:p>
@@ -2053,7 +2138,7 @@
           </a:lstStyle>
           <a:p>
             <a:fld id="{D030A662-2711-4648-B529-91799B66188F}" type="datetimeFigureOut">
-              <a:t>2019/3/2</a:t>
+              <a:t>2019/3/3</a:t>
             </a:fld>
             <a:endParaRPr kumimoji="1" lang="zh-CN" altLang="en-US"/>
           </a:p>
@@ -2579,7 +2664,7 @@
           </a:lstStyle>
           <a:p>
             <a:fld id="{C1AE3D7B-A854-A645-BEE3-3BB7EDC54EED}" type="datetimeFigureOut">
-              <a:t>2019/3/2</a:t>
+              <a:t>2019/3/3</a:t>
             </a:fld>
             <a:endParaRPr kumimoji="1" lang="zh-CN" altLang="en-US"/>
           </a:p>
@@ -7209,7 +7294,6 @@
               <a:rPr kumimoji="1" lang="zh-CN" altLang="en-US" sz="1050"/>
               <a:t> </a:t>
             </a:r>
-            <a:endParaRPr kumimoji="1" lang="zh-CN" altLang="en-US" sz="1050"/>
           </a:p>
         </p:txBody>
       </p:sp>
@@ -8011,11 +8095,7 @@
             </a:pPr>
             <a:r>
               <a:rPr kumimoji="1" lang="zh-CN" altLang="en-US" sz="2000"/>
-              <a:t>改进：</a:t>
-            </a:r>
-            <a:r>
-              <a:rPr kumimoji="1" lang="zh-CN" altLang="en-US" sz="2000"/>
-              <a:t>用不同的</a:t>
+              <a:t>改进：用不同的</a:t>
             </a:r>
             <a:r>
               <a:rPr kumimoji="1" lang="en-US" altLang="zh-CN" sz="2000"/>
@@ -8108,11 +8188,7 @@
             </a:pPr>
             <a:r>
               <a:rPr kumimoji="1" lang="zh-CN" altLang="en-US" sz="1600"/>
-              <a:t>也可以</a:t>
-            </a:r>
-            <a:r>
-              <a:rPr kumimoji="1" lang="zh-CN" altLang="en-US" sz="1600"/>
-              <a:t>利用</a:t>
+              <a:t>也可以利用</a:t>
             </a:r>
             <a:r>
               <a:rPr kumimoji="1" lang="en-US" altLang="zh-CN" sz="1600"/>
@@ -8144,11 +8220,7 @@
             </a:r>
             <a:r>
               <a:rPr kumimoji="1" lang="zh-CN" altLang="en-US" sz="1600"/>
-              <a:t>函数组表示</a:t>
-            </a:r>
-            <a:r>
-              <a:rPr kumimoji="1" lang="zh-CN" altLang="en-US" sz="1600"/>
-              <a:t>集合</a:t>
+              <a:t>函数组表示集合</a:t>
             </a:r>
             <a:r>
               <a:rPr kumimoji="1" lang="en-US" altLang="zh-CN" sz="1600"/>
@@ -10635,6 +10707,173 @@
     <p:extLst>
       <p:ext uri="{BB962C8B-B14F-4D97-AF65-F5344CB8AC3E}">
         <p14:creationId xmlns:p14="http://schemas.microsoft.com/office/powerpoint/2010/main" val="298623580"/>
+      </p:ext>
+    </p:extLst>
+  </p:cSld>
+  <p:clrMapOvr>
+    <a:masterClrMapping/>
+  </p:clrMapOvr>
+  <p:timing>
+    <p:tnLst>
+      <p:par>
+        <p:cTn id="1" dur="indefinite" restart="never" nodeType="tmRoot"/>
+      </p:par>
+    </p:tnLst>
+  </p:timing>
+</p:sld>
+</file>
+
+<file path=ppt/slides/slide12.xml><?xml version="1.0" encoding="utf-8"?>
+<p:sld xmlns:a="http://schemas.openxmlformats.org/drawingml/2006/main" xmlns:r="http://schemas.openxmlformats.org/officeDocument/2006/relationships" xmlns:p="http://schemas.openxmlformats.org/presentationml/2006/main">
+  <p:cSld>
+    <p:spTree>
+      <p:nvGrpSpPr>
+        <p:cNvPr id="1" name=""/>
+        <p:cNvGrpSpPr/>
+        <p:nvPr/>
+      </p:nvGrpSpPr>
+      <p:grpSpPr>
+        <a:xfrm>
+          <a:off x="0" y="0"/>
+          <a:ext cx="0" cy="0"/>
+          <a:chOff x="0" y="0"/>
+          <a:chExt cx="0" cy="0"/>
+        </a:xfrm>
+      </p:grpSpPr>
+      <p:sp>
+        <p:nvSpPr>
+          <p:cNvPr id="2" name="标题 1"/>
+          <p:cNvSpPr>
+            <a:spLocks noGrp="1"/>
+          </p:cNvSpPr>
+          <p:nvPr>
+            <p:ph type="title"/>
+          </p:nvPr>
+        </p:nvSpPr>
+        <p:spPr/>
+        <p:txBody>
+          <a:bodyPr/>
+          <a:lstStyle/>
+          <a:p>
+            <a:r>
+              <a:rPr kumimoji="1" lang="en-US" altLang="zh-CN"/>
+              <a:t>Cuckoo</a:t>
+            </a:r>
+            <a:r>
+              <a:rPr kumimoji="1" lang="zh-CN" altLang="en-US"/>
+              <a:t> </a:t>
+            </a:r>
+            <a:r>
+              <a:rPr kumimoji="1" lang="en-US" altLang="zh-CN"/>
+              <a:t>filter</a:t>
+            </a:r>
+            <a:endParaRPr kumimoji="1" lang="zh-CN" altLang="en-US"/>
+          </a:p>
+        </p:txBody>
+      </p:sp>
+      <p:sp>
+        <p:nvSpPr>
+          <p:cNvPr id="4" name="内容占位符 2"/>
+          <p:cNvSpPr>
+            <a:spLocks noGrp="1"/>
+          </p:cNvSpPr>
+          <p:nvPr>
+            <p:ph idx="1"/>
+          </p:nvPr>
+        </p:nvSpPr>
+        <p:spPr>
+          <a:xfrm>
+            <a:off x="358774" y="1142659"/>
+            <a:ext cx="9188637" cy="6360800"/>
+          </a:xfrm>
+        </p:spPr>
+        <p:txBody>
+          <a:bodyPr>
+            <a:normAutofit/>
+          </a:bodyPr>
+          <a:lstStyle/>
+          <a:p>
+            <a:pPr>
+              <a:spcBef>
+                <a:spcPts val="0"/>
+              </a:spcBef>
+              <a:defRPr/>
+            </a:pPr>
+            <a:r>
+              <a:rPr kumimoji="1" lang="zh-CN" altLang="en-US" sz="2000"/>
+              <a:t>作用：</a:t>
+            </a:r>
+            <a:r>
+              <a:rPr kumimoji="1" lang="zh-CN" altLang="en-US" sz="2000"/>
+              <a:t>单</a:t>
+            </a:r>
+            <a:r>
+              <a:rPr kumimoji="1" lang="zh-CN" altLang="en-US" sz="2000"/>
+              <a:t>集合元素存在性查询</a:t>
+            </a:r>
+            <a:endParaRPr kumimoji="1" lang="en-US" altLang="zh-CN" sz="2000"/>
+          </a:p>
+          <a:p>
+            <a:pPr>
+              <a:spcBef>
+                <a:spcPts val="0"/>
+              </a:spcBef>
+              <a:defRPr/>
+            </a:pPr>
+            <a:r>
+              <a:rPr kumimoji="1" lang="zh-CN" altLang="en-US" sz="2000"/>
+              <a:t>方法：存储部分元素</a:t>
+            </a:r>
+            <a:r>
+              <a:rPr kumimoji="1" lang="en-US" altLang="zh-CN" sz="2000"/>
+              <a:t>ID</a:t>
+            </a:r>
+            <a:r>
+              <a:rPr kumimoji="1" lang="zh-CN" altLang="en-US" sz="2000"/>
+              <a:t>（</a:t>
+            </a:r>
+            <a:r>
+              <a:rPr kumimoji="1" lang="en-US" altLang="zh-CN" sz="2000"/>
+              <a:t>partial</a:t>
+            </a:r>
+            <a:r>
+              <a:rPr kumimoji="1" lang="zh-CN" altLang="en-US" sz="2000"/>
+              <a:t> </a:t>
+            </a:r>
+            <a:r>
+              <a:rPr kumimoji="1" lang="en-US" altLang="zh-CN" sz="2000"/>
+              <a:t>ID</a:t>
+            </a:r>
+            <a:r>
+              <a:rPr kumimoji="1" lang="zh-CN" altLang="en-US" sz="2000"/>
+              <a:t>）</a:t>
+            </a:r>
+            <a:endParaRPr kumimoji="1" lang="en-US" altLang="zh-CN" sz="2000"/>
+          </a:p>
+          <a:p>
+            <a:pPr>
+              <a:spcBef>
+                <a:spcPts val="0"/>
+              </a:spcBef>
+              <a:defRPr/>
+            </a:pPr>
+            <a:endParaRPr kumimoji="1" lang="en-US" altLang="zh-CN" sz="2000"/>
+          </a:p>
+          <a:p>
+            <a:pPr>
+              <a:spcBef>
+                <a:spcPts val="0"/>
+              </a:spcBef>
+              <a:defRPr/>
+            </a:pPr>
+            <a:endParaRPr kumimoji="1" lang="en-US" altLang="zh-CN" sz="2000"/>
+          </a:p>
+        </p:txBody>
+      </p:sp>
+    </p:spTree>
+    <p:extLst>
+      <p:ext uri="{BB962C8B-B14F-4D97-AF65-F5344CB8AC3E}">
+        <p14:creationId xmlns:p14="http://schemas.microsoft.com/office/powerpoint/2010/main" val="1176248002"/>
       </p:ext>
     </p:extLst>
   </p:cSld>

--- a/常见sketch算法.pptx
+++ b/常见sketch算法.pptx
@@ -7,10 +7,10 @@
     <p:sldMasterId id="2147483677" r:id="rId3"/>
   </p:sldMasterIdLst>
   <p:notesMasterIdLst>
-    <p:notesMasterId r:id="rId28"/>
+    <p:notesMasterId r:id="rId29"/>
   </p:notesMasterIdLst>
   <p:handoutMasterIdLst>
-    <p:handoutMasterId r:id="rId29"/>
+    <p:handoutMasterId r:id="rId30"/>
   </p:handoutMasterIdLst>
   <p:sldIdLst>
     <p:sldId id="256" r:id="rId4"/>
@@ -37,6 +37,7 @@
     <p:sldId id="279" r:id="rId25"/>
     <p:sldId id="280" r:id="rId26"/>
     <p:sldId id="281" r:id="rId27"/>
+    <p:sldId id="282" r:id="rId28"/>
   </p:sldIdLst>
   <p:sldSz cx="9144000" cy="6858000" type="screen4x3"/>
   <p:notesSz cx="6858000" cy="9144000"/>
@@ -224,7 +225,7 @@
           </a:lstStyle>
           <a:p>
             <a:fld id="{19916743-7912-8146-882A-8588933F35F2}" type="datetimeFigureOut">
-              <a:t>3/15/19</a:t>
+              <a:t>2019/3/15</a:t>
             </a:fld>
             <a:endParaRPr kumimoji="1" lang="zh-CN" altLang="en-US"/>
           </a:p>
@@ -392,7 +393,7 @@
           </a:lstStyle>
           <a:p>
             <a:fld id="{B8E88009-6766-1C47-BDD7-F497769F194E}" type="datetimeFigureOut">
-              <a:t>3/15/19</a:t>
+              <a:t>2019/3/15</a:t>
             </a:fld>
             <a:endParaRPr kumimoji="1" lang="zh-CN" altLang="en-US"/>
           </a:p>
@@ -2024,7 +2025,7 @@
           </a:lstStyle>
           <a:p>
             <a:fld id="{47FC5E05-805F-874C-AAD4-345962CC2E75}" type="datetimeFigureOut">
-              <a:t>3/15/19</a:t>
+              <a:t>2019/3/15</a:t>
             </a:fld>
             <a:endParaRPr kumimoji="1" lang="zh-CN" altLang="en-US"/>
           </a:p>
@@ -2550,7 +2551,7 @@
           </a:lstStyle>
           <a:p>
             <a:fld id="{D030A662-2711-4648-B529-91799B66188F}" type="datetimeFigureOut">
-              <a:t>3/15/19</a:t>
+              <a:t>2019/3/15</a:t>
             </a:fld>
             <a:endParaRPr kumimoji="1" lang="zh-CN" altLang="en-US"/>
           </a:p>
@@ -3076,7 +3077,7 @@
           </a:lstStyle>
           <a:p>
             <a:fld id="{C1AE3D7B-A854-A645-BEE3-3BB7EDC54EED}" type="datetimeFigureOut">
-              <a:t>3/15/19</a:t>
+              <a:t>2019/3/15</a:t>
             </a:fld>
             <a:endParaRPr kumimoji="1" lang="zh-CN" altLang="en-US"/>
           </a:p>
@@ -5703,15 +5704,7 @@
             </a:pPr>
             <a:r>
               <a:rPr kumimoji="1" lang="zh-CN" altLang="en-US" sz="2000"/>
-              <a:t>作用：</a:t>
-            </a:r>
-            <a:r>
-              <a:rPr kumimoji="1" lang="zh-CN" altLang="en-US" sz="2000"/>
-              <a:t>精确</a:t>
-            </a:r>
-            <a:r>
-              <a:rPr kumimoji="1" lang="zh-CN" altLang="en-US" sz="2000"/>
-              <a:t>记录</a:t>
+              <a:t>作用：精确记录</a:t>
             </a:r>
             <a:r>
               <a:rPr kumimoji="1" lang="en-US" altLang="zh-CN" sz="2000"/>
@@ -5858,11 +5851,7 @@
             </a:r>
             <a:r>
               <a:rPr kumimoji="1" lang="zh-CN" altLang="en-US" sz="2000"/>
-              <a:t>值定义一个顺序</a:t>
-            </a:r>
-            <a:r>
-              <a:rPr kumimoji="1" lang="zh-CN" altLang="en-US" sz="2000"/>
-              <a:t>，记</a:t>
+              <a:t>值定义一个顺序，记</a:t>
             </a:r>
             <a:r>
               <a:rPr kumimoji="1" lang="en-US" altLang="zh-CN" sz="2000"/>
@@ -5911,11 +5900,7 @@
             </a:r>
             <a:r>
               <a:rPr kumimoji="1" lang="en-US" altLang="zh-CN" sz="1400"/>
-              <a:t>T</a:t>
-            </a:r>
-            <a:r>
-              <a:rPr kumimoji="1" lang="en-US" altLang="zh-CN" sz="1400"/>
-              <a:t>(key1)</a:t>
+              <a:t>T(key1)</a:t>
             </a:r>
             <a:r>
               <a:rPr kumimoji="1" lang="zh-CN" altLang="en-US" sz="1400"/>
@@ -8469,11 +8454,7 @@
             </a:r>
             <a:r>
               <a:rPr kumimoji="1" lang="zh-CN" altLang="en-US" sz="2000"/>
-              <a:t>值定义一个顺序</a:t>
-            </a:r>
-            <a:r>
-              <a:rPr kumimoji="1" lang="zh-CN" altLang="en-US" sz="2000"/>
-              <a:t>，记</a:t>
+              <a:t>值定义一个顺序，记</a:t>
             </a:r>
             <a:r>
               <a:rPr kumimoji="1" lang="en-US" altLang="zh-CN" sz="2000"/>
@@ -8522,11 +8503,7 @@
             </a:r>
             <a:r>
               <a:rPr kumimoji="1" lang="en-US" altLang="zh-CN" sz="1400"/>
-              <a:t>T</a:t>
-            </a:r>
-            <a:r>
-              <a:rPr kumimoji="1" lang="en-US" altLang="zh-CN" sz="1400"/>
-              <a:t>(key1)</a:t>
+              <a:t>T(key1)</a:t>
             </a:r>
             <a:r>
               <a:rPr kumimoji="1" lang="zh-CN" altLang="en-US" sz="1400"/>
@@ -8762,11 +8739,7 @@
             </a:r>
             <a:r>
               <a:rPr kumimoji="1" lang="zh-CN" altLang="en-US" sz="1400"/>
-              <a:t>中</a:t>
-            </a:r>
-            <a:r>
-              <a:rPr kumimoji="1" lang="zh-CN" altLang="en-US" sz="1400"/>
-              <a:t>说明</a:t>
+              <a:t>中说明</a:t>
             </a:r>
             <a:r>
               <a:rPr kumimoji="1" lang="en-US" altLang="zh-CN" sz="1400"/>
@@ -10165,11 +10138,7 @@
             </a:r>
             <a:r>
               <a:rPr kumimoji="1" lang="zh-CN" altLang="en-US" sz="2000"/>
-              <a:t>值定义一个顺序</a:t>
-            </a:r>
-            <a:r>
-              <a:rPr kumimoji="1" lang="zh-CN" altLang="en-US" sz="2000"/>
-              <a:t>，记</a:t>
+              <a:t>值定义一个顺序，记</a:t>
             </a:r>
             <a:r>
               <a:rPr kumimoji="1" lang="en-US" altLang="zh-CN" sz="2000"/>
@@ -10218,11 +10187,7 @@
             </a:r>
             <a:r>
               <a:rPr kumimoji="1" lang="en-US" altLang="zh-CN" sz="1400"/>
-              <a:t>T</a:t>
-            </a:r>
-            <a:r>
-              <a:rPr kumimoji="1" lang="en-US" altLang="zh-CN" sz="1400"/>
-              <a:t>(key1)</a:t>
+              <a:t>T(key1)</a:t>
             </a:r>
             <a:r>
               <a:rPr kumimoji="1" lang="zh-CN" altLang="en-US" sz="1400"/>
@@ -11215,13 +11180,6 @@
               </a:rPr>
               <a:t>Some Other Work</a:t>
             </a:r>
-            <a:endParaRPr kumimoji="1" lang="en-US" altLang="zh-CN">
-              <a:solidFill>
-                <a:schemeClr val="bg1">
-                  <a:lumMod val="65000"/>
-                </a:schemeClr>
-              </a:solidFill>
-            </a:endParaRPr>
           </a:p>
           <a:p>
             <a:pPr>
@@ -13960,7 +13918,6 @@
               <a:rPr kumimoji="1" lang="en-US" altLang="zh-CN" sz="1800"/>
               <a:t>-1</a:t>
             </a:r>
-            <a:endParaRPr kumimoji="1" lang="en-US" altLang="zh-CN" sz="1800"/>
           </a:p>
           <a:p>
             <a:pPr>
@@ -14112,8 +14069,8 @@
           </a:p>
         </p:txBody>
       </p:sp>
-      <mc:AlternateContent xmlns:mc="http://schemas.openxmlformats.org/markup-compatibility/2006">
-        <mc:Choice xmlns:a14="http://schemas.microsoft.com/office/drawing/2010/main" Requires="a14">
+      <mc:AlternateContent xmlns:mc="http://schemas.openxmlformats.org/markup-compatibility/2006" xmlns:a14="http://schemas.microsoft.com/office/drawing/2010/main">
+        <mc:Choice Requires="a14">
           <p:sp>
             <p:nvSpPr>
               <p:cNvPr id="7" name="内容占位符 2"/>
@@ -14495,7 +14452,7 @@
             </p:txBody>
           </p:sp>
         </mc:Choice>
-        <mc:Fallback>
+        <mc:Fallback xmlns="">
           <p:sp>
             <p:nvSpPr>
               <p:cNvPr id="7" name="内容占位符 2"/>
@@ -14865,6 +14822,211 @@
       </p:par>
     </p:tnLst>
   </p:timing>
+</p:sld>
+</file>
+
+<file path=ppt/slides/slide25.xml><?xml version="1.0" encoding="utf-8"?>
+<p:sld xmlns:a="http://schemas.openxmlformats.org/drawingml/2006/main" xmlns:r="http://schemas.openxmlformats.org/officeDocument/2006/relationships" xmlns:p="http://schemas.openxmlformats.org/presentationml/2006/main">
+  <p:cSld>
+    <p:spTree>
+      <p:nvGrpSpPr>
+        <p:cNvPr id="1" name=""/>
+        <p:cNvGrpSpPr/>
+        <p:nvPr/>
+      </p:nvGrpSpPr>
+      <p:grpSpPr>
+        <a:xfrm>
+          <a:off x="0" y="0"/>
+          <a:ext cx="0" cy="0"/>
+          <a:chOff x="0" y="0"/>
+          <a:chExt cx="0" cy="0"/>
+        </a:xfrm>
+      </p:grpSpPr>
+      <p:sp>
+        <p:nvSpPr>
+          <p:cNvPr id="2" name="标题 1"/>
+          <p:cNvSpPr>
+            <a:spLocks noGrp="1"/>
+          </p:cNvSpPr>
+          <p:nvPr>
+            <p:ph type="title"/>
+          </p:nvPr>
+        </p:nvSpPr>
+        <p:spPr/>
+        <p:txBody>
+          <a:bodyPr/>
+          <a:lstStyle/>
+          <a:p>
+            <a:r>
+              <a:rPr kumimoji="1" lang="en-US" altLang="zh-CN"/>
+              <a:t>Space-Saving</a:t>
+            </a:r>
+            <a:endParaRPr kumimoji="1" lang="zh-CN" altLang="en-US"/>
+          </a:p>
+        </p:txBody>
+      </p:sp>
+      <p:sp>
+        <p:nvSpPr>
+          <p:cNvPr id="5" name="内容占位符 2"/>
+          <p:cNvSpPr>
+            <a:spLocks noGrp="1"/>
+          </p:cNvSpPr>
+          <p:nvPr>
+            <p:ph idx="1"/>
+          </p:nvPr>
+        </p:nvSpPr>
+        <p:spPr>
+          <a:xfrm>
+            <a:off x="358775" y="1142660"/>
+            <a:ext cx="8426450" cy="5715340"/>
+          </a:xfrm>
+        </p:spPr>
+        <p:txBody>
+          <a:bodyPr>
+            <a:normAutofit/>
+          </a:bodyPr>
+          <a:lstStyle/>
+          <a:p>
+            <a:pPr>
+              <a:spcBef>
+                <a:spcPts val="0"/>
+              </a:spcBef>
+              <a:defRPr/>
+            </a:pPr>
+            <a:r>
+              <a:rPr kumimoji="1" lang="zh-CN" altLang="en-US" sz="2200"/>
+              <a:t>作用：</a:t>
+            </a:r>
+            <a:r>
+              <a:rPr kumimoji="1" lang="en-US" altLang="zh-CN" sz="2200"/>
+              <a:t>finding</a:t>
+            </a:r>
+            <a:r>
+              <a:rPr kumimoji="1" lang="zh-CN" altLang="en-US" sz="2200"/>
+              <a:t> </a:t>
+            </a:r>
+            <a:r>
+              <a:rPr kumimoji="1" lang="en-US" altLang="zh-CN" sz="2200"/>
+              <a:t>heavy</a:t>
+            </a:r>
+            <a:r>
+              <a:rPr kumimoji="1" lang="zh-CN" altLang="en-US" sz="2200"/>
+              <a:t> </a:t>
+            </a:r>
+            <a:r>
+              <a:rPr kumimoji="1" lang="en-US" altLang="zh-CN" sz="2200"/>
+              <a:t>items</a:t>
+            </a:r>
+            <a:r>
+              <a:rPr kumimoji="1" lang="zh-CN" altLang="en-US" sz="2200"/>
+              <a:t>（</a:t>
+            </a:r>
+            <a:r>
+              <a:rPr kumimoji="1" lang="en-US" altLang="zh-CN" sz="2200"/>
+              <a:t>items</a:t>
+            </a:r>
+            <a:r>
+              <a:rPr kumimoji="1" lang="zh-CN" altLang="en-US" sz="2200"/>
+              <a:t> </a:t>
+            </a:r>
+            <a:r>
+              <a:rPr kumimoji="1" lang="en-US" altLang="zh-CN" sz="2200"/>
+              <a:t>with</a:t>
+            </a:r>
+            <a:r>
+              <a:rPr kumimoji="1" lang="zh-CN" altLang="en-US" sz="2200"/>
+              <a:t> </a:t>
+            </a:r>
+            <a:r>
+              <a:rPr kumimoji="1" lang="en-US" altLang="zh-CN" sz="2200"/>
+              <a:t>large</a:t>
+            </a:r>
+            <a:r>
+              <a:rPr kumimoji="1" lang="zh-CN" altLang="en-US" sz="2200"/>
+              <a:t> </a:t>
+            </a:r>
+            <a:r>
+              <a:rPr kumimoji="1" lang="en-US" altLang="zh-CN" sz="2200"/>
+              <a:t>frequency</a:t>
+            </a:r>
+            <a:r>
+              <a:rPr kumimoji="1" lang="zh-CN" altLang="en-US" sz="2200"/>
+              <a:t>）</a:t>
+            </a:r>
+            <a:endParaRPr kumimoji="1" lang="en-US" altLang="zh-CN" sz="2200"/>
+          </a:p>
+          <a:p>
+            <a:pPr>
+              <a:spcBef>
+                <a:spcPts val="0"/>
+              </a:spcBef>
+              <a:defRPr/>
+            </a:pPr>
+            <a:r>
+              <a:rPr kumimoji="1" lang="zh-CN" altLang="en-US" sz="2200"/>
+              <a:t>插入、删除、查询</a:t>
+            </a:r>
+            <a:endParaRPr kumimoji="1" lang="en-US" altLang="zh-CN" sz="2200"/>
+          </a:p>
+          <a:p>
+            <a:pPr>
+              <a:spcBef>
+                <a:spcPts val="0"/>
+              </a:spcBef>
+              <a:defRPr/>
+            </a:pPr>
+            <a:r>
+              <a:rPr kumimoji="1" lang="zh-CN" altLang="en-US" sz="2200"/>
+              <a:t>好处：低层可以使用较小的</a:t>
+            </a:r>
+            <a:r>
+              <a:rPr kumimoji="1" lang="en-US" altLang="zh-CN" sz="2200"/>
+              <a:t>counter</a:t>
+            </a:r>
+            <a:endParaRPr kumimoji="1" lang="en-US" altLang="zh-CN" sz="2000"/>
+          </a:p>
+        </p:txBody>
+      </p:sp>
+      <p:pic>
+        <p:nvPicPr>
+          <p:cNvPr id="3" name="图片 2"/>
+          <p:cNvPicPr>
+            <a:picLocks noChangeAspect="1"/>
+          </p:cNvPicPr>
+          <p:nvPr/>
+        </p:nvPicPr>
+        <p:blipFill>
+          <a:blip r:embed="rId2">
+            <a:extLst>
+              <a:ext uri="{28A0092B-C50C-407E-A947-70E740481C1C}">
+                <a14:useLocalDpi xmlns:a14="http://schemas.microsoft.com/office/drawing/2010/main" val="0"/>
+              </a:ext>
+            </a:extLst>
+          </a:blip>
+          <a:stretch>
+            <a:fillRect/>
+          </a:stretch>
+        </p:blipFill>
+        <p:spPr>
+          <a:xfrm>
+            <a:off x="0" y="2829309"/>
+            <a:ext cx="9144000" cy="4028691"/>
+          </a:xfrm>
+          <a:prstGeom prst="rect">
+            <a:avLst/>
+          </a:prstGeom>
+        </p:spPr>
+      </p:pic>
+    </p:spTree>
+    <p:extLst>
+      <p:ext uri="{BB962C8B-B14F-4D97-AF65-F5344CB8AC3E}">
+        <p14:creationId xmlns:p14="http://schemas.microsoft.com/office/powerpoint/2010/main" val="1214960162"/>
+      </p:ext>
+    </p:extLst>
+  </p:cSld>
+  <p:clrMapOvr>
+    <a:masterClrMapping/>
+  </p:clrMapOvr>
 </p:sld>
 </file>
 

--- a/常见sketch算法.pptx
+++ b/常见sketch算法.pptx
@@ -7,10 +7,10 @@
     <p:sldMasterId id="2147483677" r:id="rId3"/>
   </p:sldMasterIdLst>
   <p:notesMasterIdLst>
-    <p:notesMasterId r:id="rId29"/>
+    <p:notesMasterId r:id="rId35"/>
   </p:notesMasterIdLst>
   <p:handoutMasterIdLst>
-    <p:handoutMasterId r:id="rId30"/>
+    <p:handoutMasterId r:id="rId36"/>
   </p:handoutMasterIdLst>
   <p:sldIdLst>
     <p:sldId id="256" r:id="rId4"/>
@@ -38,6 +38,12 @@
     <p:sldId id="280" r:id="rId26"/>
     <p:sldId id="281" r:id="rId27"/>
     <p:sldId id="282" r:id="rId28"/>
+    <p:sldId id="283" r:id="rId29"/>
+    <p:sldId id="286" r:id="rId30"/>
+    <p:sldId id="284" r:id="rId31"/>
+    <p:sldId id="287" r:id="rId32"/>
+    <p:sldId id="285" r:id="rId33"/>
+    <p:sldId id="288" r:id="rId34"/>
   </p:sldIdLst>
   <p:sldSz cx="9144000" cy="6858000" type="screen4x3"/>
   <p:notesSz cx="6858000" cy="9144000"/>
@@ -225,7 +231,7 @@
           </a:lstStyle>
           <a:p>
             <a:fld id="{19916743-7912-8146-882A-8588933F35F2}" type="datetimeFigureOut">
-              <a:t>2019/3/15</a:t>
+              <a:t>3/16/19</a:t>
             </a:fld>
             <a:endParaRPr kumimoji="1" lang="zh-CN" altLang="en-US"/>
           </a:p>
@@ -393,7 +399,7 @@
           </a:lstStyle>
           <a:p>
             <a:fld id="{B8E88009-6766-1C47-BDD7-F497769F194E}" type="datetimeFigureOut">
-              <a:t>2019/3/15</a:t>
+              <a:t>3/16/19</a:t>
             </a:fld>
             <a:endParaRPr kumimoji="1" lang="zh-CN" altLang="en-US"/>
           </a:p>
@@ -2025,7 +2031,7 @@
           </a:lstStyle>
           <a:p>
             <a:fld id="{47FC5E05-805F-874C-AAD4-345962CC2E75}" type="datetimeFigureOut">
-              <a:t>2019/3/15</a:t>
+              <a:t>3/16/19</a:t>
             </a:fld>
             <a:endParaRPr kumimoji="1" lang="zh-CN" altLang="en-US"/>
           </a:p>
@@ -2551,7 +2557,7 @@
           </a:lstStyle>
           <a:p>
             <a:fld id="{D030A662-2711-4648-B529-91799B66188F}" type="datetimeFigureOut">
-              <a:t>2019/3/15</a:t>
+              <a:t>3/16/19</a:t>
             </a:fld>
             <a:endParaRPr kumimoji="1" lang="zh-CN" altLang="en-US"/>
           </a:p>
@@ -3077,7 +3083,7 @@
           </a:lstStyle>
           <a:p>
             <a:fld id="{C1AE3D7B-A854-A645-BEE3-3BB7EDC54EED}" type="datetimeFigureOut">
-              <a:t>2019/3/15</a:t>
+              <a:t>3/16/19</a:t>
             </a:fld>
             <a:endParaRPr kumimoji="1" lang="zh-CN" altLang="en-US"/>
           </a:p>
@@ -3494,7 +3500,7 @@
             </a:r>
             <a:r>
               <a:rPr kumimoji="1" lang="en-US" altLang="zh-CN"/>
-              <a:t>sketch</a:t>
+              <a:t>BloomFilter&amp;Sketch</a:t>
             </a:r>
             <a:r>
               <a:rPr kumimoji="1" lang="zh-CN" altLang="en-US"/>
@@ -15027,6 +15033,1893 @@
   <p:clrMapOvr>
     <a:masterClrMapping/>
   </p:clrMapOvr>
+  <p:timing>
+    <p:tnLst>
+      <p:par>
+        <p:cTn id="1" dur="indefinite" restart="never" nodeType="tmRoot"/>
+      </p:par>
+    </p:tnLst>
+  </p:timing>
+</p:sld>
+</file>
+
+<file path=ppt/slides/slide26.xml><?xml version="1.0" encoding="utf-8"?>
+<p:sld xmlns:a="http://schemas.openxmlformats.org/drawingml/2006/main" xmlns:r="http://schemas.openxmlformats.org/officeDocument/2006/relationships" xmlns:p="http://schemas.openxmlformats.org/presentationml/2006/main">
+  <p:cSld>
+    <p:spTree>
+      <p:nvGrpSpPr>
+        <p:cNvPr id="1" name=""/>
+        <p:cNvGrpSpPr/>
+        <p:nvPr/>
+      </p:nvGrpSpPr>
+      <p:grpSpPr>
+        <a:xfrm>
+          <a:off x="0" y="0"/>
+          <a:ext cx="0" cy="0"/>
+          <a:chOff x="0" y="0"/>
+          <a:chExt cx="0" cy="0"/>
+        </a:xfrm>
+      </p:grpSpPr>
+      <p:sp>
+        <p:nvSpPr>
+          <p:cNvPr id="2" name="标题 1"/>
+          <p:cNvSpPr>
+            <a:spLocks noGrp="1"/>
+          </p:cNvSpPr>
+          <p:nvPr>
+            <p:ph type="title"/>
+          </p:nvPr>
+        </p:nvSpPr>
+        <p:spPr/>
+        <p:txBody>
+          <a:bodyPr/>
+          <a:lstStyle/>
+          <a:p>
+            <a:r>
+              <a:rPr kumimoji="1" lang="en-US" altLang="zh-CN"/>
+              <a:t>UnivMon</a:t>
+            </a:r>
+            <a:endParaRPr kumimoji="1" lang="zh-CN" altLang="en-US"/>
+          </a:p>
+        </p:txBody>
+      </p:sp>
+      <mc:AlternateContent xmlns:mc="http://schemas.openxmlformats.org/markup-compatibility/2006">
+        <mc:Choice xmlns:a14="http://schemas.microsoft.com/office/drawing/2010/main" Requires="a14">
+          <p:sp>
+            <p:nvSpPr>
+              <p:cNvPr id="3" name="内容占位符 2"/>
+              <p:cNvSpPr>
+                <a:spLocks noGrp="1"/>
+              </p:cNvSpPr>
+              <p:nvPr>
+                <p:ph idx="1"/>
+              </p:nvPr>
+            </p:nvSpPr>
+            <p:spPr>
+              <a:xfrm>
+                <a:off x="358775" y="1142660"/>
+                <a:ext cx="8426450" cy="5715340"/>
+              </a:xfrm>
+            </p:spPr>
+            <p:txBody>
+              <a:bodyPr>
+                <a:normAutofit/>
+              </a:bodyPr>
+              <a:lstStyle/>
+              <a:p>
+                <a:pPr>
+                  <a:spcBef>
+                    <a:spcPts val="0"/>
+                  </a:spcBef>
+                  <a:defRPr/>
+                </a:pPr>
+                <a:r>
+                  <a:rPr kumimoji="1" lang="zh-CN" altLang="en-US" sz="2000"/>
+                  <a:t>作用：</a:t>
+                </a:r>
+                <a:r>
+                  <a:rPr kumimoji="1" lang="en-US" altLang="zh-CN" sz="2000"/>
+                  <a:t>G-sum</a:t>
+                </a:r>
+                <a:r>
+                  <a:rPr kumimoji="1" lang="zh-CN" altLang="en-US" sz="2000"/>
+                  <a:t>查询</a:t>
+                </a:r>
+                <a:endParaRPr kumimoji="1" lang="en-US" altLang="zh-CN" sz="2000"/>
+              </a:p>
+              <a:p>
+                <a:pPr lvl="1">
+                  <a:spcBef>
+                    <a:spcPts val="0"/>
+                  </a:spcBef>
+                  <a:defRPr/>
+                </a:pPr>
+                <a:r>
+                  <a:rPr kumimoji="1" lang="zh-CN" altLang="en-US" sz="1800"/>
+                  <a:t>假设有</a:t>
+                </a:r>
+                <a:r>
+                  <a:rPr kumimoji="1" lang="en-US" altLang="zh-CN" sz="1800"/>
+                  <a:t>n</a:t>
+                </a:r>
+                <a:r>
+                  <a:rPr kumimoji="1" lang="zh-CN" altLang="en-US" sz="1800"/>
+                  <a:t>个流，每个流大小为</a:t>
+                </a:r>
+                <a:r>
+                  <a:rPr kumimoji="1" lang="en-US" altLang="zh-CN" sz="1800"/>
+                  <a:t>f(i)</a:t>
+                </a:r>
+                <a:r>
+                  <a:rPr kumimoji="1" lang="zh-CN" altLang="en-US" sz="1800"/>
+                  <a:t>，总大小为</a:t>
+                </a:r>
+                <a:r>
+                  <a:rPr kumimoji="1" lang="en-US" altLang="zh-CN" sz="1800"/>
+                  <a:t>m</a:t>
+                </a:r>
+              </a:p>
+              <a:p>
+                <a:pPr lvl="1">
+                  <a:spcBef>
+                    <a:spcPts val="0"/>
+                  </a:spcBef>
+                  <a:defRPr/>
+                </a:pPr>
+                <a:r>
+                  <a:rPr kumimoji="1" lang="zh-CN" altLang="en-US" sz="1800"/>
+                  <a:t>给定一个单调函数</a:t>
+                </a:r>
+                <a:r>
+                  <a:rPr kumimoji="1" lang="en-US" altLang="zh-CN" sz="1800"/>
+                  <a:t>g(x)</a:t>
+                </a:r>
+                <a:r>
+                  <a:rPr kumimoji="1" lang="zh-CN" altLang="en-US" sz="1800"/>
+                  <a:t>，要求</a:t>
+                </a:r>
+                <a:r>
+                  <a:rPr kumimoji="1" lang="en-US" altLang="zh-CN" sz="1800"/>
+                  <a:t>g</a:t>
+                </a:r>
+                <a:r>
+                  <a:rPr kumimoji="1" lang="zh-CN" altLang="en-US" sz="1800"/>
+                  <a:t>不会超过</a:t>
+                </a:r>
+                <a:r>
+                  <a:rPr kumimoji="1" lang="en-US" altLang="zh-CN" sz="1800"/>
+                  <a:t>O(x^2)</a:t>
+                </a:r>
+                <a:r>
+                  <a:rPr kumimoji="1" lang="zh-CN" altLang="en-US" sz="1800"/>
+                  <a:t>的最高项次数</a:t>
+                </a:r>
+                <a:endParaRPr kumimoji="1" lang="en-US" altLang="zh-CN" sz="1800"/>
+              </a:p>
+              <a:p>
+                <a:pPr lvl="1">
+                  <a:spcBef>
+                    <a:spcPts val="0"/>
+                  </a:spcBef>
+                  <a:defRPr/>
+                </a:pPr>
+                <a:r>
+                  <a:rPr kumimoji="1" lang="zh-CN" altLang="en-US" sz="1800"/>
+                  <a:t>希望求：</a:t>
+                </a:r>
+                <a:r>
+                  <a:rPr kumimoji="1" lang="en-US" altLang="zh-CN" sz="1800"/>
+                  <a:t>G-sum=</a:t>
+                </a:r>
+                <a14:m>
+                  <m:oMath xmlns:m="http://schemas.openxmlformats.org/officeDocument/2006/math">
+                    <m:nary>
+                      <m:naryPr>
+                        <m:chr m:val="∑"/>
+                        <m:limLoc m:val="subSup"/>
+                        <m:supHide m:val="on"/>
+                        <m:ctrlPr>
+                          <a:rPr kumimoji="1" lang="en-US" altLang="zh-CN" sz="1800" i="1">
+                            <a:latin typeface="Cambria Math" charset="0"/>
+                          </a:rPr>
+                        </m:ctrlPr>
+                      </m:naryPr>
+                      <m:sub>
+                        <m:r>
+                          <m:rPr>
+                            <m:brk m:alnAt="9"/>
+                          </m:rPr>
+                          <a:rPr kumimoji="1" lang="en-US" altLang="zh-CN" sz="1800" b="0" i="1">
+                            <a:latin typeface="Cambria Math" charset="0"/>
+                          </a:rPr>
+                          <m:t>𝑖</m:t>
+                        </m:r>
+                      </m:sub>
+                      <m:sup/>
+                      <m:e>
+                        <m:r>
+                          <a:rPr kumimoji="1" lang="en-US" altLang="zh-CN" sz="1800" b="0" i="1">
+                            <a:latin typeface="Cambria Math" charset="0"/>
+                          </a:rPr>
+                          <m:t>𝑔</m:t>
+                        </m:r>
+                        <m:d>
+                          <m:dPr>
+                            <m:ctrlPr>
+                              <a:rPr kumimoji="1" lang="mr-IN" altLang="zh-CN" sz="1800" b="0" i="1">
+                                <a:latin typeface="Cambria Math" charset="0"/>
+                              </a:rPr>
+                            </m:ctrlPr>
+                          </m:dPr>
+                          <m:e>
+                            <m:r>
+                              <a:rPr kumimoji="1" lang="en-US" altLang="zh-CN" sz="1800" b="0" i="1">
+                                <a:latin typeface="Cambria Math" charset="0"/>
+                              </a:rPr>
+                              <m:t>𝑓</m:t>
+                            </m:r>
+                            <m:r>
+                              <a:rPr kumimoji="1" lang="en-US" altLang="zh-CN" sz="1800" b="0" i="1">
+                                <a:latin typeface="Cambria Math" charset="0"/>
+                              </a:rPr>
+                              <m:t>(</m:t>
+                            </m:r>
+                            <m:r>
+                              <a:rPr kumimoji="1" lang="en-US" altLang="zh-CN" sz="1800" b="0" i="1">
+                                <a:latin typeface="Cambria Math" charset="0"/>
+                              </a:rPr>
+                              <m:t>𝑖</m:t>
+                            </m:r>
+                            <m:r>
+                              <a:rPr kumimoji="1" lang="en-US" altLang="zh-CN" sz="1800" b="0" i="1">
+                                <a:latin typeface="Cambria Math" charset="0"/>
+                              </a:rPr>
+                              <m:t>)</m:t>
+                            </m:r>
+                          </m:e>
+                        </m:d>
+                      </m:e>
+                    </m:nary>
+                  </m:oMath>
+                </a14:m>
+                <a:r>
+                  <a:rPr kumimoji="1" lang="en-US" altLang="zh-CN" sz="1800"/>
+                  <a:t> </a:t>
+                </a:r>
+              </a:p>
+              <a:p>
+                <a:pPr lvl="2">
+                  <a:spcBef>
+                    <a:spcPts val="0"/>
+                  </a:spcBef>
+                  <a:defRPr/>
+                </a:pPr>
+                <a:r>
+                  <a:rPr kumimoji="1" lang="en-US" altLang="zh-CN" sz="1600"/>
+                  <a:t>g(x) = x</a:t>
+                </a:r>
+                <a:r>
+                  <a:rPr kumimoji="1" lang="zh-CN" altLang="en-US" sz="1600"/>
+                  <a:t>，那么就是</a:t>
+                </a:r>
+                <a:r>
+                  <a:rPr kumimoji="1" lang="en-US" altLang="zh-CN" sz="1600"/>
+                  <a:t>frequency</a:t>
+                </a:r>
+                <a:r>
+                  <a:rPr kumimoji="1" lang="zh-CN" altLang="en-US" sz="1600"/>
+                  <a:t> </a:t>
+                </a:r>
+                <a:r>
+                  <a:rPr kumimoji="1" lang="en-US" altLang="zh-CN" sz="1600"/>
+                  <a:t>estimation</a:t>
+                </a:r>
+              </a:p>
+              <a:p>
+                <a:pPr lvl="2">
+                  <a:spcBef>
+                    <a:spcPts val="0"/>
+                  </a:spcBef>
+                  <a:defRPr/>
+                </a:pPr>
+                <a:r>
+                  <a:rPr kumimoji="1" lang="en-US" altLang="zh-CN" sz="1600"/>
+                  <a:t>g(x) = </a:t>
+                </a:r>
+                <a14:m>
+                  <m:oMath xmlns:m="http://schemas.openxmlformats.org/officeDocument/2006/math">
+                    <m:r>
+                      <a:rPr kumimoji="1" lang="en-US" altLang="zh-CN" sz="1600" b="0" i="0">
+                        <a:latin typeface="Cambria Math" charset="0"/>
+                      </a:rPr>
+                      <m:t>−</m:t>
+                    </m:r>
+                    <m:f>
+                      <m:fPr>
+                        <m:ctrlPr>
+                          <a:rPr kumimoji="1" lang="mr-IN" altLang="zh-CN" sz="1600" i="1">
+                            <a:latin typeface="Cambria Math" charset="0"/>
+                          </a:rPr>
+                        </m:ctrlPr>
+                      </m:fPr>
+                      <m:num>
+                        <m:r>
+                          <a:rPr kumimoji="1" lang="en-US" altLang="zh-CN" sz="1600" b="0" i="1">
+                            <a:latin typeface="Cambria Math" charset="0"/>
+                          </a:rPr>
+                          <m:t>𝑓</m:t>
+                        </m:r>
+                        <m:d>
+                          <m:dPr>
+                            <m:ctrlPr>
+                              <a:rPr kumimoji="1" lang="en-US" altLang="zh-CN" sz="1600" b="0" i="1">
+                                <a:latin typeface="Cambria Math" charset="0"/>
+                              </a:rPr>
+                            </m:ctrlPr>
+                          </m:dPr>
+                          <m:e>
+                            <m:r>
+                              <a:rPr kumimoji="1" lang="en-US" altLang="zh-CN" sz="1600" b="0" i="1">
+                                <a:latin typeface="Cambria Math" charset="0"/>
+                              </a:rPr>
+                              <m:t>𝑖</m:t>
+                            </m:r>
+                          </m:e>
+                        </m:d>
+                      </m:num>
+                      <m:den>
+                        <m:r>
+                          <a:rPr kumimoji="1" lang="en-US" altLang="zh-CN" sz="1600" b="0" i="1">
+                            <a:latin typeface="Cambria Math" charset="0"/>
+                          </a:rPr>
+                          <m:t>𝑚</m:t>
+                        </m:r>
+                      </m:den>
+                    </m:f>
+                    <m:func>
+                      <m:funcPr>
+                        <m:ctrlPr>
+                          <a:rPr kumimoji="1" lang="en-US" altLang="zh-CN" sz="1600" b="0" i="1">
+                            <a:latin typeface="Cambria Math" charset="0"/>
+                          </a:rPr>
+                        </m:ctrlPr>
+                      </m:funcPr>
+                      <m:fName>
+                        <m:r>
+                          <m:rPr>
+                            <m:sty m:val="p"/>
+                          </m:rPr>
+                          <a:rPr kumimoji="1" lang="en-US" altLang="zh-CN" sz="1600" b="0" i="0">
+                            <a:latin typeface="Cambria Math" charset="0"/>
+                          </a:rPr>
+                          <m:t>log</m:t>
+                        </m:r>
+                      </m:fName>
+                      <m:e>
+                        <m:d>
+                          <m:dPr>
+                            <m:ctrlPr>
+                              <a:rPr kumimoji="1" lang="en-US" altLang="zh-CN" sz="1600" b="0" i="1">
+                                <a:latin typeface="Cambria Math" charset="0"/>
+                              </a:rPr>
+                            </m:ctrlPr>
+                          </m:dPr>
+                          <m:e>
+                            <m:f>
+                              <m:fPr>
+                                <m:ctrlPr>
+                                  <a:rPr kumimoji="1" lang="mr-IN" altLang="zh-CN" sz="1600" i="1">
+                                    <a:latin typeface="Cambria Math" charset="0"/>
+                                  </a:rPr>
+                                </m:ctrlPr>
+                              </m:fPr>
+                              <m:num>
+                                <m:r>
+                                  <a:rPr kumimoji="1" lang="en-US" altLang="zh-CN" sz="1600" i="1">
+                                    <a:latin typeface="Cambria Math" charset="0"/>
+                                  </a:rPr>
+                                  <m:t>𝑓</m:t>
+                                </m:r>
+                                <m:d>
+                                  <m:dPr>
+                                    <m:ctrlPr>
+                                      <a:rPr kumimoji="1" lang="en-US" altLang="zh-CN" sz="1600" i="1">
+                                        <a:latin typeface="Cambria Math" charset="0"/>
+                                      </a:rPr>
+                                    </m:ctrlPr>
+                                  </m:dPr>
+                                  <m:e>
+                                    <m:r>
+                                      <a:rPr kumimoji="1" lang="en-US" altLang="zh-CN" sz="1600" i="1">
+                                        <a:latin typeface="Cambria Math" charset="0"/>
+                                      </a:rPr>
+                                      <m:t>𝑖</m:t>
+                                    </m:r>
+                                  </m:e>
+                                </m:d>
+                              </m:num>
+                              <m:den>
+                                <m:r>
+                                  <a:rPr kumimoji="1" lang="en-US" altLang="zh-CN" sz="1600" i="1">
+                                    <a:latin typeface="Cambria Math" charset="0"/>
+                                  </a:rPr>
+                                  <m:t>𝑚</m:t>
+                                </m:r>
+                              </m:den>
+                            </m:f>
+                          </m:e>
+                        </m:d>
+                      </m:e>
+                    </m:func>
+                  </m:oMath>
+                </a14:m>
+                <a:r>
+                  <a:rPr kumimoji="1" lang="zh-CN" altLang="en-US" sz="1600"/>
+                  <a:t>，那么就是</a:t>
+                </a:r>
+                <a:r>
+                  <a:rPr kumimoji="1" lang="en-US" altLang="zh-CN" sz="1600"/>
+                  <a:t>entropy</a:t>
+                </a:r>
+                <a:r>
+                  <a:rPr kumimoji="1" lang="zh-CN" altLang="en-US" sz="1600"/>
+                  <a:t> </a:t>
+                </a:r>
+                <a:r>
+                  <a:rPr kumimoji="1" lang="en-US" altLang="zh-CN" sz="1600"/>
+                  <a:t>estimation</a:t>
+                </a:r>
+              </a:p>
+              <a:p>
+                <a:pPr>
+                  <a:spcBef>
+                    <a:spcPts val="0"/>
+                  </a:spcBef>
+                  <a:defRPr/>
+                </a:pPr>
+                <a:r>
+                  <a:rPr kumimoji="1" lang="zh-CN" altLang="en-US" sz="2000"/>
+                  <a:t>基于的假设：</a:t>
+                </a:r>
+                <a:endParaRPr kumimoji="1" lang="en-US" altLang="zh-CN" sz="2000"/>
+              </a:p>
+              <a:p>
+                <a:pPr lvl="1">
+                  <a:spcBef>
+                    <a:spcPts val="0"/>
+                  </a:spcBef>
+                  <a:defRPr/>
+                </a:pPr>
+                <a:r>
+                  <a:rPr kumimoji="1" lang="zh-CN" altLang="en-US" sz="1800"/>
+                  <a:t>如果 </a:t>
+                </a:r>
+                <a:r>
+                  <a:rPr kumimoji="1" lang="en-US" altLang="zh-CN" sz="1800"/>
+                  <a:t>f(i) </a:t>
+                </a:r>
+                <a:r>
+                  <a:rPr kumimoji="1" lang="zh-CN" altLang="en-US" sz="1800"/>
+                  <a:t>在</a:t>
+                </a:r>
+                <a:r>
+                  <a:rPr kumimoji="1" lang="en-US" altLang="zh-CN" sz="1800"/>
+                  <a:t>L2-norm</a:t>
+                </a:r>
+                <a:r>
+                  <a:rPr kumimoji="1" lang="zh-CN" altLang="en-US" sz="1800"/>
+                  <a:t>中占比很大，那么它在</a:t>
+                </a:r>
+                <a:r>
+                  <a:rPr kumimoji="1" lang="en-US" altLang="zh-CN" sz="1800"/>
+                  <a:t>G-sum</a:t>
+                </a:r>
+                <a:r>
+                  <a:rPr kumimoji="1" lang="zh-CN" altLang="en-US" sz="1800"/>
+                  <a:t>中占比也很大</a:t>
+                </a:r>
+                <a:endParaRPr kumimoji="1" lang="en-US" altLang="zh-CN" sz="1800"/>
+              </a:p>
+              <a:p>
+                <a:pPr lvl="2">
+                  <a:spcBef>
+                    <a:spcPts val="0"/>
+                  </a:spcBef>
+                  <a:defRPr/>
+                </a:pPr>
+                <a:r>
+                  <a:rPr kumimoji="1" lang="zh-CN" altLang="en-US" sz="1600"/>
+                  <a:t>比如：</a:t>
+                </a:r>
+                <a:r>
+                  <a:rPr kumimoji="1" lang="en-US" altLang="zh-CN" sz="1600" b="1"/>
+                  <a:t>f </a:t>
+                </a:r>
+                <a:r>
+                  <a:rPr kumimoji="1" lang="en-US" altLang="zh-CN" sz="1600"/>
+                  <a:t>= (n, 1, 1, </a:t>
+                </a:r>
+                <a:r>
+                  <a:rPr kumimoji="1" lang="mr-IN" altLang="zh-CN" sz="1600"/>
+                  <a:t>…</a:t>
+                </a:r>
+                <a:r>
+                  <a:rPr kumimoji="1" lang="en-US" altLang="zh-CN" sz="1600"/>
+                  <a:t>, 1)</a:t>
+                </a:r>
+                <a:r>
+                  <a:rPr kumimoji="1" lang="zh-CN" altLang="en-US" sz="1600"/>
+                  <a:t>，那么</a:t>
+                </a:r>
+                <a:r>
+                  <a:rPr kumimoji="1" lang="en-US" altLang="zh-CN" sz="1600"/>
+                  <a:t> f(i) = n</a:t>
+                </a:r>
+                <a:r>
+                  <a:rPr kumimoji="1" lang="zh-CN" altLang="en-US" sz="1600"/>
+                  <a:t>的流就是</a:t>
+                </a:r>
+                <a:r>
+                  <a:rPr kumimoji="1" lang="en-US" altLang="zh-CN" sz="1600"/>
+                  <a:t>L2-HH</a:t>
+                </a:r>
+              </a:p>
+              <a:p>
+                <a:pPr lvl="2">
+                  <a:spcBef>
+                    <a:spcPts val="0"/>
+                  </a:spcBef>
+                  <a:defRPr/>
+                </a:pPr>
+                <a:r>
+                  <a:rPr kumimoji="1" lang="zh-CN" altLang="en-US" sz="1600"/>
+                  <a:t>因此，只考虑</a:t>
+                </a:r>
+                <a:r>
+                  <a:rPr kumimoji="1" lang="en-US" altLang="zh-CN" sz="1600"/>
+                  <a:t>L2-norm</a:t>
+                </a:r>
+                <a:r>
+                  <a:rPr kumimoji="1" lang="zh-CN" altLang="en-US" sz="1600"/>
+                  <a:t>中占比很大的流</a:t>
+                </a:r>
+                <a:endParaRPr kumimoji="1" lang="en-US" altLang="zh-CN" sz="1600"/>
+              </a:p>
+              <a:p>
+                <a:pPr lvl="1">
+                  <a:spcBef>
+                    <a:spcPts val="0"/>
+                  </a:spcBef>
+                  <a:defRPr/>
+                </a:pPr>
+                <a:r>
+                  <a:rPr kumimoji="1" lang="zh-CN" altLang="en-US" sz="1800"/>
+                  <a:t>使用</a:t>
+                </a:r>
+                <a:r>
+                  <a:rPr kumimoji="1" lang="en-US" altLang="zh-CN" sz="1800"/>
+                  <a:t>count</a:t>
+                </a:r>
+                <a:r>
+                  <a:rPr kumimoji="1" lang="zh-CN" altLang="en-US" sz="1800"/>
+                  <a:t> </a:t>
+                </a:r>
+                <a:r>
+                  <a:rPr kumimoji="1" lang="en-US" altLang="zh-CN" sz="1800"/>
+                  <a:t>sketch</a:t>
+                </a:r>
+                <a:r>
+                  <a:rPr kumimoji="1" lang="zh-CN" altLang="en-US" sz="1800"/>
+                  <a:t>来查找</a:t>
+                </a:r>
+                <a:r>
+                  <a:rPr kumimoji="1" lang="en-US" altLang="zh-CN" sz="1800"/>
+                  <a:t>L2-HH</a:t>
+                </a:r>
+              </a:p>
+              <a:p>
+                <a:pPr>
+                  <a:spcBef>
+                    <a:spcPts val="0"/>
+                  </a:spcBef>
+                  <a:defRPr/>
+                </a:pPr>
+                <a:r>
+                  <a:rPr kumimoji="1" lang="zh-CN" altLang="en-US" sz="2000"/>
+                  <a:t>基于一些数学推导，论文指出使用记录多组</a:t>
+                </a:r>
+                <a:r>
+                  <a:rPr kumimoji="1" lang="en-US" altLang="zh-CN" sz="2000"/>
+                  <a:t>L2-HH</a:t>
+                </a:r>
+                <a:r>
+                  <a:rPr kumimoji="1" lang="zh-CN" altLang="en-US" sz="2000"/>
+                  <a:t>更优</a:t>
+                </a:r>
+                <a:endParaRPr kumimoji="1" lang="en-US" altLang="zh-CN" sz="2000"/>
+              </a:p>
+            </p:txBody>
+          </p:sp>
+        </mc:Choice>
+        <mc:Fallback>
+          <p:sp>
+            <p:nvSpPr>
+              <p:cNvPr id="3" name="内容占位符 2"/>
+              <p:cNvSpPr>
+                <a:spLocks noGrp="1" noRot="1" noChangeAspect="1" noMove="1" noResize="1" noEditPoints="1" noAdjustHandles="1" noChangeArrowheads="1" noChangeShapeType="1" noTextEdit="1"/>
+              </p:cNvSpPr>
+              <p:nvPr>
+                <p:ph idx="1"/>
+              </p:nvPr>
+            </p:nvSpPr>
+            <p:spPr>
+              <a:xfrm>
+                <a:off x="358775" y="1142660"/>
+                <a:ext cx="8426450" cy="5715340"/>
+              </a:xfrm>
+              <a:blipFill rotWithShape="0">
+                <a:blip r:embed="rId2"/>
+                <a:stretch>
+                  <a:fillRect l="-651"/>
+                </a:stretch>
+              </a:blipFill>
+            </p:spPr>
+            <p:txBody>
+              <a:bodyPr/>
+              <a:lstStyle/>
+              <a:p>
+                <a:r>
+                  <a:rPr lang="zh-CN" altLang="en-US">
+                    <a:noFill/>
+                  </a:rPr>
+                  <a:t> </a:t>
+                </a:r>
+              </a:p>
+            </p:txBody>
+          </p:sp>
+        </mc:Fallback>
+      </mc:AlternateContent>
+    </p:spTree>
+    <p:extLst>
+      <p:ext uri="{BB962C8B-B14F-4D97-AF65-F5344CB8AC3E}">
+        <p14:creationId xmlns:p14="http://schemas.microsoft.com/office/powerpoint/2010/main" val="587168506"/>
+      </p:ext>
+    </p:extLst>
+  </p:cSld>
+  <p:clrMapOvr>
+    <a:masterClrMapping/>
+  </p:clrMapOvr>
+  <p:timing>
+    <p:tnLst>
+      <p:par>
+        <p:cTn id="1" dur="indefinite" restart="never" nodeType="tmRoot"/>
+      </p:par>
+    </p:tnLst>
+  </p:timing>
+</p:sld>
+</file>
+
+<file path=ppt/slides/slide27.xml><?xml version="1.0" encoding="utf-8"?>
+<p:sld xmlns:a="http://schemas.openxmlformats.org/drawingml/2006/main" xmlns:r="http://schemas.openxmlformats.org/officeDocument/2006/relationships" xmlns:p="http://schemas.openxmlformats.org/presentationml/2006/main">
+  <p:cSld>
+    <p:spTree>
+      <p:nvGrpSpPr>
+        <p:cNvPr id="1" name=""/>
+        <p:cNvGrpSpPr/>
+        <p:nvPr/>
+      </p:nvGrpSpPr>
+      <p:grpSpPr>
+        <a:xfrm>
+          <a:off x="0" y="0"/>
+          <a:ext cx="0" cy="0"/>
+          <a:chOff x="0" y="0"/>
+          <a:chExt cx="0" cy="0"/>
+        </a:xfrm>
+      </p:grpSpPr>
+      <p:pic>
+        <p:nvPicPr>
+          <p:cNvPr id="4" name="图片 3"/>
+          <p:cNvPicPr>
+            <a:picLocks noChangeAspect="1"/>
+          </p:cNvPicPr>
+          <p:nvPr/>
+        </p:nvPicPr>
+        <p:blipFill>
+          <a:blip r:embed="rId2">
+            <a:extLst>
+              <a:ext uri="{28A0092B-C50C-407E-A947-70E740481C1C}">
+                <a14:useLocalDpi xmlns:a14="http://schemas.microsoft.com/office/drawing/2010/main" val="0"/>
+              </a:ext>
+            </a:extLst>
+          </a:blip>
+          <a:stretch>
+            <a:fillRect/>
+          </a:stretch>
+        </p:blipFill>
+        <p:spPr>
+          <a:xfrm>
+            <a:off x="358775" y="3946268"/>
+            <a:ext cx="8356209" cy="2911732"/>
+          </a:xfrm>
+          <a:prstGeom prst="rect">
+            <a:avLst/>
+          </a:prstGeom>
+        </p:spPr>
+      </p:pic>
+      <p:sp>
+        <p:nvSpPr>
+          <p:cNvPr id="2" name="标题 1"/>
+          <p:cNvSpPr>
+            <a:spLocks noGrp="1"/>
+          </p:cNvSpPr>
+          <p:nvPr>
+            <p:ph type="title"/>
+          </p:nvPr>
+        </p:nvSpPr>
+        <p:spPr/>
+        <p:txBody>
+          <a:bodyPr/>
+          <a:lstStyle/>
+          <a:p>
+            <a:r>
+              <a:rPr kumimoji="1" lang="en-US" altLang="zh-CN"/>
+              <a:t>UnivMon</a:t>
+            </a:r>
+            <a:endParaRPr kumimoji="1" lang="zh-CN" altLang="en-US"/>
+          </a:p>
+        </p:txBody>
+      </p:sp>
+      <p:sp>
+        <p:nvSpPr>
+          <p:cNvPr id="3" name="内容占位符 2"/>
+          <p:cNvSpPr>
+            <a:spLocks noGrp="1"/>
+          </p:cNvSpPr>
+          <p:nvPr>
+            <p:ph idx="1"/>
+          </p:nvPr>
+        </p:nvSpPr>
+        <p:spPr>
+          <a:xfrm>
+            <a:off x="358775" y="1142660"/>
+            <a:ext cx="8426450" cy="5715340"/>
+          </a:xfrm>
+        </p:spPr>
+        <p:txBody>
+          <a:bodyPr>
+            <a:normAutofit/>
+          </a:bodyPr>
+          <a:lstStyle/>
+          <a:p>
+            <a:pPr>
+              <a:spcBef>
+                <a:spcPts val="0"/>
+              </a:spcBef>
+              <a:defRPr/>
+            </a:pPr>
+            <a:r>
+              <a:rPr kumimoji="1" lang="zh-CN" altLang="en-US" sz="2000"/>
+              <a:t>数据结构：</a:t>
+            </a:r>
+            <a:r>
+              <a:rPr kumimoji="1" lang="en-US" altLang="zh-CN" sz="2000"/>
+              <a:t>k=log(n)</a:t>
+            </a:r>
+            <a:r>
+              <a:rPr kumimoji="1" lang="zh-CN" altLang="en-US" sz="2000"/>
+              <a:t>个</a:t>
+            </a:r>
+            <a:r>
+              <a:rPr kumimoji="1" lang="en-US" altLang="zh-CN" sz="2000"/>
+              <a:t>count</a:t>
+            </a:r>
+            <a:r>
+              <a:rPr kumimoji="1" lang="zh-CN" altLang="en-US" sz="2000"/>
+              <a:t> </a:t>
+            </a:r>
+            <a:r>
+              <a:rPr kumimoji="1" lang="en-US" altLang="zh-CN" sz="2000"/>
+              <a:t>sketch</a:t>
+            </a:r>
+            <a:r>
+              <a:rPr kumimoji="1" lang="zh-CN" altLang="en-US" sz="2000"/>
+              <a:t>，每个都是之前一个的一半大小</a:t>
+            </a:r>
+            <a:endParaRPr kumimoji="1" lang="en-US" altLang="zh-CN" sz="2000"/>
+          </a:p>
+          <a:p>
+            <a:pPr>
+              <a:spcBef>
+                <a:spcPts val="0"/>
+              </a:spcBef>
+              <a:defRPr/>
+            </a:pPr>
+            <a:r>
+              <a:rPr kumimoji="1" lang="zh-CN" altLang="en-US" sz="2000"/>
+              <a:t>插入</a:t>
+            </a:r>
+            <a:r>
+              <a:rPr kumimoji="1" lang="en-US" altLang="zh-CN" sz="2000"/>
+              <a:t>item</a:t>
+            </a:r>
+            <a:r>
+              <a:rPr kumimoji="1" lang="zh-CN" altLang="en-US" sz="2000"/>
+              <a:t>：</a:t>
+            </a:r>
+            <a:endParaRPr kumimoji="1" lang="en-US" altLang="zh-CN" sz="2000"/>
+          </a:p>
+          <a:p>
+            <a:pPr lvl="1">
+              <a:spcBef>
+                <a:spcPts val="0"/>
+              </a:spcBef>
+              <a:defRPr/>
+            </a:pPr>
+            <a:r>
+              <a:rPr kumimoji="1" lang="zh-CN" altLang="en-US" sz="1600"/>
+              <a:t>计算</a:t>
+            </a:r>
+            <a:r>
+              <a:rPr kumimoji="1" lang="en-US" altLang="zh-CN" sz="1600"/>
+              <a:t>k</a:t>
+            </a:r>
+            <a:r>
+              <a:rPr kumimoji="1" lang="zh-CN" altLang="en-US" sz="1600"/>
+              <a:t>个哈希值（值域</a:t>
+            </a:r>
+            <a:r>
+              <a:rPr kumimoji="1" lang="en-US" altLang="zh-CN" sz="1600"/>
+              <a:t>={0, 1}</a:t>
+            </a:r>
+            <a:r>
+              <a:rPr kumimoji="1" lang="zh-CN" altLang="en-US" sz="1600"/>
+              <a:t>）</a:t>
+            </a:r>
+            <a:endParaRPr kumimoji="1" lang="en-US" altLang="zh-CN" sz="1600"/>
+          </a:p>
+          <a:p>
+            <a:pPr lvl="1">
+              <a:spcBef>
+                <a:spcPts val="0"/>
+              </a:spcBef>
+              <a:defRPr/>
+            </a:pPr>
+            <a:r>
+              <a:rPr kumimoji="1" lang="zh-CN" altLang="en-US" sz="1600"/>
+              <a:t>找到连续出现的</a:t>
+            </a:r>
+            <a:r>
+              <a:rPr kumimoji="1" lang="en-US" altLang="zh-CN" sz="1600"/>
+              <a:t>1</a:t>
+            </a:r>
+            <a:r>
+              <a:rPr kumimoji="1" lang="zh-CN" altLang="en-US" sz="1600"/>
+              <a:t>，将</a:t>
+            </a:r>
+            <a:r>
+              <a:rPr kumimoji="1" lang="en-US" altLang="zh-CN" sz="1600"/>
+              <a:t>item</a:t>
+            </a:r>
+            <a:r>
+              <a:rPr kumimoji="1" lang="zh-CN" altLang="en-US" sz="1600"/>
+              <a:t>插入对应的</a:t>
+            </a:r>
+            <a:r>
+              <a:rPr kumimoji="1" lang="en-US" altLang="zh-CN" sz="1600"/>
+              <a:t>count</a:t>
+            </a:r>
+            <a:r>
+              <a:rPr kumimoji="1" lang="zh-CN" altLang="en-US" sz="1600"/>
+              <a:t> </a:t>
+            </a:r>
+            <a:r>
+              <a:rPr kumimoji="1" lang="en-US" altLang="zh-CN" sz="1600"/>
+              <a:t>sketch</a:t>
+            </a:r>
+          </a:p>
+          <a:p>
+            <a:pPr>
+              <a:spcBef>
+                <a:spcPts val="0"/>
+              </a:spcBef>
+              <a:defRPr/>
+            </a:pPr>
+            <a:r>
+              <a:rPr kumimoji="1" lang="zh-CN" altLang="en-US" sz="2000"/>
+              <a:t>查询：</a:t>
+            </a:r>
+            <a:endParaRPr kumimoji="1" lang="en-US" altLang="zh-CN" sz="2000"/>
+          </a:p>
+          <a:p>
+            <a:pPr lvl="1">
+              <a:spcBef>
+                <a:spcPts val="0"/>
+              </a:spcBef>
+              <a:defRPr/>
+            </a:pPr>
+            <a:r>
+              <a:rPr kumimoji="1" lang="zh-CN" altLang="en-US" sz="1600"/>
+              <a:t>从每个</a:t>
+            </a:r>
+            <a:r>
+              <a:rPr kumimoji="1" lang="en-US" altLang="zh-CN" sz="1600"/>
+              <a:t>count</a:t>
+            </a:r>
+            <a:r>
+              <a:rPr kumimoji="1" lang="zh-CN" altLang="en-US" sz="1600"/>
+              <a:t> </a:t>
+            </a:r>
+            <a:r>
+              <a:rPr kumimoji="1" lang="en-US" altLang="zh-CN" sz="1600"/>
+              <a:t>sketch</a:t>
+            </a:r>
+            <a:r>
+              <a:rPr kumimoji="1" lang="zh-CN" altLang="en-US" sz="1600"/>
+              <a:t>中找出</a:t>
+            </a:r>
+            <a:r>
+              <a:rPr kumimoji="1" lang="en-US" altLang="zh-CN" sz="1600"/>
+              <a:t>heavy</a:t>
+            </a:r>
+            <a:r>
+              <a:rPr kumimoji="1" lang="zh-CN" altLang="en-US" sz="1600"/>
+              <a:t> </a:t>
+            </a:r>
+            <a:r>
+              <a:rPr kumimoji="1" lang="en-US" altLang="zh-CN" sz="1600"/>
+              <a:t>hitter</a:t>
+            </a:r>
+            <a:r>
+              <a:rPr kumimoji="1" lang="zh-CN" altLang="en-US" sz="1600"/>
+              <a:t>，并对</a:t>
+            </a:r>
+            <a:r>
+              <a:rPr kumimoji="1" lang="en-US" altLang="zh-CN" sz="1600"/>
+              <a:t>heavy</a:t>
+            </a:r>
+            <a:r>
+              <a:rPr kumimoji="1" lang="zh-CN" altLang="en-US" sz="1600"/>
+              <a:t> </a:t>
+            </a:r>
+            <a:r>
+              <a:rPr kumimoji="1" lang="en-US" altLang="zh-CN" sz="1600"/>
+              <a:t>hitter</a:t>
+            </a:r>
+            <a:r>
+              <a:rPr kumimoji="1" lang="zh-CN" altLang="en-US" sz="1600"/>
+              <a:t>作</a:t>
+            </a:r>
+            <a:r>
+              <a:rPr kumimoji="1" lang="en-US" altLang="zh-CN" sz="1600"/>
+              <a:t>g()</a:t>
+            </a:r>
+            <a:r>
+              <a:rPr kumimoji="1" lang="zh-CN" altLang="en-US" sz="1600"/>
+              <a:t>操作</a:t>
+            </a:r>
+            <a:endParaRPr kumimoji="1" lang="en-US" altLang="zh-CN" sz="1600"/>
+          </a:p>
+          <a:p>
+            <a:pPr lvl="1">
+              <a:spcBef>
+                <a:spcPts val="0"/>
+              </a:spcBef>
+              <a:defRPr/>
+            </a:pPr>
+            <a:r>
+              <a:rPr kumimoji="1" lang="zh-CN" altLang="en-US" sz="1600"/>
+              <a:t>从顶层开始逐层往下计算</a:t>
+            </a:r>
+            <a:r>
+              <a:rPr kumimoji="1" lang="en-US" altLang="zh-CN" sz="1600"/>
+              <a:t>G-sum</a:t>
+            </a:r>
+          </a:p>
+          <a:p>
+            <a:pPr lvl="1">
+              <a:spcBef>
+                <a:spcPts val="0"/>
+              </a:spcBef>
+              <a:defRPr/>
+            </a:pPr>
+            <a:endParaRPr kumimoji="1" lang="en-US" altLang="zh-CN" sz="1600"/>
+          </a:p>
+          <a:p>
+            <a:pPr lvl="1">
+              <a:spcBef>
+                <a:spcPts val="0"/>
+              </a:spcBef>
+              <a:defRPr/>
+            </a:pPr>
+            <a:endParaRPr kumimoji="1" lang="en-US" altLang="zh-CN" sz="1600"/>
+          </a:p>
+        </p:txBody>
+      </p:sp>
+    </p:spTree>
+    <p:extLst>
+      <p:ext uri="{BB962C8B-B14F-4D97-AF65-F5344CB8AC3E}">
+        <p14:creationId xmlns:p14="http://schemas.microsoft.com/office/powerpoint/2010/main" val="995026621"/>
+      </p:ext>
+    </p:extLst>
+  </p:cSld>
+  <p:clrMapOvr>
+    <a:masterClrMapping/>
+  </p:clrMapOvr>
+  <p:timing>
+    <p:tnLst>
+      <p:par>
+        <p:cTn id="1" dur="indefinite" restart="never" nodeType="tmRoot"/>
+      </p:par>
+    </p:tnLst>
+  </p:timing>
+</p:sld>
+</file>
+
+<file path=ppt/slides/slide28.xml><?xml version="1.0" encoding="utf-8"?>
+<p:sld xmlns:a="http://schemas.openxmlformats.org/drawingml/2006/main" xmlns:r="http://schemas.openxmlformats.org/officeDocument/2006/relationships" xmlns:p="http://schemas.openxmlformats.org/presentationml/2006/main">
+  <p:cSld>
+    <p:spTree>
+      <p:nvGrpSpPr>
+        <p:cNvPr id="1" name=""/>
+        <p:cNvGrpSpPr/>
+        <p:nvPr/>
+      </p:nvGrpSpPr>
+      <p:grpSpPr>
+        <a:xfrm>
+          <a:off x="0" y="0"/>
+          <a:ext cx="0" cy="0"/>
+          <a:chOff x="0" y="0"/>
+          <a:chExt cx="0" cy="0"/>
+        </a:xfrm>
+      </p:grpSpPr>
+      <p:sp>
+        <p:nvSpPr>
+          <p:cNvPr id="2" name="标题 1"/>
+          <p:cNvSpPr>
+            <a:spLocks noGrp="1"/>
+          </p:cNvSpPr>
+          <p:nvPr>
+            <p:ph type="title"/>
+          </p:nvPr>
+        </p:nvSpPr>
+        <p:spPr/>
+        <p:txBody>
+          <a:bodyPr/>
+          <a:lstStyle/>
+          <a:p>
+            <a:r>
+              <a:rPr kumimoji="1" lang="en-US" altLang="zh-CN"/>
+              <a:t>FlowRadar</a:t>
+            </a:r>
+            <a:endParaRPr kumimoji="1" lang="zh-CN" altLang="en-US"/>
+          </a:p>
+        </p:txBody>
+      </p:sp>
+      <p:sp>
+        <p:nvSpPr>
+          <p:cNvPr id="3" name="内容占位符 2"/>
+          <p:cNvSpPr>
+            <a:spLocks noGrp="1"/>
+          </p:cNvSpPr>
+          <p:nvPr>
+            <p:ph idx="1"/>
+          </p:nvPr>
+        </p:nvSpPr>
+        <p:spPr>
+          <a:xfrm>
+            <a:off x="358775" y="1142660"/>
+            <a:ext cx="8426450" cy="5715340"/>
+          </a:xfrm>
+        </p:spPr>
+        <p:txBody>
+          <a:bodyPr>
+            <a:normAutofit/>
+          </a:bodyPr>
+          <a:lstStyle/>
+          <a:p>
+            <a:pPr>
+              <a:spcBef>
+                <a:spcPts val="0"/>
+              </a:spcBef>
+              <a:defRPr/>
+            </a:pPr>
+            <a:r>
+              <a:rPr kumimoji="1" lang="zh-CN" altLang="en-US" sz="2000"/>
+              <a:t>作用：</a:t>
+            </a:r>
+            <a:r>
+              <a:rPr kumimoji="1" lang="en-US" altLang="zh-CN" sz="2000"/>
+              <a:t>key-value</a:t>
+            </a:r>
+            <a:r>
+              <a:rPr kumimoji="1" lang="zh-CN" altLang="en-US" sz="2000"/>
+              <a:t>的测量任务</a:t>
+            </a:r>
+            <a:endParaRPr kumimoji="1" lang="en-US" altLang="zh-CN" sz="2000"/>
+          </a:p>
+          <a:p>
+            <a:pPr>
+              <a:spcBef>
+                <a:spcPts val="0"/>
+              </a:spcBef>
+              <a:defRPr/>
+            </a:pPr>
+            <a:r>
+              <a:rPr kumimoji="1" lang="zh-CN" altLang="en-US" sz="2000"/>
+              <a:t>数据结构：</a:t>
+            </a:r>
+            <a:r>
+              <a:rPr kumimoji="1" lang="en-US" altLang="zh-CN" sz="2000"/>
+              <a:t>bloom</a:t>
+            </a:r>
+            <a:r>
+              <a:rPr kumimoji="1" lang="zh-CN" altLang="en-US" sz="2000"/>
+              <a:t> </a:t>
+            </a:r>
+            <a:r>
+              <a:rPr kumimoji="1" lang="en-US" altLang="zh-CN" sz="2000"/>
+              <a:t>filter</a:t>
+            </a:r>
+            <a:r>
+              <a:rPr kumimoji="1" lang="zh-CN" altLang="en-US" sz="2000"/>
+              <a:t> </a:t>
+            </a:r>
+            <a:r>
+              <a:rPr kumimoji="1" lang="en-US" altLang="zh-CN" sz="2000"/>
+              <a:t>+</a:t>
+            </a:r>
+            <a:r>
+              <a:rPr kumimoji="1" lang="zh-CN" altLang="en-US" sz="2000"/>
+              <a:t> </a:t>
+            </a:r>
+            <a:r>
+              <a:rPr kumimoji="1" lang="en-US" altLang="zh-CN" sz="2000"/>
+              <a:t>IBLT</a:t>
+            </a:r>
+          </a:p>
+          <a:p>
+            <a:pPr>
+              <a:spcBef>
+                <a:spcPts val="0"/>
+              </a:spcBef>
+              <a:defRPr/>
+            </a:pPr>
+            <a:endParaRPr kumimoji="1" lang="en-US" altLang="zh-CN" sz="2000"/>
+          </a:p>
+          <a:p>
+            <a:pPr>
+              <a:spcBef>
+                <a:spcPts val="0"/>
+              </a:spcBef>
+              <a:defRPr/>
+            </a:pPr>
+            <a:endParaRPr kumimoji="1" lang="en-US" altLang="zh-CN" sz="2000"/>
+          </a:p>
+          <a:p>
+            <a:pPr>
+              <a:spcBef>
+                <a:spcPts val="0"/>
+              </a:spcBef>
+              <a:defRPr/>
+            </a:pPr>
+            <a:endParaRPr kumimoji="1" lang="en-US" altLang="zh-CN" sz="2000"/>
+          </a:p>
+          <a:p>
+            <a:pPr>
+              <a:spcBef>
+                <a:spcPts val="0"/>
+              </a:spcBef>
+              <a:defRPr/>
+            </a:pPr>
+            <a:endParaRPr kumimoji="1" lang="en-US" altLang="zh-CN" sz="2000"/>
+          </a:p>
+          <a:p>
+            <a:pPr>
+              <a:spcBef>
+                <a:spcPts val="0"/>
+              </a:spcBef>
+              <a:defRPr/>
+            </a:pPr>
+            <a:endParaRPr kumimoji="1" lang="en-US" altLang="zh-CN" sz="2000"/>
+          </a:p>
+          <a:p>
+            <a:pPr>
+              <a:spcBef>
+                <a:spcPts val="0"/>
+              </a:spcBef>
+              <a:defRPr/>
+            </a:pPr>
+            <a:r>
+              <a:rPr kumimoji="1" lang="zh-CN" altLang="en-US" sz="2000"/>
+              <a:t>插入（</a:t>
+            </a:r>
+            <a:r>
+              <a:rPr kumimoji="1" lang="en-US" altLang="zh-CN" sz="2000"/>
+              <a:t>key</a:t>
+            </a:r>
+            <a:r>
+              <a:rPr kumimoji="1" lang="zh-CN" altLang="en-US" sz="2000"/>
+              <a:t>）过程：</a:t>
+            </a:r>
+            <a:endParaRPr kumimoji="1" lang="en-US" altLang="zh-CN" sz="2000"/>
+          </a:p>
+          <a:p>
+            <a:pPr lvl="1">
+              <a:spcBef>
+                <a:spcPts val="0"/>
+              </a:spcBef>
+              <a:defRPr/>
+            </a:pPr>
+            <a:r>
+              <a:rPr kumimoji="1" lang="zh-CN" altLang="en-US" sz="1800"/>
+              <a:t>通过</a:t>
+            </a:r>
+            <a:r>
+              <a:rPr kumimoji="1" lang="en-US" altLang="zh-CN" sz="1800"/>
+              <a:t>bloom</a:t>
+            </a:r>
+            <a:r>
+              <a:rPr kumimoji="1" lang="zh-CN" altLang="en-US" sz="1800"/>
+              <a:t> </a:t>
+            </a:r>
+            <a:r>
+              <a:rPr kumimoji="1" lang="en-US" altLang="zh-CN" sz="1800"/>
+              <a:t>filter</a:t>
+            </a:r>
+            <a:r>
+              <a:rPr kumimoji="1" lang="zh-CN" altLang="en-US" sz="1800"/>
+              <a:t>检查</a:t>
+            </a:r>
+            <a:r>
+              <a:rPr kumimoji="1" lang="en-US" altLang="zh-CN" sz="1800"/>
+              <a:t>key</a:t>
+            </a:r>
+            <a:r>
+              <a:rPr kumimoji="1" lang="zh-CN" altLang="en-US" sz="1800"/>
+              <a:t>是否来过</a:t>
+            </a:r>
+            <a:endParaRPr kumimoji="1" lang="en-US" altLang="zh-CN" sz="1800"/>
+          </a:p>
+          <a:p>
+            <a:pPr lvl="2">
+              <a:spcBef>
+                <a:spcPts val="0"/>
+              </a:spcBef>
+              <a:defRPr/>
+            </a:pPr>
+            <a:r>
+              <a:rPr kumimoji="1" lang="zh-CN" altLang="en-US" sz="1400"/>
+              <a:t>如果来过，将</a:t>
+            </a:r>
+            <a:r>
+              <a:rPr kumimoji="1" lang="en-US" altLang="zh-CN" sz="1400"/>
+              <a:t>hash</a:t>
+            </a:r>
+            <a:r>
+              <a:rPr kumimoji="1" lang="zh-CN" altLang="en-US" sz="1400"/>
+              <a:t>到的</a:t>
+            </a:r>
+            <a:r>
+              <a:rPr kumimoji="1" lang="en-US" altLang="zh-CN" sz="1400"/>
+              <a:t>k</a:t>
+            </a:r>
+            <a:r>
+              <a:rPr kumimoji="1" lang="zh-CN" altLang="en-US" sz="1400"/>
+              <a:t>个</a:t>
+            </a:r>
+            <a:r>
+              <a:rPr kumimoji="1" lang="en-US" altLang="zh-CN" sz="1400"/>
+              <a:t>cell</a:t>
+            </a:r>
+            <a:r>
+              <a:rPr kumimoji="1" lang="zh-CN" altLang="en-US" sz="1400"/>
+              <a:t>的</a:t>
+            </a:r>
+            <a:r>
+              <a:rPr kumimoji="1" lang="en-US" altLang="zh-CN" sz="1400"/>
+              <a:t>PacketCount+1</a:t>
+            </a:r>
+          </a:p>
+          <a:p>
+            <a:pPr lvl="2">
+              <a:spcBef>
+                <a:spcPts val="0"/>
+              </a:spcBef>
+              <a:defRPr/>
+            </a:pPr>
+            <a:r>
+              <a:rPr kumimoji="1" lang="zh-CN" altLang="en-US" sz="1400"/>
+              <a:t>如果没来过，将</a:t>
+            </a:r>
+            <a:r>
+              <a:rPr kumimoji="1" lang="en-US" altLang="zh-CN" sz="1400"/>
+              <a:t>key</a:t>
+            </a:r>
+            <a:r>
+              <a:rPr kumimoji="1" lang="zh-CN" altLang="en-US" sz="1400"/>
+              <a:t>插入</a:t>
+            </a:r>
+            <a:r>
+              <a:rPr kumimoji="1" lang="en-US" altLang="zh-CN" sz="1400"/>
+              <a:t>bloom</a:t>
+            </a:r>
+            <a:r>
+              <a:rPr kumimoji="1" lang="zh-CN" altLang="en-US" sz="1400"/>
+              <a:t> </a:t>
+            </a:r>
+            <a:r>
+              <a:rPr kumimoji="1" lang="en-US" altLang="zh-CN" sz="1400"/>
+              <a:t>filter</a:t>
+            </a:r>
+          </a:p>
+          <a:p>
+            <a:pPr lvl="3">
+              <a:spcBef>
+                <a:spcPts val="0"/>
+              </a:spcBef>
+              <a:defRPr/>
+            </a:pPr>
+            <a:r>
+              <a:rPr kumimoji="1" lang="zh-CN" altLang="en-US" sz="1400"/>
+              <a:t>将</a:t>
+            </a:r>
+            <a:r>
+              <a:rPr kumimoji="1" lang="en-US" altLang="zh-CN" sz="1400"/>
+              <a:t>key</a:t>
+            </a:r>
+            <a:r>
+              <a:rPr kumimoji="1" lang="zh-CN" altLang="en-US" sz="1400"/>
+              <a:t>用异或的方式插入</a:t>
+            </a:r>
+            <a:r>
+              <a:rPr kumimoji="1" lang="en-US" altLang="zh-CN" sz="1400"/>
+              <a:t>FlowXOR</a:t>
+            </a:r>
+          </a:p>
+          <a:p>
+            <a:pPr lvl="3">
+              <a:spcBef>
+                <a:spcPts val="0"/>
+              </a:spcBef>
+              <a:defRPr/>
+            </a:pPr>
+            <a:r>
+              <a:rPr kumimoji="1" lang="en-US" altLang="zh-CN" sz="1400"/>
+              <a:t>FlowCount+1</a:t>
+            </a:r>
+            <a:r>
+              <a:rPr kumimoji="1" lang="zh-CN" altLang="en-US" sz="1400"/>
+              <a:t>，</a:t>
+            </a:r>
+            <a:r>
+              <a:rPr kumimoji="1" lang="en-US" altLang="zh-CN" sz="1400"/>
+              <a:t>PacketCount+1</a:t>
+            </a:r>
+          </a:p>
+          <a:p>
+            <a:pPr>
+              <a:spcBef>
+                <a:spcPts val="0"/>
+              </a:spcBef>
+              <a:defRPr/>
+            </a:pPr>
+            <a:endParaRPr kumimoji="1" lang="en-US" altLang="zh-CN" sz="2000"/>
+          </a:p>
+        </p:txBody>
+      </p:sp>
+      <p:pic>
+        <p:nvPicPr>
+          <p:cNvPr id="4" name="图片 3"/>
+          <p:cNvPicPr>
+            <a:picLocks noChangeAspect="1"/>
+          </p:cNvPicPr>
+          <p:nvPr/>
+        </p:nvPicPr>
+        <p:blipFill>
+          <a:blip r:embed="rId2">
+            <a:extLst>
+              <a:ext uri="{28A0092B-C50C-407E-A947-70E740481C1C}">
+                <a14:useLocalDpi xmlns:a14="http://schemas.microsoft.com/office/drawing/2010/main" val="0"/>
+              </a:ext>
+            </a:extLst>
+          </a:blip>
+          <a:stretch>
+            <a:fillRect/>
+          </a:stretch>
+        </p:blipFill>
+        <p:spPr>
+          <a:xfrm>
+            <a:off x="1595966" y="2335551"/>
+            <a:ext cx="5952067" cy="1664779"/>
+          </a:xfrm>
+          <a:prstGeom prst="rect">
+            <a:avLst/>
+          </a:prstGeom>
+        </p:spPr>
+      </p:pic>
+    </p:spTree>
+    <p:extLst>
+      <p:ext uri="{BB962C8B-B14F-4D97-AF65-F5344CB8AC3E}">
+        <p14:creationId xmlns:p14="http://schemas.microsoft.com/office/powerpoint/2010/main" val="1132275260"/>
+      </p:ext>
+    </p:extLst>
+  </p:cSld>
+  <p:clrMapOvr>
+    <a:masterClrMapping/>
+  </p:clrMapOvr>
+  <p:timing>
+    <p:tnLst>
+      <p:par>
+        <p:cTn id="1" dur="indefinite" restart="never" nodeType="tmRoot"/>
+      </p:par>
+    </p:tnLst>
+  </p:timing>
+</p:sld>
+</file>
+
+<file path=ppt/slides/slide29.xml><?xml version="1.0" encoding="utf-8"?>
+<p:sld xmlns:a="http://schemas.openxmlformats.org/drawingml/2006/main" xmlns:r="http://schemas.openxmlformats.org/officeDocument/2006/relationships" xmlns:p="http://schemas.openxmlformats.org/presentationml/2006/main">
+  <p:cSld>
+    <p:spTree>
+      <p:nvGrpSpPr>
+        <p:cNvPr id="1" name=""/>
+        <p:cNvGrpSpPr/>
+        <p:nvPr/>
+      </p:nvGrpSpPr>
+      <p:grpSpPr>
+        <a:xfrm>
+          <a:off x="0" y="0"/>
+          <a:ext cx="0" cy="0"/>
+          <a:chOff x="0" y="0"/>
+          <a:chExt cx="0" cy="0"/>
+        </a:xfrm>
+      </p:grpSpPr>
+      <p:sp>
+        <p:nvSpPr>
+          <p:cNvPr id="2" name="标题 1"/>
+          <p:cNvSpPr>
+            <a:spLocks noGrp="1"/>
+          </p:cNvSpPr>
+          <p:nvPr>
+            <p:ph type="title"/>
+          </p:nvPr>
+        </p:nvSpPr>
+        <p:spPr/>
+        <p:txBody>
+          <a:bodyPr/>
+          <a:lstStyle/>
+          <a:p>
+            <a:r>
+              <a:rPr kumimoji="1" lang="en-US" altLang="zh-CN"/>
+              <a:t>FlowRadar</a:t>
+            </a:r>
+            <a:endParaRPr kumimoji="1" lang="zh-CN" altLang="en-US"/>
+          </a:p>
+        </p:txBody>
+      </p:sp>
+      <p:sp>
+        <p:nvSpPr>
+          <p:cNvPr id="3" name="内容占位符 2"/>
+          <p:cNvSpPr>
+            <a:spLocks noGrp="1"/>
+          </p:cNvSpPr>
+          <p:nvPr>
+            <p:ph idx="1"/>
+          </p:nvPr>
+        </p:nvSpPr>
+        <p:spPr>
+          <a:xfrm>
+            <a:off x="358775" y="1142660"/>
+            <a:ext cx="8426450" cy="5715340"/>
+          </a:xfrm>
+        </p:spPr>
+        <p:txBody>
+          <a:bodyPr>
+            <a:normAutofit/>
+          </a:bodyPr>
+          <a:lstStyle/>
+          <a:p>
+            <a:pPr>
+              <a:spcBef>
+                <a:spcPts val="0"/>
+              </a:spcBef>
+              <a:defRPr/>
+            </a:pPr>
+            <a:r>
+              <a:rPr kumimoji="1" lang="zh-CN" altLang="en-US" sz="2000"/>
+              <a:t>单点解码：和</a:t>
+            </a:r>
+            <a:r>
+              <a:rPr kumimoji="1" lang="en-US" altLang="zh-CN" sz="2000"/>
+              <a:t>IBLT</a:t>
+            </a:r>
+            <a:r>
+              <a:rPr kumimoji="1" lang="zh-CN" altLang="en-US" sz="2000"/>
+              <a:t>一样</a:t>
+            </a:r>
+            <a:endParaRPr kumimoji="1" lang="en-US" altLang="zh-CN" sz="2000"/>
+          </a:p>
+          <a:p>
+            <a:pPr lvl="1">
+              <a:spcBef>
+                <a:spcPts val="0"/>
+              </a:spcBef>
+              <a:defRPr/>
+            </a:pPr>
+            <a:r>
+              <a:rPr kumimoji="1" lang="zh-CN" altLang="en-US" sz="1600"/>
+              <a:t>先找</a:t>
+            </a:r>
+            <a:r>
+              <a:rPr kumimoji="1" lang="en-US" altLang="zh-CN" sz="1600"/>
+              <a:t>FlowCount=1</a:t>
+            </a:r>
+            <a:r>
+              <a:rPr kumimoji="1" lang="zh-CN" altLang="en-US" sz="1600"/>
+              <a:t>的</a:t>
+            </a:r>
+            <a:r>
+              <a:rPr kumimoji="1" lang="en-US" altLang="zh-CN" sz="1600"/>
+              <a:t>cell</a:t>
+            </a:r>
+            <a:r>
+              <a:rPr kumimoji="1" lang="zh-CN" altLang="en-US" sz="1600"/>
+              <a:t>，解出</a:t>
+            </a:r>
+            <a:r>
+              <a:rPr kumimoji="1" lang="en-US" altLang="zh-CN" sz="1600"/>
+              <a:t>key</a:t>
+            </a:r>
+            <a:r>
+              <a:rPr kumimoji="1" lang="zh-CN" altLang="en-US" sz="1600"/>
+              <a:t>和</a:t>
+            </a:r>
+            <a:r>
+              <a:rPr kumimoji="1" lang="en-US" altLang="zh-CN" sz="1600"/>
+              <a:t>value</a:t>
+            </a:r>
+          </a:p>
+          <a:p>
+            <a:pPr lvl="1">
+              <a:spcBef>
+                <a:spcPts val="0"/>
+              </a:spcBef>
+              <a:defRPr/>
+            </a:pPr>
+            <a:r>
+              <a:rPr kumimoji="1" lang="zh-CN" altLang="en-US" sz="1600"/>
+              <a:t>将上面的</a:t>
+            </a:r>
+            <a:r>
+              <a:rPr kumimoji="1" lang="en-US" altLang="zh-CN" sz="1600"/>
+              <a:t>key</a:t>
+            </a:r>
+            <a:r>
+              <a:rPr kumimoji="1" lang="zh-CN" altLang="en-US" sz="1600"/>
+              <a:t>的相关信息从</a:t>
+            </a:r>
+            <a:r>
+              <a:rPr kumimoji="1" lang="en-US" altLang="zh-CN" sz="1600"/>
+              <a:t>Counting</a:t>
+            </a:r>
+            <a:r>
+              <a:rPr kumimoji="1" lang="zh-CN" altLang="en-US" sz="1600"/>
+              <a:t> </a:t>
+            </a:r>
+            <a:r>
+              <a:rPr kumimoji="1" lang="en-US" altLang="zh-CN" sz="1600"/>
+              <a:t>Table</a:t>
+            </a:r>
+            <a:r>
+              <a:rPr kumimoji="1" lang="zh-CN" altLang="en-US" sz="1600"/>
+              <a:t>中删除，回到第一步</a:t>
+            </a:r>
+            <a:endParaRPr kumimoji="1" lang="en-US" altLang="zh-CN" sz="1600"/>
+          </a:p>
+          <a:p>
+            <a:pPr lvl="1">
+              <a:spcBef>
+                <a:spcPts val="0"/>
+              </a:spcBef>
+              <a:defRPr/>
+            </a:pPr>
+            <a:endParaRPr kumimoji="1" lang="en-US" altLang="zh-CN" sz="1600"/>
+          </a:p>
+          <a:p>
+            <a:pPr>
+              <a:spcBef>
+                <a:spcPts val="0"/>
+              </a:spcBef>
+              <a:defRPr/>
+            </a:pPr>
+            <a:r>
+              <a:rPr kumimoji="1" lang="zh-CN" altLang="en-US" sz="2000"/>
+              <a:t>全网解码：</a:t>
+            </a:r>
+            <a:endParaRPr kumimoji="1" lang="en-US" altLang="zh-CN" sz="2000"/>
+          </a:p>
+          <a:p>
+            <a:pPr lvl="1">
+              <a:spcBef>
+                <a:spcPts val="0"/>
+              </a:spcBef>
+              <a:defRPr/>
+            </a:pPr>
+            <a:r>
+              <a:rPr kumimoji="1" lang="en-US" altLang="zh-CN" sz="1600"/>
+              <a:t>Switch</a:t>
+            </a:r>
+            <a:r>
+              <a:rPr kumimoji="1" lang="zh-CN" altLang="en-US" sz="1600"/>
+              <a:t>之间解码：</a:t>
+            </a:r>
+            <a:endParaRPr kumimoji="1" lang="en-US" altLang="zh-CN" sz="1600"/>
+          </a:p>
+          <a:p>
+            <a:pPr lvl="2">
+              <a:spcBef>
+                <a:spcPts val="0"/>
+              </a:spcBef>
+              <a:defRPr/>
+            </a:pPr>
+            <a:r>
+              <a:rPr kumimoji="1" lang="zh-CN" altLang="en-US" sz="1400"/>
+              <a:t>假如流 </a:t>
+            </a:r>
+            <a:r>
+              <a:rPr kumimoji="1" lang="en-US" altLang="zh-CN" sz="1400"/>
+              <a:t>f</a:t>
+            </a:r>
+            <a:r>
+              <a:rPr kumimoji="1" lang="zh-CN" altLang="en-US" sz="1400"/>
+              <a:t> 在交换机</a:t>
+            </a:r>
+            <a:r>
+              <a:rPr kumimoji="1" lang="en-US" altLang="zh-CN" sz="1400"/>
+              <a:t>S1</a:t>
+            </a:r>
+            <a:r>
+              <a:rPr kumimoji="1" lang="zh-CN" altLang="en-US" sz="1400"/>
+              <a:t>和</a:t>
+            </a:r>
+            <a:r>
+              <a:rPr kumimoji="1" lang="en-US" altLang="zh-CN" sz="1400"/>
+              <a:t>S2</a:t>
+            </a:r>
+            <a:r>
+              <a:rPr kumimoji="1" lang="zh-CN" altLang="en-US" sz="1400"/>
+              <a:t>中出现（通过</a:t>
+            </a:r>
+            <a:r>
+              <a:rPr kumimoji="1" lang="en-US" altLang="zh-CN" sz="1400"/>
+              <a:t>bloom</a:t>
+            </a:r>
+            <a:r>
+              <a:rPr kumimoji="1" lang="zh-CN" altLang="en-US" sz="1400"/>
+              <a:t> </a:t>
+            </a:r>
+            <a:r>
+              <a:rPr kumimoji="1" lang="en-US" altLang="zh-CN" sz="1400"/>
+              <a:t>filter</a:t>
+            </a:r>
+            <a:r>
+              <a:rPr kumimoji="1" lang="zh-CN" altLang="en-US" sz="1400"/>
+              <a:t>判断），但是只在</a:t>
+            </a:r>
+            <a:r>
+              <a:rPr kumimoji="1" lang="en-US" altLang="zh-CN" sz="1400"/>
+              <a:t>S1</a:t>
+            </a:r>
+            <a:r>
+              <a:rPr kumimoji="1" lang="zh-CN" altLang="en-US" sz="1400"/>
+              <a:t>中解码成功</a:t>
+            </a:r>
+            <a:endParaRPr kumimoji="1" lang="en-US" altLang="zh-CN" sz="1400"/>
+          </a:p>
+          <a:p>
+            <a:pPr lvl="2">
+              <a:spcBef>
+                <a:spcPts val="0"/>
+              </a:spcBef>
+              <a:defRPr/>
+            </a:pPr>
+            <a:r>
+              <a:rPr kumimoji="1" lang="zh-CN" altLang="en-US" sz="1400"/>
+              <a:t>利用 </a:t>
+            </a:r>
+            <a:r>
+              <a:rPr kumimoji="1" lang="en-US" altLang="zh-CN" sz="1400"/>
+              <a:t>f</a:t>
+            </a:r>
+            <a:r>
+              <a:rPr kumimoji="1" lang="zh-CN" altLang="en-US" sz="1400"/>
+              <a:t> 在</a:t>
+            </a:r>
+            <a:r>
+              <a:rPr kumimoji="1" lang="en-US" altLang="zh-CN" sz="1400"/>
+              <a:t>S1</a:t>
+            </a:r>
+            <a:r>
+              <a:rPr kumimoji="1" lang="zh-CN" altLang="en-US" sz="1400"/>
+              <a:t>中的信息，可以将在</a:t>
+            </a:r>
+            <a:r>
+              <a:rPr kumimoji="1" lang="en-US" altLang="zh-CN" sz="1400"/>
+              <a:t>S2</a:t>
+            </a:r>
+            <a:r>
+              <a:rPr kumimoji="1" lang="zh-CN" altLang="en-US" sz="1400"/>
+              <a:t>中删除 </a:t>
+            </a:r>
+            <a:r>
+              <a:rPr kumimoji="1" lang="en-US" altLang="zh-CN" sz="1400"/>
+              <a:t>f</a:t>
+            </a:r>
+            <a:r>
+              <a:rPr kumimoji="1" lang="zh-CN" altLang="en-US" sz="1400"/>
+              <a:t> 的信息，提高</a:t>
+            </a:r>
+            <a:r>
+              <a:rPr kumimoji="1" lang="en-US" altLang="zh-CN" sz="1400"/>
+              <a:t>S2</a:t>
+            </a:r>
+            <a:r>
+              <a:rPr kumimoji="1" lang="zh-CN" altLang="en-US" sz="1400"/>
+              <a:t>的解码成功率</a:t>
+            </a:r>
+            <a:endParaRPr kumimoji="1" lang="en-US" altLang="zh-CN" sz="1400"/>
+          </a:p>
+          <a:p>
+            <a:pPr lvl="1">
+              <a:spcBef>
+                <a:spcPts val="0"/>
+              </a:spcBef>
+              <a:defRPr/>
+            </a:pPr>
+            <a:r>
+              <a:rPr kumimoji="1" lang="en-US" altLang="zh-CN" sz="1800"/>
+              <a:t>CounterDecode</a:t>
+            </a:r>
+            <a:r>
+              <a:rPr kumimoji="1" lang="zh-CN" altLang="en-US" sz="1800"/>
+              <a:t> </a:t>
+            </a:r>
+            <a:r>
+              <a:rPr kumimoji="1" lang="en-US" altLang="zh-CN" sz="1800"/>
+              <a:t>at</a:t>
+            </a:r>
+            <a:r>
+              <a:rPr kumimoji="1" lang="zh-CN" altLang="en-US" sz="1800"/>
+              <a:t> </a:t>
+            </a:r>
+            <a:r>
+              <a:rPr kumimoji="1" lang="en-US" altLang="zh-CN" sz="1800"/>
+              <a:t>a</a:t>
+            </a:r>
+            <a:r>
+              <a:rPr kumimoji="1" lang="zh-CN" altLang="en-US" sz="1800"/>
+              <a:t> </a:t>
+            </a:r>
+            <a:r>
+              <a:rPr kumimoji="1" lang="en-US" altLang="zh-CN" sz="1800"/>
+              <a:t>single</a:t>
+            </a:r>
+            <a:r>
+              <a:rPr kumimoji="1" lang="zh-CN" altLang="en-US" sz="1800"/>
+              <a:t> </a:t>
+            </a:r>
+            <a:r>
+              <a:rPr kumimoji="1" lang="en-US" altLang="zh-CN" sz="1800"/>
+              <a:t>switch</a:t>
+            </a:r>
+            <a:r>
+              <a:rPr kumimoji="1" lang="zh-CN" altLang="en-US" sz="1800"/>
+              <a:t>：</a:t>
+            </a:r>
+            <a:endParaRPr kumimoji="1" lang="en-US" altLang="zh-CN" sz="1800"/>
+          </a:p>
+          <a:p>
+            <a:pPr lvl="2">
+              <a:spcBef>
+                <a:spcPts val="0"/>
+              </a:spcBef>
+              <a:defRPr/>
+            </a:pPr>
+            <a:r>
+              <a:rPr kumimoji="1" lang="zh-CN" altLang="en-US" sz="1400"/>
+              <a:t>通过上面的方式，可以大概知道一个</a:t>
+            </a:r>
+            <a:r>
+              <a:rPr kumimoji="1" lang="en-US" altLang="zh-CN" sz="1400"/>
+              <a:t>counter</a:t>
+            </a:r>
+            <a:r>
+              <a:rPr kumimoji="1" lang="zh-CN" altLang="en-US" sz="1400"/>
+              <a:t>里面包含了哪些</a:t>
+            </a:r>
+            <a:r>
+              <a:rPr kumimoji="1" lang="en-US" altLang="zh-CN" sz="1400"/>
+              <a:t>key</a:t>
+            </a:r>
+            <a:r>
+              <a:rPr kumimoji="1" lang="zh-CN" altLang="en-US" sz="1400"/>
+              <a:t>，以及对应的包总数</a:t>
+            </a:r>
+            <a:endParaRPr kumimoji="1" lang="en-US" altLang="zh-CN" sz="1400"/>
+          </a:p>
+          <a:p>
+            <a:pPr lvl="2">
+              <a:spcBef>
+                <a:spcPts val="0"/>
+              </a:spcBef>
+              <a:defRPr/>
+            </a:pPr>
+            <a:r>
+              <a:rPr kumimoji="1" lang="zh-CN" altLang="en-US" sz="1400"/>
+              <a:t>假设有</a:t>
+            </a:r>
+            <a:r>
+              <a:rPr kumimoji="1" lang="en-US" altLang="zh-CN" sz="1400"/>
+              <a:t>m</a:t>
+            </a:r>
+            <a:r>
+              <a:rPr kumimoji="1" lang="zh-CN" altLang="en-US" sz="1400"/>
+              <a:t>个这样的</a:t>
+            </a:r>
+            <a:r>
+              <a:rPr kumimoji="1" lang="en-US" altLang="zh-CN" sz="1400"/>
+              <a:t>counter</a:t>
+            </a:r>
+            <a:r>
+              <a:rPr kumimoji="1" lang="zh-CN" altLang="en-US" sz="1400"/>
+              <a:t>，有</a:t>
+            </a:r>
+            <a:r>
+              <a:rPr kumimoji="1" lang="en-US" altLang="zh-CN" sz="1400"/>
+              <a:t>n</a:t>
+            </a:r>
+            <a:r>
+              <a:rPr kumimoji="1" lang="zh-CN" altLang="en-US" sz="1400"/>
+              <a:t>个已知的</a:t>
+            </a:r>
+            <a:r>
+              <a:rPr kumimoji="1" lang="en-US" altLang="zh-CN" sz="1400"/>
+              <a:t>key</a:t>
+            </a:r>
+            <a:endParaRPr kumimoji="1" lang="en-US" altLang="zh-CN" sz="1200"/>
+          </a:p>
+          <a:p>
+            <a:pPr lvl="2">
+              <a:spcBef>
+                <a:spcPts val="0"/>
+              </a:spcBef>
+              <a:defRPr/>
+            </a:pPr>
+            <a:r>
+              <a:rPr kumimoji="1" lang="zh-CN" altLang="en-US" sz="1400"/>
+              <a:t>可以通过解线性方程组的方式解码</a:t>
+            </a:r>
+            <a:endParaRPr kumimoji="1" lang="en-US" altLang="zh-CN" sz="1600"/>
+          </a:p>
+        </p:txBody>
+      </p:sp>
+    </p:spTree>
+    <p:extLst>
+      <p:ext uri="{BB962C8B-B14F-4D97-AF65-F5344CB8AC3E}">
+        <p14:creationId xmlns:p14="http://schemas.microsoft.com/office/powerpoint/2010/main" val="526802725"/>
+      </p:ext>
+    </p:extLst>
+  </p:cSld>
+  <p:clrMapOvr>
+    <a:masterClrMapping/>
+  </p:clrMapOvr>
+  <p:timing>
+    <p:tnLst>
+      <p:par>
+        <p:cTn id="1" dur="indefinite" restart="never" nodeType="tmRoot"/>
+      </p:par>
+    </p:tnLst>
+  </p:timing>
 </p:sld>
 </file>
 
@@ -16757,6 +18650,782 @@
     <p:extLst>
       <p:ext uri="{BB962C8B-B14F-4D97-AF65-F5344CB8AC3E}">
         <p14:creationId xmlns:p14="http://schemas.microsoft.com/office/powerpoint/2010/main" val="1305436943"/>
+      </p:ext>
+    </p:extLst>
+  </p:cSld>
+  <p:clrMapOvr>
+    <a:masterClrMapping/>
+  </p:clrMapOvr>
+  <p:timing>
+    <p:tnLst>
+      <p:par>
+        <p:cTn id="1" dur="indefinite" restart="never" nodeType="tmRoot"/>
+      </p:par>
+    </p:tnLst>
+  </p:timing>
+</p:sld>
+</file>
+
+<file path=ppt/slides/slide30.xml><?xml version="1.0" encoding="utf-8"?>
+<p:sld xmlns:a="http://schemas.openxmlformats.org/drawingml/2006/main" xmlns:r="http://schemas.openxmlformats.org/officeDocument/2006/relationships" xmlns:p="http://schemas.openxmlformats.org/presentationml/2006/main">
+  <p:cSld>
+    <p:spTree>
+      <p:nvGrpSpPr>
+        <p:cNvPr id="1" name=""/>
+        <p:cNvGrpSpPr/>
+        <p:nvPr/>
+      </p:nvGrpSpPr>
+      <p:grpSpPr>
+        <a:xfrm>
+          <a:off x="0" y="0"/>
+          <a:ext cx="0" cy="0"/>
+          <a:chOff x="0" y="0"/>
+          <a:chExt cx="0" cy="0"/>
+        </a:xfrm>
+      </p:grpSpPr>
+      <p:sp>
+        <p:nvSpPr>
+          <p:cNvPr id="2" name="标题 1"/>
+          <p:cNvSpPr>
+            <a:spLocks noGrp="1"/>
+          </p:cNvSpPr>
+          <p:nvPr>
+            <p:ph type="title"/>
+          </p:nvPr>
+        </p:nvSpPr>
+        <p:spPr/>
+        <p:txBody>
+          <a:bodyPr/>
+          <a:lstStyle/>
+          <a:p>
+            <a:r>
+              <a:rPr kumimoji="1" lang="en-US" altLang="zh-CN"/>
+              <a:t>SketchVisor</a:t>
+            </a:r>
+            <a:endParaRPr kumimoji="1" lang="zh-CN" altLang="en-US"/>
+          </a:p>
+        </p:txBody>
+      </p:sp>
+      <p:sp>
+        <p:nvSpPr>
+          <p:cNvPr id="3" name="内容占位符 2"/>
+          <p:cNvSpPr>
+            <a:spLocks noGrp="1"/>
+          </p:cNvSpPr>
+          <p:nvPr>
+            <p:ph idx="1"/>
+          </p:nvPr>
+        </p:nvSpPr>
+        <p:spPr>
+          <a:xfrm>
+            <a:off x="358775" y="1142660"/>
+            <a:ext cx="8426450" cy="5715340"/>
+          </a:xfrm>
+        </p:spPr>
+        <p:txBody>
+          <a:bodyPr>
+            <a:normAutofit/>
+          </a:bodyPr>
+          <a:lstStyle/>
+          <a:p>
+            <a:pPr>
+              <a:spcBef>
+                <a:spcPts val="0"/>
+              </a:spcBef>
+              <a:defRPr/>
+            </a:pPr>
+            <a:r>
+              <a:rPr kumimoji="1" lang="zh-CN" altLang="en-US" sz="2000"/>
+              <a:t>作用：集成多种已有</a:t>
+            </a:r>
+            <a:r>
+              <a:rPr kumimoji="1" lang="en-US" altLang="zh-CN" sz="2000"/>
+              <a:t>sketch</a:t>
+            </a:r>
+            <a:r>
+              <a:rPr kumimoji="1" lang="zh-CN" altLang="en-US" sz="2000"/>
+              <a:t>算法，可以处理多种测量任务的系统</a:t>
+            </a:r>
+            <a:endParaRPr kumimoji="1" lang="en-US" altLang="zh-CN" sz="2000"/>
+          </a:p>
+          <a:p>
+            <a:pPr>
+              <a:spcBef>
+                <a:spcPts val="0"/>
+              </a:spcBef>
+              <a:defRPr/>
+            </a:pPr>
+            <a:r>
+              <a:rPr kumimoji="1" lang="en-US" altLang="zh-CN" sz="2000"/>
+              <a:t>Overview</a:t>
+            </a:r>
+            <a:r>
+              <a:rPr kumimoji="1" lang="zh-CN" altLang="en-US" sz="2000"/>
+              <a:t>：</a:t>
+            </a:r>
+            <a:endParaRPr kumimoji="1" lang="en-US" altLang="zh-CN" sz="2000"/>
+          </a:p>
+          <a:p>
+            <a:pPr lvl="1">
+              <a:spcBef>
+                <a:spcPts val="0"/>
+              </a:spcBef>
+              <a:defRPr/>
+            </a:pPr>
+            <a:r>
+              <a:rPr kumimoji="1" lang="en-US" altLang="zh-CN" sz="1800"/>
+              <a:t>Data</a:t>
+            </a:r>
+            <a:r>
+              <a:rPr kumimoji="1" lang="zh-CN" altLang="en-US" sz="1800"/>
+              <a:t> </a:t>
+            </a:r>
+            <a:r>
+              <a:rPr kumimoji="1" lang="en-US" altLang="zh-CN" sz="1800"/>
+              <a:t>plane</a:t>
+            </a:r>
+            <a:r>
+              <a:rPr kumimoji="1" lang="zh-CN" altLang="en-US" sz="1800"/>
+              <a:t>：</a:t>
+            </a:r>
+            <a:endParaRPr kumimoji="1" lang="en-US" altLang="zh-CN" sz="1800"/>
+          </a:p>
+          <a:p>
+            <a:pPr lvl="2">
+              <a:spcBef>
+                <a:spcPts val="0"/>
+              </a:spcBef>
+              <a:defRPr/>
+            </a:pPr>
+            <a:r>
+              <a:rPr kumimoji="1" lang="en-US" altLang="zh-CN" sz="1600"/>
+              <a:t>Normal</a:t>
+            </a:r>
+            <a:r>
+              <a:rPr kumimoji="1" lang="zh-CN" altLang="en-US" sz="1600"/>
+              <a:t> </a:t>
+            </a:r>
+            <a:r>
+              <a:rPr kumimoji="1" lang="en-US" altLang="zh-CN" sz="1600"/>
+              <a:t>path</a:t>
+            </a:r>
+            <a:r>
+              <a:rPr kumimoji="1" lang="zh-CN" altLang="en-US" sz="1600"/>
+              <a:t>：若</a:t>
+            </a:r>
+            <a:r>
+              <a:rPr kumimoji="1" lang="en-US" altLang="zh-CN" sz="1600"/>
+              <a:t>FIFO</a:t>
+            </a:r>
+            <a:r>
+              <a:rPr kumimoji="1" lang="zh-CN" altLang="en-US" sz="1600"/>
+              <a:t> </a:t>
+            </a:r>
+            <a:r>
+              <a:rPr kumimoji="1" lang="en-US" altLang="zh-CN" sz="1600"/>
+              <a:t>buffer</a:t>
+            </a:r>
+            <a:r>
+              <a:rPr kumimoji="1" lang="zh-CN" altLang="en-US" sz="1600"/>
+              <a:t>没满，则进入</a:t>
+            </a:r>
+            <a:r>
+              <a:rPr kumimoji="1" lang="en-US" altLang="zh-CN" sz="1600"/>
+              <a:t>normal</a:t>
+            </a:r>
+            <a:r>
+              <a:rPr kumimoji="1" lang="zh-CN" altLang="en-US" sz="1600"/>
+              <a:t> </a:t>
+            </a:r>
+            <a:r>
+              <a:rPr kumimoji="1" lang="en-US" altLang="zh-CN" sz="1600"/>
+              <a:t>path</a:t>
+            </a:r>
+          </a:p>
+          <a:p>
+            <a:pPr lvl="2">
+              <a:spcBef>
+                <a:spcPts val="0"/>
+              </a:spcBef>
+              <a:defRPr/>
+            </a:pPr>
+            <a:r>
+              <a:rPr kumimoji="1" lang="en-US" altLang="zh-CN" sz="1600"/>
+              <a:t>Fast</a:t>
+            </a:r>
+            <a:r>
+              <a:rPr kumimoji="1" lang="zh-CN" altLang="en-US" sz="1600"/>
+              <a:t> </a:t>
+            </a:r>
+            <a:r>
+              <a:rPr kumimoji="1" lang="en-US" altLang="zh-CN" sz="1600"/>
+              <a:t>path</a:t>
+            </a:r>
+            <a:r>
+              <a:rPr kumimoji="1" lang="zh-CN" altLang="en-US" sz="1600"/>
+              <a:t>：若</a:t>
+            </a:r>
+            <a:r>
+              <a:rPr kumimoji="1" lang="en-US" altLang="zh-CN" sz="1600"/>
+              <a:t>FIFO</a:t>
+            </a:r>
+            <a:r>
+              <a:rPr kumimoji="1" lang="zh-CN" altLang="en-US" sz="1600"/>
+              <a:t> </a:t>
+            </a:r>
+            <a:r>
+              <a:rPr kumimoji="1" lang="en-US" altLang="zh-CN" sz="1600"/>
+              <a:t>buffer</a:t>
+            </a:r>
+            <a:r>
+              <a:rPr kumimoji="1" lang="zh-CN" altLang="en-US" sz="1600"/>
+              <a:t>满了，则进入</a:t>
+            </a:r>
+            <a:r>
+              <a:rPr kumimoji="1" lang="en-US" altLang="zh-CN" sz="1600"/>
+              <a:t>fast</a:t>
+            </a:r>
+            <a:r>
+              <a:rPr kumimoji="1" lang="zh-CN" altLang="en-US" sz="1600"/>
+              <a:t> </a:t>
+            </a:r>
+            <a:r>
+              <a:rPr kumimoji="1" lang="en-US" altLang="zh-CN" sz="1600"/>
+              <a:t>path</a:t>
+            </a:r>
+          </a:p>
+          <a:p>
+            <a:pPr lvl="1">
+              <a:spcBef>
+                <a:spcPts val="0"/>
+              </a:spcBef>
+              <a:defRPr/>
+            </a:pPr>
+            <a:r>
+              <a:rPr kumimoji="1" lang="en-US" altLang="zh-CN" sz="1800"/>
+              <a:t>Control</a:t>
+            </a:r>
+            <a:r>
+              <a:rPr kumimoji="1" lang="zh-CN" altLang="en-US" sz="1800"/>
+              <a:t> </a:t>
+            </a:r>
+            <a:r>
+              <a:rPr kumimoji="1" lang="en-US" altLang="zh-CN" sz="1800"/>
+              <a:t>plane</a:t>
+            </a:r>
+            <a:r>
+              <a:rPr kumimoji="1" lang="zh-CN" altLang="en-US" sz="1800"/>
+              <a:t>：</a:t>
+            </a:r>
+            <a:endParaRPr kumimoji="1" lang="en-US" altLang="zh-CN" sz="1800"/>
+          </a:p>
+          <a:p>
+            <a:pPr lvl="2">
+              <a:spcBef>
+                <a:spcPts val="0"/>
+              </a:spcBef>
+              <a:defRPr/>
+            </a:pPr>
+            <a:r>
+              <a:rPr kumimoji="1" lang="zh-CN" altLang="en-US" sz="1600"/>
+              <a:t>从各个</a:t>
+            </a:r>
+            <a:r>
+              <a:rPr kumimoji="1" lang="en-US" altLang="zh-CN" sz="1600"/>
+              <a:t>Data</a:t>
+            </a:r>
+            <a:r>
+              <a:rPr kumimoji="1" lang="zh-CN" altLang="en-US" sz="1600"/>
+              <a:t> </a:t>
+            </a:r>
+            <a:r>
+              <a:rPr kumimoji="1" lang="en-US" altLang="zh-CN" sz="1600"/>
+              <a:t>plane</a:t>
+            </a:r>
+            <a:r>
+              <a:rPr kumimoji="1" lang="zh-CN" altLang="en-US" sz="1600"/>
+              <a:t>收集数据，并对收集到的缺损数据进行一定恢复</a:t>
+            </a:r>
+            <a:endParaRPr kumimoji="1" lang="en-US" altLang="zh-CN" sz="1600"/>
+          </a:p>
+          <a:p>
+            <a:pPr lvl="2">
+              <a:spcBef>
+                <a:spcPts val="0"/>
+              </a:spcBef>
+              <a:defRPr/>
+            </a:pPr>
+            <a:endParaRPr kumimoji="1" lang="en-US" altLang="zh-CN" sz="1200"/>
+          </a:p>
+          <a:p>
+            <a:pPr>
+              <a:spcBef>
+                <a:spcPts val="0"/>
+              </a:spcBef>
+              <a:defRPr/>
+            </a:pPr>
+            <a:endParaRPr kumimoji="1" lang="en-US" altLang="zh-CN" sz="2000"/>
+          </a:p>
+          <a:p>
+            <a:pPr>
+              <a:spcBef>
+                <a:spcPts val="0"/>
+              </a:spcBef>
+              <a:defRPr/>
+            </a:pPr>
+            <a:endParaRPr kumimoji="1" lang="en-US" altLang="zh-CN" sz="2000"/>
+          </a:p>
+          <a:p>
+            <a:pPr>
+              <a:spcBef>
+                <a:spcPts val="0"/>
+              </a:spcBef>
+              <a:defRPr/>
+            </a:pPr>
+            <a:endParaRPr kumimoji="1" lang="en-US" altLang="zh-CN" sz="2000"/>
+          </a:p>
+        </p:txBody>
+      </p:sp>
+      <p:pic>
+        <p:nvPicPr>
+          <p:cNvPr id="4" name="图片 3"/>
+          <p:cNvPicPr>
+            <a:picLocks noChangeAspect="1"/>
+          </p:cNvPicPr>
+          <p:nvPr/>
+        </p:nvPicPr>
+        <p:blipFill>
+          <a:blip r:embed="rId2">
+            <a:extLst>
+              <a:ext uri="{28A0092B-C50C-407E-A947-70E740481C1C}">
+                <a14:useLocalDpi xmlns:a14="http://schemas.microsoft.com/office/drawing/2010/main" val="0"/>
+              </a:ext>
+            </a:extLst>
+          </a:blip>
+          <a:stretch>
+            <a:fillRect/>
+          </a:stretch>
+        </p:blipFill>
+        <p:spPr>
+          <a:xfrm>
+            <a:off x="809469" y="4031494"/>
+            <a:ext cx="3432748" cy="2826506"/>
+          </a:xfrm>
+          <a:prstGeom prst="rect">
+            <a:avLst/>
+          </a:prstGeom>
+        </p:spPr>
+      </p:pic>
+      <p:pic>
+        <p:nvPicPr>
+          <p:cNvPr id="5" name="图片 4"/>
+          <p:cNvPicPr>
+            <a:picLocks noChangeAspect="1"/>
+          </p:cNvPicPr>
+          <p:nvPr/>
+        </p:nvPicPr>
+        <p:blipFill>
+          <a:blip r:embed="rId3">
+            <a:extLst>
+              <a:ext uri="{28A0092B-C50C-407E-A947-70E740481C1C}">
+                <a14:useLocalDpi xmlns:a14="http://schemas.microsoft.com/office/drawing/2010/main" val="0"/>
+              </a:ext>
+            </a:extLst>
+          </a:blip>
+          <a:stretch>
+            <a:fillRect/>
+          </a:stretch>
+        </p:blipFill>
+        <p:spPr>
+          <a:xfrm>
+            <a:off x="4857799" y="4415699"/>
+            <a:ext cx="3401777" cy="2442301"/>
+          </a:xfrm>
+          <a:prstGeom prst="rect">
+            <a:avLst/>
+          </a:prstGeom>
+        </p:spPr>
+      </p:pic>
+    </p:spTree>
+    <p:extLst>
+      <p:ext uri="{BB962C8B-B14F-4D97-AF65-F5344CB8AC3E}">
+        <p14:creationId xmlns:p14="http://schemas.microsoft.com/office/powerpoint/2010/main" val="936797105"/>
+      </p:ext>
+    </p:extLst>
+  </p:cSld>
+  <p:clrMapOvr>
+    <a:masterClrMapping/>
+  </p:clrMapOvr>
+  <p:timing>
+    <p:tnLst>
+      <p:par>
+        <p:cTn id="1" dur="indefinite" restart="never" nodeType="tmRoot"/>
+      </p:par>
+    </p:tnLst>
+  </p:timing>
+</p:sld>
+</file>
+
+<file path=ppt/slides/slide31.xml><?xml version="1.0" encoding="utf-8"?>
+<p:sld xmlns:a="http://schemas.openxmlformats.org/drawingml/2006/main" xmlns:r="http://schemas.openxmlformats.org/officeDocument/2006/relationships" xmlns:p="http://schemas.openxmlformats.org/presentationml/2006/main">
+  <p:cSld>
+    <p:spTree>
+      <p:nvGrpSpPr>
+        <p:cNvPr id="1" name=""/>
+        <p:cNvGrpSpPr/>
+        <p:nvPr/>
+      </p:nvGrpSpPr>
+      <p:grpSpPr>
+        <a:xfrm>
+          <a:off x="0" y="0"/>
+          <a:ext cx="0" cy="0"/>
+          <a:chOff x="0" y="0"/>
+          <a:chExt cx="0" cy="0"/>
+        </a:xfrm>
+      </p:grpSpPr>
+      <p:sp>
+        <p:nvSpPr>
+          <p:cNvPr id="2" name="标题 1"/>
+          <p:cNvSpPr>
+            <a:spLocks noGrp="1"/>
+          </p:cNvSpPr>
+          <p:nvPr>
+            <p:ph type="title"/>
+          </p:nvPr>
+        </p:nvSpPr>
+        <p:spPr/>
+        <p:txBody>
+          <a:bodyPr/>
+          <a:lstStyle/>
+          <a:p>
+            <a:r>
+              <a:rPr kumimoji="1" lang="en-US" altLang="zh-CN"/>
+              <a:t>SketchVisor</a:t>
+            </a:r>
+            <a:endParaRPr kumimoji="1" lang="zh-CN" altLang="en-US"/>
+          </a:p>
+        </p:txBody>
+      </p:sp>
+      <p:sp>
+        <p:nvSpPr>
+          <p:cNvPr id="3" name="内容占位符 2"/>
+          <p:cNvSpPr>
+            <a:spLocks noGrp="1"/>
+          </p:cNvSpPr>
+          <p:nvPr>
+            <p:ph idx="1"/>
+          </p:nvPr>
+        </p:nvSpPr>
+        <p:spPr>
+          <a:xfrm>
+            <a:off x="358775" y="1142660"/>
+            <a:ext cx="8426450" cy="5715340"/>
+          </a:xfrm>
+        </p:spPr>
+        <p:txBody>
+          <a:bodyPr>
+            <a:normAutofit/>
+          </a:bodyPr>
+          <a:lstStyle/>
+          <a:p>
+            <a:pPr>
+              <a:spcBef>
+                <a:spcPts val="0"/>
+              </a:spcBef>
+              <a:defRPr/>
+            </a:pPr>
+            <a:r>
+              <a:rPr kumimoji="1" lang="en-US" altLang="zh-CN" sz="2000"/>
+              <a:t>Fast</a:t>
+            </a:r>
+            <a:r>
+              <a:rPr kumimoji="1" lang="zh-CN" altLang="en-US" sz="2000"/>
+              <a:t> </a:t>
+            </a:r>
+            <a:r>
+              <a:rPr kumimoji="1" lang="en-US" altLang="zh-CN" sz="2000"/>
+              <a:t>Path</a:t>
+            </a:r>
+            <a:r>
+              <a:rPr kumimoji="1" lang="zh-CN" altLang="en-US" sz="2000"/>
+              <a:t>：考虑到实际中的长尾分布，只收集</a:t>
+            </a:r>
+            <a:r>
+              <a:rPr kumimoji="1" lang="en-US" altLang="zh-CN" sz="2000"/>
+              <a:t>top-k</a:t>
+            </a:r>
+            <a:r>
+              <a:rPr kumimoji="1" lang="zh-CN" altLang="en-US" sz="2000"/>
+              <a:t>的信息</a:t>
+            </a:r>
+            <a:endParaRPr kumimoji="1" lang="en-US" altLang="zh-CN" sz="2000"/>
+          </a:p>
+          <a:p>
+            <a:pPr lvl="1">
+              <a:spcBef>
+                <a:spcPts val="0"/>
+              </a:spcBef>
+              <a:defRPr/>
+            </a:pPr>
+            <a:r>
+              <a:rPr kumimoji="1" lang="zh-CN" altLang="en-US" sz="1800"/>
+              <a:t>具体</a:t>
+            </a:r>
+            <a:r>
+              <a:rPr kumimoji="1" lang="en-US" altLang="zh-CN" sz="1800"/>
+              <a:t>top-k</a:t>
+            </a:r>
+            <a:r>
+              <a:rPr kumimoji="1" lang="zh-CN" altLang="en-US" sz="1800"/>
+              <a:t>算法见论文</a:t>
+            </a:r>
+            <a:endParaRPr kumimoji="1" lang="en-US" altLang="zh-CN" sz="1800"/>
+          </a:p>
+          <a:p>
+            <a:pPr>
+              <a:spcBef>
+                <a:spcPts val="0"/>
+              </a:spcBef>
+              <a:defRPr/>
+            </a:pPr>
+            <a:r>
+              <a:rPr kumimoji="1" lang="en-US" altLang="zh-CN" sz="2000"/>
+              <a:t>Recovery</a:t>
+            </a:r>
+            <a:r>
+              <a:rPr kumimoji="1" lang="zh-CN" altLang="en-US" sz="2000"/>
+              <a:t> </a:t>
+            </a:r>
+            <a:r>
+              <a:rPr kumimoji="1" lang="en-US" altLang="zh-CN" sz="2000"/>
+              <a:t>algorithm</a:t>
+            </a:r>
+            <a:r>
+              <a:rPr kumimoji="1" lang="zh-CN" altLang="en-US" sz="2000"/>
+              <a:t>：</a:t>
+            </a:r>
+            <a:endParaRPr kumimoji="1" lang="en-US" altLang="zh-CN" sz="2000"/>
+          </a:p>
+          <a:p>
+            <a:pPr lvl="1">
+              <a:spcBef>
+                <a:spcPts val="0"/>
+              </a:spcBef>
+              <a:defRPr/>
+            </a:pPr>
+            <a:r>
+              <a:rPr kumimoji="1" lang="zh-CN" altLang="en-US" sz="1800"/>
+              <a:t>已知的信息：</a:t>
+            </a:r>
+            <a:endParaRPr kumimoji="1" lang="en-US" altLang="zh-CN" sz="1800"/>
+          </a:p>
+          <a:p>
+            <a:pPr lvl="2">
+              <a:spcBef>
+                <a:spcPts val="0"/>
+              </a:spcBef>
+              <a:defRPr/>
+            </a:pPr>
+            <a:r>
+              <a:rPr kumimoji="1" lang="zh-CN" altLang="en-US" sz="1800"/>
+              <a:t>将收集到的所有</a:t>
+            </a:r>
+            <a:r>
+              <a:rPr kumimoji="1" lang="en-US" altLang="zh-CN" sz="1800"/>
+              <a:t>sketch</a:t>
+            </a:r>
+            <a:r>
+              <a:rPr kumimoji="1" lang="zh-CN" altLang="en-US" sz="1800"/>
+              <a:t>加在一起，得到一个</a:t>
+            </a:r>
+            <a:r>
+              <a:rPr kumimoji="1" lang="en-US" altLang="zh-CN" sz="1800"/>
+              <a:t>N</a:t>
+            </a:r>
+          </a:p>
+          <a:p>
+            <a:pPr lvl="3">
+              <a:spcBef>
+                <a:spcPts val="0"/>
+              </a:spcBef>
+              <a:defRPr/>
+            </a:pPr>
+            <a:r>
+              <a:rPr kumimoji="1" lang="zh-CN" altLang="en-US" sz="1600"/>
+              <a:t>因为</a:t>
+            </a:r>
+            <a:r>
+              <a:rPr kumimoji="1" lang="en-US" altLang="zh-CN" sz="1600"/>
+              <a:t>fast</a:t>
+            </a:r>
+            <a:r>
+              <a:rPr kumimoji="1" lang="zh-CN" altLang="en-US" sz="1600"/>
+              <a:t> </a:t>
+            </a:r>
+            <a:r>
+              <a:rPr kumimoji="1" lang="en-US" altLang="zh-CN" sz="1600"/>
+              <a:t>path</a:t>
+            </a:r>
+            <a:r>
+              <a:rPr kumimoji="1" lang="zh-CN" altLang="en-US" sz="1600"/>
+              <a:t>中部分小流信息丢失，所以</a:t>
+            </a:r>
+            <a:r>
+              <a:rPr kumimoji="1" lang="en-US" altLang="zh-CN" sz="1600"/>
+              <a:t>N</a:t>
+            </a:r>
+            <a:r>
+              <a:rPr kumimoji="1" lang="zh-CN" altLang="en-US" sz="1600"/>
+              <a:t>是不准确的</a:t>
+            </a:r>
+            <a:endParaRPr kumimoji="1" lang="en-US" altLang="zh-CN" sz="1600"/>
+          </a:p>
+          <a:p>
+            <a:pPr lvl="2">
+              <a:spcBef>
+                <a:spcPts val="0"/>
+              </a:spcBef>
+              <a:defRPr/>
+            </a:pPr>
+            <a:r>
+              <a:rPr kumimoji="1" lang="zh-CN" altLang="en-US" sz="1800"/>
+              <a:t>所有的</a:t>
+            </a:r>
+            <a:r>
+              <a:rPr kumimoji="1" lang="en-US" altLang="zh-CN" sz="1800"/>
+              <a:t>top-k</a:t>
+            </a:r>
+            <a:r>
+              <a:rPr kumimoji="1" lang="zh-CN" altLang="en-US" sz="1800"/>
+              <a:t>流及其信息组成一个</a:t>
+            </a:r>
+            <a:r>
+              <a:rPr kumimoji="1" lang="en-US" altLang="zh-CN" sz="1800"/>
+              <a:t>hash</a:t>
+            </a:r>
+            <a:r>
+              <a:rPr kumimoji="1" lang="zh-CN" altLang="en-US" sz="1800"/>
+              <a:t> </a:t>
+            </a:r>
+            <a:r>
+              <a:rPr kumimoji="1" lang="en-US" altLang="zh-CN" sz="1800"/>
+              <a:t>table</a:t>
+            </a:r>
+          </a:p>
+          <a:p>
+            <a:pPr lvl="3">
+              <a:spcBef>
+                <a:spcPts val="0"/>
+              </a:spcBef>
+              <a:defRPr/>
+            </a:pPr>
+            <a:r>
+              <a:rPr kumimoji="1" lang="zh-CN" altLang="en-US" sz="1600"/>
+              <a:t>这部分是准确的（不考虑</a:t>
+            </a:r>
+            <a:r>
+              <a:rPr kumimoji="1" lang="en-US" altLang="zh-CN" sz="1600"/>
+              <a:t>sketch</a:t>
+            </a:r>
+            <a:r>
+              <a:rPr kumimoji="1" lang="zh-CN" altLang="en-US" sz="1600"/>
+              <a:t>算法本身的误差）</a:t>
+            </a:r>
+            <a:endParaRPr kumimoji="1" lang="en-US" altLang="zh-CN" sz="1600"/>
+          </a:p>
+          <a:p>
+            <a:pPr lvl="2">
+              <a:spcBef>
+                <a:spcPts val="0"/>
+              </a:spcBef>
+              <a:defRPr/>
+            </a:pPr>
+            <a:r>
+              <a:rPr kumimoji="1" lang="zh-CN" altLang="en-US" sz="1800"/>
+              <a:t>流的总字节数</a:t>
+            </a:r>
+            <a:endParaRPr kumimoji="1" lang="en-US" altLang="zh-CN" sz="1800"/>
+          </a:p>
+          <a:p>
+            <a:pPr lvl="1">
+              <a:spcBef>
+                <a:spcPts val="0"/>
+              </a:spcBef>
+              <a:defRPr/>
+            </a:pPr>
+            <a:r>
+              <a:rPr kumimoji="1" lang="zh-CN" altLang="en-US" sz="1800"/>
+              <a:t>补全</a:t>
+            </a:r>
+            <a:r>
+              <a:rPr kumimoji="1" lang="en-US" altLang="zh-CN" sz="1800"/>
+              <a:t>N</a:t>
+            </a:r>
+            <a:r>
+              <a:rPr kumimoji="1" lang="zh-CN" altLang="en-US" sz="1800"/>
+              <a:t> </a:t>
+            </a:r>
+            <a:r>
+              <a:rPr kumimoji="1" lang="en-US" altLang="zh-CN" sz="1800"/>
+              <a:t> =&gt;  </a:t>
+            </a:r>
+            <a:r>
+              <a:rPr kumimoji="1" lang="zh-CN" altLang="en-US" sz="1800"/>
+              <a:t>矩阵补全</a:t>
+            </a:r>
+            <a:endParaRPr kumimoji="1" lang="en-US" altLang="zh-CN" sz="1800"/>
+          </a:p>
+          <a:p>
+            <a:pPr lvl="2">
+              <a:spcBef>
+                <a:spcPts val="0"/>
+              </a:spcBef>
+              <a:defRPr/>
+            </a:pPr>
+            <a:r>
+              <a:rPr kumimoji="1" lang="zh-CN" altLang="en-US" sz="1800"/>
+              <a:t>使用</a:t>
+            </a:r>
+            <a:r>
+              <a:rPr kumimoji="1" lang="en-US" altLang="zh-CN" sz="1800"/>
+              <a:t>compressive</a:t>
+            </a:r>
+            <a:r>
+              <a:rPr kumimoji="1" lang="zh-CN" altLang="en-US" sz="1800"/>
+              <a:t> </a:t>
+            </a:r>
+            <a:r>
+              <a:rPr kumimoji="1" lang="en-US" altLang="zh-CN" sz="1800"/>
+              <a:t>sensing</a:t>
+            </a:r>
+            <a:r>
+              <a:rPr kumimoji="1" lang="zh-CN" altLang="en-US" sz="1800"/>
+              <a:t>来补全</a:t>
+            </a:r>
+            <a:r>
+              <a:rPr kumimoji="1" lang="en-US" altLang="zh-CN" sz="1800"/>
+              <a:t>N</a:t>
+            </a:r>
+          </a:p>
+          <a:p>
+            <a:pPr lvl="2">
+              <a:spcBef>
+                <a:spcPts val="0"/>
+              </a:spcBef>
+              <a:defRPr/>
+            </a:pPr>
+            <a:r>
+              <a:rPr kumimoji="1" lang="zh-CN" altLang="en-US" sz="1800"/>
+              <a:t>具体推到及算法见论文</a:t>
+            </a:r>
+            <a:endParaRPr kumimoji="1" lang="en-US" altLang="zh-CN" sz="1800"/>
+          </a:p>
+        </p:txBody>
+      </p:sp>
+    </p:spTree>
+    <p:extLst>
+      <p:ext uri="{BB962C8B-B14F-4D97-AF65-F5344CB8AC3E}">
+        <p14:creationId xmlns:p14="http://schemas.microsoft.com/office/powerpoint/2010/main" val="453369542"/>
       </p:ext>
     </p:extLst>
   </p:cSld>
